--- a/SDV Hackathon 2025 - Pitching Slides Template.pptx
+++ b/SDV Hackathon 2025 - Pitching Slides Template.pptx
@@ -244,7 +244,7 @@
         <p:txBody>
           <a:bodyPr/>
           <a:p>
-            <a:fld id="{19933060-9C36-4C2F-8886-93F624100F96}" type="slidenum">
+            <a:fld id="{DE280950-CF74-4AD2-95FD-7A96BF3C7301}" type="slidenum">
               <a:t>&lt;#&gt;</a:t>
             </a:fld>
           </a:p>
@@ -256,7 +256,7 @@
 </file>
 
 <file path=ppt/slideLayouts/slideLayout10.xml><?xml version="1.0" encoding="utf-8"?>
-<p:sldLayout xmlns:a="http://schemas.openxmlformats.org/drawingml/2006/main" xmlns:p="http://schemas.openxmlformats.org/presentationml/2006/main" xmlns:r="http://schemas.openxmlformats.org/officeDocument/2006/relationships" xmlns:p14="http://schemas.microsoft.com/office/powerpoint/2010/main" xmlns:p15="http://schemas.microsoft.com/office/powerpoint/2012/main" xmlns:mc="http://schemas.openxmlformats.org/markup-compatibility/2006" type="mediaAndTx" preserve="1">
+<p:sldLayout xmlns:a="http://schemas.openxmlformats.org/drawingml/2006/main" xmlns:p="http://schemas.openxmlformats.org/presentationml/2006/main" xmlns:r="http://schemas.openxmlformats.org/officeDocument/2006/relationships" xmlns:p14="http://schemas.microsoft.com/office/powerpoint/2010/main" xmlns:p15="http://schemas.microsoft.com/office/powerpoint/2012/main" xmlns:mc="http://schemas.openxmlformats.org/markup-compatibility/2006" type="blank" preserve="1">
   <p:cSld name="Centered Text">
     <p:spTree>
       <p:nvGrpSpPr>
@@ -286,7 +286,7 @@
         <p:txBody>
           <a:bodyPr/>
           <a:p>
-            <a:fld id="{63511808-1DAB-46FA-9904-B9263E3D7AF6}" type="slidenum">
+            <a:fld id="{D64E3D10-2A78-489E-A11E-D6AE0B6FB9F2}" type="slidenum">
               <a:t>&lt;#&gt;</a:t>
             </a:fld>
           </a:p>
@@ -316,7 +316,7 @@
       </p:grpSpPr>
       <p:sp>
         <p:nvSpPr>
-          <p:cNvPr id="63" name="PlaceHolder 1"/>
+          <p:cNvPr id="57" name="PlaceHolder 1"/>
           <p:cNvSpPr>
             <a:spLocks noGrp="1"/>
           </p:cNvSpPr>
@@ -356,7 +356,7 @@
       </p:sp>
       <p:sp>
         <p:nvSpPr>
-          <p:cNvPr id="64" name="PlaceHolder 2"/>
+          <p:cNvPr id="58" name="PlaceHolder 2"/>
           <p:cNvSpPr>
             <a:spLocks noGrp="1"/>
           </p:cNvSpPr>
@@ -399,7 +399,7 @@
       </p:sp>
       <p:sp>
         <p:nvSpPr>
-          <p:cNvPr id="65" name="PlaceHolder 3"/>
+          <p:cNvPr id="59" name="PlaceHolder 3"/>
           <p:cNvSpPr>
             <a:spLocks noGrp="1"/>
           </p:cNvSpPr>
@@ -442,7 +442,7 @@
       </p:sp>
       <p:sp>
         <p:nvSpPr>
-          <p:cNvPr id="66" name="PlaceHolder 4"/>
+          <p:cNvPr id="60" name="PlaceHolder 4"/>
           <p:cNvSpPr>
             <a:spLocks noGrp="1"/>
           </p:cNvSpPr>
@@ -497,7 +497,7 @@
         <p:txBody>
           <a:bodyPr/>
           <a:p>
-            <a:fld id="{EE90ABB0-A8A7-412A-8910-4B9B839D98E7}" type="slidenum">
+            <a:fld id="{22C46B6A-BB8A-4416-9AD6-BDD91B2E99A6}" type="slidenum">
               <a:t>&lt;#&gt;</a:t>
             </a:fld>
           </a:p>
@@ -527,7 +527,7 @@
       </p:grpSpPr>
       <p:sp>
         <p:nvSpPr>
-          <p:cNvPr id="72" name="PlaceHolder 1"/>
+          <p:cNvPr id="66" name="PlaceHolder 1"/>
           <p:cNvSpPr>
             <a:spLocks noGrp="1"/>
           </p:cNvSpPr>
@@ -567,7 +567,7 @@
       </p:sp>
       <p:sp>
         <p:nvSpPr>
-          <p:cNvPr id="73" name="PlaceHolder 2"/>
+          <p:cNvPr id="67" name="PlaceHolder 2"/>
           <p:cNvSpPr>
             <a:spLocks noGrp="1"/>
           </p:cNvSpPr>
@@ -610,7 +610,7 @@
       </p:sp>
       <p:sp>
         <p:nvSpPr>
-          <p:cNvPr id="74" name="PlaceHolder 3"/>
+          <p:cNvPr id="68" name="PlaceHolder 3"/>
           <p:cNvSpPr>
             <a:spLocks noGrp="1"/>
           </p:cNvSpPr>
@@ -653,7 +653,7 @@
       </p:sp>
       <p:sp>
         <p:nvSpPr>
-          <p:cNvPr id="75" name="PlaceHolder 4"/>
+          <p:cNvPr id="69" name="PlaceHolder 4"/>
           <p:cNvSpPr>
             <a:spLocks noGrp="1"/>
           </p:cNvSpPr>
@@ -708,7 +708,7 @@
         <p:txBody>
           <a:bodyPr/>
           <a:p>
-            <a:fld id="{A1E892FA-B8F1-4349-8221-F6C14DD74BBF}" type="slidenum">
+            <a:fld id="{6A4C5771-CCFC-4E27-BC63-C402BD10F944}" type="slidenum">
               <a:t>&lt;#&gt;</a:t>
             </a:fld>
           </a:p>
@@ -738,7 +738,7 @@
       </p:grpSpPr>
       <p:sp>
         <p:nvSpPr>
-          <p:cNvPr id="84" name="PlaceHolder 1"/>
+          <p:cNvPr id="78" name="PlaceHolder 1"/>
           <p:cNvSpPr>
             <a:spLocks noGrp="1"/>
           </p:cNvSpPr>
@@ -778,7 +778,7 @@
       </p:sp>
       <p:sp>
         <p:nvSpPr>
-          <p:cNvPr id="85" name="PlaceHolder 2"/>
+          <p:cNvPr id="79" name="PlaceHolder 2"/>
           <p:cNvSpPr>
             <a:spLocks noGrp="1"/>
           </p:cNvSpPr>
@@ -821,7 +821,7 @@
       </p:sp>
       <p:sp>
         <p:nvSpPr>
-          <p:cNvPr id="86" name="PlaceHolder 3"/>
+          <p:cNvPr id="80" name="PlaceHolder 3"/>
           <p:cNvSpPr>
             <a:spLocks noGrp="1"/>
           </p:cNvSpPr>
@@ -864,7 +864,7 @@
       </p:sp>
       <p:sp>
         <p:nvSpPr>
-          <p:cNvPr id="87" name="PlaceHolder 4"/>
+          <p:cNvPr id="81" name="PlaceHolder 4"/>
           <p:cNvSpPr>
             <a:spLocks noGrp="1"/>
           </p:cNvSpPr>
@@ -929,7 +929,7 @@
       </p:grpSpPr>
       <p:sp>
         <p:nvSpPr>
-          <p:cNvPr id="96" name="PlaceHolder 1"/>
+          <p:cNvPr id="90" name="PlaceHolder 1"/>
           <p:cNvSpPr>
             <a:spLocks noGrp="1"/>
           </p:cNvSpPr>
@@ -969,7 +969,7 @@
       </p:sp>
       <p:sp>
         <p:nvSpPr>
-          <p:cNvPr id="97" name="PlaceHolder 2"/>
+          <p:cNvPr id="91" name="PlaceHolder 2"/>
           <p:cNvSpPr>
             <a:spLocks noGrp="1"/>
           </p:cNvSpPr>
@@ -1012,7 +1012,7 @@
       </p:sp>
       <p:sp>
         <p:nvSpPr>
-          <p:cNvPr id="98" name="PlaceHolder 3"/>
+          <p:cNvPr id="92" name="PlaceHolder 3"/>
           <p:cNvSpPr>
             <a:spLocks noGrp="1"/>
           </p:cNvSpPr>
@@ -1055,7 +1055,7 @@
       </p:sp>
       <p:sp>
         <p:nvSpPr>
-          <p:cNvPr id="99" name="PlaceHolder 4"/>
+          <p:cNvPr id="93" name="PlaceHolder 4"/>
           <p:cNvSpPr>
             <a:spLocks noGrp="1"/>
           </p:cNvSpPr>
@@ -1120,7 +1120,7 @@
       </p:grpSpPr>
       <p:sp>
         <p:nvSpPr>
-          <p:cNvPr id="108" name="PlaceHolder 1"/>
+          <p:cNvPr id="102" name="PlaceHolder 1"/>
           <p:cNvSpPr>
             <a:spLocks noGrp="1"/>
           </p:cNvSpPr>
@@ -1160,7 +1160,7 @@
       </p:sp>
       <p:sp>
         <p:nvSpPr>
-          <p:cNvPr id="109" name="PlaceHolder 2"/>
+          <p:cNvPr id="103" name="PlaceHolder 2"/>
           <p:cNvSpPr>
             <a:spLocks noGrp="1"/>
           </p:cNvSpPr>
@@ -1203,7 +1203,7 @@
       </p:sp>
       <p:sp>
         <p:nvSpPr>
-          <p:cNvPr id="110" name="PlaceHolder 3"/>
+          <p:cNvPr id="104" name="PlaceHolder 3"/>
           <p:cNvSpPr>
             <a:spLocks noGrp="1"/>
           </p:cNvSpPr>
@@ -1246,7 +1246,7 @@
       </p:sp>
       <p:sp>
         <p:nvSpPr>
-          <p:cNvPr id="111" name="PlaceHolder 4"/>
+          <p:cNvPr id="105" name="PlaceHolder 4"/>
           <p:cNvSpPr>
             <a:spLocks noGrp="1"/>
           </p:cNvSpPr>
@@ -1311,7 +1311,7 @@
       </p:grpSpPr>
       <p:sp>
         <p:nvSpPr>
-          <p:cNvPr id="119" name="PlaceHolder 1"/>
+          <p:cNvPr id="113" name="PlaceHolder 1"/>
           <p:cNvSpPr>
             <a:spLocks noGrp="1"/>
           </p:cNvSpPr>
@@ -1351,7 +1351,7 @@
       </p:sp>
       <p:sp>
         <p:nvSpPr>
-          <p:cNvPr id="120" name="PlaceHolder 2"/>
+          <p:cNvPr id="114" name="PlaceHolder 2"/>
           <p:cNvSpPr>
             <a:spLocks noGrp="1"/>
           </p:cNvSpPr>
@@ -1394,7 +1394,7 @@
       </p:sp>
       <p:sp>
         <p:nvSpPr>
-          <p:cNvPr id="121" name="PlaceHolder 3"/>
+          <p:cNvPr id="115" name="PlaceHolder 3"/>
           <p:cNvSpPr>
             <a:spLocks noGrp="1"/>
           </p:cNvSpPr>
@@ -1459,7 +1459,7 @@
       </p:grpSpPr>
       <p:sp>
         <p:nvSpPr>
-          <p:cNvPr id="131" name="PlaceHolder 1"/>
+          <p:cNvPr id="125" name="PlaceHolder 1"/>
           <p:cNvSpPr>
             <a:spLocks noGrp="1"/>
           </p:cNvSpPr>
@@ -1499,7 +1499,7 @@
       </p:sp>
       <p:sp>
         <p:nvSpPr>
-          <p:cNvPr id="132" name="PlaceHolder 2"/>
+          <p:cNvPr id="126" name="PlaceHolder 2"/>
           <p:cNvSpPr>
             <a:spLocks noGrp="1"/>
           </p:cNvSpPr>
@@ -1542,7 +1542,7 @@
       </p:sp>
       <p:sp>
         <p:nvSpPr>
-          <p:cNvPr id="133" name="PlaceHolder 3"/>
+          <p:cNvPr id="127" name="PlaceHolder 3"/>
           <p:cNvSpPr>
             <a:spLocks noGrp="1"/>
           </p:cNvSpPr>
@@ -1585,7 +1585,7 @@
       </p:sp>
       <p:sp>
         <p:nvSpPr>
-          <p:cNvPr id="134" name="PlaceHolder 4"/>
+          <p:cNvPr id="128" name="PlaceHolder 4"/>
           <p:cNvSpPr>
             <a:spLocks noGrp="1"/>
           </p:cNvSpPr>
@@ -1628,7 +1628,7 @@
       </p:sp>
       <p:sp>
         <p:nvSpPr>
-          <p:cNvPr id="135" name="PlaceHolder 5"/>
+          <p:cNvPr id="129" name="PlaceHolder 5"/>
           <p:cNvSpPr>
             <a:spLocks noGrp="1"/>
           </p:cNvSpPr>
@@ -1875,7 +1875,7 @@
         <p:txBody>
           <a:bodyPr/>
           <a:p>
-            <a:fld id="{398CF3BE-91B6-483E-B4A4-6A214F82F6E8}" type="slidenum">
+            <a:fld id="{175CD4BF-122A-4E7B-AF92-1EDCAED63296}" type="slidenum">
               <a:t>&lt;#&gt;</a:t>
             </a:fld>
           </a:p>
@@ -1905,7 +1905,7 @@
       </p:grpSpPr>
       <p:sp>
         <p:nvSpPr>
-          <p:cNvPr id="158" name="PlaceHolder 1"/>
+          <p:cNvPr id="146" name="PlaceHolder 1"/>
           <p:cNvSpPr>
             <a:spLocks noGrp="1"/>
           </p:cNvSpPr>
@@ -1945,7 +1945,7 @@
       </p:sp>
       <p:sp>
         <p:nvSpPr>
-          <p:cNvPr id="159" name="PlaceHolder 2"/>
+          <p:cNvPr id="147" name="PlaceHolder 2"/>
           <p:cNvSpPr>
             <a:spLocks noGrp="1"/>
           </p:cNvSpPr>
@@ -2010,7 +2010,7 @@
       </p:grpSpPr>
       <p:sp>
         <p:nvSpPr>
-          <p:cNvPr id="166" name="PlaceHolder 1"/>
+          <p:cNvPr id="154" name="PlaceHolder 1"/>
           <p:cNvSpPr>
             <a:spLocks noGrp="1"/>
           </p:cNvSpPr>
@@ -2050,7 +2050,7 @@
       </p:sp>
       <p:sp>
         <p:nvSpPr>
-          <p:cNvPr id="167" name="PlaceHolder 2"/>
+          <p:cNvPr id="155" name="PlaceHolder 2"/>
           <p:cNvSpPr>
             <a:spLocks noGrp="1"/>
           </p:cNvSpPr>
@@ -2115,7 +2115,7 @@
       </p:grpSpPr>
       <p:sp>
         <p:nvSpPr>
-          <p:cNvPr id="175" name="PlaceHolder 1"/>
+          <p:cNvPr id="163" name="PlaceHolder 1"/>
           <p:cNvSpPr>
             <a:spLocks noGrp="1"/>
           </p:cNvSpPr>
@@ -2155,7 +2155,7 @@
       </p:sp>
       <p:sp>
         <p:nvSpPr>
-          <p:cNvPr id="176" name="PlaceHolder 2"/>
+          <p:cNvPr id="164" name="PlaceHolder 2"/>
           <p:cNvSpPr>
             <a:spLocks noGrp="1"/>
           </p:cNvSpPr>
@@ -2198,7 +2198,7 @@
       </p:sp>
       <p:sp>
         <p:nvSpPr>
-          <p:cNvPr id="177" name="PlaceHolder 3"/>
+          <p:cNvPr id="165" name="PlaceHolder 3"/>
           <p:cNvSpPr>
             <a:spLocks noGrp="1"/>
           </p:cNvSpPr>
@@ -2263,7 +2263,7 @@
       </p:grpSpPr>
       <p:sp>
         <p:nvSpPr>
-          <p:cNvPr id="183" name="PlaceHolder 1"/>
+          <p:cNvPr id="171" name="PlaceHolder 1"/>
           <p:cNvSpPr>
             <a:spLocks noGrp="1"/>
           </p:cNvSpPr>
@@ -2307,7 +2307,7 @@
 </file>
 
 <file path=ppt/slideLayouts/slideLayout24.xml><?xml version="1.0" encoding="utf-8"?>
-<p:sldLayout xmlns:a="http://schemas.openxmlformats.org/drawingml/2006/main" xmlns:p="http://schemas.openxmlformats.org/presentationml/2006/main" xmlns:r="http://schemas.openxmlformats.org/officeDocument/2006/relationships" xmlns:p14="http://schemas.microsoft.com/office/powerpoint/2010/main" xmlns:p15="http://schemas.microsoft.com/office/powerpoint/2012/main" xmlns:mc="http://schemas.openxmlformats.org/markup-compatibility/2006" type="mediaAndTx" preserve="1">
+<p:sldLayout xmlns:a="http://schemas.openxmlformats.org/drawingml/2006/main" xmlns:p="http://schemas.openxmlformats.org/presentationml/2006/main" xmlns:r="http://schemas.openxmlformats.org/officeDocument/2006/relationships" xmlns:p14="http://schemas.microsoft.com/office/powerpoint/2010/main" xmlns:p15="http://schemas.microsoft.com/office/powerpoint/2012/main" xmlns:mc="http://schemas.openxmlformats.org/markup-compatibility/2006" type="blank" preserve="1">
   <p:cSld name="Default 11">
     <p:spTree>
       <p:nvGrpSpPr>
@@ -2571,7 +2571,7 @@
         <p:txBody>
           <a:bodyPr/>
           <a:p>
-            <a:fld id="{2F4750EE-85D6-4703-8081-23D696C15002}" type="slidenum">
+            <a:fld id="{E070C93F-1807-4C8E-BFB2-72AEBA59BD08}" type="slidenum">
               <a:t>&lt;#&gt;</a:t>
             </a:fld>
           </a:p>
@@ -2613,7 +2613,7 @@
         <p:txBody>
           <a:bodyPr/>
           <a:p>
-            <a:fld id="{43FD5896-CBB2-4100-A81E-E3098F0D86F4}" type="slidenum">
+            <a:fld id="{DB9DBE42-3FC6-4115-B614-80D89E0811EA}" type="slidenum">
               <a:t>&lt;#&gt;</a:t>
             </a:fld>
           </a:p>
@@ -2655,7 +2655,7 @@
         <p:txBody>
           <a:bodyPr/>
           <a:p>
-            <a:fld id="{3F987EDF-96E5-41FF-9E00-777E371270C3}" type="slidenum">
+            <a:fld id="{7412B6D6-A101-4656-A951-66949891095B}" type="slidenum">
               <a:t>&lt;#&gt;</a:t>
             </a:fld>
           </a:p>
@@ -2685,7 +2685,7 @@
       </p:grpSpPr>
       <p:sp>
         <p:nvSpPr>
-          <p:cNvPr id="40" name="PlaceHolder 1"/>
+          <p:cNvPr id="34" name="PlaceHolder 1"/>
           <p:cNvSpPr>
             <a:spLocks noGrp="1"/>
           </p:cNvSpPr>
@@ -2725,7 +2725,7 @@
       </p:sp>
       <p:sp>
         <p:nvSpPr>
-          <p:cNvPr id="41" name="PlaceHolder 2"/>
+          <p:cNvPr id="35" name="PlaceHolder 2"/>
           <p:cNvSpPr>
             <a:spLocks noGrp="1"/>
           </p:cNvSpPr>
@@ -2780,7 +2780,7 @@
         <p:txBody>
           <a:bodyPr/>
           <a:p>
-            <a:fld id="{704788B4-65C9-40EE-B496-AE9C2C877300}" type="slidenum">
+            <a:fld id="{56F029C9-3196-47C5-9910-0F941FD80E46}" type="slidenum">
               <a:t>&lt;#&gt;</a:t>
             </a:fld>
           </a:p>
@@ -2794,6 +2794,131 @@
 <file path=ppt/slideLayouts/slideLayout7.xml><?xml version="1.0" encoding="utf-8"?>
 <p:sldLayout xmlns:a="http://schemas.openxmlformats.org/drawingml/2006/main" xmlns:p="http://schemas.openxmlformats.org/presentationml/2006/main" xmlns:r="http://schemas.openxmlformats.org/officeDocument/2006/relationships" xmlns:p14="http://schemas.microsoft.com/office/powerpoint/2010/main" xmlns:p15="http://schemas.microsoft.com/office/powerpoint/2012/main" xmlns:mc="http://schemas.openxmlformats.org/markup-compatibility/2006" type="obj" preserve="1">
   <p:cSld name="Title, Content">
+    <p:spTree>
+      <p:nvGrpSpPr>
+        <p:cNvPr id="1" name=""/>
+        <p:cNvGrpSpPr/>
+        <p:nvPr/>
+      </p:nvGrpSpPr>
+      <p:grpSpPr>
+        <a:xfrm>
+          <a:off x="0" y="0"/>
+          <a:ext cx="0" cy="0"/>
+          <a:chOff x="0" y="0"/>
+          <a:chExt cx="0" cy="0"/>
+        </a:xfrm>
+      </p:grpSpPr>
+      <p:sp>
+        <p:nvSpPr>
+          <p:cNvPr id="39" name="PlaceHolder 1"/>
+          <p:cNvSpPr>
+            <a:spLocks noGrp="1"/>
+          </p:cNvSpPr>
+          <p:nvPr>
+            <p:ph type="title"/>
+          </p:nvPr>
+        </p:nvSpPr>
+        <p:spPr>
+          <a:xfrm>
+            <a:off x="457200" y="205200"/>
+            <a:ext cx="8229240" cy="858600"/>
+          </a:xfrm>
+          <a:prstGeom prst="rect">
+            <a:avLst/>
+          </a:prstGeom>
+          <a:noFill/>
+          <a:ln w="0">
+            <a:noFill/>
+          </a:ln>
+        </p:spPr>
+        <p:txBody>
+          <a:bodyPr lIns="0" rIns="0" tIns="0" bIns="0" anchor="ctr">
+            <a:noAutofit/>
+          </a:bodyPr>
+          <a:p>
+            <a:pPr indent="0" algn="ctr">
+              <a:buNone/>
+            </a:pPr>
+            <a:endParaRPr b="0" lang="pt-PT" sz="4400" spc="-1" strike="noStrike">
+              <a:solidFill>
+                <a:srgbClr val="000000"/>
+              </a:solidFill>
+              <a:latin typeface="Arial"/>
+            </a:endParaRPr>
+          </a:p>
+        </p:txBody>
+      </p:sp>
+      <p:sp>
+        <p:nvSpPr>
+          <p:cNvPr id="40" name="PlaceHolder 2"/>
+          <p:cNvSpPr>
+            <a:spLocks noGrp="1"/>
+          </p:cNvSpPr>
+          <p:nvPr>
+            <p:ph/>
+          </p:nvPr>
+        </p:nvSpPr>
+        <p:spPr>
+          <a:xfrm>
+            <a:off x="457200" y="1203480"/>
+            <a:ext cx="8229240" cy="2982960"/>
+          </a:xfrm>
+          <a:prstGeom prst="rect">
+            <a:avLst/>
+          </a:prstGeom>
+          <a:noFill/>
+          <a:ln w="0">
+            <a:noFill/>
+          </a:ln>
+        </p:spPr>
+        <p:txBody>
+          <a:bodyPr lIns="0" rIns="0" tIns="0" bIns="0" anchor="t">
+            <a:normAutofit/>
+          </a:bodyPr>
+          <a:p>
+            <a:pPr indent="0">
+              <a:spcBef>
+                <a:spcPts val="1417"/>
+              </a:spcBef>
+              <a:buNone/>
+            </a:pPr>
+            <a:endParaRPr b="0" lang="pt-PT" sz="3200" spc="-1" strike="noStrike">
+              <a:solidFill>
+                <a:srgbClr val="000000"/>
+              </a:solidFill>
+              <a:latin typeface="Arial"/>
+            </a:endParaRPr>
+          </a:p>
+        </p:txBody>
+      </p:sp>
+      <p:sp>
+        <p:nvSpPr>
+          <p:cNvPr id="4" name="PlaceHolder 3"/>
+          <p:cNvSpPr>
+            <a:spLocks noGrp="1"/>
+          </p:cNvSpPr>
+          <p:nvPr>
+            <p:ph type="sldNum" idx="7"/>
+          </p:nvPr>
+        </p:nvSpPr>
+        <p:spPr/>
+        <p:txBody>
+          <a:bodyPr/>
+          <a:p>
+            <a:fld id="{A76AB99E-1D5E-4ABE-BE8B-623DE7849E71}" type="slidenum">
+              <a:t>&lt;#&gt;</a:t>
+            </a:fld>
+          </a:p>
+        </p:txBody>
+      </p:sp>
+    </p:spTree>
+  </p:cSld>
+</p:sldLayout>
+</file>
+
+<file path=ppt/slideLayouts/slideLayout8.xml><?xml version="1.0" encoding="utf-8"?>
+<p:sldLayout xmlns:a="http://schemas.openxmlformats.org/drawingml/2006/main" xmlns:p="http://schemas.openxmlformats.org/presentationml/2006/main" xmlns:r="http://schemas.openxmlformats.org/officeDocument/2006/relationships" xmlns:p14="http://schemas.microsoft.com/office/powerpoint/2010/main" xmlns:p15="http://schemas.microsoft.com/office/powerpoint/2012/main" xmlns:mc="http://schemas.openxmlformats.org/markup-compatibility/2006" type="twoObj" preserve="1">
+  <p:cSld name="Title, 2 Content">
     <p:spTree>
       <p:nvGrpSpPr>
         <p:cNvPr id="1" name=""/>
@@ -2861,131 +2986,6 @@
         <p:spPr>
           <a:xfrm>
             <a:off x="457200" y="1203480"/>
-            <a:ext cx="8229240" cy="2982960"/>
-          </a:xfrm>
-          <a:prstGeom prst="rect">
-            <a:avLst/>
-          </a:prstGeom>
-          <a:noFill/>
-          <a:ln w="0">
-            <a:noFill/>
-          </a:ln>
-        </p:spPr>
-        <p:txBody>
-          <a:bodyPr lIns="0" rIns="0" tIns="0" bIns="0" anchor="t">
-            <a:normAutofit/>
-          </a:bodyPr>
-          <a:p>
-            <a:pPr indent="0">
-              <a:spcBef>
-                <a:spcPts val="1417"/>
-              </a:spcBef>
-              <a:buNone/>
-            </a:pPr>
-            <a:endParaRPr b="0" lang="pt-PT" sz="3200" spc="-1" strike="noStrike">
-              <a:solidFill>
-                <a:srgbClr val="000000"/>
-              </a:solidFill>
-              <a:latin typeface="Arial"/>
-            </a:endParaRPr>
-          </a:p>
-        </p:txBody>
-      </p:sp>
-      <p:sp>
-        <p:nvSpPr>
-          <p:cNvPr id="4" name="PlaceHolder 3"/>
-          <p:cNvSpPr>
-            <a:spLocks noGrp="1"/>
-          </p:cNvSpPr>
-          <p:nvPr>
-            <p:ph type="sldNum" idx="7"/>
-          </p:nvPr>
-        </p:nvSpPr>
-        <p:spPr/>
-        <p:txBody>
-          <a:bodyPr/>
-          <a:p>
-            <a:fld id="{ECEB2C3D-3134-446A-82BC-CCDB9FA7E543}" type="slidenum">
-              <a:t>&lt;#&gt;</a:t>
-            </a:fld>
-          </a:p>
-        </p:txBody>
-      </p:sp>
-    </p:spTree>
-  </p:cSld>
-</p:sldLayout>
-</file>
-
-<file path=ppt/slideLayouts/slideLayout8.xml><?xml version="1.0" encoding="utf-8"?>
-<p:sldLayout xmlns:a="http://schemas.openxmlformats.org/drawingml/2006/main" xmlns:p="http://schemas.openxmlformats.org/presentationml/2006/main" xmlns:r="http://schemas.openxmlformats.org/officeDocument/2006/relationships" xmlns:p14="http://schemas.microsoft.com/office/powerpoint/2010/main" xmlns:p15="http://schemas.microsoft.com/office/powerpoint/2012/main" xmlns:mc="http://schemas.openxmlformats.org/markup-compatibility/2006" type="twoObj" preserve="1">
-  <p:cSld name="Title, 2 Content">
-    <p:spTree>
-      <p:nvGrpSpPr>
-        <p:cNvPr id="1" name=""/>
-        <p:cNvGrpSpPr/>
-        <p:nvPr/>
-      </p:nvGrpSpPr>
-      <p:grpSpPr>
-        <a:xfrm>
-          <a:off x="0" y="0"/>
-          <a:ext cx="0" cy="0"/>
-          <a:chOff x="0" y="0"/>
-          <a:chExt cx="0" cy="0"/>
-        </a:xfrm>
-      </p:grpSpPr>
-      <p:sp>
-        <p:nvSpPr>
-          <p:cNvPr id="51" name="PlaceHolder 1"/>
-          <p:cNvSpPr>
-            <a:spLocks noGrp="1"/>
-          </p:cNvSpPr>
-          <p:nvPr>
-            <p:ph type="title"/>
-          </p:nvPr>
-        </p:nvSpPr>
-        <p:spPr>
-          <a:xfrm>
-            <a:off x="457200" y="205200"/>
-            <a:ext cx="8229240" cy="858600"/>
-          </a:xfrm>
-          <a:prstGeom prst="rect">
-            <a:avLst/>
-          </a:prstGeom>
-          <a:noFill/>
-          <a:ln w="0">
-            <a:noFill/>
-          </a:ln>
-        </p:spPr>
-        <p:txBody>
-          <a:bodyPr lIns="0" rIns="0" tIns="0" bIns="0" anchor="ctr">
-            <a:noAutofit/>
-          </a:bodyPr>
-          <a:p>
-            <a:pPr indent="0" algn="ctr">
-              <a:buNone/>
-            </a:pPr>
-            <a:endParaRPr b="0" lang="pt-PT" sz="4400" spc="-1" strike="noStrike">
-              <a:solidFill>
-                <a:srgbClr val="000000"/>
-              </a:solidFill>
-              <a:latin typeface="Arial"/>
-            </a:endParaRPr>
-          </a:p>
-        </p:txBody>
-      </p:sp>
-      <p:sp>
-        <p:nvSpPr>
-          <p:cNvPr id="52" name="PlaceHolder 2"/>
-          <p:cNvSpPr>
-            <a:spLocks noGrp="1"/>
-          </p:cNvSpPr>
-          <p:nvPr>
-            <p:ph/>
-          </p:nvPr>
-        </p:nvSpPr>
-        <p:spPr>
-          <a:xfrm>
-            <a:off x="457200" y="1203480"/>
             <a:ext cx="4015800" cy="2982960"/>
           </a:xfrm>
           <a:prstGeom prst="rect">
@@ -3018,7 +3018,7 @@
       </p:sp>
       <p:sp>
         <p:nvSpPr>
-          <p:cNvPr id="53" name="PlaceHolder 3"/>
+          <p:cNvPr id="47" name="PlaceHolder 3"/>
           <p:cNvSpPr>
             <a:spLocks noGrp="1"/>
           </p:cNvSpPr>
@@ -3073,7 +3073,7 @@
         <p:txBody>
           <a:bodyPr/>
           <a:p>
-            <a:fld id="{9AFC4790-4714-4D62-8D32-327C1FC61D7E}" type="slidenum">
+            <a:fld id="{EC750F13-D0B4-4C23-B8DA-EDFDD5417022}" type="slidenum">
               <a:t>&lt;#&gt;</a:t>
             </a:fld>
           </a:p>
@@ -3103,7 +3103,7 @@
       </p:grpSpPr>
       <p:sp>
         <p:nvSpPr>
-          <p:cNvPr id="56" name="PlaceHolder 1"/>
+          <p:cNvPr id="50" name="PlaceHolder 1"/>
           <p:cNvSpPr>
             <a:spLocks noGrp="1"/>
           </p:cNvSpPr>
@@ -3155,7 +3155,7 @@
         <p:txBody>
           <a:bodyPr/>
           <a:p>
-            <a:fld id="{AA3FAB40-F879-4AD4-AD61-1DC46E0AD46B}" type="slidenum">
+            <a:fld id="{AD71575E-CA8C-4188-B01A-5D3ABD461F35}" type="slidenum">
               <a:t>&lt;#&gt;</a:t>
             </a:fld>
           </a:p>
@@ -3202,8 +3202,8 @@
         </p:nvSpPr>
         <p:spPr>
           <a:xfrm>
-            <a:off x="311760" y="444960"/>
-            <a:ext cx="8519760" cy="572040"/>
+            <a:off x="457200" y="205200"/>
+            <a:ext cx="8228880" cy="858240"/>
           </a:xfrm>
           <a:prstGeom prst="rect">
             <a:avLst/>
@@ -3251,8 +3251,8 @@
         </p:nvSpPr>
         <p:spPr>
           <a:xfrm>
-            <a:off x="311760" y="1152360"/>
-            <a:ext cx="4157280" cy="1629000"/>
+            <a:off x="457200" y="1203480"/>
+            <a:ext cx="4015440" cy="1422360"/>
           </a:xfrm>
           <a:prstGeom prst="rect">
             <a:avLst/>
@@ -3264,7 +3264,7 @@
         </p:spPr>
         <p:txBody>
           <a:bodyPr lIns="0" rIns="0" tIns="0" bIns="0" anchor="t">
-            <a:normAutofit fontScale="62222" lnSpcReduction="10000"/>
+            <a:normAutofit fontScale="43333"/>
           </a:bodyPr>
           <a:p>
             <a:pPr marL="432000" indent="-324000">
@@ -3476,8 +3476,8 @@
         </p:nvSpPr>
         <p:spPr>
           <a:xfrm>
-            <a:off x="4677840" y="1152360"/>
-            <a:ext cx="4157280" cy="1629000"/>
+            <a:off x="4674240" y="1203480"/>
+            <a:ext cx="4015440" cy="1422360"/>
           </a:xfrm>
           <a:prstGeom prst="rect">
             <a:avLst/>
@@ -3489,7 +3489,7 @@
         </p:spPr>
         <p:txBody>
           <a:bodyPr lIns="0" rIns="0" tIns="0" bIns="0" anchor="t">
-            <a:normAutofit fontScale="62222" lnSpcReduction="10000"/>
+            <a:normAutofit fontScale="43333"/>
           </a:bodyPr>
           <a:p>
             <a:pPr marL="432000" indent="-324000">
@@ -3701,8 +3701,8 @@
         </p:nvSpPr>
         <p:spPr>
           <a:xfrm>
-            <a:off x="311760" y="2936880"/>
-            <a:ext cx="8519760" cy="1629000"/>
+            <a:off x="457200" y="2761920"/>
+            <a:ext cx="8228880" cy="1422360"/>
           </a:xfrm>
           <a:prstGeom prst="rect">
             <a:avLst/>
@@ -3714,7 +3714,7 @@
         </p:spPr>
         <p:txBody>
           <a:bodyPr lIns="0" rIns="0" tIns="0" bIns="0" anchor="t">
-            <a:normAutofit fontScale="62222"/>
+            <a:normAutofit fontScale="50000"/>
           </a:bodyPr>
           <a:p>
             <a:pPr marL="432000" indent="-324000">
@@ -3927,7 +3927,7 @@
         <p:spPr>
           <a:xfrm>
             <a:off x="8472600" y="4663080"/>
-            <a:ext cx="547920" cy="392760"/>
+            <a:ext cx="547560" cy="392400"/>
           </a:xfrm>
           <a:prstGeom prst="rect">
             <a:avLst/>
@@ -3969,7 +3969,7 @@
                 <a:tab algn="l" pos="0"/>
               </a:tabLst>
             </a:pPr>
-            <a:fld id="{423E149E-F1C9-4BEB-A40B-42EE58327A74}" type="slidenum">
+            <a:fld id="{CDE4D039-EC7A-489F-9331-E03611564878}" type="slidenum">
               <a:rPr b="0" lang="en" sz="1000" spc="-1" strike="noStrike">
                 <a:solidFill>
                   <a:srgbClr val="595959"/>
@@ -4023,7 +4023,7 @@
       </p:grpSpPr>
       <p:sp>
         <p:nvSpPr>
-          <p:cNvPr id="57" name="PlaceHolder 1"/>
+          <p:cNvPr id="51" name="PlaceHolder 1"/>
           <p:cNvSpPr>
             <a:spLocks noGrp="1"/>
           </p:cNvSpPr>
@@ -4034,7 +4034,7 @@
         <p:spPr>
           <a:xfrm>
             <a:off x="8472600" y="4663080"/>
-            <a:ext cx="547920" cy="392760"/>
+            <a:ext cx="547560" cy="392400"/>
           </a:xfrm>
           <a:prstGeom prst="rect">
             <a:avLst/>
@@ -4076,7 +4076,7 @@
                 <a:tab algn="l" pos="0"/>
               </a:tabLst>
             </a:pPr>
-            <a:fld id="{98357DA7-E03D-4527-A21A-21608A2D800D}" type="slidenum">
+            <a:fld id="{E0365495-555B-460A-A09C-7885B4C5EDAB}" type="slidenum">
               <a:rPr b="0" lang="en" sz="1000" spc="-1" strike="noStrike">
                 <a:solidFill>
                   <a:srgbClr val="595959"/>
@@ -4130,7 +4130,7 @@
       </p:grpSpPr>
       <p:sp>
         <p:nvSpPr>
-          <p:cNvPr id="58" name="PlaceHolder 1"/>
+          <p:cNvPr id="52" name="PlaceHolder 1"/>
           <p:cNvSpPr>
             <a:spLocks noGrp="1"/>
           </p:cNvSpPr>
@@ -4140,8 +4140,8 @@
         </p:nvSpPr>
         <p:spPr>
           <a:xfrm>
-            <a:off x="311760" y="444960"/>
-            <a:ext cx="8519760" cy="572040"/>
+            <a:off x="457200" y="205200"/>
+            <a:ext cx="8228880" cy="858240"/>
           </a:xfrm>
           <a:prstGeom prst="rect">
             <a:avLst/>
@@ -4179,7 +4179,7 @@
       </p:sp>
       <p:sp>
         <p:nvSpPr>
-          <p:cNvPr id="59" name="PlaceHolder 2"/>
+          <p:cNvPr id="53" name="PlaceHolder 2"/>
           <p:cNvSpPr>
             <a:spLocks noGrp="1"/>
           </p:cNvSpPr>
@@ -4189,8 +4189,8 @@
         </p:nvSpPr>
         <p:spPr>
           <a:xfrm>
-            <a:off x="311760" y="1152360"/>
-            <a:ext cx="4157280" cy="1629000"/>
+            <a:off x="457200" y="1203480"/>
+            <a:ext cx="4015440" cy="1422360"/>
           </a:xfrm>
           <a:prstGeom prst="rect">
             <a:avLst/>
@@ -4202,7 +4202,7 @@
         </p:spPr>
         <p:txBody>
           <a:bodyPr lIns="0" rIns="0" tIns="0" bIns="0" anchor="t">
-            <a:normAutofit fontScale="62222" lnSpcReduction="10000"/>
+            <a:normAutofit fontScale="43333"/>
           </a:bodyPr>
           <a:p>
             <a:pPr marL="432000" indent="-324000">
@@ -4404,7 +4404,7 @@
       </p:sp>
       <p:sp>
         <p:nvSpPr>
-          <p:cNvPr id="60" name="PlaceHolder 3"/>
+          <p:cNvPr id="54" name="PlaceHolder 3"/>
           <p:cNvSpPr>
             <a:spLocks noGrp="1"/>
           </p:cNvSpPr>
@@ -4414,8 +4414,8 @@
         </p:nvSpPr>
         <p:spPr>
           <a:xfrm>
-            <a:off x="4677840" y="1152360"/>
-            <a:ext cx="4157280" cy="3415680"/>
+            <a:off x="4674240" y="1203480"/>
+            <a:ext cx="4015440" cy="2982600"/>
           </a:xfrm>
           <a:prstGeom prst="rect">
             <a:avLst/>
@@ -4427,7 +4427,7 @@
         </p:spPr>
         <p:txBody>
           <a:bodyPr lIns="0" rIns="0" tIns="0" bIns="0" anchor="t">
-            <a:normAutofit/>
+            <a:normAutofit fontScale="87222"/>
           </a:bodyPr>
           <a:p>
             <a:pPr marL="432000" indent="-324000">
@@ -4629,7 +4629,7 @@
       </p:sp>
       <p:sp>
         <p:nvSpPr>
-          <p:cNvPr id="61" name="PlaceHolder 4"/>
+          <p:cNvPr id="55" name="PlaceHolder 4"/>
           <p:cNvSpPr>
             <a:spLocks noGrp="1"/>
           </p:cNvSpPr>
@@ -4639,8 +4639,8 @@
         </p:nvSpPr>
         <p:spPr>
           <a:xfrm>
-            <a:off x="311760" y="2936880"/>
-            <a:ext cx="4157280" cy="1629000"/>
+            <a:off x="457200" y="2761920"/>
+            <a:ext cx="4015440" cy="1422360"/>
           </a:xfrm>
           <a:prstGeom prst="rect">
             <a:avLst/>
@@ -4652,7 +4652,7 @@
         </p:spPr>
         <p:txBody>
           <a:bodyPr lIns="0" rIns="0" tIns="0" bIns="0" anchor="t">
-            <a:normAutofit fontScale="62222" lnSpcReduction="10000"/>
+            <a:normAutofit fontScale="43333"/>
           </a:bodyPr>
           <a:p>
             <a:pPr marL="432000" indent="-324000">
@@ -4854,7 +4854,7 @@
       </p:sp>
       <p:sp>
         <p:nvSpPr>
-          <p:cNvPr id="62" name="PlaceHolder 5"/>
+          <p:cNvPr id="56" name="PlaceHolder 5"/>
           <p:cNvSpPr>
             <a:spLocks noGrp="1"/>
           </p:cNvSpPr>
@@ -4865,7 +4865,7 @@
         <p:spPr>
           <a:xfrm>
             <a:off x="8472600" y="4663080"/>
-            <a:ext cx="547920" cy="392760"/>
+            <a:ext cx="547560" cy="392400"/>
           </a:xfrm>
           <a:prstGeom prst="rect">
             <a:avLst/>
@@ -4907,7 +4907,7 @@
                 <a:tab algn="l" pos="0"/>
               </a:tabLst>
             </a:pPr>
-            <a:fld id="{A87BABCF-CAD6-48BC-B6CE-92CB37C47016}" type="slidenum">
+            <a:fld id="{AEF4179F-7E58-4CE0-AE07-9436FDC2D3B9}" type="slidenum">
               <a:rPr b="0" lang="en" sz="1000" spc="-1" strike="noStrike">
                 <a:solidFill>
                   <a:srgbClr val="595959"/>
@@ -4961,7 +4961,7 @@
       </p:grpSpPr>
       <p:sp>
         <p:nvSpPr>
-          <p:cNvPr id="67" name="PlaceHolder 1"/>
+          <p:cNvPr id="61" name="PlaceHolder 1"/>
           <p:cNvSpPr>
             <a:spLocks noGrp="1"/>
           </p:cNvSpPr>
@@ -4971,8 +4971,8 @@
         </p:nvSpPr>
         <p:spPr>
           <a:xfrm>
-            <a:off x="311760" y="444960"/>
-            <a:ext cx="8519760" cy="572040"/>
+            <a:off x="457200" y="205200"/>
+            <a:ext cx="8228880" cy="858240"/>
           </a:xfrm>
           <a:prstGeom prst="rect">
             <a:avLst/>
@@ -5010,7 +5010,7 @@
       </p:sp>
       <p:sp>
         <p:nvSpPr>
-          <p:cNvPr id="68" name="PlaceHolder 2"/>
+          <p:cNvPr id="62" name="PlaceHolder 2"/>
           <p:cNvSpPr>
             <a:spLocks noGrp="1"/>
           </p:cNvSpPr>
@@ -5020,8 +5020,8 @@
         </p:nvSpPr>
         <p:spPr>
           <a:xfrm>
-            <a:off x="311760" y="1152360"/>
-            <a:ext cx="4157280" cy="3415680"/>
+            <a:off x="457200" y="1203480"/>
+            <a:ext cx="4015440" cy="2982600"/>
           </a:xfrm>
           <a:prstGeom prst="rect">
             <a:avLst/>
@@ -5033,7 +5033,7 @@
         </p:spPr>
         <p:txBody>
           <a:bodyPr lIns="0" rIns="0" tIns="0" bIns="0" anchor="t">
-            <a:normAutofit/>
+            <a:normAutofit fontScale="87222"/>
           </a:bodyPr>
           <a:p>
             <a:pPr marL="432000" indent="-324000">
@@ -5235,7 +5235,7 @@
       </p:sp>
       <p:sp>
         <p:nvSpPr>
-          <p:cNvPr id="69" name="PlaceHolder 3"/>
+          <p:cNvPr id="63" name="PlaceHolder 3"/>
           <p:cNvSpPr>
             <a:spLocks noGrp="1"/>
           </p:cNvSpPr>
@@ -5245,8 +5245,8 @@
         </p:nvSpPr>
         <p:spPr>
           <a:xfrm>
-            <a:off x="4677840" y="1152360"/>
-            <a:ext cx="4157280" cy="1629000"/>
+            <a:off x="4674240" y="1203480"/>
+            <a:ext cx="4015440" cy="1422360"/>
           </a:xfrm>
           <a:prstGeom prst="rect">
             <a:avLst/>
@@ -5258,7 +5258,7 @@
         </p:spPr>
         <p:txBody>
           <a:bodyPr lIns="0" rIns="0" tIns="0" bIns="0" anchor="t">
-            <a:normAutofit fontScale="62222" lnSpcReduction="10000"/>
+            <a:normAutofit fontScale="43333"/>
           </a:bodyPr>
           <a:p>
             <a:pPr marL="432000" indent="-324000">
@@ -5460,7 +5460,7 @@
       </p:sp>
       <p:sp>
         <p:nvSpPr>
-          <p:cNvPr id="70" name="PlaceHolder 4"/>
+          <p:cNvPr id="64" name="PlaceHolder 4"/>
           <p:cNvSpPr>
             <a:spLocks noGrp="1"/>
           </p:cNvSpPr>
@@ -5470,8 +5470,8 @@
         </p:nvSpPr>
         <p:spPr>
           <a:xfrm>
-            <a:off x="4677840" y="2936880"/>
-            <a:ext cx="4157280" cy="1629000"/>
+            <a:off x="4674240" y="2761920"/>
+            <a:ext cx="4015440" cy="1422360"/>
           </a:xfrm>
           <a:prstGeom prst="rect">
             <a:avLst/>
@@ -5483,7 +5483,7 @@
         </p:spPr>
         <p:txBody>
           <a:bodyPr lIns="0" rIns="0" tIns="0" bIns="0" anchor="t">
-            <a:normAutofit fontScale="62222" lnSpcReduction="10000"/>
+            <a:normAutofit fontScale="43333"/>
           </a:bodyPr>
           <a:p>
             <a:pPr marL="432000" indent="-324000">
@@ -5685,7 +5685,7 @@
       </p:sp>
       <p:sp>
         <p:nvSpPr>
-          <p:cNvPr id="71" name="PlaceHolder 5"/>
+          <p:cNvPr id="65" name="PlaceHolder 5"/>
           <p:cNvSpPr>
             <a:spLocks noGrp="1"/>
           </p:cNvSpPr>
@@ -5696,7 +5696,7 @@
         <p:spPr>
           <a:xfrm>
             <a:off x="8472600" y="4663080"/>
-            <a:ext cx="547920" cy="392760"/>
+            <a:ext cx="547560" cy="392400"/>
           </a:xfrm>
           <a:prstGeom prst="rect">
             <a:avLst/>
@@ -5738,7 +5738,7 @@
                 <a:tab algn="l" pos="0"/>
               </a:tabLst>
             </a:pPr>
-            <a:fld id="{0199A89D-C1E9-4427-90FB-964209CA9186}" type="slidenum">
+            <a:fld id="{64CA1830-D8FC-431F-A0FF-24B31D845331}" type="slidenum">
               <a:rPr b="0" lang="en" sz="1000" spc="-1" strike="noStrike">
                 <a:solidFill>
                   <a:srgbClr val="595959"/>
@@ -5792,14 +5792,14 @@
       </p:grpSpPr>
       <p:sp>
         <p:nvSpPr>
-          <p:cNvPr id="76" name="Google Shape;63;p16"/>
+          <p:cNvPr id="70" name="Google Shape;63;p16"/>
           <p:cNvSpPr/>
           <p:nvPr/>
         </p:nvSpPr>
         <p:spPr>
           <a:xfrm>
             <a:off x="0" y="4867560"/>
-            <a:ext cx="308160" cy="275400"/>
+            <a:ext cx="307800" cy="275040"/>
           </a:xfrm>
           <a:prstGeom prst="rect">
             <a:avLst/>
@@ -5816,7 +5816,7 @@
           <a:fontRef idx="minor"/>
         </p:style>
         <p:txBody>
-          <a:bodyPr lIns="90000" rIns="90000" tIns="137880" bIns="137880" anchor="ctr">
+          <a:bodyPr lIns="90000" rIns="90000" tIns="137520" bIns="137520" anchor="ctr">
             <a:noAutofit/>
           </a:bodyPr>
           <a:p>
@@ -5828,7 +5828,7 @@
                 <a:tab algn="l" pos="0"/>
               </a:tabLst>
             </a:pPr>
-            <a:fld id="{E3823F27-EA02-4F59-B71D-9EB119CCE9BB}" type="slidenum">
+            <a:fld id="{49461B83-9487-45C4-9F47-21CDFC6E293D}" type="slidenum">
               <a:rPr b="0" lang="en" sz="800" spc="-1" strike="noStrike">
                 <a:solidFill>
                   <a:srgbClr val="3d3c3b"/>
@@ -5849,7 +5849,7 @@
       </p:sp>
       <p:pic>
         <p:nvPicPr>
-          <p:cNvPr id="77" name="Google Shape;64;p16" descr=""/>
+          <p:cNvPr id="71" name="Google Shape;64;p16" descr=""/>
           <p:cNvPicPr/>
           <p:nvPr/>
         </p:nvPicPr>
@@ -5860,7 +5860,7 @@
         <p:spPr>
           <a:xfrm>
             <a:off x="7843320" y="4663080"/>
-            <a:ext cx="1010160" cy="307080"/>
+            <a:ext cx="1009800" cy="306720"/>
           </a:xfrm>
           <a:prstGeom prst="rect">
             <a:avLst/>
@@ -5872,7 +5872,7 @@
       </p:pic>
       <p:pic>
         <p:nvPicPr>
-          <p:cNvPr id="78" name="Google Shape;65;p16" descr=""/>
+          <p:cNvPr id="72" name="Google Shape;65;p16" descr=""/>
           <p:cNvPicPr/>
           <p:nvPr/>
         </p:nvPicPr>
@@ -5885,7 +5885,7 @@
         <p:spPr>
           <a:xfrm>
             <a:off x="3378600" y="2347200"/>
-            <a:ext cx="5764680" cy="2795760"/>
+            <a:ext cx="5764320" cy="2795400"/>
           </a:xfrm>
           <a:prstGeom prst="rect">
             <a:avLst/>
@@ -5897,14 +5897,14 @@
       </p:pic>
       <p:sp>
         <p:nvSpPr>
-          <p:cNvPr id="79" name="Google Shape;67;p16"/>
+          <p:cNvPr id="73" name="Google Shape;67;p16"/>
           <p:cNvSpPr/>
           <p:nvPr/>
         </p:nvSpPr>
         <p:spPr>
           <a:xfrm>
             <a:off x="0" y="4810320"/>
-            <a:ext cx="9143280" cy="213480"/>
+            <a:ext cx="9142920" cy="213480"/>
           </a:xfrm>
           <a:prstGeom prst="rect">
             <a:avLst/>
@@ -5954,7 +5954,7 @@
       </p:sp>
       <p:sp>
         <p:nvSpPr>
-          <p:cNvPr id="80" name="PlaceHolder 1"/>
+          <p:cNvPr id="74" name="PlaceHolder 1"/>
           <p:cNvSpPr>
             <a:spLocks noGrp="1"/>
           </p:cNvSpPr>
@@ -5964,8 +5964,8 @@
         </p:nvSpPr>
         <p:spPr>
           <a:xfrm>
-            <a:off x="311760" y="444960"/>
-            <a:ext cx="8519760" cy="572040"/>
+            <a:off x="457200" y="205200"/>
+            <a:ext cx="8228880" cy="858240"/>
           </a:xfrm>
           <a:prstGeom prst="rect">
             <a:avLst/>
@@ -6003,7 +6003,7 @@
       </p:sp>
       <p:sp>
         <p:nvSpPr>
-          <p:cNvPr id="81" name="PlaceHolder 2"/>
+          <p:cNvPr id="75" name="PlaceHolder 2"/>
           <p:cNvSpPr>
             <a:spLocks noGrp="1"/>
           </p:cNvSpPr>
@@ -6013,8 +6013,8 @@
         </p:nvSpPr>
         <p:spPr>
           <a:xfrm>
-            <a:off x="311760" y="1152360"/>
-            <a:ext cx="4157280" cy="1629000"/>
+            <a:off x="457200" y="1203480"/>
+            <a:ext cx="4015440" cy="1422360"/>
           </a:xfrm>
           <a:prstGeom prst="rect">
             <a:avLst/>
@@ -6026,7 +6026,7 @@
         </p:spPr>
         <p:txBody>
           <a:bodyPr lIns="0" rIns="0" tIns="0" bIns="0" anchor="t">
-            <a:normAutofit fontScale="62222" lnSpcReduction="10000"/>
+            <a:normAutofit fontScale="43333"/>
           </a:bodyPr>
           <a:p>
             <a:pPr marL="432000" indent="-324000">
@@ -6228,7 +6228,7 @@
       </p:sp>
       <p:sp>
         <p:nvSpPr>
-          <p:cNvPr id="82" name="PlaceHolder 3"/>
+          <p:cNvPr id="76" name="PlaceHolder 3"/>
           <p:cNvSpPr>
             <a:spLocks noGrp="1"/>
           </p:cNvSpPr>
@@ -6238,8 +6238,8 @@
         </p:nvSpPr>
         <p:spPr>
           <a:xfrm>
-            <a:off x="4677840" y="1152360"/>
-            <a:ext cx="4157280" cy="3415680"/>
+            <a:off x="4674240" y="1203480"/>
+            <a:ext cx="4015440" cy="2982600"/>
           </a:xfrm>
           <a:prstGeom prst="rect">
             <a:avLst/>
@@ -6251,7 +6251,7 @@
         </p:spPr>
         <p:txBody>
           <a:bodyPr lIns="0" rIns="0" tIns="0" bIns="0" anchor="t">
-            <a:normAutofit/>
+            <a:normAutofit fontScale="87222"/>
           </a:bodyPr>
           <a:p>
             <a:pPr marL="432000" indent="-324000">
@@ -6453,7 +6453,7 @@
       </p:sp>
       <p:sp>
         <p:nvSpPr>
-          <p:cNvPr id="83" name="PlaceHolder 4"/>
+          <p:cNvPr id="77" name="PlaceHolder 4"/>
           <p:cNvSpPr>
             <a:spLocks noGrp="1"/>
           </p:cNvSpPr>
@@ -6463,8 +6463,8 @@
         </p:nvSpPr>
         <p:spPr>
           <a:xfrm>
-            <a:off x="311760" y="2936880"/>
-            <a:ext cx="4157280" cy="1629000"/>
+            <a:off x="457200" y="2761920"/>
+            <a:ext cx="4015440" cy="1422360"/>
           </a:xfrm>
           <a:prstGeom prst="rect">
             <a:avLst/>
@@ -6476,7 +6476,7 @@
         </p:spPr>
         <p:txBody>
           <a:bodyPr lIns="0" rIns="0" tIns="0" bIns="0" anchor="t">
-            <a:normAutofit fontScale="62222" lnSpcReduction="10000"/>
+            <a:normAutofit fontScale="43333"/>
           </a:bodyPr>
           <a:p>
             <a:pPr marL="432000" indent="-324000">
@@ -6711,14 +6711,14 @@
       </p:grpSpPr>
       <p:sp>
         <p:nvSpPr>
-          <p:cNvPr id="88" name="Google Shape;63;p16"/>
+          <p:cNvPr id="82" name="Google Shape;63;p16"/>
           <p:cNvSpPr/>
           <p:nvPr/>
         </p:nvSpPr>
         <p:spPr>
           <a:xfrm>
             <a:off x="0" y="4867560"/>
-            <a:ext cx="308160" cy="275400"/>
+            <a:ext cx="307800" cy="275040"/>
           </a:xfrm>
           <a:prstGeom prst="rect">
             <a:avLst/>
@@ -6735,7 +6735,7 @@
           <a:fontRef idx="minor"/>
         </p:style>
         <p:txBody>
-          <a:bodyPr lIns="90000" rIns="90000" tIns="137880" bIns="137880" anchor="ctr">
+          <a:bodyPr lIns="90000" rIns="90000" tIns="137520" bIns="137520" anchor="ctr">
             <a:noAutofit/>
           </a:bodyPr>
           <a:p>
@@ -6747,7 +6747,7 @@
                 <a:tab algn="l" pos="0"/>
               </a:tabLst>
             </a:pPr>
-            <a:fld id="{48AD1082-4373-4E02-AC2B-D6B428233B1A}" type="slidenum">
+            <a:fld id="{17B7221B-C8C9-4944-BE8E-B4AE39466F82}" type="slidenum">
               <a:rPr b="0" lang="en" sz="800" spc="-1" strike="noStrike">
                 <a:solidFill>
                   <a:srgbClr val="3d3c3b"/>
@@ -6768,7 +6768,7 @@
       </p:sp>
       <p:pic>
         <p:nvPicPr>
-          <p:cNvPr id="89" name="Google Shape;64;p16" descr=""/>
+          <p:cNvPr id="83" name="Google Shape;64;p16" descr=""/>
           <p:cNvPicPr/>
           <p:nvPr/>
         </p:nvPicPr>
@@ -6779,7 +6779,7 @@
         <p:spPr>
           <a:xfrm>
             <a:off x="7843320" y="4663080"/>
-            <a:ext cx="1010160" cy="307080"/>
+            <a:ext cx="1009800" cy="306720"/>
           </a:xfrm>
           <a:prstGeom prst="rect">
             <a:avLst/>
@@ -6791,7 +6791,7 @@
       </p:pic>
       <p:pic>
         <p:nvPicPr>
-          <p:cNvPr id="90" name="Google Shape;65;p16" descr=""/>
+          <p:cNvPr id="84" name="Google Shape;65;p16" descr=""/>
           <p:cNvPicPr/>
           <p:nvPr/>
         </p:nvPicPr>
@@ -6804,7 +6804,7 @@
         <p:spPr>
           <a:xfrm>
             <a:off x="3378600" y="2347200"/>
-            <a:ext cx="5764680" cy="2795760"/>
+            <a:ext cx="5764320" cy="2795400"/>
           </a:xfrm>
           <a:prstGeom prst="rect">
             <a:avLst/>
@@ -6816,14 +6816,14 @@
       </p:pic>
       <p:sp>
         <p:nvSpPr>
-          <p:cNvPr id="91" name="Google Shape;67;p16"/>
+          <p:cNvPr id="85" name="Google Shape;67;p16"/>
           <p:cNvSpPr/>
           <p:nvPr/>
         </p:nvSpPr>
         <p:spPr>
           <a:xfrm>
             <a:off x="0" y="4810320"/>
-            <a:ext cx="9143280" cy="213480"/>
+            <a:ext cx="9142920" cy="213480"/>
           </a:xfrm>
           <a:prstGeom prst="rect">
             <a:avLst/>
@@ -6873,7 +6873,7 @@
       </p:sp>
       <p:sp>
         <p:nvSpPr>
-          <p:cNvPr id="92" name="PlaceHolder 1"/>
+          <p:cNvPr id="86" name="PlaceHolder 1"/>
           <p:cNvSpPr>
             <a:spLocks noGrp="1"/>
           </p:cNvSpPr>
@@ -6883,8 +6883,8 @@
         </p:nvSpPr>
         <p:spPr>
           <a:xfrm>
-            <a:off x="311760" y="444960"/>
-            <a:ext cx="8519760" cy="572040"/>
+            <a:off x="457200" y="205200"/>
+            <a:ext cx="8228880" cy="858240"/>
           </a:xfrm>
           <a:prstGeom prst="rect">
             <a:avLst/>
@@ -6922,7 +6922,7 @@
       </p:sp>
       <p:sp>
         <p:nvSpPr>
-          <p:cNvPr id="93" name="PlaceHolder 2"/>
+          <p:cNvPr id="87" name="PlaceHolder 2"/>
           <p:cNvSpPr>
             <a:spLocks noGrp="1"/>
           </p:cNvSpPr>
@@ -6932,8 +6932,8 @@
         </p:nvSpPr>
         <p:spPr>
           <a:xfrm>
-            <a:off x="311760" y="1152360"/>
-            <a:ext cx="4157280" cy="3415680"/>
+            <a:off x="457200" y="1203480"/>
+            <a:ext cx="4015440" cy="2982600"/>
           </a:xfrm>
           <a:prstGeom prst="rect">
             <a:avLst/>
@@ -6945,7 +6945,7 @@
         </p:spPr>
         <p:txBody>
           <a:bodyPr lIns="0" rIns="0" tIns="0" bIns="0" anchor="t">
-            <a:normAutofit/>
+            <a:normAutofit fontScale="87222"/>
           </a:bodyPr>
           <a:p>
             <a:pPr marL="432000" indent="-324000">
@@ -7147,7 +7147,7 @@
       </p:sp>
       <p:sp>
         <p:nvSpPr>
-          <p:cNvPr id="94" name="PlaceHolder 3"/>
+          <p:cNvPr id="88" name="PlaceHolder 3"/>
           <p:cNvSpPr>
             <a:spLocks noGrp="1"/>
           </p:cNvSpPr>
@@ -7157,8 +7157,8 @@
         </p:nvSpPr>
         <p:spPr>
           <a:xfrm>
-            <a:off x="4677840" y="1152360"/>
-            <a:ext cx="4157280" cy="1629000"/>
+            <a:off x="4674240" y="1203480"/>
+            <a:ext cx="4015440" cy="1422360"/>
           </a:xfrm>
           <a:prstGeom prst="rect">
             <a:avLst/>
@@ -7170,7 +7170,7 @@
         </p:spPr>
         <p:txBody>
           <a:bodyPr lIns="0" rIns="0" tIns="0" bIns="0" anchor="t">
-            <a:normAutofit fontScale="62222" lnSpcReduction="10000"/>
+            <a:normAutofit fontScale="43333"/>
           </a:bodyPr>
           <a:p>
             <a:pPr marL="432000" indent="-324000">
@@ -7372,7 +7372,7 @@
       </p:sp>
       <p:sp>
         <p:nvSpPr>
-          <p:cNvPr id="95" name="PlaceHolder 4"/>
+          <p:cNvPr id="89" name="PlaceHolder 4"/>
           <p:cNvSpPr>
             <a:spLocks noGrp="1"/>
           </p:cNvSpPr>
@@ -7382,8 +7382,8 @@
         </p:nvSpPr>
         <p:spPr>
           <a:xfrm>
-            <a:off x="4677840" y="2936880"/>
-            <a:ext cx="4157280" cy="1629000"/>
+            <a:off x="4674240" y="2761920"/>
+            <a:ext cx="4015440" cy="1422360"/>
           </a:xfrm>
           <a:prstGeom prst="rect">
             <a:avLst/>
@@ -7395,7 +7395,7 @@
         </p:spPr>
         <p:txBody>
           <a:bodyPr lIns="0" rIns="0" tIns="0" bIns="0" anchor="t">
-            <a:normAutofit fontScale="62222" lnSpcReduction="10000"/>
+            <a:normAutofit fontScale="43333"/>
           </a:bodyPr>
           <a:p>
             <a:pPr marL="432000" indent="-324000">
@@ -7630,14 +7630,14 @@
       </p:grpSpPr>
       <p:sp>
         <p:nvSpPr>
-          <p:cNvPr id="100" name="Google Shape;63;p16"/>
+          <p:cNvPr id="94" name="Google Shape;63;p16"/>
           <p:cNvSpPr/>
           <p:nvPr/>
         </p:nvSpPr>
         <p:spPr>
           <a:xfrm>
             <a:off x="0" y="4867560"/>
-            <a:ext cx="308160" cy="275400"/>
+            <a:ext cx="307800" cy="275040"/>
           </a:xfrm>
           <a:prstGeom prst="rect">
             <a:avLst/>
@@ -7654,7 +7654,7 @@
           <a:fontRef idx="minor"/>
         </p:style>
         <p:txBody>
-          <a:bodyPr lIns="90000" rIns="90000" tIns="137880" bIns="137880" anchor="ctr">
+          <a:bodyPr lIns="90000" rIns="90000" tIns="137520" bIns="137520" anchor="ctr">
             <a:noAutofit/>
           </a:bodyPr>
           <a:p>
@@ -7666,7 +7666,7 @@
                 <a:tab algn="l" pos="0"/>
               </a:tabLst>
             </a:pPr>
-            <a:fld id="{FC217945-AF3D-4C05-8C51-17B7AEB5826E}" type="slidenum">
+            <a:fld id="{0ACC2CC4-7B34-4D13-8856-34142ACB7336}" type="slidenum">
               <a:rPr b="0" lang="en" sz="800" spc="-1" strike="noStrike">
                 <a:solidFill>
                   <a:srgbClr val="3d3c3b"/>
@@ -7687,7 +7687,7 @@
       </p:sp>
       <p:pic>
         <p:nvPicPr>
-          <p:cNvPr id="101" name="Google Shape;64;p16" descr=""/>
+          <p:cNvPr id="95" name="Google Shape;64;p16" descr=""/>
           <p:cNvPicPr/>
           <p:nvPr/>
         </p:nvPicPr>
@@ -7698,7 +7698,7 @@
         <p:spPr>
           <a:xfrm>
             <a:off x="7843320" y="4663080"/>
-            <a:ext cx="1010160" cy="307080"/>
+            <a:ext cx="1009800" cy="306720"/>
           </a:xfrm>
           <a:prstGeom prst="rect">
             <a:avLst/>
@@ -7710,7 +7710,7 @@
       </p:pic>
       <p:pic>
         <p:nvPicPr>
-          <p:cNvPr id="102" name="Google Shape;65;p16" descr=""/>
+          <p:cNvPr id="96" name="Google Shape;65;p16" descr=""/>
           <p:cNvPicPr/>
           <p:nvPr/>
         </p:nvPicPr>
@@ -7723,7 +7723,7 @@
         <p:spPr>
           <a:xfrm>
             <a:off x="3378600" y="2347200"/>
-            <a:ext cx="5764680" cy="2795760"/>
+            <a:ext cx="5764320" cy="2795400"/>
           </a:xfrm>
           <a:prstGeom prst="rect">
             <a:avLst/>
@@ -7735,14 +7735,14 @@
       </p:pic>
       <p:sp>
         <p:nvSpPr>
-          <p:cNvPr id="103" name="Google Shape;67;p16"/>
+          <p:cNvPr id="97" name="Google Shape;67;p16"/>
           <p:cNvSpPr/>
           <p:nvPr/>
         </p:nvSpPr>
         <p:spPr>
           <a:xfrm>
             <a:off x="0" y="4810320"/>
-            <a:ext cx="9143280" cy="213480"/>
+            <a:ext cx="9142920" cy="213480"/>
           </a:xfrm>
           <a:prstGeom prst="rect">
             <a:avLst/>
@@ -7792,7 +7792,7 @@
       </p:sp>
       <p:sp>
         <p:nvSpPr>
-          <p:cNvPr id="104" name="PlaceHolder 1"/>
+          <p:cNvPr id="98" name="PlaceHolder 1"/>
           <p:cNvSpPr>
             <a:spLocks noGrp="1"/>
           </p:cNvSpPr>
@@ -7802,8 +7802,8 @@
         </p:nvSpPr>
         <p:spPr>
           <a:xfrm>
-            <a:off x="311760" y="444960"/>
-            <a:ext cx="8519760" cy="572040"/>
+            <a:off x="457200" y="205200"/>
+            <a:ext cx="8228880" cy="858240"/>
           </a:xfrm>
           <a:prstGeom prst="rect">
             <a:avLst/>
@@ -7841,7 +7841,7 @@
       </p:sp>
       <p:sp>
         <p:nvSpPr>
-          <p:cNvPr id="105" name="PlaceHolder 2"/>
+          <p:cNvPr id="99" name="PlaceHolder 2"/>
           <p:cNvSpPr>
             <a:spLocks noGrp="1"/>
           </p:cNvSpPr>
@@ -7851,8 +7851,8 @@
         </p:nvSpPr>
         <p:spPr>
           <a:xfrm>
-            <a:off x="311760" y="1152360"/>
-            <a:ext cx="4157280" cy="1629000"/>
+            <a:off x="457200" y="1203480"/>
+            <a:ext cx="4015440" cy="1422360"/>
           </a:xfrm>
           <a:prstGeom prst="rect">
             <a:avLst/>
@@ -7864,7 +7864,7 @@
         </p:spPr>
         <p:txBody>
           <a:bodyPr lIns="0" rIns="0" tIns="0" bIns="0" anchor="t">
-            <a:normAutofit fontScale="62222" lnSpcReduction="10000"/>
+            <a:normAutofit fontScale="43333"/>
           </a:bodyPr>
           <a:p>
             <a:pPr marL="432000" indent="-324000">
@@ -8066,7 +8066,7 @@
       </p:sp>
       <p:sp>
         <p:nvSpPr>
-          <p:cNvPr id="106" name="PlaceHolder 3"/>
+          <p:cNvPr id="100" name="PlaceHolder 3"/>
           <p:cNvSpPr>
             <a:spLocks noGrp="1"/>
           </p:cNvSpPr>
@@ -8076,8 +8076,8 @@
         </p:nvSpPr>
         <p:spPr>
           <a:xfrm>
-            <a:off x="4677840" y="1152360"/>
-            <a:ext cx="4157280" cy="1629000"/>
+            <a:off x="4674240" y="1203480"/>
+            <a:ext cx="4015440" cy="1422360"/>
           </a:xfrm>
           <a:prstGeom prst="rect">
             <a:avLst/>
@@ -8089,7 +8089,7 @@
         </p:spPr>
         <p:txBody>
           <a:bodyPr lIns="0" rIns="0" tIns="0" bIns="0" anchor="t">
-            <a:normAutofit fontScale="62222" lnSpcReduction="10000"/>
+            <a:normAutofit fontScale="43333"/>
           </a:bodyPr>
           <a:p>
             <a:pPr marL="432000" indent="-324000">
@@ -8291,7 +8291,7 @@
       </p:sp>
       <p:sp>
         <p:nvSpPr>
-          <p:cNvPr id="107" name="PlaceHolder 4"/>
+          <p:cNvPr id="101" name="PlaceHolder 4"/>
           <p:cNvSpPr>
             <a:spLocks noGrp="1"/>
           </p:cNvSpPr>
@@ -8301,8 +8301,8 @@
         </p:nvSpPr>
         <p:spPr>
           <a:xfrm>
-            <a:off x="311760" y="2936880"/>
-            <a:ext cx="8519760" cy="1629000"/>
+            <a:off x="457200" y="2761920"/>
+            <a:ext cx="8228880" cy="1422360"/>
           </a:xfrm>
           <a:prstGeom prst="rect">
             <a:avLst/>
@@ -8314,7 +8314,7 @@
         </p:spPr>
         <p:txBody>
           <a:bodyPr lIns="0" rIns="0" tIns="0" bIns="0" anchor="t">
-            <a:normAutofit fontScale="62222"/>
+            <a:normAutofit fontScale="50000"/>
           </a:bodyPr>
           <a:p>
             <a:pPr marL="432000" indent="-324000">
@@ -8549,14 +8549,14 @@
       </p:grpSpPr>
       <p:sp>
         <p:nvSpPr>
-          <p:cNvPr id="112" name="Google Shape;63;p16"/>
+          <p:cNvPr id="106" name="Google Shape;63;p16"/>
           <p:cNvSpPr/>
           <p:nvPr/>
         </p:nvSpPr>
         <p:spPr>
           <a:xfrm>
             <a:off x="0" y="4867560"/>
-            <a:ext cx="308160" cy="275400"/>
+            <a:ext cx="307800" cy="275040"/>
           </a:xfrm>
           <a:prstGeom prst="rect">
             <a:avLst/>
@@ -8573,7 +8573,7 @@
           <a:fontRef idx="minor"/>
         </p:style>
         <p:txBody>
-          <a:bodyPr lIns="90000" rIns="90000" tIns="137880" bIns="137880" anchor="ctr">
+          <a:bodyPr lIns="90000" rIns="90000" tIns="137520" bIns="137520" anchor="ctr">
             <a:noAutofit/>
           </a:bodyPr>
           <a:p>
@@ -8585,7 +8585,7 @@
                 <a:tab algn="l" pos="0"/>
               </a:tabLst>
             </a:pPr>
-            <a:fld id="{8FEDC438-FD5D-4CD9-A21D-08E30F1F0508}" type="slidenum">
+            <a:fld id="{BF92DDF8-D5A2-43AE-B865-5789F25E1919}" type="slidenum">
               <a:rPr b="0" lang="en" sz="800" spc="-1" strike="noStrike">
                 <a:solidFill>
                   <a:srgbClr val="3d3c3b"/>
@@ -8606,7 +8606,7 @@
       </p:sp>
       <p:pic>
         <p:nvPicPr>
-          <p:cNvPr id="113" name="Google Shape;64;p16" descr=""/>
+          <p:cNvPr id="107" name="Google Shape;64;p16" descr=""/>
           <p:cNvPicPr/>
           <p:nvPr/>
         </p:nvPicPr>
@@ -8617,7 +8617,7 @@
         <p:spPr>
           <a:xfrm>
             <a:off x="7843320" y="4663080"/>
-            <a:ext cx="1010160" cy="307080"/>
+            <a:ext cx="1009800" cy="306720"/>
           </a:xfrm>
           <a:prstGeom prst="rect">
             <a:avLst/>
@@ -8629,7 +8629,7 @@
       </p:pic>
       <p:pic>
         <p:nvPicPr>
-          <p:cNvPr id="114" name="Google Shape;65;p16" descr=""/>
+          <p:cNvPr id="108" name="Google Shape;65;p16" descr=""/>
           <p:cNvPicPr/>
           <p:nvPr/>
         </p:nvPicPr>
@@ -8642,7 +8642,7 @@
         <p:spPr>
           <a:xfrm>
             <a:off x="3378600" y="2347200"/>
-            <a:ext cx="5764680" cy="2795760"/>
+            <a:ext cx="5764320" cy="2795400"/>
           </a:xfrm>
           <a:prstGeom prst="rect">
             <a:avLst/>
@@ -8654,14 +8654,14 @@
       </p:pic>
       <p:sp>
         <p:nvSpPr>
-          <p:cNvPr id="115" name="Google Shape;67;p16"/>
+          <p:cNvPr id="109" name="Google Shape;67;p16"/>
           <p:cNvSpPr/>
           <p:nvPr/>
         </p:nvSpPr>
         <p:spPr>
           <a:xfrm>
             <a:off x="0" y="4810320"/>
-            <a:ext cx="9143280" cy="213480"/>
+            <a:ext cx="9142920" cy="213480"/>
           </a:xfrm>
           <a:prstGeom prst="rect">
             <a:avLst/>
@@ -8711,7 +8711,7 @@
       </p:sp>
       <p:sp>
         <p:nvSpPr>
-          <p:cNvPr id="116" name="PlaceHolder 1"/>
+          <p:cNvPr id="110" name="PlaceHolder 1"/>
           <p:cNvSpPr>
             <a:spLocks noGrp="1"/>
           </p:cNvSpPr>
@@ -8721,8 +8721,8 @@
         </p:nvSpPr>
         <p:spPr>
           <a:xfrm>
-            <a:off x="311760" y="444960"/>
-            <a:ext cx="8519760" cy="572040"/>
+            <a:off x="457200" y="205200"/>
+            <a:ext cx="8228880" cy="858240"/>
           </a:xfrm>
           <a:prstGeom prst="rect">
             <a:avLst/>
@@ -8760,7 +8760,7 @@
       </p:sp>
       <p:sp>
         <p:nvSpPr>
-          <p:cNvPr id="117" name="PlaceHolder 2"/>
+          <p:cNvPr id="111" name="PlaceHolder 2"/>
           <p:cNvSpPr>
             <a:spLocks noGrp="1"/>
           </p:cNvSpPr>
@@ -8770,8 +8770,8 @@
         </p:nvSpPr>
         <p:spPr>
           <a:xfrm>
-            <a:off x="311760" y="1152360"/>
-            <a:ext cx="8519760" cy="1629000"/>
+            <a:off x="457200" y="1203480"/>
+            <a:ext cx="8228880" cy="1422360"/>
           </a:xfrm>
           <a:prstGeom prst="rect">
             <a:avLst/>
@@ -8783,7 +8783,7 @@
         </p:spPr>
         <p:txBody>
           <a:bodyPr lIns="0" rIns="0" tIns="0" bIns="0" anchor="t">
-            <a:normAutofit fontScale="62222"/>
+            <a:normAutofit fontScale="50000"/>
           </a:bodyPr>
           <a:p>
             <a:pPr marL="432000" indent="-324000">
@@ -8985,7 +8985,7 @@
       </p:sp>
       <p:sp>
         <p:nvSpPr>
-          <p:cNvPr id="118" name="PlaceHolder 3"/>
+          <p:cNvPr id="112" name="PlaceHolder 3"/>
           <p:cNvSpPr>
             <a:spLocks noGrp="1"/>
           </p:cNvSpPr>
@@ -8995,8 +8995,8 @@
         </p:nvSpPr>
         <p:spPr>
           <a:xfrm>
-            <a:off x="311760" y="2936880"/>
-            <a:ext cx="8519760" cy="1629000"/>
+            <a:off x="457200" y="2761920"/>
+            <a:ext cx="8228880" cy="1422360"/>
           </a:xfrm>
           <a:prstGeom prst="rect">
             <a:avLst/>
@@ -9008,7 +9008,7 @@
         </p:spPr>
         <p:txBody>
           <a:bodyPr lIns="0" rIns="0" tIns="0" bIns="0" anchor="t">
-            <a:normAutofit fontScale="62222"/>
+            <a:normAutofit fontScale="50000"/>
           </a:bodyPr>
           <a:p>
             <a:pPr marL="432000" indent="-324000">
@@ -9243,14 +9243,14 @@
       </p:grpSpPr>
       <p:sp>
         <p:nvSpPr>
-          <p:cNvPr id="122" name="Google Shape;63;p16"/>
+          <p:cNvPr id="116" name="Google Shape;63;p16"/>
           <p:cNvSpPr/>
           <p:nvPr/>
         </p:nvSpPr>
         <p:spPr>
           <a:xfrm>
             <a:off x="0" y="4867560"/>
-            <a:ext cx="308160" cy="275400"/>
+            <a:ext cx="307800" cy="275040"/>
           </a:xfrm>
           <a:prstGeom prst="rect">
             <a:avLst/>
@@ -9267,7 +9267,7 @@
           <a:fontRef idx="minor"/>
         </p:style>
         <p:txBody>
-          <a:bodyPr lIns="90000" rIns="90000" tIns="137880" bIns="137880" anchor="ctr">
+          <a:bodyPr lIns="90000" rIns="90000" tIns="137520" bIns="137520" anchor="ctr">
             <a:noAutofit/>
           </a:bodyPr>
           <a:p>
@@ -9279,7 +9279,7 @@
                 <a:tab algn="l" pos="0"/>
               </a:tabLst>
             </a:pPr>
-            <a:fld id="{03A2D511-1C05-4905-9EC6-9C4BC60C0361}" type="slidenum">
+            <a:fld id="{A4578CDB-FFCB-4647-A419-21AE043DC32A}" type="slidenum">
               <a:rPr b="0" lang="en" sz="800" spc="-1" strike="noStrike">
                 <a:solidFill>
                   <a:srgbClr val="3d3c3b"/>
@@ -9300,7 +9300,7 @@
       </p:sp>
       <p:pic>
         <p:nvPicPr>
-          <p:cNvPr id="123" name="Google Shape;64;p16" descr=""/>
+          <p:cNvPr id="117" name="Google Shape;64;p16" descr=""/>
           <p:cNvPicPr/>
           <p:nvPr/>
         </p:nvPicPr>
@@ -9311,7 +9311,7 @@
         <p:spPr>
           <a:xfrm>
             <a:off x="7843320" y="4663080"/>
-            <a:ext cx="1010160" cy="307080"/>
+            <a:ext cx="1009800" cy="306720"/>
           </a:xfrm>
           <a:prstGeom prst="rect">
             <a:avLst/>
@@ -9323,7 +9323,7 @@
       </p:pic>
       <p:pic>
         <p:nvPicPr>
-          <p:cNvPr id="124" name="Google Shape;65;p16" descr=""/>
+          <p:cNvPr id="118" name="Google Shape;65;p16" descr=""/>
           <p:cNvPicPr/>
           <p:nvPr/>
         </p:nvPicPr>
@@ -9336,7 +9336,7 @@
         <p:spPr>
           <a:xfrm>
             <a:off x="3378600" y="2347200"/>
-            <a:ext cx="5764680" cy="2795760"/>
+            <a:ext cx="5764320" cy="2795400"/>
           </a:xfrm>
           <a:prstGeom prst="rect">
             <a:avLst/>
@@ -9348,14 +9348,14 @@
       </p:pic>
       <p:sp>
         <p:nvSpPr>
-          <p:cNvPr id="125" name="Google Shape;67;p16"/>
+          <p:cNvPr id="119" name="Google Shape;67;p16"/>
           <p:cNvSpPr/>
           <p:nvPr/>
         </p:nvSpPr>
         <p:spPr>
           <a:xfrm>
             <a:off x="0" y="4810320"/>
-            <a:ext cx="9143280" cy="213480"/>
+            <a:ext cx="9142920" cy="213480"/>
           </a:xfrm>
           <a:prstGeom prst="rect">
             <a:avLst/>
@@ -9405,7 +9405,7 @@
       </p:sp>
       <p:sp>
         <p:nvSpPr>
-          <p:cNvPr id="126" name="PlaceHolder 1"/>
+          <p:cNvPr id="120" name="PlaceHolder 1"/>
           <p:cNvSpPr>
             <a:spLocks noGrp="1"/>
           </p:cNvSpPr>
@@ -9415,8 +9415,8 @@
         </p:nvSpPr>
         <p:spPr>
           <a:xfrm>
-            <a:off x="311760" y="444960"/>
-            <a:ext cx="8519760" cy="572040"/>
+            <a:off x="457200" y="205200"/>
+            <a:ext cx="8228880" cy="858240"/>
           </a:xfrm>
           <a:prstGeom prst="rect">
             <a:avLst/>
@@ -9454,7 +9454,7 @@
       </p:sp>
       <p:sp>
         <p:nvSpPr>
-          <p:cNvPr id="127" name="PlaceHolder 2"/>
+          <p:cNvPr id="121" name="PlaceHolder 2"/>
           <p:cNvSpPr>
             <a:spLocks noGrp="1"/>
           </p:cNvSpPr>
@@ -9464,8 +9464,8 @@
         </p:nvSpPr>
         <p:spPr>
           <a:xfrm>
-            <a:off x="311760" y="1152360"/>
-            <a:ext cx="4157280" cy="1629000"/>
+            <a:off x="457200" y="1203480"/>
+            <a:ext cx="4015440" cy="1422360"/>
           </a:xfrm>
           <a:prstGeom prst="rect">
             <a:avLst/>
@@ -9477,7 +9477,7 @@
         </p:spPr>
         <p:txBody>
           <a:bodyPr lIns="0" rIns="0" tIns="0" bIns="0" anchor="t">
-            <a:normAutofit fontScale="62222" lnSpcReduction="10000"/>
+            <a:normAutofit fontScale="43333"/>
           </a:bodyPr>
           <a:p>
             <a:pPr marL="432000" indent="-324000">
@@ -9679,7 +9679,7 @@
       </p:sp>
       <p:sp>
         <p:nvSpPr>
-          <p:cNvPr id="128" name="PlaceHolder 3"/>
+          <p:cNvPr id="122" name="PlaceHolder 3"/>
           <p:cNvSpPr>
             <a:spLocks noGrp="1"/>
           </p:cNvSpPr>
@@ -9689,8 +9689,8 @@
         </p:nvSpPr>
         <p:spPr>
           <a:xfrm>
-            <a:off x="4677840" y="1152360"/>
-            <a:ext cx="4157280" cy="1629000"/>
+            <a:off x="4674240" y="1203480"/>
+            <a:ext cx="4015440" cy="1422360"/>
           </a:xfrm>
           <a:prstGeom prst="rect">
             <a:avLst/>
@@ -9702,7 +9702,7 @@
         </p:spPr>
         <p:txBody>
           <a:bodyPr lIns="0" rIns="0" tIns="0" bIns="0" anchor="t">
-            <a:normAutofit fontScale="62222" lnSpcReduction="10000"/>
+            <a:normAutofit fontScale="43333"/>
           </a:bodyPr>
           <a:p>
             <a:pPr marL="432000" indent="-324000">
@@ -9904,7 +9904,7 @@
       </p:sp>
       <p:sp>
         <p:nvSpPr>
-          <p:cNvPr id="129" name="PlaceHolder 4"/>
+          <p:cNvPr id="123" name="PlaceHolder 4"/>
           <p:cNvSpPr>
             <a:spLocks noGrp="1"/>
           </p:cNvSpPr>
@@ -9914,8 +9914,8 @@
         </p:nvSpPr>
         <p:spPr>
           <a:xfrm>
-            <a:off x="311760" y="2936880"/>
-            <a:ext cx="4157280" cy="1629000"/>
+            <a:off x="457200" y="2761920"/>
+            <a:ext cx="4015440" cy="1422360"/>
           </a:xfrm>
           <a:prstGeom prst="rect">
             <a:avLst/>
@@ -9927,7 +9927,7 @@
         </p:spPr>
         <p:txBody>
           <a:bodyPr lIns="0" rIns="0" tIns="0" bIns="0" anchor="t">
-            <a:normAutofit fontScale="62222" lnSpcReduction="10000"/>
+            <a:normAutofit fontScale="43333"/>
           </a:bodyPr>
           <a:p>
             <a:pPr marL="432000" indent="-324000">
@@ -10129,7 +10129,7 @@
       </p:sp>
       <p:sp>
         <p:nvSpPr>
-          <p:cNvPr id="130" name="PlaceHolder 5"/>
+          <p:cNvPr id="124" name="PlaceHolder 5"/>
           <p:cNvSpPr>
             <a:spLocks noGrp="1"/>
           </p:cNvSpPr>
@@ -10139,8 +10139,8 @@
         </p:nvSpPr>
         <p:spPr>
           <a:xfrm>
-            <a:off x="4677840" y="2936880"/>
-            <a:ext cx="4157280" cy="1629000"/>
+            <a:off x="4674240" y="2761920"/>
+            <a:ext cx="4015440" cy="1422360"/>
           </a:xfrm>
           <a:prstGeom prst="rect">
             <a:avLst/>
@@ -10152,7 +10152,7 @@
         </p:spPr>
         <p:txBody>
           <a:bodyPr lIns="0" rIns="0" tIns="0" bIns="0" anchor="t">
-            <a:normAutofit fontScale="62222" lnSpcReduction="10000"/>
+            <a:normAutofit fontScale="43333"/>
           </a:bodyPr>
           <a:p>
             <a:pPr marL="432000" indent="-324000">
@@ -10387,14 +10387,14 @@
       </p:grpSpPr>
       <p:sp>
         <p:nvSpPr>
-          <p:cNvPr id="136" name="Google Shape;63;p16"/>
+          <p:cNvPr id="130" name="Google Shape;63;p16"/>
           <p:cNvSpPr/>
           <p:nvPr/>
         </p:nvSpPr>
         <p:spPr>
           <a:xfrm>
             <a:off x="0" y="4867560"/>
-            <a:ext cx="308160" cy="275400"/>
+            <a:ext cx="307800" cy="275040"/>
           </a:xfrm>
           <a:prstGeom prst="rect">
             <a:avLst/>
@@ -10411,7 +10411,7 @@
           <a:fontRef idx="minor"/>
         </p:style>
         <p:txBody>
-          <a:bodyPr lIns="90000" rIns="90000" tIns="137880" bIns="137880" anchor="ctr">
+          <a:bodyPr lIns="90000" rIns="90000" tIns="137520" bIns="137520" anchor="ctr">
             <a:noAutofit/>
           </a:bodyPr>
           <a:p>
@@ -10423,7 +10423,7 @@
                 <a:tab algn="l" pos="0"/>
               </a:tabLst>
             </a:pPr>
-            <a:fld id="{A51564EC-2FE4-4C0B-A535-276D34A1B80B}" type="slidenum">
+            <a:fld id="{101072FE-C699-4C64-AA59-A786546B5B74}" type="slidenum">
               <a:rPr b="0" lang="en" sz="800" spc="-1" strike="noStrike">
                 <a:solidFill>
                   <a:srgbClr val="3d3c3b"/>
@@ -10444,7 +10444,7 @@
       </p:sp>
       <p:pic>
         <p:nvPicPr>
-          <p:cNvPr id="137" name="Google Shape;64;p16" descr=""/>
+          <p:cNvPr id="131" name="Google Shape;64;p16" descr=""/>
           <p:cNvPicPr/>
           <p:nvPr/>
         </p:nvPicPr>
@@ -10455,7 +10455,7 @@
         <p:spPr>
           <a:xfrm>
             <a:off x="7843320" y="4663080"/>
-            <a:ext cx="1010160" cy="307080"/>
+            <a:ext cx="1009800" cy="306720"/>
           </a:xfrm>
           <a:prstGeom prst="rect">
             <a:avLst/>
@@ -10467,7 +10467,7 @@
       </p:pic>
       <p:pic>
         <p:nvPicPr>
-          <p:cNvPr id="138" name="Google Shape;65;p16" descr=""/>
+          <p:cNvPr id="132" name="Google Shape;65;p16" descr=""/>
           <p:cNvPicPr/>
           <p:nvPr/>
         </p:nvPicPr>
@@ -10480,7 +10480,7 @@
         <p:spPr>
           <a:xfrm>
             <a:off x="3378600" y="2347200"/>
-            <a:ext cx="5764680" cy="2795760"/>
+            <a:ext cx="5764320" cy="2795400"/>
           </a:xfrm>
           <a:prstGeom prst="rect">
             <a:avLst/>
@@ -10492,14 +10492,14 @@
       </p:pic>
       <p:sp>
         <p:nvSpPr>
-          <p:cNvPr id="139" name="Google Shape;67;p16"/>
+          <p:cNvPr id="133" name="Google Shape;67;p16"/>
           <p:cNvSpPr/>
           <p:nvPr/>
         </p:nvSpPr>
         <p:spPr>
           <a:xfrm>
             <a:off x="0" y="4810320"/>
-            <a:ext cx="9143280" cy="213480"/>
+            <a:ext cx="9142920" cy="213480"/>
           </a:xfrm>
           <a:prstGeom prst="rect">
             <a:avLst/>
@@ -10539,1405 +10539,6 @@
               <a:t>COPYRIGHT (C) 2025, ECLIPSE FOUNDATION</a:t>
             </a:r>
             <a:endParaRPr b="0" lang="pt-PT" sz="700" spc="-1" strike="noStrike">
-              <a:solidFill>
-                <a:srgbClr val="000000"/>
-              </a:solidFill>
-              <a:latin typeface="Arial"/>
-            </a:endParaRPr>
-          </a:p>
-        </p:txBody>
-      </p:sp>
-      <p:sp>
-        <p:nvSpPr>
-          <p:cNvPr id="140" name="PlaceHolder 1"/>
-          <p:cNvSpPr>
-            <a:spLocks noGrp="1"/>
-          </p:cNvSpPr>
-          <p:nvPr>
-            <p:ph type="title"/>
-          </p:nvPr>
-        </p:nvSpPr>
-        <p:spPr>
-          <a:xfrm>
-            <a:off x="311760" y="444960"/>
-            <a:ext cx="8519760" cy="572040"/>
-          </a:xfrm>
-          <a:prstGeom prst="rect">
-            <a:avLst/>
-          </a:prstGeom>
-          <a:noFill/>
-          <a:ln w="0">
-            <a:noFill/>
-          </a:ln>
-        </p:spPr>
-        <p:txBody>
-          <a:bodyPr lIns="0" rIns="0" tIns="0" bIns="0" anchor="ctr">
-            <a:noAutofit/>
-          </a:bodyPr>
-          <a:p>
-            <a:pPr indent="0">
-              <a:buNone/>
-            </a:pPr>
-            <a:r>
-              <a:rPr b="0" lang="pt-PT" sz="1800" spc="-1" strike="noStrike">
-                <a:solidFill>
-                  <a:srgbClr val="000000"/>
-                </a:solidFill>
-                <a:latin typeface="Arial"/>
-              </a:rPr>
-              <a:t>Click to edit the title text format</a:t>
-            </a:r>
-            <a:endParaRPr b="0" lang="pt-PT" sz="1800" spc="-1" strike="noStrike">
-              <a:solidFill>
-                <a:srgbClr val="000000"/>
-              </a:solidFill>
-              <a:latin typeface="Arial"/>
-            </a:endParaRPr>
-          </a:p>
-        </p:txBody>
-      </p:sp>
-      <p:sp>
-        <p:nvSpPr>
-          <p:cNvPr id="141" name="PlaceHolder 2"/>
-          <p:cNvSpPr>
-            <a:spLocks noGrp="1"/>
-          </p:cNvSpPr>
-          <p:nvPr>
-            <p:ph type="body"/>
-          </p:nvPr>
-        </p:nvSpPr>
-        <p:spPr>
-          <a:xfrm>
-            <a:off x="311760" y="1152360"/>
-            <a:ext cx="2742840" cy="1629000"/>
-          </a:xfrm>
-          <a:prstGeom prst="rect">
-            <a:avLst/>
-          </a:prstGeom>
-          <a:noFill/>
-          <a:ln w="0">
-            <a:noFill/>
-          </a:ln>
-        </p:spPr>
-        <p:txBody>
-          <a:bodyPr lIns="0" rIns="0" tIns="0" bIns="0" anchor="t">
-            <a:normAutofit fontScale="18333" lnSpcReduction="10000"/>
-          </a:bodyPr>
-          <a:p>
-            <a:pPr marL="432000" indent="-324000">
-              <a:spcBef>
-                <a:spcPts val="1417"/>
-              </a:spcBef>
-              <a:buClr>
-                <a:srgbClr val="000000"/>
-              </a:buClr>
-              <a:buSzPct val="45000"/>
-              <a:buFont typeface="Wingdings" charset="2"/>
-              <a:buChar char=""/>
-            </a:pPr>
-            <a:r>
-              <a:rPr b="0" lang="pt-PT" sz="1800" spc="-1" strike="noStrike">
-                <a:solidFill>
-                  <a:srgbClr val="000000"/>
-                </a:solidFill>
-                <a:latin typeface="Arial"/>
-              </a:rPr>
-              <a:t>Click to edit the outline text format</a:t>
-            </a:r>
-            <a:endParaRPr b="0" lang="pt-PT" sz="1800" spc="-1" strike="noStrike">
-              <a:solidFill>
-                <a:srgbClr val="000000"/>
-              </a:solidFill>
-              <a:latin typeface="Arial"/>
-            </a:endParaRPr>
-          </a:p>
-          <a:p>
-            <a:pPr lvl="1" marL="864000" indent="-324000">
-              <a:spcBef>
-                <a:spcPts val="1134"/>
-              </a:spcBef>
-              <a:buClr>
-                <a:srgbClr val="000000"/>
-              </a:buClr>
-              <a:buSzPct val="75000"/>
-              <a:buFont typeface="Symbol" charset="2"/>
-              <a:buChar char=""/>
-            </a:pPr>
-            <a:r>
-              <a:rPr b="0" lang="pt-PT" sz="1800" spc="-1" strike="noStrike">
-                <a:solidFill>
-                  <a:srgbClr val="000000"/>
-                </a:solidFill>
-                <a:latin typeface="Arial"/>
-              </a:rPr>
-              <a:t>Second Outline Level</a:t>
-            </a:r>
-            <a:endParaRPr b="0" lang="pt-PT" sz="1800" spc="-1" strike="noStrike">
-              <a:solidFill>
-                <a:srgbClr val="000000"/>
-              </a:solidFill>
-              <a:latin typeface="Arial"/>
-            </a:endParaRPr>
-          </a:p>
-          <a:p>
-            <a:pPr lvl="2" marL="1296000" indent="-288000">
-              <a:spcBef>
-                <a:spcPts val="850"/>
-              </a:spcBef>
-              <a:buClr>
-                <a:srgbClr val="000000"/>
-              </a:buClr>
-              <a:buSzPct val="45000"/>
-              <a:buFont typeface="Wingdings" charset="2"/>
-              <a:buChar char=""/>
-            </a:pPr>
-            <a:r>
-              <a:rPr b="0" lang="pt-PT" sz="1800" spc="-1" strike="noStrike">
-                <a:solidFill>
-                  <a:srgbClr val="000000"/>
-                </a:solidFill>
-                <a:latin typeface="Arial"/>
-              </a:rPr>
-              <a:t>Third Outline Level</a:t>
-            </a:r>
-            <a:endParaRPr b="0" lang="pt-PT" sz="1800" spc="-1" strike="noStrike">
-              <a:solidFill>
-                <a:srgbClr val="000000"/>
-              </a:solidFill>
-              <a:latin typeface="Arial"/>
-            </a:endParaRPr>
-          </a:p>
-          <a:p>
-            <a:pPr lvl="3" marL="1728000" indent="-216000">
-              <a:spcBef>
-                <a:spcPts val="567"/>
-              </a:spcBef>
-              <a:buClr>
-                <a:srgbClr val="000000"/>
-              </a:buClr>
-              <a:buSzPct val="75000"/>
-              <a:buFont typeface="Symbol" charset="2"/>
-              <a:buChar char=""/>
-            </a:pPr>
-            <a:r>
-              <a:rPr b="0" lang="pt-PT" sz="1800" spc="-1" strike="noStrike">
-                <a:solidFill>
-                  <a:srgbClr val="000000"/>
-                </a:solidFill>
-                <a:latin typeface="Arial"/>
-              </a:rPr>
-              <a:t>Fourth Outline Level</a:t>
-            </a:r>
-            <a:endParaRPr b="0" lang="pt-PT" sz="1800" spc="-1" strike="noStrike">
-              <a:solidFill>
-                <a:srgbClr val="000000"/>
-              </a:solidFill>
-              <a:latin typeface="Arial"/>
-            </a:endParaRPr>
-          </a:p>
-          <a:p>
-            <a:pPr lvl="4" marL="2160000" indent="-216000">
-              <a:spcBef>
-                <a:spcPts val="283"/>
-              </a:spcBef>
-              <a:buClr>
-                <a:srgbClr val="000000"/>
-              </a:buClr>
-              <a:buSzPct val="45000"/>
-              <a:buFont typeface="Wingdings" charset="2"/>
-              <a:buChar char=""/>
-            </a:pPr>
-            <a:r>
-              <a:rPr b="0" lang="pt-PT" sz="1800" spc="-1" strike="noStrike">
-                <a:solidFill>
-                  <a:srgbClr val="000000"/>
-                </a:solidFill>
-                <a:latin typeface="Arial"/>
-              </a:rPr>
-              <a:t>Fifth Outline Level</a:t>
-            </a:r>
-            <a:endParaRPr b="0" lang="pt-PT" sz="1800" spc="-1" strike="noStrike">
-              <a:solidFill>
-                <a:srgbClr val="000000"/>
-              </a:solidFill>
-              <a:latin typeface="Arial"/>
-            </a:endParaRPr>
-          </a:p>
-          <a:p>
-            <a:pPr lvl="5" marL="2592000" indent="-216000">
-              <a:spcBef>
-                <a:spcPts val="283"/>
-              </a:spcBef>
-              <a:buClr>
-                <a:srgbClr val="000000"/>
-              </a:buClr>
-              <a:buSzPct val="45000"/>
-              <a:buFont typeface="Wingdings" charset="2"/>
-              <a:buChar char=""/>
-            </a:pPr>
-            <a:r>
-              <a:rPr b="0" lang="pt-PT" sz="1800" spc="-1" strike="noStrike">
-                <a:solidFill>
-                  <a:srgbClr val="000000"/>
-                </a:solidFill>
-                <a:latin typeface="Arial"/>
-              </a:rPr>
-              <a:t>Sixth Outline Level</a:t>
-            </a:r>
-            <a:endParaRPr b="0" lang="pt-PT" sz="1800" spc="-1" strike="noStrike">
-              <a:solidFill>
-                <a:srgbClr val="000000"/>
-              </a:solidFill>
-              <a:latin typeface="Arial"/>
-            </a:endParaRPr>
-          </a:p>
-          <a:p>
-            <a:pPr lvl="6" marL="3024000" indent="-216000">
-              <a:spcBef>
-                <a:spcPts val="283"/>
-              </a:spcBef>
-              <a:buClr>
-                <a:srgbClr val="000000"/>
-              </a:buClr>
-              <a:buSzPct val="45000"/>
-              <a:buFont typeface="Wingdings" charset="2"/>
-              <a:buChar char=""/>
-            </a:pPr>
-            <a:r>
-              <a:rPr b="0" lang="pt-PT" sz="1800" spc="-1" strike="noStrike">
-                <a:solidFill>
-                  <a:srgbClr val="000000"/>
-                </a:solidFill>
-                <a:latin typeface="Arial"/>
-              </a:rPr>
-              <a:t>Seventh Outline Level</a:t>
-            </a:r>
-            <a:endParaRPr b="0" lang="pt-PT" sz="1800" spc="-1" strike="noStrike">
-              <a:solidFill>
-                <a:srgbClr val="000000"/>
-              </a:solidFill>
-              <a:latin typeface="Arial"/>
-            </a:endParaRPr>
-          </a:p>
-        </p:txBody>
-      </p:sp>
-      <p:sp>
-        <p:nvSpPr>
-          <p:cNvPr id="142" name="PlaceHolder 3"/>
-          <p:cNvSpPr>
-            <a:spLocks noGrp="1"/>
-          </p:cNvSpPr>
-          <p:nvPr>
-            <p:ph type="body"/>
-          </p:nvPr>
-        </p:nvSpPr>
-        <p:spPr>
-          <a:xfrm>
-            <a:off x="3192480" y="1152360"/>
-            <a:ext cx="2742840" cy="1629000"/>
-          </a:xfrm>
-          <a:prstGeom prst="rect">
-            <a:avLst/>
-          </a:prstGeom>
-          <a:noFill/>
-          <a:ln w="0">
-            <a:noFill/>
-          </a:ln>
-        </p:spPr>
-        <p:txBody>
-          <a:bodyPr lIns="0" rIns="0" tIns="0" bIns="0" anchor="t">
-            <a:normAutofit fontScale="18333" lnSpcReduction="10000"/>
-          </a:bodyPr>
-          <a:p>
-            <a:pPr marL="432000" indent="-324000">
-              <a:spcBef>
-                <a:spcPts val="1417"/>
-              </a:spcBef>
-              <a:buClr>
-                <a:srgbClr val="000000"/>
-              </a:buClr>
-              <a:buSzPct val="45000"/>
-              <a:buFont typeface="Wingdings" charset="2"/>
-              <a:buChar char=""/>
-            </a:pPr>
-            <a:r>
-              <a:rPr b="0" lang="pt-PT" sz="1800" spc="-1" strike="noStrike">
-                <a:solidFill>
-                  <a:srgbClr val="000000"/>
-                </a:solidFill>
-                <a:latin typeface="Arial"/>
-              </a:rPr>
-              <a:t>Click to edit the outline text format</a:t>
-            </a:r>
-            <a:endParaRPr b="0" lang="pt-PT" sz="1800" spc="-1" strike="noStrike">
-              <a:solidFill>
-                <a:srgbClr val="000000"/>
-              </a:solidFill>
-              <a:latin typeface="Arial"/>
-            </a:endParaRPr>
-          </a:p>
-          <a:p>
-            <a:pPr lvl="1" marL="864000" indent="-324000">
-              <a:spcBef>
-                <a:spcPts val="1134"/>
-              </a:spcBef>
-              <a:buClr>
-                <a:srgbClr val="000000"/>
-              </a:buClr>
-              <a:buSzPct val="75000"/>
-              <a:buFont typeface="Symbol" charset="2"/>
-              <a:buChar char=""/>
-            </a:pPr>
-            <a:r>
-              <a:rPr b="0" lang="pt-PT" sz="1800" spc="-1" strike="noStrike">
-                <a:solidFill>
-                  <a:srgbClr val="000000"/>
-                </a:solidFill>
-                <a:latin typeface="Arial"/>
-              </a:rPr>
-              <a:t>Second Outline Level</a:t>
-            </a:r>
-            <a:endParaRPr b="0" lang="pt-PT" sz="1800" spc="-1" strike="noStrike">
-              <a:solidFill>
-                <a:srgbClr val="000000"/>
-              </a:solidFill>
-              <a:latin typeface="Arial"/>
-            </a:endParaRPr>
-          </a:p>
-          <a:p>
-            <a:pPr lvl="2" marL="1296000" indent="-288000">
-              <a:spcBef>
-                <a:spcPts val="850"/>
-              </a:spcBef>
-              <a:buClr>
-                <a:srgbClr val="000000"/>
-              </a:buClr>
-              <a:buSzPct val="45000"/>
-              <a:buFont typeface="Wingdings" charset="2"/>
-              <a:buChar char=""/>
-            </a:pPr>
-            <a:r>
-              <a:rPr b="0" lang="pt-PT" sz="1800" spc="-1" strike="noStrike">
-                <a:solidFill>
-                  <a:srgbClr val="000000"/>
-                </a:solidFill>
-                <a:latin typeface="Arial"/>
-              </a:rPr>
-              <a:t>Third Outline Level</a:t>
-            </a:r>
-            <a:endParaRPr b="0" lang="pt-PT" sz="1800" spc="-1" strike="noStrike">
-              <a:solidFill>
-                <a:srgbClr val="000000"/>
-              </a:solidFill>
-              <a:latin typeface="Arial"/>
-            </a:endParaRPr>
-          </a:p>
-          <a:p>
-            <a:pPr lvl="3" marL="1728000" indent="-216000">
-              <a:spcBef>
-                <a:spcPts val="567"/>
-              </a:spcBef>
-              <a:buClr>
-                <a:srgbClr val="000000"/>
-              </a:buClr>
-              <a:buSzPct val="75000"/>
-              <a:buFont typeface="Symbol" charset="2"/>
-              <a:buChar char=""/>
-            </a:pPr>
-            <a:r>
-              <a:rPr b="0" lang="pt-PT" sz="1800" spc="-1" strike="noStrike">
-                <a:solidFill>
-                  <a:srgbClr val="000000"/>
-                </a:solidFill>
-                <a:latin typeface="Arial"/>
-              </a:rPr>
-              <a:t>Fourth Outline Level</a:t>
-            </a:r>
-            <a:endParaRPr b="0" lang="pt-PT" sz="1800" spc="-1" strike="noStrike">
-              <a:solidFill>
-                <a:srgbClr val="000000"/>
-              </a:solidFill>
-              <a:latin typeface="Arial"/>
-            </a:endParaRPr>
-          </a:p>
-          <a:p>
-            <a:pPr lvl="4" marL="2160000" indent="-216000">
-              <a:spcBef>
-                <a:spcPts val="283"/>
-              </a:spcBef>
-              <a:buClr>
-                <a:srgbClr val="000000"/>
-              </a:buClr>
-              <a:buSzPct val="45000"/>
-              <a:buFont typeface="Wingdings" charset="2"/>
-              <a:buChar char=""/>
-            </a:pPr>
-            <a:r>
-              <a:rPr b="0" lang="pt-PT" sz="1800" spc="-1" strike="noStrike">
-                <a:solidFill>
-                  <a:srgbClr val="000000"/>
-                </a:solidFill>
-                <a:latin typeface="Arial"/>
-              </a:rPr>
-              <a:t>Fifth Outline Level</a:t>
-            </a:r>
-            <a:endParaRPr b="0" lang="pt-PT" sz="1800" spc="-1" strike="noStrike">
-              <a:solidFill>
-                <a:srgbClr val="000000"/>
-              </a:solidFill>
-              <a:latin typeface="Arial"/>
-            </a:endParaRPr>
-          </a:p>
-          <a:p>
-            <a:pPr lvl="5" marL="2592000" indent="-216000">
-              <a:spcBef>
-                <a:spcPts val="283"/>
-              </a:spcBef>
-              <a:buClr>
-                <a:srgbClr val="000000"/>
-              </a:buClr>
-              <a:buSzPct val="45000"/>
-              <a:buFont typeface="Wingdings" charset="2"/>
-              <a:buChar char=""/>
-            </a:pPr>
-            <a:r>
-              <a:rPr b="0" lang="pt-PT" sz="1800" spc="-1" strike="noStrike">
-                <a:solidFill>
-                  <a:srgbClr val="000000"/>
-                </a:solidFill>
-                <a:latin typeface="Arial"/>
-              </a:rPr>
-              <a:t>Sixth Outline Level</a:t>
-            </a:r>
-            <a:endParaRPr b="0" lang="pt-PT" sz="1800" spc="-1" strike="noStrike">
-              <a:solidFill>
-                <a:srgbClr val="000000"/>
-              </a:solidFill>
-              <a:latin typeface="Arial"/>
-            </a:endParaRPr>
-          </a:p>
-          <a:p>
-            <a:pPr lvl="6" marL="3024000" indent="-216000">
-              <a:spcBef>
-                <a:spcPts val="283"/>
-              </a:spcBef>
-              <a:buClr>
-                <a:srgbClr val="000000"/>
-              </a:buClr>
-              <a:buSzPct val="45000"/>
-              <a:buFont typeface="Wingdings" charset="2"/>
-              <a:buChar char=""/>
-            </a:pPr>
-            <a:r>
-              <a:rPr b="0" lang="pt-PT" sz="1800" spc="-1" strike="noStrike">
-                <a:solidFill>
-                  <a:srgbClr val="000000"/>
-                </a:solidFill>
-                <a:latin typeface="Arial"/>
-              </a:rPr>
-              <a:t>Seventh Outline Level</a:t>
-            </a:r>
-            <a:endParaRPr b="0" lang="pt-PT" sz="1800" spc="-1" strike="noStrike">
-              <a:solidFill>
-                <a:srgbClr val="000000"/>
-              </a:solidFill>
-              <a:latin typeface="Arial"/>
-            </a:endParaRPr>
-          </a:p>
-        </p:txBody>
-      </p:sp>
-      <p:sp>
-        <p:nvSpPr>
-          <p:cNvPr id="143" name="PlaceHolder 4"/>
-          <p:cNvSpPr>
-            <a:spLocks noGrp="1"/>
-          </p:cNvSpPr>
-          <p:nvPr>
-            <p:ph type="body"/>
-          </p:nvPr>
-        </p:nvSpPr>
-        <p:spPr>
-          <a:xfrm>
-            <a:off x="6073200" y="1152360"/>
-            <a:ext cx="2742840" cy="1629000"/>
-          </a:xfrm>
-          <a:prstGeom prst="rect">
-            <a:avLst/>
-          </a:prstGeom>
-          <a:noFill/>
-          <a:ln w="0">
-            <a:noFill/>
-          </a:ln>
-        </p:spPr>
-        <p:txBody>
-          <a:bodyPr lIns="0" rIns="0" tIns="0" bIns="0" anchor="t">
-            <a:normAutofit fontScale="18333" lnSpcReduction="10000"/>
-          </a:bodyPr>
-          <a:p>
-            <a:pPr marL="432000" indent="-324000">
-              <a:spcBef>
-                <a:spcPts val="1417"/>
-              </a:spcBef>
-              <a:buClr>
-                <a:srgbClr val="000000"/>
-              </a:buClr>
-              <a:buSzPct val="45000"/>
-              <a:buFont typeface="Wingdings" charset="2"/>
-              <a:buChar char=""/>
-            </a:pPr>
-            <a:r>
-              <a:rPr b="0" lang="pt-PT" sz="1800" spc="-1" strike="noStrike">
-                <a:solidFill>
-                  <a:srgbClr val="000000"/>
-                </a:solidFill>
-                <a:latin typeface="Arial"/>
-              </a:rPr>
-              <a:t>Click to edit the outline text format</a:t>
-            </a:r>
-            <a:endParaRPr b="0" lang="pt-PT" sz="1800" spc="-1" strike="noStrike">
-              <a:solidFill>
-                <a:srgbClr val="000000"/>
-              </a:solidFill>
-              <a:latin typeface="Arial"/>
-            </a:endParaRPr>
-          </a:p>
-          <a:p>
-            <a:pPr lvl="1" marL="864000" indent="-324000">
-              <a:spcBef>
-                <a:spcPts val="1134"/>
-              </a:spcBef>
-              <a:buClr>
-                <a:srgbClr val="000000"/>
-              </a:buClr>
-              <a:buSzPct val="75000"/>
-              <a:buFont typeface="Symbol" charset="2"/>
-              <a:buChar char=""/>
-            </a:pPr>
-            <a:r>
-              <a:rPr b="0" lang="pt-PT" sz="1800" spc="-1" strike="noStrike">
-                <a:solidFill>
-                  <a:srgbClr val="000000"/>
-                </a:solidFill>
-                <a:latin typeface="Arial"/>
-              </a:rPr>
-              <a:t>Second Outline Level</a:t>
-            </a:r>
-            <a:endParaRPr b="0" lang="pt-PT" sz="1800" spc="-1" strike="noStrike">
-              <a:solidFill>
-                <a:srgbClr val="000000"/>
-              </a:solidFill>
-              <a:latin typeface="Arial"/>
-            </a:endParaRPr>
-          </a:p>
-          <a:p>
-            <a:pPr lvl="2" marL="1296000" indent="-288000">
-              <a:spcBef>
-                <a:spcPts val="850"/>
-              </a:spcBef>
-              <a:buClr>
-                <a:srgbClr val="000000"/>
-              </a:buClr>
-              <a:buSzPct val="45000"/>
-              <a:buFont typeface="Wingdings" charset="2"/>
-              <a:buChar char=""/>
-            </a:pPr>
-            <a:r>
-              <a:rPr b="0" lang="pt-PT" sz="1800" spc="-1" strike="noStrike">
-                <a:solidFill>
-                  <a:srgbClr val="000000"/>
-                </a:solidFill>
-                <a:latin typeface="Arial"/>
-              </a:rPr>
-              <a:t>Third Outline Level</a:t>
-            </a:r>
-            <a:endParaRPr b="0" lang="pt-PT" sz="1800" spc="-1" strike="noStrike">
-              <a:solidFill>
-                <a:srgbClr val="000000"/>
-              </a:solidFill>
-              <a:latin typeface="Arial"/>
-            </a:endParaRPr>
-          </a:p>
-          <a:p>
-            <a:pPr lvl="3" marL="1728000" indent="-216000">
-              <a:spcBef>
-                <a:spcPts val="567"/>
-              </a:spcBef>
-              <a:buClr>
-                <a:srgbClr val="000000"/>
-              </a:buClr>
-              <a:buSzPct val="75000"/>
-              <a:buFont typeface="Symbol" charset="2"/>
-              <a:buChar char=""/>
-            </a:pPr>
-            <a:r>
-              <a:rPr b="0" lang="pt-PT" sz="1800" spc="-1" strike="noStrike">
-                <a:solidFill>
-                  <a:srgbClr val="000000"/>
-                </a:solidFill>
-                <a:latin typeface="Arial"/>
-              </a:rPr>
-              <a:t>Fourth Outline Level</a:t>
-            </a:r>
-            <a:endParaRPr b="0" lang="pt-PT" sz="1800" spc="-1" strike="noStrike">
-              <a:solidFill>
-                <a:srgbClr val="000000"/>
-              </a:solidFill>
-              <a:latin typeface="Arial"/>
-            </a:endParaRPr>
-          </a:p>
-          <a:p>
-            <a:pPr lvl="4" marL="2160000" indent="-216000">
-              <a:spcBef>
-                <a:spcPts val="283"/>
-              </a:spcBef>
-              <a:buClr>
-                <a:srgbClr val="000000"/>
-              </a:buClr>
-              <a:buSzPct val="45000"/>
-              <a:buFont typeface="Wingdings" charset="2"/>
-              <a:buChar char=""/>
-            </a:pPr>
-            <a:r>
-              <a:rPr b="0" lang="pt-PT" sz="1800" spc="-1" strike="noStrike">
-                <a:solidFill>
-                  <a:srgbClr val="000000"/>
-                </a:solidFill>
-                <a:latin typeface="Arial"/>
-              </a:rPr>
-              <a:t>Fifth Outline Level</a:t>
-            </a:r>
-            <a:endParaRPr b="0" lang="pt-PT" sz="1800" spc="-1" strike="noStrike">
-              <a:solidFill>
-                <a:srgbClr val="000000"/>
-              </a:solidFill>
-              <a:latin typeface="Arial"/>
-            </a:endParaRPr>
-          </a:p>
-          <a:p>
-            <a:pPr lvl="5" marL="2592000" indent="-216000">
-              <a:spcBef>
-                <a:spcPts val="283"/>
-              </a:spcBef>
-              <a:buClr>
-                <a:srgbClr val="000000"/>
-              </a:buClr>
-              <a:buSzPct val="45000"/>
-              <a:buFont typeface="Wingdings" charset="2"/>
-              <a:buChar char=""/>
-            </a:pPr>
-            <a:r>
-              <a:rPr b="0" lang="pt-PT" sz="1800" spc="-1" strike="noStrike">
-                <a:solidFill>
-                  <a:srgbClr val="000000"/>
-                </a:solidFill>
-                <a:latin typeface="Arial"/>
-              </a:rPr>
-              <a:t>Sixth Outline Level</a:t>
-            </a:r>
-            <a:endParaRPr b="0" lang="pt-PT" sz="1800" spc="-1" strike="noStrike">
-              <a:solidFill>
-                <a:srgbClr val="000000"/>
-              </a:solidFill>
-              <a:latin typeface="Arial"/>
-            </a:endParaRPr>
-          </a:p>
-          <a:p>
-            <a:pPr lvl="6" marL="3024000" indent="-216000">
-              <a:spcBef>
-                <a:spcPts val="283"/>
-              </a:spcBef>
-              <a:buClr>
-                <a:srgbClr val="000000"/>
-              </a:buClr>
-              <a:buSzPct val="45000"/>
-              <a:buFont typeface="Wingdings" charset="2"/>
-              <a:buChar char=""/>
-            </a:pPr>
-            <a:r>
-              <a:rPr b="0" lang="pt-PT" sz="1800" spc="-1" strike="noStrike">
-                <a:solidFill>
-                  <a:srgbClr val="000000"/>
-                </a:solidFill>
-                <a:latin typeface="Arial"/>
-              </a:rPr>
-              <a:t>Seventh Outline Level</a:t>
-            </a:r>
-            <a:endParaRPr b="0" lang="pt-PT" sz="1800" spc="-1" strike="noStrike">
-              <a:solidFill>
-                <a:srgbClr val="000000"/>
-              </a:solidFill>
-              <a:latin typeface="Arial"/>
-            </a:endParaRPr>
-          </a:p>
-        </p:txBody>
-      </p:sp>
-      <p:sp>
-        <p:nvSpPr>
-          <p:cNvPr id="144" name="PlaceHolder 5"/>
-          <p:cNvSpPr>
-            <a:spLocks noGrp="1"/>
-          </p:cNvSpPr>
-          <p:nvPr>
-            <p:ph type="body"/>
-          </p:nvPr>
-        </p:nvSpPr>
-        <p:spPr>
-          <a:xfrm>
-            <a:off x="311760" y="2936880"/>
-            <a:ext cx="2742840" cy="1629000"/>
-          </a:xfrm>
-          <a:prstGeom prst="rect">
-            <a:avLst/>
-          </a:prstGeom>
-          <a:noFill/>
-          <a:ln w="0">
-            <a:noFill/>
-          </a:ln>
-        </p:spPr>
-        <p:txBody>
-          <a:bodyPr lIns="0" rIns="0" tIns="0" bIns="0" anchor="t">
-            <a:normAutofit fontScale="18333" lnSpcReduction="10000"/>
-          </a:bodyPr>
-          <a:p>
-            <a:pPr marL="432000" indent="-324000">
-              <a:spcBef>
-                <a:spcPts val="1417"/>
-              </a:spcBef>
-              <a:buClr>
-                <a:srgbClr val="000000"/>
-              </a:buClr>
-              <a:buSzPct val="45000"/>
-              <a:buFont typeface="Wingdings" charset="2"/>
-              <a:buChar char=""/>
-            </a:pPr>
-            <a:r>
-              <a:rPr b="0" lang="pt-PT" sz="1800" spc="-1" strike="noStrike">
-                <a:solidFill>
-                  <a:srgbClr val="000000"/>
-                </a:solidFill>
-                <a:latin typeface="Arial"/>
-              </a:rPr>
-              <a:t>Click to edit the outline text format</a:t>
-            </a:r>
-            <a:endParaRPr b="0" lang="pt-PT" sz="1800" spc="-1" strike="noStrike">
-              <a:solidFill>
-                <a:srgbClr val="000000"/>
-              </a:solidFill>
-              <a:latin typeface="Arial"/>
-            </a:endParaRPr>
-          </a:p>
-          <a:p>
-            <a:pPr lvl="1" marL="864000" indent="-324000">
-              <a:spcBef>
-                <a:spcPts val="1134"/>
-              </a:spcBef>
-              <a:buClr>
-                <a:srgbClr val="000000"/>
-              </a:buClr>
-              <a:buSzPct val="75000"/>
-              <a:buFont typeface="Symbol" charset="2"/>
-              <a:buChar char=""/>
-            </a:pPr>
-            <a:r>
-              <a:rPr b="0" lang="pt-PT" sz="1800" spc="-1" strike="noStrike">
-                <a:solidFill>
-                  <a:srgbClr val="000000"/>
-                </a:solidFill>
-                <a:latin typeface="Arial"/>
-              </a:rPr>
-              <a:t>Second Outline Level</a:t>
-            </a:r>
-            <a:endParaRPr b="0" lang="pt-PT" sz="1800" spc="-1" strike="noStrike">
-              <a:solidFill>
-                <a:srgbClr val="000000"/>
-              </a:solidFill>
-              <a:latin typeface="Arial"/>
-            </a:endParaRPr>
-          </a:p>
-          <a:p>
-            <a:pPr lvl="2" marL="1296000" indent="-288000">
-              <a:spcBef>
-                <a:spcPts val="850"/>
-              </a:spcBef>
-              <a:buClr>
-                <a:srgbClr val="000000"/>
-              </a:buClr>
-              <a:buSzPct val="45000"/>
-              <a:buFont typeface="Wingdings" charset="2"/>
-              <a:buChar char=""/>
-            </a:pPr>
-            <a:r>
-              <a:rPr b="0" lang="pt-PT" sz="1800" spc="-1" strike="noStrike">
-                <a:solidFill>
-                  <a:srgbClr val="000000"/>
-                </a:solidFill>
-                <a:latin typeface="Arial"/>
-              </a:rPr>
-              <a:t>Third Outline Level</a:t>
-            </a:r>
-            <a:endParaRPr b="0" lang="pt-PT" sz="1800" spc="-1" strike="noStrike">
-              <a:solidFill>
-                <a:srgbClr val="000000"/>
-              </a:solidFill>
-              <a:latin typeface="Arial"/>
-            </a:endParaRPr>
-          </a:p>
-          <a:p>
-            <a:pPr lvl="3" marL="1728000" indent="-216000">
-              <a:spcBef>
-                <a:spcPts val="567"/>
-              </a:spcBef>
-              <a:buClr>
-                <a:srgbClr val="000000"/>
-              </a:buClr>
-              <a:buSzPct val="75000"/>
-              <a:buFont typeface="Symbol" charset="2"/>
-              <a:buChar char=""/>
-            </a:pPr>
-            <a:r>
-              <a:rPr b="0" lang="pt-PT" sz="1800" spc="-1" strike="noStrike">
-                <a:solidFill>
-                  <a:srgbClr val="000000"/>
-                </a:solidFill>
-                <a:latin typeface="Arial"/>
-              </a:rPr>
-              <a:t>Fourth Outline Level</a:t>
-            </a:r>
-            <a:endParaRPr b="0" lang="pt-PT" sz="1800" spc="-1" strike="noStrike">
-              <a:solidFill>
-                <a:srgbClr val="000000"/>
-              </a:solidFill>
-              <a:latin typeface="Arial"/>
-            </a:endParaRPr>
-          </a:p>
-          <a:p>
-            <a:pPr lvl="4" marL="2160000" indent="-216000">
-              <a:spcBef>
-                <a:spcPts val="283"/>
-              </a:spcBef>
-              <a:buClr>
-                <a:srgbClr val="000000"/>
-              </a:buClr>
-              <a:buSzPct val="45000"/>
-              <a:buFont typeface="Wingdings" charset="2"/>
-              <a:buChar char=""/>
-            </a:pPr>
-            <a:r>
-              <a:rPr b="0" lang="pt-PT" sz="1800" spc="-1" strike="noStrike">
-                <a:solidFill>
-                  <a:srgbClr val="000000"/>
-                </a:solidFill>
-                <a:latin typeface="Arial"/>
-              </a:rPr>
-              <a:t>Fifth Outline Level</a:t>
-            </a:r>
-            <a:endParaRPr b="0" lang="pt-PT" sz="1800" spc="-1" strike="noStrike">
-              <a:solidFill>
-                <a:srgbClr val="000000"/>
-              </a:solidFill>
-              <a:latin typeface="Arial"/>
-            </a:endParaRPr>
-          </a:p>
-          <a:p>
-            <a:pPr lvl="5" marL="2592000" indent="-216000">
-              <a:spcBef>
-                <a:spcPts val="283"/>
-              </a:spcBef>
-              <a:buClr>
-                <a:srgbClr val="000000"/>
-              </a:buClr>
-              <a:buSzPct val="45000"/>
-              <a:buFont typeface="Wingdings" charset="2"/>
-              <a:buChar char=""/>
-            </a:pPr>
-            <a:r>
-              <a:rPr b="0" lang="pt-PT" sz="1800" spc="-1" strike="noStrike">
-                <a:solidFill>
-                  <a:srgbClr val="000000"/>
-                </a:solidFill>
-                <a:latin typeface="Arial"/>
-              </a:rPr>
-              <a:t>Sixth Outline Level</a:t>
-            </a:r>
-            <a:endParaRPr b="0" lang="pt-PT" sz="1800" spc="-1" strike="noStrike">
-              <a:solidFill>
-                <a:srgbClr val="000000"/>
-              </a:solidFill>
-              <a:latin typeface="Arial"/>
-            </a:endParaRPr>
-          </a:p>
-          <a:p>
-            <a:pPr lvl="6" marL="3024000" indent="-216000">
-              <a:spcBef>
-                <a:spcPts val="283"/>
-              </a:spcBef>
-              <a:buClr>
-                <a:srgbClr val="000000"/>
-              </a:buClr>
-              <a:buSzPct val="45000"/>
-              <a:buFont typeface="Wingdings" charset="2"/>
-              <a:buChar char=""/>
-            </a:pPr>
-            <a:r>
-              <a:rPr b="0" lang="pt-PT" sz="1800" spc="-1" strike="noStrike">
-                <a:solidFill>
-                  <a:srgbClr val="000000"/>
-                </a:solidFill>
-                <a:latin typeface="Arial"/>
-              </a:rPr>
-              <a:t>Seventh Outline Level</a:t>
-            </a:r>
-            <a:endParaRPr b="0" lang="pt-PT" sz="1800" spc="-1" strike="noStrike">
-              <a:solidFill>
-                <a:srgbClr val="000000"/>
-              </a:solidFill>
-              <a:latin typeface="Arial"/>
-            </a:endParaRPr>
-          </a:p>
-        </p:txBody>
-      </p:sp>
-      <p:sp>
-        <p:nvSpPr>
-          <p:cNvPr id="145" name="PlaceHolder 6"/>
-          <p:cNvSpPr>
-            <a:spLocks noGrp="1"/>
-          </p:cNvSpPr>
-          <p:nvPr>
-            <p:ph type="body"/>
-          </p:nvPr>
-        </p:nvSpPr>
-        <p:spPr>
-          <a:xfrm>
-            <a:off x="3192480" y="2936880"/>
-            <a:ext cx="2742840" cy="1629000"/>
-          </a:xfrm>
-          <a:prstGeom prst="rect">
-            <a:avLst/>
-          </a:prstGeom>
-          <a:noFill/>
-          <a:ln w="0">
-            <a:noFill/>
-          </a:ln>
-        </p:spPr>
-        <p:txBody>
-          <a:bodyPr lIns="0" rIns="0" tIns="0" bIns="0" anchor="t">
-            <a:normAutofit fontScale="18333" lnSpcReduction="10000"/>
-          </a:bodyPr>
-          <a:p>
-            <a:pPr marL="432000" indent="-324000">
-              <a:spcBef>
-                <a:spcPts val="1417"/>
-              </a:spcBef>
-              <a:buClr>
-                <a:srgbClr val="000000"/>
-              </a:buClr>
-              <a:buSzPct val="45000"/>
-              <a:buFont typeface="Wingdings" charset="2"/>
-              <a:buChar char=""/>
-            </a:pPr>
-            <a:r>
-              <a:rPr b="0" lang="pt-PT" sz="1800" spc="-1" strike="noStrike">
-                <a:solidFill>
-                  <a:srgbClr val="000000"/>
-                </a:solidFill>
-                <a:latin typeface="Arial"/>
-              </a:rPr>
-              <a:t>Click to edit the outline text format</a:t>
-            </a:r>
-            <a:endParaRPr b="0" lang="pt-PT" sz="1800" spc="-1" strike="noStrike">
-              <a:solidFill>
-                <a:srgbClr val="000000"/>
-              </a:solidFill>
-              <a:latin typeface="Arial"/>
-            </a:endParaRPr>
-          </a:p>
-          <a:p>
-            <a:pPr lvl="1" marL="864000" indent="-324000">
-              <a:spcBef>
-                <a:spcPts val="1134"/>
-              </a:spcBef>
-              <a:buClr>
-                <a:srgbClr val="000000"/>
-              </a:buClr>
-              <a:buSzPct val="75000"/>
-              <a:buFont typeface="Symbol" charset="2"/>
-              <a:buChar char=""/>
-            </a:pPr>
-            <a:r>
-              <a:rPr b="0" lang="pt-PT" sz="1800" spc="-1" strike="noStrike">
-                <a:solidFill>
-                  <a:srgbClr val="000000"/>
-                </a:solidFill>
-                <a:latin typeface="Arial"/>
-              </a:rPr>
-              <a:t>Second Outline Level</a:t>
-            </a:r>
-            <a:endParaRPr b="0" lang="pt-PT" sz="1800" spc="-1" strike="noStrike">
-              <a:solidFill>
-                <a:srgbClr val="000000"/>
-              </a:solidFill>
-              <a:latin typeface="Arial"/>
-            </a:endParaRPr>
-          </a:p>
-          <a:p>
-            <a:pPr lvl="2" marL="1296000" indent="-288000">
-              <a:spcBef>
-                <a:spcPts val="850"/>
-              </a:spcBef>
-              <a:buClr>
-                <a:srgbClr val="000000"/>
-              </a:buClr>
-              <a:buSzPct val="45000"/>
-              <a:buFont typeface="Wingdings" charset="2"/>
-              <a:buChar char=""/>
-            </a:pPr>
-            <a:r>
-              <a:rPr b="0" lang="pt-PT" sz="1800" spc="-1" strike="noStrike">
-                <a:solidFill>
-                  <a:srgbClr val="000000"/>
-                </a:solidFill>
-                <a:latin typeface="Arial"/>
-              </a:rPr>
-              <a:t>Third Outline Level</a:t>
-            </a:r>
-            <a:endParaRPr b="0" lang="pt-PT" sz="1800" spc="-1" strike="noStrike">
-              <a:solidFill>
-                <a:srgbClr val="000000"/>
-              </a:solidFill>
-              <a:latin typeface="Arial"/>
-            </a:endParaRPr>
-          </a:p>
-          <a:p>
-            <a:pPr lvl="3" marL="1728000" indent="-216000">
-              <a:spcBef>
-                <a:spcPts val="567"/>
-              </a:spcBef>
-              <a:buClr>
-                <a:srgbClr val="000000"/>
-              </a:buClr>
-              <a:buSzPct val="75000"/>
-              <a:buFont typeface="Symbol" charset="2"/>
-              <a:buChar char=""/>
-            </a:pPr>
-            <a:r>
-              <a:rPr b="0" lang="pt-PT" sz="1800" spc="-1" strike="noStrike">
-                <a:solidFill>
-                  <a:srgbClr val="000000"/>
-                </a:solidFill>
-                <a:latin typeface="Arial"/>
-              </a:rPr>
-              <a:t>Fourth Outline Level</a:t>
-            </a:r>
-            <a:endParaRPr b="0" lang="pt-PT" sz="1800" spc="-1" strike="noStrike">
-              <a:solidFill>
-                <a:srgbClr val="000000"/>
-              </a:solidFill>
-              <a:latin typeface="Arial"/>
-            </a:endParaRPr>
-          </a:p>
-          <a:p>
-            <a:pPr lvl="4" marL="2160000" indent="-216000">
-              <a:spcBef>
-                <a:spcPts val="283"/>
-              </a:spcBef>
-              <a:buClr>
-                <a:srgbClr val="000000"/>
-              </a:buClr>
-              <a:buSzPct val="45000"/>
-              <a:buFont typeface="Wingdings" charset="2"/>
-              <a:buChar char=""/>
-            </a:pPr>
-            <a:r>
-              <a:rPr b="0" lang="pt-PT" sz="1800" spc="-1" strike="noStrike">
-                <a:solidFill>
-                  <a:srgbClr val="000000"/>
-                </a:solidFill>
-                <a:latin typeface="Arial"/>
-              </a:rPr>
-              <a:t>Fifth Outline Level</a:t>
-            </a:r>
-            <a:endParaRPr b="0" lang="pt-PT" sz="1800" spc="-1" strike="noStrike">
-              <a:solidFill>
-                <a:srgbClr val="000000"/>
-              </a:solidFill>
-              <a:latin typeface="Arial"/>
-            </a:endParaRPr>
-          </a:p>
-          <a:p>
-            <a:pPr lvl="5" marL="2592000" indent="-216000">
-              <a:spcBef>
-                <a:spcPts val="283"/>
-              </a:spcBef>
-              <a:buClr>
-                <a:srgbClr val="000000"/>
-              </a:buClr>
-              <a:buSzPct val="45000"/>
-              <a:buFont typeface="Wingdings" charset="2"/>
-              <a:buChar char=""/>
-            </a:pPr>
-            <a:r>
-              <a:rPr b="0" lang="pt-PT" sz="1800" spc="-1" strike="noStrike">
-                <a:solidFill>
-                  <a:srgbClr val="000000"/>
-                </a:solidFill>
-                <a:latin typeface="Arial"/>
-              </a:rPr>
-              <a:t>Sixth Outline Level</a:t>
-            </a:r>
-            <a:endParaRPr b="0" lang="pt-PT" sz="1800" spc="-1" strike="noStrike">
-              <a:solidFill>
-                <a:srgbClr val="000000"/>
-              </a:solidFill>
-              <a:latin typeface="Arial"/>
-            </a:endParaRPr>
-          </a:p>
-          <a:p>
-            <a:pPr lvl="6" marL="3024000" indent="-216000">
-              <a:spcBef>
-                <a:spcPts val="283"/>
-              </a:spcBef>
-              <a:buClr>
-                <a:srgbClr val="000000"/>
-              </a:buClr>
-              <a:buSzPct val="45000"/>
-              <a:buFont typeface="Wingdings" charset="2"/>
-              <a:buChar char=""/>
-            </a:pPr>
-            <a:r>
-              <a:rPr b="0" lang="pt-PT" sz="1800" spc="-1" strike="noStrike">
-                <a:solidFill>
-                  <a:srgbClr val="000000"/>
-                </a:solidFill>
-                <a:latin typeface="Arial"/>
-              </a:rPr>
-              <a:t>Seventh Outline Level</a:t>
-            </a:r>
-            <a:endParaRPr b="0" lang="pt-PT" sz="1800" spc="-1" strike="noStrike">
-              <a:solidFill>
-                <a:srgbClr val="000000"/>
-              </a:solidFill>
-              <a:latin typeface="Arial"/>
-            </a:endParaRPr>
-          </a:p>
-        </p:txBody>
-      </p:sp>
-      <p:sp>
-        <p:nvSpPr>
-          <p:cNvPr id="146" name="PlaceHolder 7"/>
-          <p:cNvSpPr>
-            <a:spLocks noGrp="1"/>
-          </p:cNvSpPr>
-          <p:nvPr>
-            <p:ph type="body"/>
-          </p:nvPr>
-        </p:nvSpPr>
-        <p:spPr>
-          <a:xfrm>
-            <a:off x="6073200" y="2936880"/>
-            <a:ext cx="2742840" cy="1629000"/>
-          </a:xfrm>
-          <a:prstGeom prst="rect">
-            <a:avLst/>
-          </a:prstGeom>
-          <a:noFill/>
-          <a:ln w="0">
-            <a:noFill/>
-          </a:ln>
-        </p:spPr>
-        <p:txBody>
-          <a:bodyPr lIns="0" rIns="0" tIns="0" bIns="0" anchor="t">
-            <a:normAutofit fontScale="18333" lnSpcReduction="10000"/>
-          </a:bodyPr>
-          <a:p>
-            <a:pPr marL="432000" indent="-324000">
-              <a:spcBef>
-                <a:spcPts val="1417"/>
-              </a:spcBef>
-              <a:buClr>
-                <a:srgbClr val="000000"/>
-              </a:buClr>
-              <a:buSzPct val="45000"/>
-              <a:buFont typeface="Wingdings" charset="2"/>
-              <a:buChar char=""/>
-            </a:pPr>
-            <a:r>
-              <a:rPr b="0" lang="pt-PT" sz="1800" spc="-1" strike="noStrike">
-                <a:solidFill>
-                  <a:srgbClr val="000000"/>
-                </a:solidFill>
-                <a:latin typeface="Arial"/>
-              </a:rPr>
-              <a:t>Click to edit the outline text format</a:t>
-            </a:r>
-            <a:endParaRPr b="0" lang="pt-PT" sz="1800" spc="-1" strike="noStrike">
-              <a:solidFill>
-                <a:srgbClr val="000000"/>
-              </a:solidFill>
-              <a:latin typeface="Arial"/>
-            </a:endParaRPr>
-          </a:p>
-          <a:p>
-            <a:pPr lvl="1" marL="864000" indent="-324000">
-              <a:spcBef>
-                <a:spcPts val="1134"/>
-              </a:spcBef>
-              <a:buClr>
-                <a:srgbClr val="000000"/>
-              </a:buClr>
-              <a:buSzPct val="75000"/>
-              <a:buFont typeface="Symbol" charset="2"/>
-              <a:buChar char=""/>
-            </a:pPr>
-            <a:r>
-              <a:rPr b="0" lang="pt-PT" sz="1800" spc="-1" strike="noStrike">
-                <a:solidFill>
-                  <a:srgbClr val="000000"/>
-                </a:solidFill>
-                <a:latin typeface="Arial"/>
-              </a:rPr>
-              <a:t>Second Outline Level</a:t>
-            </a:r>
-            <a:endParaRPr b="0" lang="pt-PT" sz="1800" spc="-1" strike="noStrike">
-              <a:solidFill>
-                <a:srgbClr val="000000"/>
-              </a:solidFill>
-              <a:latin typeface="Arial"/>
-            </a:endParaRPr>
-          </a:p>
-          <a:p>
-            <a:pPr lvl="2" marL="1296000" indent="-288000">
-              <a:spcBef>
-                <a:spcPts val="850"/>
-              </a:spcBef>
-              <a:buClr>
-                <a:srgbClr val="000000"/>
-              </a:buClr>
-              <a:buSzPct val="45000"/>
-              <a:buFont typeface="Wingdings" charset="2"/>
-              <a:buChar char=""/>
-            </a:pPr>
-            <a:r>
-              <a:rPr b="0" lang="pt-PT" sz="1800" spc="-1" strike="noStrike">
-                <a:solidFill>
-                  <a:srgbClr val="000000"/>
-                </a:solidFill>
-                <a:latin typeface="Arial"/>
-              </a:rPr>
-              <a:t>Third Outline Level</a:t>
-            </a:r>
-            <a:endParaRPr b="0" lang="pt-PT" sz="1800" spc="-1" strike="noStrike">
-              <a:solidFill>
-                <a:srgbClr val="000000"/>
-              </a:solidFill>
-              <a:latin typeface="Arial"/>
-            </a:endParaRPr>
-          </a:p>
-          <a:p>
-            <a:pPr lvl="3" marL="1728000" indent="-216000">
-              <a:spcBef>
-                <a:spcPts val="567"/>
-              </a:spcBef>
-              <a:buClr>
-                <a:srgbClr val="000000"/>
-              </a:buClr>
-              <a:buSzPct val="75000"/>
-              <a:buFont typeface="Symbol" charset="2"/>
-              <a:buChar char=""/>
-            </a:pPr>
-            <a:r>
-              <a:rPr b="0" lang="pt-PT" sz="1800" spc="-1" strike="noStrike">
-                <a:solidFill>
-                  <a:srgbClr val="000000"/>
-                </a:solidFill>
-                <a:latin typeface="Arial"/>
-              </a:rPr>
-              <a:t>Fourth Outline Level</a:t>
-            </a:r>
-            <a:endParaRPr b="0" lang="pt-PT" sz="1800" spc="-1" strike="noStrike">
-              <a:solidFill>
-                <a:srgbClr val="000000"/>
-              </a:solidFill>
-              <a:latin typeface="Arial"/>
-            </a:endParaRPr>
-          </a:p>
-          <a:p>
-            <a:pPr lvl="4" marL="2160000" indent="-216000">
-              <a:spcBef>
-                <a:spcPts val="283"/>
-              </a:spcBef>
-              <a:buClr>
-                <a:srgbClr val="000000"/>
-              </a:buClr>
-              <a:buSzPct val="45000"/>
-              <a:buFont typeface="Wingdings" charset="2"/>
-              <a:buChar char=""/>
-            </a:pPr>
-            <a:r>
-              <a:rPr b="0" lang="pt-PT" sz="1800" spc="-1" strike="noStrike">
-                <a:solidFill>
-                  <a:srgbClr val="000000"/>
-                </a:solidFill>
-                <a:latin typeface="Arial"/>
-              </a:rPr>
-              <a:t>Fifth Outline Level</a:t>
-            </a:r>
-            <a:endParaRPr b="0" lang="pt-PT" sz="1800" spc="-1" strike="noStrike">
-              <a:solidFill>
-                <a:srgbClr val="000000"/>
-              </a:solidFill>
-              <a:latin typeface="Arial"/>
-            </a:endParaRPr>
-          </a:p>
-          <a:p>
-            <a:pPr lvl="5" marL="2592000" indent="-216000">
-              <a:spcBef>
-                <a:spcPts val="283"/>
-              </a:spcBef>
-              <a:buClr>
-                <a:srgbClr val="000000"/>
-              </a:buClr>
-              <a:buSzPct val="45000"/>
-              <a:buFont typeface="Wingdings" charset="2"/>
-              <a:buChar char=""/>
-            </a:pPr>
-            <a:r>
-              <a:rPr b="0" lang="pt-PT" sz="1800" spc="-1" strike="noStrike">
-                <a:solidFill>
-                  <a:srgbClr val="000000"/>
-                </a:solidFill>
-                <a:latin typeface="Arial"/>
-              </a:rPr>
-              <a:t>Sixth Outline Level</a:t>
-            </a:r>
-            <a:endParaRPr b="0" lang="pt-PT" sz="1800" spc="-1" strike="noStrike">
-              <a:solidFill>
-                <a:srgbClr val="000000"/>
-              </a:solidFill>
-              <a:latin typeface="Arial"/>
-            </a:endParaRPr>
-          </a:p>
-          <a:p>
-            <a:pPr lvl="6" marL="3024000" indent="-216000">
-              <a:spcBef>
-                <a:spcPts val="283"/>
-              </a:spcBef>
-              <a:buClr>
-                <a:srgbClr val="000000"/>
-              </a:buClr>
-              <a:buSzPct val="45000"/>
-              <a:buFont typeface="Wingdings" charset="2"/>
-              <a:buChar char=""/>
-            </a:pPr>
-            <a:r>
-              <a:rPr b="0" lang="pt-PT" sz="1800" spc="-1" strike="noStrike">
-                <a:solidFill>
-                  <a:srgbClr val="000000"/>
-                </a:solidFill>
-                <a:latin typeface="Arial"/>
-              </a:rPr>
-              <a:t>Seventh Outline Level</a:t>
-            </a:r>
-            <a:endParaRPr b="0" lang="pt-PT" sz="1800" spc="-1" strike="noStrike">
               <a:solidFill>
                 <a:srgbClr val="000000"/>
               </a:solidFill>
@@ -11981,14 +10582,14 @@
       </p:grpSpPr>
       <p:sp>
         <p:nvSpPr>
-          <p:cNvPr id="147" name="Google Shape;63;p16"/>
+          <p:cNvPr id="134" name="Google Shape;63;p16"/>
           <p:cNvSpPr/>
           <p:nvPr/>
         </p:nvSpPr>
         <p:spPr>
           <a:xfrm>
             <a:off x="0" y="4867560"/>
-            <a:ext cx="308160" cy="275400"/>
+            <a:ext cx="307800" cy="275040"/>
           </a:xfrm>
           <a:prstGeom prst="rect">
             <a:avLst/>
@@ -12005,7 +10606,7 @@
           <a:fontRef idx="minor"/>
         </p:style>
         <p:txBody>
-          <a:bodyPr lIns="90000" rIns="90000" tIns="137880" bIns="137880" anchor="ctr">
+          <a:bodyPr lIns="90000" rIns="90000" tIns="137520" bIns="137520" anchor="ctr">
             <a:noAutofit/>
           </a:bodyPr>
           <a:p>
@@ -12017,7 +10618,7 @@
                 <a:tab algn="l" pos="0"/>
               </a:tabLst>
             </a:pPr>
-            <a:fld id="{9D0707E2-C19B-4826-9715-B3D14757FE2F}" type="slidenum">
+            <a:fld id="{701A6853-47A3-4CBB-A538-F852F47CF53A}" type="slidenum">
               <a:rPr b="0" lang="en" sz="800" spc="-1" strike="noStrike">
                 <a:solidFill>
                   <a:srgbClr val="3d3c3b"/>
@@ -12038,7 +10639,7 @@
       </p:sp>
       <p:pic>
         <p:nvPicPr>
-          <p:cNvPr id="148" name="Google Shape;64;p16" descr=""/>
+          <p:cNvPr id="135" name="Google Shape;64;p16" descr=""/>
           <p:cNvPicPr/>
           <p:nvPr/>
         </p:nvPicPr>
@@ -12049,7 +10650,7 @@
         <p:spPr>
           <a:xfrm>
             <a:off x="7843320" y="4663080"/>
-            <a:ext cx="1010160" cy="307080"/>
+            <a:ext cx="1009800" cy="306720"/>
           </a:xfrm>
           <a:prstGeom prst="rect">
             <a:avLst/>
@@ -12061,7 +10662,7 @@
       </p:pic>
       <p:pic>
         <p:nvPicPr>
-          <p:cNvPr id="149" name="Google Shape;65;p16" descr=""/>
+          <p:cNvPr id="136" name="Google Shape;65;p16" descr=""/>
           <p:cNvPicPr/>
           <p:nvPr/>
         </p:nvPicPr>
@@ -12074,7 +10675,7 @@
         <p:spPr>
           <a:xfrm>
             <a:off x="3378600" y="2347200"/>
-            <a:ext cx="5764680" cy="2795760"/>
+            <a:ext cx="5764320" cy="2795400"/>
           </a:xfrm>
           <a:prstGeom prst="rect">
             <a:avLst/>
@@ -12086,14 +10687,14 @@
       </p:pic>
       <p:sp>
         <p:nvSpPr>
-          <p:cNvPr id="150" name="Google Shape;67;p16"/>
+          <p:cNvPr id="137" name="Google Shape;67;p16"/>
           <p:cNvSpPr/>
           <p:nvPr/>
         </p:nvSpPr>
         <p:spPr>
           <a:xfrm>
             <a:off x="0" y="4810320"/>
-            <a:ext cx="9143280" cy="213480"/>
+            <a:ext cx="9142920" cy="213480"/>
           </a:xfrm>
           <a:prstGeom prst="rect">
             <a:avLst/>
@@ -12143,7 +10744,7 @@
       </p:sp>
       <p:sp>
         <p:nvSpPr>
-          <p:cNvPr id="151" name="PlaceHolder 1"/>
+          <p:cNvPr id="138" name="PlaceHolder 1"/>
           <p:cNvSpPr>
             <a:spLocks noGrp="1"/>
           </p:cNvSpPr>
@@ -12192,7 +10793,7 @@
       </p:sp>
       <p:sp>
         <p:nvSpPr>
-          <p:cNvPr id="152" name="PlaceHolder 2"/>
+          <p:cNvPr id="139" name="PlaceHolder 2"/>
           <p:cNvSpPr>
             <a:spLocks noGrp="1"/>
           </p:cNvSpPr>
@@ -12460,8 +11061,8 @@
         </p:nvSpPr>
         <p:spPr>
           <a:xfrm>
-            <a:off x="311760" y="444960"/>
-            <a:ext cx="8519760" cy="572040"/>
+            <a:off x="457200" y="205200"/>
+            <a:ext cx="8228880" cy="858240"/>
           </a:xfrm>
           <a:prstGeom prst="rect">
             <a:avLst/>
@@ -12509,8 +11110,8 @@
         </p:nvSpPr>
         <p:spPr>
           <a:xfrm>
-            <a:off x="311760" y="1152360"/>
-            <a:ext cx="8519760" cy="1629000"/>
+            <a:off x="457200" y="1203480"/>
+            <a:ext cx="8228880" cy="1422360"/>
           </a:xfrm>
           <a:prstGeom prst="rect">
             <a:avLst/>
@@ -12522,7 +11123,7 @@
         </p:spPr>
         <p:txBody>
           <a:bodyPr lIns="0" rIns="0" tIns="0" bIns="0" anchor="t">
-            <a:normAutofit fontScale="62222"/>
+            <a:normAutofit fontScale="50000"/>
           </a:bodyPr>
           <a:p>
             <a:pPr marL="432000" indent="-324000">
@@ -12734,8 +11335,8 @@
         </p:nvSpPr>
         <p:spPr>
           <a:xfrm>
-            <a:off x="311760" y="2936880"/>
-            <a:ext cx="8519760" cy="1629000"/>
+            <a:off x="457200" y="2761920"/>
+            <a:ext cx="8228880" cy="1422360"/>
           </a:xfrm>
           <a:prstGeom prst="rect">
             <a:avLst/>
@@ -12747,7 +11348,7 @@
         </p:spPr>
         <p:txBody>
           <a:bodyPr lIns="0" rIns="0" tIns="0" bIns="0" anchor="t">
-            <a:normAutofit fontScale="62222"/>
+            <a:normAutofit fontScale="50000"/>
           </a:bodyPr>
           <a:p>
             <a:pPr marL="432000" indent="-324000">
@@ -12960,7 +11561,7 @@
         <p:spPr>
           <a:xfrm>
             <a:off x="8472600" y="4663080"/>
-            <a:ext cx="547920" cy="392760"/>
+            <a:ext cx="547560" cy="392400"/>
           </a:xfrm>
           <a:prstGeom prst="rect">
             <a:avLst/>
@@ -13002,7 +11603,7 @@
                 <a:tab algn="l" pos="0"/>
               </a:tabLst>
             </a:pPr>
-            <a:fld id="{2FBF8B85-9E1C-418D-83A7-F00DF4E7B949}" type="slidenum">
+            <a:fld id="{8F4530E2-3048-45F1-A327-6AB85FEBCEDF}" type="slidenum">
               <a:rPr b="0" lang="en" sz="1000" spc="-1" strike="noStrike">
                 <a:solidFill>
                   <a:srgbClr val="595959"/>
@@ -13056,14 +11657,14 @@
       </p:grpSpPr>
       <p:sp>
         <p:nvSpPr>
-          <p:cNvPr id="153" name="Google Shape;63;p16"/>
+          <p:cNvPr id="140" name="Google Shape;63;p16"/>
           <p:cNvSpPr/>
           <p:nvPr/>
         </p:nvSpPr>
         <p:spPr>
           <a:xfrm>
             <a:off x="0" y="4867560"/>
-            <a:ext cx="308160" cy="275400"/>
+            <a:ext cx="307800" cy="275040"/>
           </a:xfrm>
           <a:prstGeom prst="rect">
             <a:avLst/>
@@ -13080,7 +11681,7 @@
           <a:fontRef idx="minor"/>
         </p:style>
         <p:txBody>
-          <a:bodyPr lIns="90000" rIns="90000" tIns="137880" bIns="137880" anchor="ctr">
+          <a:bodyPr lIns="90000" rIns="90000" tIns="137520" bIns="137520" anchor="ctr">
             <a:noAutofit/>
           </a:bodyPr>
           <a:p>
@@ -13092,7 +11693,7 @@
                 <a:tab algn="l" pos="0"/>
               </a:tabLst>
             </a:pPr>
-            <a:fld id="{40D0A093-2782-430B-986F-A451365F2C68}" type="slidenum">
+            <a:fld id="{D600EF2A-2240-4F31-8000-D8F559C60005}" type="slidenum">
               <a:rPr b="0" lang="en" sz="800" spc="-1" strike="noStrike">
                 <a:solidFill>
                   <a:srgbClr val="3d3c3b"/>
@@ -13113,7 +11714,7 @@
       </p:sp>
       <p:pic>
         <p:nvPicPr>
-          <p:cNvPr id="154" name="Google Shape;64;p16" descr=""/>
+          <p:cNvPr id="141" name="Google Shape;64;p16" descr=""/>
           <p:cNvPicPr/>
           <p:nvPr/>
         </p:nvPicPr>
@@ -13124,7 +11725,7 @@
         <p:spPr>
           <a:xfrm>
             <a:off x="7843320" y="4663080"/>
-            <a:ext cx="1010160" cy="307080"/>
+            <a:ext cx="1009800" cy="306720"/>
           </a:xfrm>
           <a:prstGeom prst="rect">
             <a:avLst/>
@@ -13136,7 +11737,7 @@
       </p:pic>
       <p:pic>
         <p:nvPicPr>
-          <p:cNvPr id="155" name="Google Shape;65;p16" descr=""/>
+          <p:cNvPr id="142" name="Google Shape;65;p16" descr=""/>
           <p:cNvPicPr/>
           <p:nvPr/>
         </p:nvPicPr>
@@ -13149,7 +11750,7 @@
         <p:spPr>
           <a:xfrm>
             <a:off x="3378600" y="2347200"/>
-            <a:ext cx="5764680" cy="2795760"/>
+            <a:ext cx="5764320" cy="2795400"/>
           </a:xfrm>
           <a:prstGeom prst="rect">
             <a:avLst/>
@@ -13161,14 +11762,14 @@
       </p:pic>
       <p:sp>
         <p:nvSpPr>
-          <p:cNvPr id="156" name="Google Shape;67;p16"/>
+          <p:cNvPr id="143" name="Google Shape;67;p16"/>
           <p:cNvSpPr/>
           <p:nvPr/>
         </p:nvSpPr>
         <p:spPr>
           <a:xfrm>
             <a:off x="0" y="4810320"/>
-            <a:ext cx="9143280" cy="213480"/>
+            <a:ext cx="9142920" cy="213480"/>
           </a:xfrm>
           <a:prstGeom prst="rect">
             <a:avLst/>
@@ -13218,7 +11819,7 @@
       </p:sp>
       <p:sp>
         <p:nvSpPr>
-          <p:cNvPr id="157" name="PlaceHolder 1"/>
+          <p:cNvPr id="144" name="PlaceHolder 1"/>
           <p:cNvSpPr>
             <a:spLocks noGrp="1"/>
           </p:cNvSpPr>
@@ -13228,8 +11829,8 @@
         </p:nvSpPr>
         <p:spPr>
           <a:xfrm>
-            <a:off x="311760" y="444960"/>
-            <a:ext cx="8519760" cy="572040"/>
+            <a:off x="457200" y="205200"/>
+            <a:ext cx="8228880" cy="858240"/>
           </a:xfrm>
           <a:prstGeom prst="rect">
             <a:avLst/>
@@ -13255,6 +11856,231 @@
                 <a:latin typeface="Arial"/>
               </a:rPr>
               <a:t>Click to edit the title text format</a:t>
+            </a:r>
+            <a:endParaRPr b="0" lang="pt-PT" sz="1800" spc="-1" strike="noStrike">
+              <a:solidFill>
+                <a:srgbClr val="000000"/>
+              </a:solidFill>
+              <a:latin typeface="Arial"/>
+            </a:endParaRPr>
+          </a:p>
+        </p:txBody>
+      </p:sp>
+      <p:sp>
+        <p:nvSpPr>
+          <p:cNvPr id="145" name="PlaceHolder 2"/>
+          <p:cNvSpPr>
+            <a:spLocks noGrp="1"/>
+          </p:cNvSpPr>
+          <p:nvPr>
+            <p:ph type="body"/>
+          </p:nvPr>
+        </p:nvSpPr>
+        <p:spPr>
+          <a:xfrm>
+            <a:off x="457200" y="1203480"/>
+            <a:ext cx="8228880" cy="2982600"/>
+          </a:xfrm>
+          <a:prstGeom prst="rect">
+            <a:avLst/>
+          </a:prstGeom>
+          <a:noFill/>
+          <a:ln w="0">
+            <a:noFill/>
+          </a:ln>
+        </p:spPr>
+        <p:txBody>
+          <a:bodyPr lIns="0" rIns="0" tIns="0" bIns="0" anchor="t">
+            <a:normAutofit/>
+          </a:bodyPr>
+          <a:p>
+            <a:pPr marL="432000" indent="-324000">
+              <a:spcBef>
+                <a:spcPts val="1417"/>
+              </a:spcBef>
+              <a:buClr>
+                <a:srgbClr val="000000"/>
+              </a:buClr>
+              <a:buSzPct val="45000"/>
+              <a:buFont typeface="Wingdings" charset="2"/>
+              <a:buChar char=""/>
+            </a:pPr>
+            <a:r>
+              <a:rPr b="0" lang="pt-PT" sz="1800" spc="-1" strike="noStrike">
+                <a:solidFill>
+                  <a:srgbClr val="000000"/>
+                </a:solidFill>
+                <a:latin typeface="Arial"/>
+              </a:rPr>
+              <a:t>Click to edit the outline text format</a:t>
+            </a:r>
+            <a:endParaRPr b="0" lang="pt-PT" sz="1800" spc="-1" strike="noStrike">
+              <a:solidFill>
+                <a:srgbClr val="000000"/>
+              </a:solidFill>
+              <a:latin typeface="Arial"/>
+            </a:endParaRPr>
+          </a:p>
+          <a:p>
+            <a:pPr lvl="1" marL="864000" indent="-324000">
+              <a:spcBef>
+                <a:spcPts val="1134"/>
+              </a:spcBef>
+              <a:buClr>
+                <a:srgbClr val="000000"/>
+              </a:buClr>
+              <a:buSzPct val="75000"/>
+              <a:buFont typeface="Symbol" charset="2"/>
+              <a:buChar char=""/>
+            </a:pPr>
+            <a:r>
+              <a:rPr b="0" lang="pt-PT" sz="1800" spc="-1" strike="noStrike">
+                <a:solidFill>
+                  <a:srgbClr val="000000"/>
+                </a:solidFill>
+                <a:latin typeface="Arial"/>
+              </a:rPr>
+              <a:t>Second Outline Level</a:t>
+            </a:r>
+            <a:endParaRPr b="0" lang="pt-PT" sz="1800" spc="-1" strike="noStrike">
+              <a:solidFill>
+                <a:srgbClr val="000000"/>
+              </a:solidFill>
+              <a:latin typeface="Arial"/>
+            </a:endParaRPr>
+          </a:p>
+          <a:p>
+            <a:pPr lvl="2" marL="1296000" indent="-288000">
+              <a:spcBef>
+                <a:spcPts val="850"/>
+              </a:spcBef>
+              <a:buClr>
+                <a:srgbClr val="000000"/>
+              </a:buClr>
+              <a:buSzPct val="45000"/>
+              <a:buFont typeface="Wingdings" charset="2"/>
+              <a:buChar char=""/>
+            </a:pPr>
+            <a:r>
+              <a:rPr b="0" lang="pt-PT" sz="1800" spc="-1" strike="noStrike">
+                <a:solidFill>
+                  <a:srgbClr val="000000"/>
+                </a:solidFill>
+                <a:latin typeface="Arial"/>
+              </a:rPr>
+              <a:t>Third Outline Level</a:t>
+            </a:r>
+            <a:endParaRPr b="0" lang="pt-PT" sz="1800" spc="-1" strike="noStrike">
+              <a:solidFill>
+                <a:srgbClr val="000000"/>
+              </a:solidFill>
+              <a:latin typeface="Arial"/>
+            </a:endParaRPr>
+          </a:p>
+          <a:p>
+            <a:pPr lvl="3" marL="1728000" indent="-216000">
+              <a:spcBef>
+                <a:spcPts val="567"/>
+              </a:spcBef>
+              <a:buClr>
+                <a:srgbClr val="000000"/>
+              </a:buClr>
+              <a:buSzPct val="75000"/>
+              <a:buFont typeface="Symbol" charset="2"/>
+              <a:buChar char=""/>
+            </a:pPr>
+            <a:r>
+              <a:rPr b="0" lang="pt-PT" sz="1800" spc="-1" strike="noStrike">
+                <a:solidFill>
+                  <a:srgbClr val="000000"/>
+                </a:solidFill>
+                <a:latin typeface="Arial"/>
+              </a:rPr>
+              <a:t>Fourth Outline Level</a:t>
+            </a:r>
+            <a:endParaRPr b="0" lang="pt-PT" sz="1800" spc="-1" strike="noStrike">
+              <a:solidFill>
+                <a:srgbClr val="000000"/>
+              </a:solidFill>
+              <a:latin typeface="Arial"/>
+            </a:endParaRPr>
+          </a:p>
+          <a:p>
+            <a:pPr lvl="4" marL="2160000" indent="-216000">
+              <a:spcBef>
+                <a:spcPts val="283"/>
+              </a:spcBef>
+              <a:buClr>
+                <a:srgbClr val="000000"/>
+              </a:buClr>
+              <a:buSzPct val="45000"/>
+              <a:buFont typeface="Wingdings" charset="2"/>
+              <a:buChar char=""/>
+            </a:pPr>
+            <a:r>
+              <a:rPr b="0" lang="pt-PT" sz="1800" spc="-1" strike="noStrike">
+                <a:solidFill>
+                  <a:srgbClr val="000000"/>
+                </a:solidFill>
+                <a:latin typeface="Arial"/>
+              </a:rPr>
+              <a:t>Fifth Outline Level</a:t>
+            </a:r>
+            <a:endParaRPr b="0" lang="pt-PT" sz="1800" spc="-1" strike="noStrike">
+              <a:solidFill>
+                <a:srgbClr val="000000"/>
+              </a:solidFill>
+              <a:latin typeface="Arial"/>
+            </a:endParaRPr>
+          </a:p>
+          <a:p>
+            <a:pPr lvl="5" marL="2592000" indent="-216000">
+              <a:spcBef>
+                <a:spcPts val="283"/>
+              </a:spcBef>
+              <a:buClr>
+                <a:srgbClr val="000000"/>
+              </a:buClr>
+              <a:buSzPct val="45000"/>
+              <a:buFont typeface="Wingdings" charset="2"/>
+              <a:buChar char=""/>
+            </a:pPr>
+            <a:r>
+              <a:rPr b="0" lang="pt-PT" sz="1800" spc="-1" strike="noStrike">
+                <a:solidFill>
+                  <a:srgbClr val="000000"/>
+                </a:solidFill>
+                <a:latin typeface="Arial"/>
+              </a:rPr>
+              <a:t>Sixth Outline Level</a:t>
+            </a:r>
+            <a:endParaRPr b="0" lang="pt-PT" sz="1800" spc="-1" strike="noStrike">
+              <a:solidFill>
+                <a:srgbClr val="000000"/>
+              </a:solidFill>
+              <a:latin typeface="Arial"/>
+            </a:endParaRPr>
+          </a:p>
+          <a:p>
+            <a:pPr lvl="6" marL="3024000" indent="-216000">
+              <a:spcBef>
+                <a:spcPts val="283"/>
+              </a:spcBef>
+              <a:buClr>
+                <a:srgbClr val="000000"/>
+              </a:buClr>
+              <a:buSzPct val="45000"/>
+              <a:buFont typeface="Wingdings" charset="2"/>
+              <a:buChar char=""/>
+            </a:pPr>
+            <a:r>
+              <a:rPr b="0" lang="pt-PT" sz="1800" spc="-1" strike="noStrike">
+                <a:solidFill>
+                  <a:srgbClr val="000000"/>
+                </a:solidFill>
+                <a:latin typeface="Arial"/>
+              </a:rPr>
+              <a:t>Seventh Outline Level</a:t>
             </a:r>
             <a:endParaRPr b="0" lang="pt-PT" sz="1800" spc="-1" strike="noStrike">
               <a:solidFill>
@@ -13300,14 +12126,14 @@
       </p:grpSpPr>
       <p:sp>
         <p:nvSpPr>
-          <p:cNvPr id="160" name="Google Shape;63;p16"/>
+          <p:cNvPr id="148" name="Google Shape;63;p16"/>
           <p:cNvSpPr/>
           <p:nvPr/>
         </p:nvSpPr>
         <p:spPr>
           <a:xfrm>
             <a:off x="0" y="4867560"/>
-            <a:ext cx="308160" cy="275400"/>
+            <a:ext cx="307800" cy="275040"/>
           </a:xfrm>
           <a:prstGeom prst="rect">
             <a:avLst/>
@@ -13324,7 +12150,7 @@
           <a:fontRef idx="minor"/>
         </p:style>
         <p:txBody>
-          <a:bodyPr lIns="90000" rIns="90000" tIns="137880" bIns="137880" anchor="ctr">
+          <a:bodyPr lIns="90000" rIns="90000" tIns="137520" bIns="137520" anchor="ctr">
             <a:noAutofit/>
           </a:bodyPr>
           <a:p>
@@ -13336,7 +12162,7 @@
                 <a:tab algn="l" pos="0"/>
               </a:tabLst>
             </a:pPr>
-            <a:fld id="{ED9C20C0-2B54-40CE-98DF-07AD5A0E98C7}" type="slidenum">
+            <a:fld id="{BF39FF79-D4C7-4AEF-933B-EBB50D421BAE}" type="slidenum">
               <a:rPr b="0" lang="en" sz="800" spc="-1" strike="noStrike">
                 <a:solidFill>
                   <a:srgbClr val="3d3c3b"/>
@@ -13357,7 +12183,7 @@
       </p:sp>
       <p:pic>
         <p:nvPicPr>
-          <p:cNvPr id="161" name="Google Shape;64;p16" descr=""/>
+          <p:cNvPr id="149" name="Google Shape;64;p16" descr=""/>
           <p:cNvPicPr/>
           <p:nvPr/>
         </p:nvPicPr>
@@ -13368,7 +12194,7 @@
         <p:spPr>
           <a:xfrm>
             <a:off x="7843320" y="4663080"/>
-            <a:ext cx="1010160" cy="307080"/>
+            <a:ext cx="1009800" cy="306720"/>
           </a:xfrm>
           <a:prstGeom prst="rect">
             <a:avLst/>
@@ -13380,7 +12206,7 @@
       </p:pic>
       <p:pic>
         <p:nvPicPr>
-          <p:cNvPr id="162" name="Google Shape;65;p16" descr=""/>
+          <p:cNvPr id="150" name="Google Shape;65;p16" descr=""/>
           <p:cNvPicPr/>
           <p:nvPr/>
         </p:nvPicPr>
@@ -13393,7 +12219,7 @@
         <p:spPr>
           <a:xfrm>
             <a:off x="3378600" y="2347200"/>
-            <a:ext cx="5764680" cy="2795760"/>
+            <a:ext cx="5764320" cy="2795400"/>
           </a:xfrm>
           <a:prstGeom prst="rect">
             <a:avLst/>
@@ -13405,14 +12231,14 @@
       </p:pic>
       <p:sp>
         <p:nvSpPr>
-          <p:cNvPr id="163" name="Google Shape;67;p16"/>
+          <p:cNvPr id="151" name="Google Shape;67;p16"/>
           <p:cNvSpPr/>
           <p:nvPr/>
         </p:nvSpPr>
         <p:spPr>
           <a:xfrm>
             <a:off x="0" y="4810320"/>
-            <a:ext cx="9143280" cy="213480"/>
+            <a:ext cx="9142920" cy="213480"/>
           </a:xfrm>
           <a:prstGeom prst="rect">
             <a:avLst/>
@@ -13462,7 +12288,7 @@
       </p:sp>
       <p:sp>
         <p:nvSpPr>
-          <p:cNvPr id="164" name="PlaceHolder 1"/>
+          <p:cNvPr id="152" name="PlaceHolder 1"/>
           <p:cNvSpPr>
             <a:spLocks noGrp="1"/>
           </p:cNvSpPr>
@@ -13472,8 +12298,8 @@
         </p:nvSpPr>
         <p:spPr>
           <a:xfrm>
-            <a:off x="311760" y="444960"/>
-            <a:ext cx="8519760" cy="572040"/>
+            <a:off x="457200" y="205200"/>
+            <a:ext cx="8228880" cy="858240"/>
           </a:xfrm>
           <a:prstGeom prst="rect">
             <a:avLst/>
@@ -13511,7 +12337,7 @@
       </p:sp>
       <p:sp>
         <p:nvSpPr>
-          <p:cNvPr id="165" name="PlaceHolder 2"/>
+          <p:cNvPr id="153" name="PlaceHolder 2"/>
           <p:cNvSpPr>
             <a:spLocks noGrp="1"/>
           </p:cNvSpPr>
@@ -13521,8 +12347,8 @@
         </p:nvSpPr>
         <p:spPr>
           <a:xfrm>
-            <a:off x="311760" y="1152360"/>
-            <a:ext cx="8519760" cy="3415680"/>
+            <a:off x="457200" y="1203480"/>
+            <a:ext cx="8228880" cy="2982600"/>
           </a:xfrm>
           <a:prstGeom prst="rect">
             <a:avLst/>
@@ -13769,14 +12595,14 @@
       </p:grpSpPr>
       <p:sp>
         <p:nvSpPr>
-          <p:cNvPr id="168" name="Google Shape;63;p16"/>
+          <p:cNvPr id="156" name="Google Shape;63;p16"/>
           <p:cNvSpPr/>
           <p:nvPr/>
         </p:nvSpPr>
         <p:spPr>
           <a:xfrm>
             <a:off x="0" y="4867560"/>
-            <a:ext cx="308160" cy="275400"/>
+            <a:ext cx="307800" cy="275040"/>
           </a:xfrm>
           <a:prstGeom prst="rect">
             <a:avLst/>
@@ -13793,7 +12619,7 @@
           <a:fontRef idx="minor"/>
         </p:style>
         <p:txBody>
-          <a:bodyPr lIns="90000" rIns="90000" tIns="137880" bIns="137880" anchor="ctr">
+          <a:bodyPr lIns="90000" rIns="90000" tIns="137520" bIns="137520" anchor="ctr">
             <a:noAutofit/>
           </a:bodyPr>
           <a:p>
@@ -13805,7 +12631,7 @@
                 <a:tab algn="l" pos="0"/>
               </a:tabLst>
             </a:pPr>
-            <a:fld id="{E93A7D90-C9ED-4D1C-99A2-2BAB1BD1FDF9}" type="slidenum">
+            <a:fld id="{B7311ED5-679A-4B5E-BF33-D496209F9A49}" type="slidenum">
               <a:rPr b="0" lang="en" sz="800" spc="-1" strike="noStrike">
                 <a:solidFill>
                   <a:srgbClr val="3d3c3b"/>
@@ -13826,7 +12652,7 @@
       </p:sp>
       <p:pic>
         <p:nvPicPr>
-          <p:cNvPr id="169" name="Google Shape;64;p16" descr=""/>
+          <p:cNvPr id="157" name="Google Shape;64;p16" descr=""/>
           <p:cNvPicPr/>
           <p:nvPr/>
         </p:nvPicPr>
@@ -13837,7 +12663,7 @@
         <p:spPr>
           <a:xfrm>
             <a:off x="7843320" y="4663080"/>
-            <a:ext cx="1010160" cy="307080"/>
+            <a:ext cx="1009800" cy="306720"/>
           </a:xfrm>
           <a:prstGeom prst="rect">
             <a:avLst/>
@@ -13849,7 +12675,7 @@
       </p:pic>
       <p:pic>
         <p:nvPicPr>
-          <p:cNvPr id="170" name="Google Shape;65;p16" descr=""/>
+          <p:cNvPr id="158" name="Google Shape;65;p16" descr=""/>
           <p:cNvPicPr/>
           <p:nvPr/>
         </p:nvPicPr>
@@ -13862,7 +12688,7 @@
         <p:spPr>
           <a:xfrm>
             <a:off x="3378600" y="2347200"/>
-            <a:ext cx="5764680" cy="2795760"/>
+            <a:ext cx="5764320" cy="2795400"/>
           </a:xfrm>
           <a:prstGeom prst="rect">
             <a:avLst/>
@@ -13874,14 +12700,14 @@
       </p:pic>
       <p:sp>
         <p:nvSpPr>
-          <p:cNvPr id="171" name="Google Shape;67;p16"/>
+          <p:cNvPr id="159" name="Google Shape;67;p16"/>
           <p:cNvSpPr/>
           <p:nvPr/>
         </p:nvSpPr>
         <p:spPr>
           <a:xfrm>
             <a:off x="0" y="4810320"/>
-            <a:ext cx="9143280" cy="213480"/>
+            <a:ext cx="9142920" cy="213480"/>
           </a:xfrm>
           <a:prstGeom prst="rect">
             <a:avLst/>
@@ -13931,7 +12757,7 @@
       </p:sp>
       <p:sp>
         <p:nvSpPr>
-          <p:cNvPr id="172" name="PlaceHolder 1"/>
+          <p:cNvPr id="160" name="PlaceHolder 1"/>
           <p:cNvSpPr>
             <a:spLocks noGrp="1"/>
           </p:cNvSpPr>
@@ -13941,8 +12767,8 @@
         </p:nvSpPr>
         <p:spPr>
           <a:xfrm>
-            <a:off x="311760" y="444960"/>
-            <a:ext cx="8519760" cy="572040"/>
+            <a:off x="457200" y="205200"/>
+            <a:ext cx="8228880" cy="858240"/>
           </a:xfrm>
           <a:prstGeom prst="rect">
             <a:avLst/>
@@ -13980,7 +12806,7 @@
       </p:sp>
       <p:sp>
         <p:nvSpPr>
-          <p:cNvPr id="173" name="PlaceHolder 2"/>
+          <p:cNvPr id="161" name="PlaceHolder 2"/>
           <p:cNvSpPr>
             <a:spLocks noGrp="1"/>
           </p:cNvSpPr>
@@ -13990,8 +12816,8 @@
         </p:nvSpPr>
         <p:spPr>
           <a:xfrm>
-            <a:off x="311760" y="1152360"/>
-            <a:ext cx="4157280" cy="3415680"/>
+            <a:off x="457200" y="1203480"/>
+            <a:ext cx="4015440" cy="2982600"/>
           </a:xfrm>
           <a:prstGeom prst="rect">
             <a:avLst/>
@@ -14003,7 +12829,7 @@
         </p:spPr>
         <p:txBody>
           <a:bodyPr lIns="0" rIns="0" tIns="0" bIns="0" anchor="t">
-            <a:normAutofit/>
+            <a:normAutofit fontScale="87222"/>
           </a:bodyPr>
           <a:p>
             <a:pPr marL="432000" indent="-324000">
@@ -14205,7 +13031,7 @@
       </p:sp>
       <p:sp>
         <p:nvSpPr>
-          <p:cNvPr id="174" name="PlaceHolder 3"/>
+          <p:cNvPr id="162" name="PlaceHolder 3"/>
           <p:cNvSpPr>
             <a:spLocks noGrp="1"/>
           </p:cNvSpPr>
@@ -14215,8 +13041,8 @@
         </p:nvSpPr>
         <p:spPr>
           <a:xfrm>
-            <a:off x="4677840" y="1152360"/>
-            <a:ext cx="4157280" cy="3415680"/>
+            <a:off x="4674240" y="1203480"/>
+            <a:ext cx="4015440" cy="2982600"/>
           </a:xfrm>
           <a:prstGeom prst="rect">
             <a:avLst/>
@@ -14228,7 +13054,7 @@
         </p:spPr>
         <p:txBody>
           <a:bodyPr lIns="0" rIns="0" tIns="0" bIns="0" anchor="t">
-            <a:normAutofit/>
+            <a:normAutofit fontScale="87222"/>
           </a:bodyPr>
           <a:p>
             <a:pPr marL="432000" indent="-324000">
@@ -14463,14 +13289,14 @@
       </p:grpSpPr>
       <p:sp>
         <p:nvSpPr>
-          <p:cNvPr id="178" name="Google Shape;63;p16"/>
+          <p:cNvPr id="166" name="Google Shape;63;p16"/>
           <p:cNvSpPr/>
           <p:nvPr/>
         </p:nvSpPr>
         <p:spPr>
           <a:xfrm>
             <a:off x="0" y="4867560"/>
-            <a:ext cx="308160" cy="275400"/>
+            <a:ext cx="307800" cy="275040"/>
           </a:xfrm>
           <a:prstGeom prst="rect">
             <a:avLst/>
@@ -14487,7 +13313,7 @@
           <a:fontRef idx="minor"/>
         </p:style>
         <p:txBody>
-          <a:bodyPr lIns="90000" rIns="90000" tIns="137880" bIns="137880" anchor="ctr">
+          <a:bodyPr lIns="90000" rIns="90000" tIns="137520" bIns="137520" anchor="ctr">
             <a:noAutofit/>
           </a:bodyPr>
           <a:p>
@@ -14499,7 +13325,7 @@
                 <a:tab algn="l" pos="0"/>
               </a:tabLst>
             </a:pPr>
-            <a:fld id="{1C591AF6-599D-4F8D-B5DC-08081EB34879}" type="slidenum">
+            <a:fld id="{7EC4FB45-7BCA-41F9-9DB4-4CC35FA4126E}" type="slidenum">
               <a:rPr b="0" lang="en" sz="800" spc="-1" strike="noStrike">
                 <a:solidFill>
                   <a:srgbClr val="3d3c3b"/>
@@ -14520,7 +13346,7 @@
       </p:sp>
       <p:pic>
         <p:nvPicPr>
-          <p:cNvPr id="179" name="Google Shape;64;p16" descr=""/>
+          <p:cNvPr id="167" name="Google Shape;64;p16" descr=""/>
           <p:cNvPicPr/>
           <p:nvPr/>
         </p:nvPicPr>
@@ -14531,7 +13357,7 @@
         <p:spPr>
           <a:xfrm>
             <a:off x="7843320" y="4663080"/>
-            <a:ext cx="1010160" cy="307080"/>
+            <a:ext cx="1009800" cy="306720"/>
           </a:xfrm>
           <a:prstGeom prst="rect">
             <a:avLst/>
@@ -14543,7 +13369,7 @@
       </p:pic>
       <p:pic>
         <p:nvPicPr>
-          <p:cNvPr id="180" name="Google Shape;65;p16" descr=""/>
+          <p:cNvPr id="168" name="Google Shape;65;p16" descr=""/>
           <p:cNvPicPr/>
           <p:nvPr/>
         </p:nvPicPr>
@@ -14556,7 +13382,7 @@
         <p:spPr>
           <a:xfrm>
             <a:off x="3378600" y="2347200"/>
-            <a:ext cx="5764680" cy="2795760"/>
+            <a:ext cx="5764320" cy="2795400"/>
           </a:xfrm>
           <a:prstGeom prst="rect">
             <a:avLst/>
@@ -14568,14 +13394,14 @@
       </p:pic>
       <p:sp>
         <p:nvSpPr>
-          <p:cNvPr id="181" name="Google Shape;67;p16"/>
+          <p:cNvPr id="169" name="Google Shape;67;p16"/>
           <p:cNvSpPr/>
           <p:nvPr/>
         </p:nvSpPr>
         <p:spPr>
           <a:xfrm>
             <a:off x="0" y="4810320"/>
-            <a:ext cx="9143280" cy="213480"/>
+            <a:ext cx="9142920" cy="213480"/>
           </a:xfrm>
           <a:prstGeom prst="rect">
             <a:avLst/>
@@ -14625,7 +13451,7 @@
       </p:sp>
       <p:sp>
         <p:nvSpPr>
-          <p:cNvPr id="182" name="PlaceHolder 1"/>
+          <p:cNvPr id="170" name="PlaceHolder 1"/>
           <p:cNvSpPr>
             <a:spLocks noGrp="1"/>
           </p:cNvSpPr>
@@ -14635,8 +13461,8 @@
         </p:nvSpPr>
         <p:spPr>
           <a:xfrm>
-            <a:off x="311760" y="444960"/>
-            <a:ext cx="8519760" cy="572040"/>
+            <a:off x="457200" y="205200"/>
+            <a:ext cx="8228880" cy="858240"/>
           </a:xfrm>
           <a:prstGeom prst="rect">
             <a:avLst/>
@@ -14707,14 +13533,14 @@
       </p:grpSpPr>
       <p:sp>
         <p:nvSpPr>
-          <p:cNvPr id="184" name="Google Shape;63;p16"/>
+          <p:cNvPr id="172" name="Google Shape;63;p16"/>
           <p:cNvSpPr/>
           <p:nvPr/>
         </p:nvSpPr>
         <p:spPr>
           <a:xfrm>
             <a:off x="0" y="4867560"/>
-            <a:ext cx="308160" cy="275400"/>
+            <a:ext cx="307800" cy="275040"/>
           </a:xfrm>
           <a:prstGeom prst="rect">
             <a:avLst/>
@@ -14731,7 +13557,7 @@
           <a:fontRef idx="minor"/>
         </p:style>
         <p:txBody>
-          <a:bodyPr lIns="90000" rIns="90000" tIns="137880" bIns="137880" anchor="ctr">
+          <a:bodyPr lIns="90000" rIns="90000" tIns="137520" bIns="137520" anchor="ctr">
             <a:noAutofit/>
           </a:bodyPr>
           <a:p>
@@ -14743,7 +13569,7 @@
                 <a:tab algn="l" pos="0"/>
               </a:tabLst>
             </a:pPr>
-            <a:fld id="{B090E679-4D30-4870-94F5-03BA29E9C1A2}" type="slidenum">
+            <a:fld id="{2AC19A25-6A43-4076-B204-5B306BFCBC69}" type="slidenum">
               <a:rPr b="0" lang="en" sz="800" spc="-1" strike="noStrike">
                 <a:solidFill>
                   <a:srgbClr val="3d3c3b"/>
@@ -14764,7 +13590,7 @@
       </p:sp>
       <p:pic>
         <p:nvPicPr>
-          <p:cNvPr id="185" name="Google Shape;64;p16" descr=""/>
+          <p:cNvPr id="173" name="Google Shape;64;p16" descr=""/>
           <p:cNvPicPr/>
           <p:nvPr/>
         </p:nvPicPr>
@@ -14775,7 +13601,7 @@
         <p:spPr>
           <a:xfrm>
             <a:off x="7843320" y="4663080"/>
-            <a:ext cx="1010160" cy="307080"/>
+            <a:ext cx="1009800" cy="306720"/>
           </a:xfrm>
           <a:prstGeom prst="rect">
             <a:avLst/>
@@ -14787,7 +13613,7 @@
       </p:pic>
       <p:pic>
         <p:nvPicPr>
-          <p:cNvPr id="186" name="Google Shape;65;p16" descr=""/>
+          <p:cNvPr id="174" name="Google Shape;65;p16" descr=""/>
           <p:cNvPicPr/>
           <p:nvPr/>
         </p:nvPicPr>
@@ -14800,7 +13626,7 @@
         <p:spPr>
           <a:xfrm>
             <a:off x="3378600" y="2347200"/>
-            <a:ext cx="5764680" cy="2795760"/>
+            <a:ext cx="5764320" cy="2795400"/>
           </a:xfrm>
           <a:prstGeom prst="rect">
             <a:avLst/>
@@ -14812,14 +13638,14 @@
       </p:pic>
       <p:sp>
         <p:nvSpPr>
-          <p:cNvPr id="187" name="Google Shape;67;p16"/>
+          <p:cNvPr id="175" name="Google Shape;67;p16"/>
           <p:cNvSpPr/>
           <p:nvPr/>
         </p:nvSpPr>
         <p:spPr>
           <a:xfrm>
             <a:off x="0" y="4810320"/>
-            <a:ext cx="9143280" cy="213480"/>
+            <a:ext cx="9142920" cy="213480"/>
           </a:xfrm>
           <a:prstGeom prst="rect">
             <a:avLst/>
@@ -14912,8 +13738,8 @@
         </p:nvSpPr>
         <p:spPr>
           <a:xfrm>
-            <a:off x="311760" y="444960"/>
-            <a:ext cx="8519760" cy="572040"/>
+            <a:off x="457200" y="205200"/>
+            <a:ext cx="8228880" cy="858240"/>
           </a:xfrm>
           <a:prstGeom prst="rect">
             <a:avLst/>
@@ -14961,8 +13787,8 @@
         </p:nvSpPr>
         <p:spPr>
           <a:xfrm>
-            <a:off x="311760" y="1152360"/>
-            <a:ext cx="4157280" cy="1629000"/>
+            <a:off x="457200" y="1203480"/>
+            <a:ext cx="4015440" cy="1422360"/>
           </a:xfrm>
           <a:prstGeom prst="rect">
             <a:avLst/>
@@ -14974,7 +13800,7 @@
         </p:spPr>
         <p:txBody>
           <a:bodyPr lIns="0" rIns="0" tIns="0" bIns="0" anchor="t">
-            <a:normAutofit fontScale="62222" lnSpcReduction="10000"/>
+            <a:normAutofit fontScale="43333"/>
           </a:bodyPr>
           <a:p>
             <a:pPr marL="432000" indent="-324000">
@@ -15186,8 +14012,8 @@
         </p:nvSpPr>
         <p:spPr>
           <a:xfrm>
-            <a:off x="4677840" y="1152360"/>
-            <a:ext cx="4157280" cy="1629000"/>
+            <a:off x="4674240" y="1203480"/>
+            <a:ext cx="4015440" cy="1422360"/>
           </a:xfrm>
           <a:prstGeom prst="rect">
             <a:avLst/>
@@ -15199,7 +14025,7 @@
         </p:spPr>
         <p:txBody>
           <a:bodyPr lIns="0" rIns="0" tIns="0" bIns="0" anchor="t">
-            <a:normAutofit fontScale="62222" lnSpcReduction="10000"/>
+            <a:normAutofit fontScale="43333"/>
           </a:bodyPr>
           <a:p>
             <a:pPr marL="432000" indent="-324000">
@@ -15411,8 +14237,8 @@
         </p:nvSpPr>
         <p:spPr>
           <a:xfrm>
-            <a:off x="311760" y="2936880"/>
-            <a:ext cx="4157280" cy="1629000"/>
+            <a:off x="457200" y="2761920"/>
+            <a:ext cx="4015440" cy="1422360"/>
           </a:xfrm>
           <a:prstGeom prst="rect">
             <a:avLst/>
@@ -15424,7 +14250,7 @@
         </p:spPr>
         <p:txBody>
           <a:bodyPr lIns="0" rIns="0" tIns="0" bIns="0" anchor="t">
-            <a:normAutofit fontScale="62222" lnSpcReduction="10000"/>
+            <a:normAutofit fontScale="43333"/>
           </a:bodyPr>
           <a:p>
             <a:pPr marL="432000" indent="-324000">
@@ -15636,8 +14462,8 @@
         </p:nvSpPr>
         <p:spPr>
           <a:xfrm>
-            <a:off x="4677840" y="2936880"/>
-            <a:ext cx="4157280" cy="1629000"/>
+            <a:off x="4674240" y="2761920"/>
+            <a:ext cx="4015440" cy="1422360"/>
           </a:xfrm>
           <a:prstGeom prst="rect">
             <a:avLst/>
@@ -15649,7 +14475,7 @@
         </p:spPr>
         <p:txBody>
           <a:bodyPr lIns="0" rIns="0" tIns="0" bIns="0" anchor="t">
-            <a:normAutofit fontScale="62222" lnSpcReduction="10000"/>
+            <a:normAutofit fontScale="43333"/>
           </a:bodyPr>
           <a:p>
             <a:pPr marL="432000" indent="-324000">
@@ -15862,7 +14688,7 @@
         <p:spPr>
           <a:xfrm>
             <a:off x="8472600" y="4663080"/>
-            <a:ext cx="547920" cy="392760"/>
+            <a:ext cx="547560" cy="392400"/>
           </a:xfrm>
           <a:prstGeom prst="rect">
             <a:avLst/>
@@ -15904,7 +14730,7 @@
                 <a:tab algn="l" pos="0"/>
               </a:tabLst>
             </a:pPr>
-            <a:fld id="{AD5D2E65-17AA-4202-9301-449FBE53DFF3}" type="slidenum">
+            <a:fld id="{C7940313-D7A6-4192-841C-D7A5848F53FE}" type="slidenum">
               <a:rPr b="0" lang="en" sz="1000" spc="-1" strike="noStrike">
                 <a:solidFill>
                   <a:srgbClr val="595959"/>
@@ -15963,1412 +14789,13 @@
             <a:spLocks noGrp="1"/>
           </p:cNvSpPr>
           <p:nvPr>
-            <p:ph type="title"/>
-          </p:nvPr>
-        </p:nvSpPr>
-        <p:spPr>
-          <a:xfrm>
-            <a:off x="311760" y="444960"/>
-            <a:ext cx="8519760" cy="572040"/>
-          </a:xfrm>
-          <a:prstGeom prst="rect">
-            <a:avLst/>
-          </a:prstGeom>
-          <a:noFill/>
-          <a:ln w="0">
-            <a:noFill/>
-          </a:ln>
-        </p:spPr>
-        <p:txBody>
-          <a:bodyPr lIns="0" rIns="0" tIns="0" bIns="0" anchor="ctr">
-            <a:noAutofit/>
-          </a:bodyPr>
-          <a:p>
-            <a:pPr indent="0">
-              <a:buNone/>
-            </a:pPr>
-            <a:r>
-              <a:rPr b="0" lang="pt-PT" sz="1800" spc="-1" strike="noStrike">
-                <a:solidFill>
-                  <a:srgbClr val="000000"/>
-                </a:solidFill>
-                <a:latin typeface="Arial"/>
-              </a:rPr>
-              <a:t>Click to edit the title text format</a:t>
-            </a:r>
-            <a:endParaRPr b="0" lang="pt-PT" sz="1800" spc="-1" strike="noStrike">
-              <a:solidFill>
-                <a:srgbClr val="000000"/>
-              </a:solidFill>
-              <a:latin typeface="Arial"/>
-            </a:endParaRPr>
-          </a:p>
-        </p:txBody>
-      </p:sp>
-      <p:sp>
-        <p:nvSpPr>
-          <p:cNvPr id="28" name="PlaceHolder 2"/>
-          <p:cNvSpPr>
-            <a:spLocks noGrp="1"/>
-          </p:cNvSpPr>
-          <p:nvPr>
-            <p:ph type="body"/>
-          </p:nvPr>
-        </p:nvSpPr>
-        <p:spPr>
-          <a:xfrm>
-            <a:off x="311760" y="1152360"/>
-            <a:ext cx="2742840" cy="1629000"/>
-          </a:xfrm>
-          <a:prstGeom prst="rect">
-            <a:avLst/>
-          </a:prstGeom>
-          <a:noFill/>
-          <a:ln w="0">
-            <a:noFill/>
-          </a:ln>
-        </p:spPr>
-        <p:txBody>
-          <a:bodyPr lIns="0" rIns="0" tIns="0" bIns="0" anchor="t">
-            <a:normAutofit fontScale="18333" lnSpcReduction="10000"/>
-          </a:bodyPr>
-          <a:p>
-            <a:pPr marL="432000" indent="-324000">
-              <a:spcBef>
-                <a:spcPts val="1417"/>
-              </a:spcBef>
-              <a:buClr>
-                <a:srgbClr val="000000"/>
-              </a:buClr>
-              <a:buSzPct val="45000"/>
-              <a:buFont typeface="Wingdings" charset="2"/>
-              <a:buChar char=""/>
-            </a:pPr>
-            <a:r>
-              <a:rPr b="0" lang="pt-PT" sz="1800" spc="-1" strike="noStrike">
-                <a:solidFill>
-                  <a:srgbClr val="000000"/>
-                </a:solidFill>
-                <a:latin typeface="Arial"/>
-              </a:rPr>
-              <a:t>Click to edit the outline text format</a:t>
-            </a:r>
-            <a:endParaRPr b="0" lang="pt-PT" sz="1800" spc="-1" strike="noStrike">
-              <a:solidFill>
-                <a:srgbClr val="000000"/>
-              </a:solidFill>
-              <a:latin typeface="Arial"/>
-            </a:endParaRPr>
-          </a:p>
-          <a:p>
-            <a:pPr lvl="1" marL="864000" indent="-324000">
-              <a:spcBef>
-                <a:spcPts val="1134"/>
-              </a:spcBef>
-              <a:buClr>
-                <a:srgbClr val="000000"/>
-              </a:buClr>
-              <a:buSzPct val="75000"/>
-              <a:buFont typeface="Symbol" charset="2"/>
-              <a:buChar char=""/>
-            </a:pPr>
-            <a:r>
-              <a:rPr b="0" lang="pt-PT" sz="1800" spc="-1" strike="noStrike">
-                <a:solidFill>
-                  <a:srgbClr val="000000"/>
-                </a:solidFill>
-                <a:latin typeface="Arial"/>
-              </a:rPr>
-              <a:t>Second Outline Level</a:t>
-            </a:r>
-            <a:endParaRPr b="0" lang="pt-PT" sz="1800" spc="-1" strike="noStrike">
-              <a:solidFill>
-                <a:srgbClr val="000000"/>
-              </a:solidFill>
-              <a:latin typeface="Arial"/>
-            </a:endParaRPr>
-          </a:p>
-          <a:p>
-            <a:pPr lvl="2" marL="1296000" indent="-288000">
-              <a:spcBef>
-                <a:spcPts val="850"/>
-              </a:spcBef>
-              <a:buClr>
-                <a:srgbClr val="000000"/>
-              </a:buClr>
-              <a:buSzPct val="45000"/>
-              <a:buFont typeface="Wingdings" charset="2"/>
-              <a:buChar char=""/>
-            </a:pPr>
-            <a:r>
-              <a:rPr b="0" lang="pt-PT" sz="1800" spc="-1" strike="noStrike">
-                <a:solidFill>
-                  <a:srgbClr val="000000"/>
-                </a:solidFill>
-                <a:latin typeface="Arial"/>
-              </a:rPr>
-              <a:t>Third Outline Level</a:t>
-            </a:r>
-            <a:endParaRPr b="0" lang="pt-PT" sz="1800" spc="-1" strike="noStrike">
-              <a:solidFill>
-                <a:srgbClr val="000000"/>
-              </a:solidFill>
-              <a:latin typeface="Arial"/>
-            </a:endParaRPr>
-          </a:p>
-          <a:p>
-            <a:pPr lvl="3" marL="1728000" indent="-216000">
-              <a:spcBef>
-                <a:spcPts val="567"/>
-              </a:spcBef>
-              <a:buClr>
-                <a:srgbClr val="000000"/>
-              </a:buClr>
-              <a:buSzPct val="75000"/>
-              <a:buFont typeface="Symbol" charset="2"/>
-              <a:buChar char=""/>
-            </a:pPr>
-            <a:r>
-              <a:rPr b="0" lang="pt-PT" sz="1800" spc="-1" strike="noStrike">
-                <a:solidFill>
-                  <a:srgbClr val="000000"/>
-                </a:solidFill>
-                <a:latin typeface="Arial"/>
-              </a:rPr>
-              <a:t>Fourth Outline Level</a:t>
-            </a:r>
-            <a:endParaRPr b="0" lang="pt-PT" sz="1800" spc="-1" strike="noStrike">
-              <a:solidFill>
-                <a:srgbClr val="000000"/>
-              </a:solidFill>
-              <a:latin typeface="Arial"/>
-            </a:endParaRPr>
-          </a:p>
-          <a:p>
-            <a:pPr lvl="4" marL="2160000" indent="-216000">
-              <a:spcBef>
-                <a:spcPts val="283"/>
-              </a:spcBef>
-              <a:buClr>
-                <a:srgbClr val="000000"/>
-              </a:buClr>
-              <a:buSzPct val="45000"/>
-              <a:buFont typeface="Wingdings" charset="2"/>
-              <a:buChar char=""/>
-            </a:pPr>
-            <a:r>
-              <a:rPr b="0" lang="pt-PT" sz="1800" spc="-1" strike="noStrike">
-                <a:solidFill>
-                  <a:srgbClr val="000000"/>
-                </a:solidFill>
-                <a:latin typeface="Arial"/>
-              </a:rPr>
-              <a:t>Fifth Outline Level</a:t>
-            </a:r>
-            <a:endParaRPr b="0" lang="pt-PT" sz="1800" spc="-1" strike="noStrike">
-              <a:solidFill>
-                <a:srgbClr val="000000"/>
-              </a:solidFill>
-              <a:latin typeface="Arial"/>
-            </a:endParaRPr>
-          </a:p>
-          <a:p>
-            <a:pPr lvl="5" marL="2592000" indent="-216000">
-              <a:spcBef>
-                <a:spcPts val="283"/>
-              </a:spcBef>
-              <a:buClr>
-                <a:srgbClr val="000000"/>
-              </a:buClr>
-              <a:buSzPct val="45000"/>
-              <a:buFont typeface="Wingdings" charset="2"/>
-              <a:buChar char=""/>
-            </a:pPr>
-            <a:r>
-              <a:rPr b="0" lang="pt-PT" sz="1800" spc="-1" strike="noStrike">
-                <a:solidFill>
-                  <a:srgbClr val="000000"/>
-                </a:solidFill>
-                <a:latin typeface="Arial"/>
-              </a:rPr>
-              <a:t>Sixth Outline Level</a:t>
-            </a:r>
-            <a:endParaRPr b="0" lang="pt-PT" sz="1800" spc="-1" strike="noStrike">
-              <a:solidFill>
-                <a:srgbClr val="000000"/>
-              </a:solidFill>
-              <a:latin typeface="Arial"/>
-            </a:endParaRPr>
-          </a:p>
-          <a:p>
-            <a:pPr lvl="6" marL="3024000" indent="-216000">
-              <a:spcBef>
-                <a:spcPts val="283"/>
-              </a:spcBef>
-              <a:buClr>
-                <a:srgbClr val="000000"/>
-              </a:buClr>
-              <a:buSzPct val="45000"/>
-              <a:buFont typeface="Wingdings" charset="2"/>
-              <a:buChar char=""/>
-            </a:pPr>
-            <a:r>
-              <a:rPr b="0" lang="pt-PT" sz="1800" spc="-1" strike="noStrike">
-                <a:solidFill>
-                  <a:srgbClr val="000000"/>
-                </a:solidFill>
-                <a:latin typeface="Arial"/>
-              </a:rPr>
-              <a:t>Seventh Outline Level</a:t>
-            </a:r>
-            <a:endParaRPr b="0" lang="pt-PT" sz="1800" spc="-1" strike="noStrike">
-              <a:solidFill>
-                <a:srgbClr val="000000"/>
-              </a:solidFill>
-              <a:latin typeface="Arial"/>
-            </a:endParaRPr>
-          </a:p>
-        </p:txBody>
-      </p:sp>
-      <p:sp>
-        <p:nvSpPr>
-          <p:cNvPr id="29" name="PlaceHolder 3"/>
-          <p:cNvSpPr>
-            <a:spLocks noGrp="1"/>
-          </p:cNvSpPr>
-          <p:nvPr>
-            <p:ph type="body"/>
-          </p:nvPr>
-        </p:nvSpPr>
-        <p:spPr>
-          <a:xfrm>
-            <a:off x="3192480" y="1152360"/>
-            <a:ext cx="2742840" cy="1629000"/>
-          </a:xfrm>
-          <a:prstGeom prst="rect">
-            <a:avLst/>
-          </a:prstGeom>
-          <a:noFill/>
-          <a:ln w="0">
-            <a:noFill/>
-          </a:ln>
-        </p:spPr>
-        <p:txBody>
-          <a:bodyPr lIns="0" rIns="0" tIns="0" bIns="0" anchor="t">
-            <a:normAutofit fontScale="18333" lnSpcReduction="10000"/>
-          </a:bodyPr>
-          <a:p>
-            <a:pPr marL="432000" indent="-324000">
-              <a:spcBef>
-                <a:spcPts val="1417"/>
-              </a:spcBef>
-              <a:buClr>
-                <a:srgbClr val="000000"/>
-              </a:buClr>
-              <a:buSzPct val="45000"/>
-              <a:buFont typeface="Wingdings" charset="2"/>
-              <a:buChar char=""/>
-            </a:pPr>
-            <a:r>
-              <a:rPr b="0" lang="pt-PT" sz="1800" spc="-1" strike="noStrike">
-                <a:solidFill>
-                  <a:srgbClr val="000000"/>
-                </a:solidFill>
-                <a:latin typeface="Arial"/>
-              </a:rPr>
-              <a:t>Click to edit the outline text format</a:t>
-            </a:r>
-            <a:endParaRPr b="0" lang="pt-PT" sz="1800" spc="-1" strike="noStrike">
-              <a:solidFill>
-                <a:srgbClr val="000000"/>
-              </a:solidFill>
-              <a:latin typeface="Arial"/>
-            </a:endParaRPr>
-          </a:p>
-          <a:p>
-            <a:pPr lvl="1" marL="864000" indent="-324000">
-              <a:spcBef>
-                <a:spcPts val="1134"/>
-              </a:spcBef>
-              <a:buClr>
-                <a:srgbClr val="000000"/>
-              </a:buClr>
-              <a:buSzPct val="75000"/>
-              <a:buFont typeface="Symbol" charset="2"/>
-              <a:buChar char=""/>
-            </a:pPr>
-            <a:r>
-              <a:rPr b="0" lang="pt-PT" sz="1800" spc="-1" strike="noStrike">
-                <a:solidFill>
-                  <a:srgbClr val="000000"/>
-                </a:solidFill>
-                <a:latin typeface="Arial"/>
-              </a:rPr>
-              <a:t>Second Outline Level</a:t>
-            </a:r>
-            <a:endParaRPr b="0" lang="pt-PT" sz="1800" spc="-1" strike="noStrike">
-              <a:solidFill>
-                <a:srgbClr val="000000"/>
-              </a:solidFill>
-              <a:latin typeface="Arial"/>
-            </a:endParaRPr>
-          </a:p>
-          <a:p>
-            <a:pPr lvl="2" marL="1296000" indent="-288000">
-              <a:spcBef>
-                <a:spcPts val="850"/>
-              </a:spcBef>
-              <a:buClr>
-                <a:srgbClr val="000000"/>
-              </a:buClr>
-              <a:buSzPct val="45000"/>
-              <a:buFont typeface="Wingdings" charset="2"/>
-              <a:buChar char=""/>
-            </a:pPr>
-            <a:r>
-              <a:rPr b="0" lang="pt-PT" sz="1800" spc="-1" strike="noStrike">
-                <a:solidFill>
-                  <a:srgbClr val="000000"/>
-                </a:solidFill>
-                <a:latin typeface="Arial"/>
-              </a:rPr>
-              <a:t>Third Outline Level</a:t>
-            </a:r>
-            <a:endParaRPr b="0" lang="pt-PT" sz="1800" spc="-1" strike="noStrike">
-              <a:solidFill>
-                <a:srgbClr val="000000"/>
-              </a:solidFill>
-              <a:latin typeface="Arial"/>
-            </a:endParaRPr>
-          </a:p>
-          <a:p>
-            <a:pPr lvl="3" marL="1728000" indent="-216000">
-              <a:spcBef>
-                <a:spcPts val="567"/>
-              </a:spcBef>
-              <a:buClr>
-                <a:srgbClr val="000000"/>
-              </a:buClr>
-              <a:buSzPct val="75000"/>
-              <a:buFont typeface="Symbol" charset="2"/>
-              <a:buChar char=""/>
-            </a:pPr>
-            <a:r>
-              <a:rPr b="0" lang="pt-PT" sz="1800" spc="-1" strike="noStrike">
-                <a:solidFill>
-                  <a:srgbClr val="000000"/>
-                </a:solidFill>
-                <a:latin typeface="Arial"/>
-              </a:rPr>
-              <a:t>Fourth Outline Level</a:t>
-            </a:r>
-            <a:endParaRPr b="0" lang="pt-PT" sz="1800" spc="-1" strike="noStrike">
-              <a:solidFill>
-                <a:srgbClr val="000000"/>
-              </a:solidFill>
-              <a:latin typeface="Arial"/>
-            </a:endParaRPr>
-          </a:p>
-          <a:p>
-            <a:pPr lvl="4" marL="2160000" indent="-216000">
-              <a:spcBef>
-                <a:spcPts val="283"/>
-              </a:spcBef>
-              <a:buClr>
-                <a:srgbClr val="000000"/>
-              </a:buClr>
-              <a:buSzPct val="45000"/>
-              <a:buFont typeface="Wingdings" charset="2"/>
-              <a:buChar char=""/>
-            </a:pPr>
-            <a:r>
-              <a:rPr b="0" lang="pt-PT" sz="1800" spc="-1" strike="noStrike">
-                <a:solidFill>
-                  <a:srgbClr val="000000"/>
-                </a:solidFill>
-                <a:latin typeface="Arial"/>
-              </a:rPr>
-              <a:t>Fifth Outline Level</a:t>
-            </a:r>
-            <a:endParaRPr b="0" lang="pt-PT" sz="1800" spc="-1" strike="noStrike">
-              <a:solidFill>
-                <a:srgbClr val="000000"/>
-              </a:solidFill>
-              <a:latin typeface="Arial"/>
-            </a:endParaRPr>
-          </a:p>
-          <a:p>
-            <a:pPr lvl="5" marL="2592000" indent="-216000">
-              <a:spcBef>
-                <a:spcPts val="283"/>
-              </a:spcBef>
-              <a:buClr>
-                <a:srgbClr val="000000"/>
-              </a:buClr>
-              <a:buSzPct val="45000"/>
-              <a:buFont typeface="Wingdings" charset="2"/>
-              <a:buChar char=""/>
-            </a:pPr>
-            <a:r>
-              <a:rPr b="0" lang="pt-PT" sz="1800" spc="-1" strike="noStrike">
-                <a:solidFill>
-                  <a:srgbClr val="000000"/>
-                </a:solidFill>
-                <a:latin typeface="Arial"/>
-              </a:rPr>
-              <a:t>Sixth Outline Level</a:t>
-            </a:r>
-            <a:endParaRPr b="0" lang="pt-PT" sz="1800" spc="-1" strike="noStrike">
-              <a:solidFill>
-                <a:srgbClr val="000000"/>
-              </a:solidFill>
-              <a:latin typeface="Arial"/>
-            </a:endParaRPr>
-          </a:p>
-          <a:p>
-            <a:pPr lvl="6" marL="3024000" indent="-216000">
-              <a:spcBef>
-                <a:spcPts val="283"/>
-              </a:spcBef>
-              <a:buClr>
-                <a:srgbClr val="000000"/>
-              </a:buClr>
-              <a:buSzPct val="45000"/>
-              <a:buFont typeface="Wingdings" charset="2"/>
-              <a:buChar char=""/>
-            </a:pPr>
-            <a:r>
-              <a:rPr b="0" lang="pt-PT" sz="1800" spc="-1" strike="noStrike">
-                <a:solidFill>
-                  <a:srgbClr val="000000"/>
-                </a:solidFill>
-                <a:latin typeface="Arial"/>
-              </a:rPr>
-              <a:t>Seventh Outline Level</a:t>
-            </a:r>
-            <a:endParaRPr b="0" lang="pt-PT" sz="1800" spc="-1" strike="noStrike">
-              <a:solidFill>
-                <a:srgbClr val="000000"/>
-              </a:solidFill>
-              <a:latin typeface="Arial"/>
-            </a:endParaRPr>
-          </a:p>
-        </p:txBody>
-      </p:sp>
-      <p:sp>
-        <p:nvSpPr>
-          <p:cNvPr id="30" name="PlaceHolder 4"/>
-          <p:cNvSpPr>
-            <a:spLocks noGrp="1"/>
-          </p:cNvSpPr>
-          <p:nvPr>
-            <p:ph type="body"/>
-          </p:nvPr>
-        </p:nvSpPr>
-        <p:spPr>
-          <a:xfrm>
-            <a:off x="6073200" y="1152360"/>
-            <a:ext cx="2742840" cy="1629000"/>
-          </a:xfrm>
-          <a:prstGeom prst="rect">
-            <a:avLst/>
-          </a:prstGeom>
-          <a:noFill/>
-          <a:ln w="0">
-            <a:noFill/>
-          </a:ln>
-        </p:spPr>
-        <p:txBody>
-          <a:bodyPr lIns="0" rIns="0" tIns="0" bIns="0" anchor="t">
-            <a:normAutofit fontScale="18333" lnSpcReduction="10000"/>
-          </a:bodyPr>
-          <a:p>
-            <a:pPr marL="432000" indent="-324000">
-              <a:spcBef>
-                <a:spcPts val="1417"/>
-              </a:spcBef>
-              <a:buClr>
-                <a:srgbClr val="000000"/>
-              </a:buClr>
-              <a:buSzPct val="45000"/>
-              <a:buFont typeface="Wingdings" charset="2"/>
-              <a:buChar char=""/>
-            </a:pPr>
-            <a:r>
-              <a:rPr b="0" lang="pt-PT" sz="1800" spc="-1" strike="noStrike">
-                <a:solidFill>
-                  <a:srgbClr val="000000"/>
-                </a:solidFill>
-                <a:latin typeface="Arial"/>
-              </a:rPr>
-              <a:t>Click to edit the outline text format</a:t>
-            </a:r>
-            <a:endParaRPr b="0" lang="pt-PT" sz="1800" spc="-1" strike="noStrike">
-              <a:solidFill>
-                <a:srgbClr val="000000"/>
-              </a:solidFill>
-              <a:latin typeface="Arial"/>
-            </a:endParaRPr>
-          </a:p>
-          <a:p>
-            <a:pPr lvl="1" marL="864000" indent="-324000">
-              <a:spcBef>
-                <a:spcPts val="1134"/>
-              </a:spcBef>
-              <a:buClr>
-                <a:srgbClr val="000000"/>
-              </a:buClr>
-              <a:buSzPct val="75000"/>
-              <a:buFont typeface="Symbol" charset="2"/>
-              <a:buChar char=""/>
-            </a:pPr>
-            <a:r>
-              <a:rPr b="0" lang="pt-PT" sz="1800" spc="-1" strike="noStrike">
-                <a:solidFill>
-                  <a:srgbClr val="000000"/>
-                </a:solidFill>
-                <a:latin typeface="Arial"/>
-              </a:rPr>
-              <a:t>Second Outline Level</a:t>
-            </a:r>
-            <a:endParaRPr b="0" lang="pt-PT" sz="1800" spc="-1" strike="noStrike">
-              <a:solidFill>
-                <a:srgbClr val="000000"/>
-              </a:solidFill>
-              <a:latin typeface="Arial"/>
-            </a:endParaRPr>
-          </a:p>
-          <a:p>
-            <a:pPr lvl="2" marL="1296000" indent="-288000">
-              <a:spcBef>
-                <a:spcPts val="850"/>
-              </a:spcBef>
-              <a:buClr>
-                <a:srgbClr val="000000"/>
-              </a:buClr>
-              <a:buSzPct val="45000"/>
-              <a:buFont typeface="Wingdings" charset="2"/>
-              <a:buChar char=""/>
-            </a:pPr>
-            <a:r>
-              <a:rPr b="0" lang="pt-PT" sz="1800" spc="-1" strike="noStrike">
-                <a:solidFill>
-                  <a:srgbClr val="000000"/>
-                </a:solidFill>
-                <a:latin typeface="Arial"/>
-              </a:rPr>
-              <a:t>Third Outline Level</a:t>
-            </a:r>
-            <a:endParaRPr b="0" lang="pt-PT" sz="1800" spc="-1" strike="noStrike">
-              <a:solidFill>
-                <a:srgbClr val="000000"/>
-              </a:solidFill>
-              <a:latin typeface="Arial"/>
-            </a:endParaRPr>
-          </a:p>
-          <a:p>
-            <a:pPr lvl="3" marL="1728000" indent="-216000">
-              <a:spcBef>
-                <a:spcPts val="567"/>
-              </a:spcBef>
-              <a:buClr>
-                <a:srgbClr val="000000"/>
-              </a:buClr>
-              <a:buSzPct val="75000"/>
-              <a:buFont typeface="Symbol" charset="2"/>
-              <a:buChar char=""/>
-            </a:pPr>
-            <a:r>
-              <a:rPr b="0" lang="pt-PT" sz="1800" spc="-1" strike="noStrike">
-                <a:solidFill>
-                  <a:srgbClr val="000000"/>
-                </a:solidFill>
-                <a:latin typeface="Arial"/>
-              </a:rPr>
-              <a:t>Fourth Outline Level</a:t>
-            </a:r>
-            <a:endParaRPr b="0" lang="pt-PT" sz="1800" spc="-1" strike="noStrike">
-              <a:solidFill>
-                <a:srgbClr val="000000"/>
-              </a:solidFill>
-              <a:latin typeface="Arial"/>
-            </a:endParaRPr>
-          </a:p>
-          <a:p>
-            <a:pPr lvl="4" marL="2160000" indent="-216000">
-              <a:spcBef>
-                <a:spcPts val="283"/>
-              </a:spcBef>
-              <a:buClr>
-                <a:srgbClr val="000000"/>
-              </a:buClr>
-              <a:buSzPct val="45000"/>
-              <a:buFont typeface="Wingdings" charset="2"/>
-              <a:buChar char=""/>
-            </a:pPr>
-            <a:r>
-              <a:rPr b="0" lang="pt-PT" sz="1800" spc="-1" strike="noStrike">
-                <a:solidFill>
-                  <a:srgbClr val="000000"/>
-                </a:solidFill>
-                <a:latin typeface="Arial"/>
-              </a:rPr>
-              <a:t>Fifth Outline Level</a:t>
-            </a:r>
-            <a:endParaRPr b="0" lang="pt-PT" sz="1800" spc="-1" strike="noStrike">
-              <a:solidFill>
-                <a:srgbClr val="000000"/>
-              </a:solidFill>
-              <a:latin typeface="Arial"/>
-            </a:endParaRPr>
-          </a:p>
-          <a:p>
-            <a:pPr lvl="5" marL="2592000" indent="-216000">
-              <a:spcBef>
-                <a:spcPts val="283"/>
-              </a:spcBef>
-              <a:buClr>
-                <a:srgbClr val="000000"/>
-              </a:buClr>
-              <a:buSzPct val="45000"/>
-              <a:buFont typeface="Wingdings" charset="2"/>
-              <a:buChar char=""/>
-            </a:pPr>
-            <a:r>
-              <a:rPr b="0" lang="pt-PT" sz="1800" spc="-1" strike="noStrike">
-                <a:solidFill>
-                  <a:srgbClr val="000000"/>
-                </a:solidFill>
-                <a:latin typeface="Arial"/>
-              </a:rPr>
-              <a:t>Sixth Outline Level</a:t>
-            </a:r>
-            <a:endParaRPr b="0" lang="pt-PT" sz="1800" spc="-1" strike="noStrike">
-              <a:solidFill>
-                <a:srgbClr val="000000"/>
-              </a:solidFill>
-              <a:latin typeface="Arial"/>
-            </a:endParaRPr>
-          </a:p>
-          <a:p>
-            <a:pPr lvl="6" marL="3024000" indent="-216000">
-              <a:spcBef>
-                <a:spcPts val="283"/>
-              </a:spcBef>
-              <a:buClr>
-                <a:srgbClr val="000000"/>
-              </a:buClr>
-              <a:buSzPct val="45000"/>
-              <a:buFont typeface="Wingdings" charset="2"/>
-              <a:buChar char=""/>
-            </a:pPr>
-            <a:r>
-              <a:rPr b="0" lang="pt-PT" sz="1800" spc="-1" strike="noStrike">
-                <a:solidFill>
-                  <a:srgbClr val="000000"/>
-                </a:solidFill>
-                <a:latin typeface="Arial"/>
-              </a:rPr>
-              <a:t>Seventh Outline Level</a:t>
-            </a:r>
-            <a:endParaRPr b="0" lang="pt-PT" sz="1800" spc="-1" strike="noStrike">
-              <a:solidFill>
-                <a:srgbClr val="000000"/>
-              </a:solidFill>
-              <a:latin typeface="Arial"/>
-            </a:endParaRPr>
-          </a:p>
-        </p:txBody>
-      </p:sp>
-      <p:sp>
-        <p:nvSpPr>
-          <p:cNvPr id="31" name="PlaceHolder 5"/>
-          <p:cNvSpPr>
-            <a:spLocks noGrp="1"/>
-          </p:cNvSpPr>
-          <p:nvPr>
-            <p:ph type="body"/>
-          </p:nvPr>
-        </p:nvSpPr>
-        <p:spPr>
-          <a:xfrm>
-            <a:off x="311760" y="2936880"/>
-            <a:ext cx="2742840" cy="1629000"/>
-          </a:xfrm>
-          <a:prstGeom prst="rect">
-            <a:avLst/>
-          </a:prstGeom>
-          <a:noFill/>
-          <a:ln w="0">
-            <a:noFill/>
-          </a:ln>
-        </p:spPr>
-        <p:txBody>
-          <a:bodyPr lIns="0" rIns="0" tIns="0" bIns="0" anchor="t">
-            <a:normAutofit fontScale="18333" lnSpcReduction="10000"/>
-          </a:bodyPr>
-          <a:p>
-            <a:pPr marL="432000" indent="-324000">
-              <a:spcBef>
-                <a:spcPts val="1417"/>
-              </a:spcBef>
-              <a:buClr>
-                <a:srgbClr val="000000"/>
-              </a:buClr>
-              <a:buSzPct val="45000"/>
-              <a:buFont typeface="Wingdings" charset="2"/>
-              <a:buChar char=""/>
-            </a:pPr>
-            <a:r>
-              <a:rPr b="0" lang="pt-PT" sz="1800" spc="-1" strike="noStrike">
-                <a:solidFill>
-                  <a:srgbClr val="000000"/>
-                </a:solidFill>
-                <a:latin typeface="Arial"/>
-              </a:rPr>
-              <a:t>Click to edit the outline text format</a:t>
-            </a:r>
-            <a:endParaRPr b="0" lang="pt-PT" sz="1800" spc="-1" strike="noStrike">
-              <a:solidFill>
-                <a:srgbClr val="000000"/>
-              </a:solidFill>
-              <a:latin typeface="Arial"/>
-            </a:endParaRPr>
-          </a:p>
-          <a:p>
-            <a:pPr lvl="1" marL="864000" indent="-324000">
-              <a:spcBef>
-                <a:spcPts val="1134"/>
-              </a:spcBef>
-              <a:buClr>
-                <a:srgbClr val="000000"/>
-              </a:buClr>
-              <a:buSzPct val="75000"/>
-              <a:buFont typeface="Symbol" charset="2"/>
-              <a:buChar char=""/>
-            </a:pPr>
-            <a:r>
-              <a:rPr b="0" lang="pt-PT" sz="1800" spc="-1" strike="noStrike">
-                <a:solidFill>
-                  <a:srgbClr val="000000"/>
-                </a:solidFill>
-                <a:latin typeface="Arial"/>
-              </a:rPr>
-              <a:t>Second Outline Level</a:t>
-            </a:r>
-            <a:endParaRPr b="0" lang="pt-PT" sz="1800" spc="-1" strike="noStrike">
-              <a:solidFill>
-                <a:srgbClr val="000000"/>
-              </a:solidFill>
-              <a:latin typeface="Arial"/>
-            </a:endParaRPr>
-          </a:p>
-          <a:p>
-            <a:pPr lvl="2" marL="1296000" indent="-288000">
-              <a:spcBef>
-                <a:spcPts val="850"/>
-              </a:spcBef>
-              <a:buClr>
-                <a:srgbClr val="000000"/>
-              </a:buClr>
-              <a:buSzPct val="45000"/>
-              <a:buFont typeface="Wingdings" charset="2"/>
-              <a:buChar char=""/>
-            </a:pPr>
-            <a:r>
-              <a:rPr b="0" lang="pt-PT" sz="1800" spc="-1" strike="noStrike">
-                <a:solidFill>
-                  <a:srgbClr val="000000"/>
-                </a:solidFill>
-                <a:latin typeface="Arial"/>
-              </a:rPr>
-              <a:t>Third Outline Level</a:t>
-            </a:r>
-            <a:endParaRPr b="0" lang="pt-PT" sz="1800" spc="-1" strike="noStrike">
-              <a:solidFill>
-                <a:srgbClr val="000000"/>
-              </a:solidFill>
-              <a:latin typeface="Arial"/>
-            </a:endParaRPr>
-          </a:p>
-          <a:p>
-            <a:pPr lvl="3" marL="1728000" indent="-216000">
-              <a:spcBef>
-                <a:spcPts val="567"/>
-              </a:spcBef>
-              <a:buClr>
-                <a:srgbClr val="000000"/>
-              </a:buClr>
-              <a:buSzPct val="75000"/>
-              <a:buFont typeface="Symbol" charset="2"/>
-              <a:buChar char=""/>
-            </a:pPr>
-            <a:r>
-              <a:rPr b="0" lang="pt-PT" sz="1800" spc="-1" strike="noStrike">
-                <a:solidFill>
-                  <a:srgbClr val="000000"/>
-                </a:solidFill>
-                <a:latin typeface="Arial"/>
-              </a:rPr>
-              <a:t>Fourth Outline Level</a:t>
-            </a:r>
-            <a:endParaRPr b="0" lang="pt-PT" sz="1800" spc="-1" strike="noStrike">
-              <a:solidFill>
-                <a:srgbClr val="000000"/>
-              </a:solidFill>
-              <a:latin typeface="Arial"/>
-            </a:endParaRPr>
-          </a:p>
-          <a:p>
-            <a:pPr lvl="4" marL="2160000" indent="-216000">
-              <a:spcBef>
-                <a:spcPts val="283"/>
-              </a:spcBef>
-              <a:buClr>
-                <a:srgbClr val="000000"/>
-              </a:buClr>
-              <a:buSzPct val="45000"/>
-              <a:buFont typeface="Wingdings" charset="2"/>
-              <a:buChar char=""/>
-            </a:pPr>
-            <a:r>
-              <a:rPr b="0" lang="pt-PT" sz="1800" spc="-1" strike="noStrike">
-                <a:solidFill>
-                  <a:srgbClr val="000000"/>
-                </a:solidFill>
-                <a:latin typeface="Arial"/>
-              </a:rPr>
-              <a:t>Fifth Outline Level</a:t>
-            </a:r>
-            <a:endParaRPr b="0" lang="pt-PT" sz="1800" spc="-1" strike="noStrike">
-              <a:solidFill>
-                <a:srgbClr val="000000"/>
-              </a:solidFill>
-              <a:latin typeface="Arial"/>
-            </a:endParaRPr>
-          </a:p>
-          <a:p>
-            <a:pPr lvl="5" marL="2592000" indent="-216000">
-              <a:spcBef>
-                <a:spcPts val="283"/>
-              </a:spcBef>
-              <a:buClr>
-                <a:srgbClr val="000000"/>
-              </a:buClr>
-              <a:buSzPct val="45000"/>
-              <a:buFont typeface="Wingdings" charset="2"/>
-              <a:buChar char=""/>
-            </a:pPr>
-            <a:r>
-              <a:rPr b="0" lang="pt-PT" sz="1800" spc="-1" strike="noStrike">
-                <a:solidFill>
-                  <a:srgbClr val="000000"/>
-                </a:solidFill>
-                <a:latin typeface="Arial"/>
-              </a:rPr>
-              <a:t>Sixth Outline Level</a:t>
-            </a:r>
-            <a:endParaRPr b="0" lang="pt-PT" sz="1800" spc="-1" strike="noStrike">
-              <a:solidFill>
-                <a:srgbClr val="000000"/>
-              </a:solidFill>
-              <a:latin typeface="Arial"/>
-            </a:endParaRPr>
-          </a:p>
-          <a:p>
-            <a:pPr lvl="6" marL="3024000" indent="-216000">
-              <a:spcBef>
-                <a:spcPts val="283"/>
-              </a:spcBef>
-              <a:buClr>
-                <a:srgbClr val="000000"/>
-              </a:buClr>
-              <a:buSzPct val="45000"/>
-              <a:buFont typeface="Wingdings" charset="2"/>
-              <a:buChar char=""/>
-            </a:pPr>
-            <a:r>
-              <a:rPr b="0" lang="pt-PT" sz="1800" spc="-1" strike="noStrike">
-                <a:solidFill>
-                  <a:srgbClr val="000000"/>
-                </a:solidFill>
-                <a:latin typeface="Arial"/>
-              </a:rPr>
-              <a:t>Seventh Outline Level</a:t>
-            </a:r>
-            <a:endParaRPr b="0" lang="pt-PT" sz="1800" spc="-1" strike="noStrike">
-              <a:solidFill>
-                <a:srgbClr val="000000"/>
-              </a:solidFill>
-              <a:latin typeface="Arial"/>
-            </a:endParaRPr>
-          </a:p>
-        </p:txBody>
-      </p:sp>
-      <p:sp>
-        <p:nvSpPr>
-          <p:cNvPr id="32" name="PlaceHolder 6"/>
-          <p:cNvSpPr>
-            <a:spLocks noGrp="1"/>
-          </p:cNvSpPr>
-          <p:nvPr>
-            <p:ph type="body"/>
-          </p:nvPr>
-        </p:nvSpPr>
-        <p:spPr>
-          <a:xfrm>
-            <a:off x="3192480" y="2936880"/>
-            <a:ext cx="2742840" cy="1629000"/>
-          </a:xfrm>
-          <a:prstGeom prst="rect">
-            <a:avLst/>
-          </a:prstGeom>
-          <a:noFill/>
-          <a:ln w="0">
-            <a:noFill/>
-          </a:ln>
-        </p:spPr>
-        <p:txBody>
-          <a:bodyPr lIns="0" rIns="0" tIns="0" bIns="0" anchor="t">
-            <a:normAutofit fontScale="18333" lnSpcReduction="10000"/>
-          </a:bodyPr>
-          <a:p>
-            <a:pPr marL="432000" indent="-324000">
-              <a:spcBef>
-                <a:spcPts val="1417"/>
-              </a:spcBef>
-              <a:buClr>
-                <a:srgbClr val="000000"/>
-              </a:buClr>
-              <a:buSzPct val="45000"/>
-              <a:buFont typeface="Wingdings" charset="2"/>
-              <a:buChar char=""/>
-            </a:pPr>
-            <a:r>
-              <a:rPr b="0" lang="pt-PT" sz="1800" spc="-1" strike="noStrike">
-                <a:solidFill>
-                  <a:srgbClr val="000000"/>
-                </a:solidFill>
-                <a:latin typeface="Arial"/>
-              </a:rPr>
-              <a:t>Click to edit the outline text format</a:t>
-            </a:r>
-            <a:endParaRPr b="0" lang="pt-PT" sz="1800" spc="-1" strike="noStrike">
-              <a:solidFill>
-                <a:srgbClr val="000000"/>
-              </a:solidFill>
-              <a:latin typeface="Arial"/>
-            </a:endParaRPr>
-          </a:p>
-          <a:p>
-            <a:pPr lvl="1" marL="864000" indent="-324000">
-              <a:spcBef>
-                <a:spcPts val="1134"/>
-              </a:spcBef>
-              <a:buClr>
-                <a:srgbClr val="000000"/>
-              </a:buClr>
-              <a:buSzPct val="75000"/>
-              <a:buFont typeface="Symbol" charset="2"/>
-              <a:buChar char=""/>
-            </a:pPr>
-            <a:r>
-              <a:rPr b="0" lang="pt-PT" sz="1800" spc="-1" strike="noStrike">
-                <a:solidFill>
-                  <a:srgbClr val="000000"/>
-                </a:solidFill>
-                <a:latin typeface="Arial"/>
-              </a:rPr>
-              <a:t>Second Outline Level</a:t>
-            </a:r>
-            <a:endParaRPr b="0" lang="pt-PT" sz="1800" spc="-1" strike="noStrike">
-              <a:solidFill>
-                <a:srgbClr val="000000"/>
-              </a:solidFill>
-              <a:latin typeface="Arial"/>
-            </a:endParaRPr>
-          </a:p>
-          <a:p>
-            <a:pPr lvl="2" marL="1296000" indent="-288000">
-              <a:spcBef>
-                <a:spcPts val="850"/>
-              </a:spcBef>
-              <a:buClr>
-                <a:srgbClr val="000000"/>
-              </a:buClr>
-              <a:buSzPct val="45000"/>
-              <a:buFont typeface="Wingdings" charset="2"/>
-              <a:buChar char=""/>
-            </a:pPr>
-            <a:r>
-              <a:rPr b="0" lang="pt-PT" sz="1800" spc="-1" strike="noStrike">
-                <a:solidFill>
-                  <a:srgbClr val="000000"/>
-                </a:solidFill>
-                <a:latin typeface="Arial"/>
-              </a:rPr>
-              <a:t>Third Outline Level</a:t>
-            </a:r>
-            <a:endParaRPr b="0" lang="pt-PT" sz="1800" spc="-1" strike="noStrike">
-              <a:solidFill>
-                <a:srgbClr val="000000"/>
-              </a:solidFill>
-              <a:latin typeface="Arial"/>
-            </a:endParaRPr>
-          </a:p>
-          <a:p>
-            <a:pPr lvl="3" marL="1728000" indent="-216000">
-              <a:spcBef>
-                <a:spcPts val="567"/>
-              </a:spcBef>
-              <a:buClr>
-                <a:srgbClr val="000000"/>
-              </a:buClr>
-              <a:buSzPct val="75000"/>
-              <a:buFont typeface="Symbol" charset="2"/>
-              <a:buChar char=""/>
-            </a:pPr>
-            <a:r>
-              <a:rPr b="0" lang="pt-PT" sz="1800" spc="-1" strike="noStrike">
-                <a:solidFill>
-                  <a:srgbClr val="000000"/>
-                </a:solidFill>
-                <a:latin typeface="Arial"/>
-              </a:rPr>
-              <a:t>Fourth Outline Level</a:t>
-            </a:r>
-            <a:endParaRPr b="0" lang="pt-PT" sz="1800" spc="-1" strike="noStrike">
-              <a:solidFill>
-                <a:srgbClr val="000000"/>
-              </a:solidFill>
-              <a:latin typeface="Arial"/>
-            </a:endParaRPr>
-          </a:p>
-          <a:p>
-            <a:pPr lvl="4" marL="2160000" indent="-216000">
-              <a:spcBef>
-                <a:spcPts val="283"/>
-              </a:spcBef>
-              <a:buClr>
-                <a:srgbClr val="000000"/>
-              </a:buClr>
-              <a:buSzPct val="45000"/>
-              <a:buFont typeface="Wingdings" charset="2"/>
-              <a:buChar char=""/>
-            </a:pPr>
-            <a:r>
-              <a:rPr b="0" lang="pt-PT" sz="1800" spc="-1" strike="noStrike">
-                <a:solidFill>
-                  <a:srgbClr val="000000"/>
-                </a:solidFill>
-                <a:latin typeface="Arial"/>
-              </a:rPr>
-              <a:t>Fifth Outline Level</a:t>
-            </a:r>
-            <a:endParaRPr b="0" lang="pt-PT" sz="1800" spc="-1" strike="noStrike">
-              <a:solidFill>
-                <a:srgbClr val="000000"/>
-              </a:solidFill>
-              <a:latin typeface="Arial"/>
-            </a:endParaRPr>
-          </a:p>
-          <a:p>
-            <a:pPr lvl="5" marL="2592000" indent="-216000">
-              <a:spcBef>
-                <a:spcPts val="283"/>
-              </a:spcBef>
-              <a:buClr>
-                <a:srgbClr val="000000"/>
-              </a:buClr>
-              <a:buSzPct val="45000"/>
-              <a:buFont typeface="Wingdings" charset="2"/>
-              <a:buChar char=""/>
-            </a:pPr>
-            <a:r>
-              <a:rPr b="0" lang="pt-PT" sz="1800" spc="-1" strike="noStrike">
-                <a:solidFill>
-                  <a:srgbClr val="000000"/>
-                </a:solidFill>
-                <a:latin typeface="Arial"/>
-              </a:rPr>
-              <a:t>Sixth Outline Level</a:t>
-            </a:r>
-            <a:endParaRPr b="0" lang="pt-PT" sz="1800" spc="-1" strike="noStrike">
-              <a:solidFill>
-                <a:srgbClr val="000000"/>
-              </a:solidFill>
-              <a:latin typeface="Arial"/>
-            </a:endParaRPr>
-          </a:p>
-          <a:p>
-            <a:pPr lvl="6" marL="3024000" indent="-216000">
-              <a:spcBef>
-                <a:spcPts val="283"/>
-              </a:spcBef>
-              <a:buClr>
-                <a:srgbClr val="000000"/>
-              </a:buClr>
-              <a:buSzPct val="45000"/>
-              <a:buFont typeface="Wingdings" charset="2"/>
-              <a:buChar char=""/>
-            </a:pPr>
-            <a:r>
-              <a:rPr b="0" lang="pt-PT" sz="1800" spc="-1" strike="noStrike">
-                <a:solidFill>
-                  <a:srgbClr val="000000"/>
-                </a:solidFill>
-                <a:latin typeface="Arial"/>
-              </a:rPr>
-              <a:t>Seventh Outline Level</a:t>
-            </a:r>
-            <a:endParaRPr b="0" lang="pt-PT" sz="1800" spc="-1" strike="noStrike">
-              <a:solidFill>
-                <a:srgbClr val="000000"/>
-              </a:solidFill>
-              <a:latin typeface="Arial"/>
-            </a:endParaRPr>
-          </a:p>
-        </p:txBody>
-      </p:sp>
-      <p:sp>
-        <p:nvSpPr>
-          <p:cNvPr id="33" name="PlaceHolder 7"/>
-          <p:cNvSpPr>
-            <a:spLocks noGrp="1"/>
-          </p:cNvSpPr>
-          <p:nvPr>
-            <p:ph type="body"/>
-          </p:nvPr>
-        </p:nvSpPr>
-        <p:spPr>
-          <a:xfrm>
-            <a:off x="6073200" y="2936880"/>
-            <a:ext cx="2742840" cy="1629000"/>
-          </a:xfrm>
-          <a:prstGeom prst="rect">
-            <a:avLst/>
-          </a:prstGeom>
-          <a:noFill/>
-          <a:ln w="0">
-            <a:noFill/>
-          </a:ln>
-        </p:spPr>
-        <p:txBody>
-          <a:bodyPr lIns="0" rIns="0" tIns="0" bIns="0" anchor="t">
-            <a:normAutofit fontScale="18333" lnSpcReduction="10000"/>
-          </a:bodyPr>
-          <a:p>
-            <a:pPr marL="432000" indent="-324000">
-              <a:spcBef>
-                <a:spcPts val="1417"/>
-              </a:spcBef>
-              <a:buClr>
-                <a:srgbClr val="000000"/>
-              </a:buClr>
-              <a:buSzPct val="45000"/>
-              <a:buFont typeface="Wingdings" charset="2"/>
-              <a:buChar char=""/>
-            </a:pPr>
-            <a:r>
-              <a:rPr b="0" lang="pt-PT" sz="1800" spc="-1" strike="noStrike">
-                <a:solidFill>
-                  <a:srgbClr val="000000"/>
-                </a:solidFill>
-                <a:latin typeface="Arial"/>
-              </a:rPr>
-              <a:t>Click to edit the outline text format</a:t>
-            </a:r>
-            <a:endParaRPr b="0" lang="pt-PT" sz="1800" spc="-1" strike="noStrike">
-              <a:solidFill>
-                <a:srgbClr val="000000"/>
-              </a:solidFill>
-              <a:latin typeface="Arial"/>
-            </a:endParaRPr>
-          </a:p>
-          <a:p>
-            <a:pPr lvl="1" marL="864000" indent="-324000">
-              <a:spcBef>
-                <a:spcPts val="1134"/>
-              </a:spcBef>
-              <a:buClr>
-                <a:srgbClr val="000000"/>
-              </a:buClr>
-              <a:buSzPct val="75000"/>
-              <a:buFont typeface="Symbol" charset="2"/>
-              <a:buChar char=""/>
-            </a:pPr>
-            <a:r>
-              <a:rPr b="0" lang="pt-PT" sz="1800" spc="-1" strike="noStrike">
-                <a:solidFill>
-                  <a:srgbClr val="000000"/>
-                </a:solidFill>
-                <a:latin typeface="Arial"/>
-              </a:rPr>
-              <a:t>Second Outline Level</a:t>
-            </a:r>
-            <a:endParaRPr b="0" lang="pt-PT" sz="1800" spc="-1" strike="noStrike">
-              <a:solidFill>
-                <a:srgbClr val="000000"/>
-              </a:solidFill>
-              <a:latin typeface="Arial"/>
-            </a:endParaRPr>
-          </a:p>
-          <a:p>
-            <a:pPr lvl="2" marL="1296000" indent="-288000">
-              <a:spcBef>
-                <a:spcPts val="850"/>
-              </a:spcBef>
-              <a:buClr>
-                <a:srgbClr val="000000"/>
-              </a:buClr>
-              <a:buSzPct val="45000"/>
-              <a:buFont typeface="Wingdings" charset="2"/>
-              <a:buChar char=""/>
-            </a:pPr>
-            <a:r>
-              <a:rPr b="0" lang="pt-PT" sz="1800" spc="-1" strike="noStrike">
-                <a:solidFill>
-                  <a:srgbClr val="000000"/>
-                </a:solidFill>
-                <a:latin typeface="Arial"/>
-              </a:rPr>
-              <a:t>Third Outline Level</a:t>
-            </a:r>
-            <a:endParaRPr b="0" lang="pt-PT" sz="1800" spc="-1" strike="noStrike">
-              <a:solidFill>
-                <a:srgbClr val="000000"/>
-              </a:solidFill>
-              <a:latin typeface="Arial"/>
-            </a:endParaRPr>
-          </a:p>
-          <a:p>
-            <a:pPr lvl="3" marL="1728000" indent="-216000">
-              <a:spcBef>
-                <a:spcPts val="567"/>
-              </a:spcBef>
-              <a:buClr>
-                <a:srgbClr val="000000"/>
-              </a:buClr>
-              <a:buSzPct val="75000"/>
-              <a:buFont typeface="Symbol" charset="2"/>
-              <a:buChar char=""/>
-            </a:pPr>
-            <a:r>
-              <a:rPr b="0" lang="pt-PT" sz="1800" spc="-1" strike="noStrike">
-                <a:solidFill>
-                  <a:srgbClr val="000000"/>
-                </a:solidFill>
-                <a:latin typeface="Arial"/>
-              </a:rPr>
-              <a:t>Fourth Outline Level</a:t>
-            </a:r>
-            <a:endParaRPr b="0" lang="pt-PT" sz="1800" spc="-1" strike="noStrike">
-              <a:solidFill>
-                <a:srgbClr val="000000"/>
-              </a:solidFill>
-              <a:latin typeface="Arial"/>
-            </a:endParaRPr>
-          </a:p>
-          <a:p>
-            <a:pPr lvl="4" marL="2160000" indent="-216000">
-              <a:spcBef>
-                <a:spcPts val="283"/>
-              </a:spcBef>
-              <a:buClr>
-                <a:srgbClr val="000000"/>
-              </a:buClr>
-              <a:buSzPct val="45000"/>
-              <a:buFont typeface="Wingdings" charset="2"/>
-              <a:buChar char=""/>
-            </a:pPr>
-            <a:r>
-              <a:rPr b="0" lang="pt-PT" sz="1800" spc="-1" strike="noStrike">
-                <a:solidFill>
-                  <a:srgbClr val="000000"/>
-                </a:solidFill>
-                <a:latin typeface="Arial"/>
-              </a:rPr>
-              <a:t>Fifth Outline Level</a:t>
-            </a:r>
-            <a:endParaRPr b="0" lang="pt-PT" sz="1800" spc="-1" strike="noStrike">
-              <a:solidFill>
-                <a:srgbClr val="000000"/>
-              </a:solidFill>
-              <a:latin typeface="Arial"/>
-            </a:endParaRPr>
-          </a:p>
-          <a:p>
-            <a:pPr lvl="5" marL="2592000" indent="-216000">
-              <a:spcBef>
-                <a:spcPts val="283"/>
-              </a:spcBef>
-              <a:buClr>
-                <a:srgbClr val="000000"/>
-              </a:buClr>
-              <a:buSzPct val="45000"/>
-              <a:buFont typeface="Wingdings" charset="2"/>
-              <a:buChar char=""/>
-            </a:pPr>
-            <a:r>
-              <a:rPr b="0" lang="pt-PT" sz="1800" spc="-1" strike="noStrike">
-                <a:solidFill>
-                  <a:srgbClr val="000000"/>
-                </a:solidFill>
-                <a:latin typeface="Arial"/>
-              </a:rPr>
-              <a:t>Sixth Outline Level</a:t>
-            </a:r>
-            <a:endParaRPr b="0" lang="pt-PT" sz="1800" spc="-1" strike="noStrike">
-              <a:solidFill>
-                <a:srgbClr val="000000"/>
-              </a:solidFill>
-              <a:latin typeface="Arial"/>
-            </a:endParaRPr>
-          </a:p>
-          <a:p>
-            <a:pPr lvl="6" marL="3024000" indent="-216000">
-              <a:spcBef>
-                <a:spcPts val="283"/>
-              </a:spcBef>
-              <a:buClr>
-                <a:srgbClr val="000000"/>
-              </a:buClr>
-              <a:buSzPct val="45000"/>
-              <a:buFont typeface="Wingdings" charset="2"/>
-              <a:buChar char=""/>
-            </a:pPr>
-            <a:r>
-              <a:rPr b="0" lang="pt-PT" sz="1800" spc="-1" strike="noStrike">
-                <a:solidFill>
-                  <a:srgbClr val="000000"/>
-                </a:solidFill>
-                <a:latin typeface="Arial"/>
-              </a:rPr>
-              <a:t>Seventh Outline Level</a:t>
-            </a:r>
-            <a:endParaRPr b="0" lang="pt-PT" sz="1800" spc="-1" strike="noStrike">
-              <a:solidFill>
-                <a:srgbClr val="000000"/>
-              </a:solidFill>
-              <a:latin typeface="Arial"/>
-            </a:endParaRPr>
-          </a:p>
-        </p:txBody>
-      </p:sp>
-      <p:sp>
-        <p:nvSpPr>
-          <p:cNvPr id="34" name="PlaceHolder 8"/>
-          <p:cNvSpPr>
-            <a:spLocks noGrp="1"/>
-          </p:cNvSpPr>
-          <p:nvPr>
             <p:ph type="sldNum" idx="4"/>
           </p:nvPr>
         </p:nvSpPr>
         <p:spPr>
           <a:xfrm>
             <a:off x="8472600" y="4663080"/>
-            <a:ext cx="547920" cy="392760"/>
+            <a:ext cx="547560" cy="392400"/>
           </a:xfrm>
           <a:prstGeom prst="rect">
             <a:avLst/>
@@ -17410,7 +14837,7 @@
                 <a:tab algn="l" pos="0"/>
               </a:tabLst>
             </a:pPr>
-            <a:fld id="{B19102EB-1CC1-4984-B294-468C291D3B00}" type="slidenum">
+            <a:fld id="{18E2F44E-2E62-4BA0-81E8-C9F0651207FE}" type="slidenum">
               <a:rPr b="0" lang="en" sz="1000" spc="-1" strike="noStrike">
                 <a:solidFill>
                   <a:srgbClr val="595959"/>
@@ -17464,7 +14891,7 @@
       </p:grpSpPr>
       <p:sp>
         <p:nvSpPr>
-          <p:cNvPr id="35" name="PlaceHolder 1"/>
+          <p:cNvPr id="28" name="PlaceHolder 1"/>
           <p:cNvSpPr>
             <a:spLocks noGrp="1"/>
           </p:cNvSpPr>
@@ -17475,7 +14902,7 @@
         <p:spPr>
           <a:xfrm>
             <a:off x="8472600" y="4663080"/>
-            <a:ext cx="547920" cy="392760"/>
+            <a:ext cx="547560" cy="392400"/>
           </a:xfrm>
           <a:prstGeom prst="rect">
             <a:avLst/>
@@ -17517,7 +14944,7 @@
                 <a:tab algn="l" pos="0"/>
               </a:tabLst>
             </a:pPr>
-            <a:fld id="{931D529B-9277-424A-B6B8-D4B1528B373D}" type="slidenum">
+            <a:fld id="{A7A913AF-219D-416F-8B37-EA2347A7A8D6}" type="slidenum">
               <a:rPr b="0" lang="en" sz="1000" spc="-1" strike="noStrike">
                 <a:solidFill>
                   <a:srgbClr val="595959"/>
@@ -17538,7 +14965,7 @@
       </p:sp>
       <p:sp>
         <p:nvSpPr>
-          <p:cNvPr id="36" name="PlaceHolder 2"/>
+          <p:cNvPr id="29" name="PlaceHolder 2"/>
           <p:cNvSpPr>
             <a:spLocks noGrp="1"/>
           </p:cNvSpPr>
@@ -17587,7 +15014,7 @@
       </p:sp>
       <p:sp>
         <p:nvSpPr>
-          <p:cNvPr id="37" name="PlaceHolder 3"/>
+          <p:cNvPr id="30" name="PlaceHolder 3"/>
           <p:cNvSpPr>
             <a:spLocks noGrp="1"/>
           </p:cNvSpPr>
@@ -17845,7 +15272,7 @@
       </p:grpSpPr>
       <p:sp>
         <p:nvSpPr>
-          <p:cNvPr id="38" name="PlaceHolder 1"/>
+          <p:cNvPr id="31" name="PlaceHolder 1"/>
           <p:cNvSpPr>
             <a:spLocks noGrp="1"/>
           </p:cNvSpPr>
@@ -17855,8 +15282,8 @@
         </p:nvSpPr>
         <p:spPr>
           <a:xfrm>
-            <a:off x="311760" y="444960"/>
-            <a:ext cx="8519760" cy="572040"/>
+            <a:off x="457200" y="205200"/>
+            <a:ext cx="8228880" cy="858240"/>
           </a:xfrm>
           <a:prstGeom prst="rect">
             <a:avLst/>
@@ -17894,7 +15321,232 @@
       </p:sp>
       <p:sp>
         <p:nvSpPr>
-          <p:cNvPr id="39" name="PlaceHolder 2"/>
+          <p:cNvPr id="32" name="PlaceHolder 2"/>
+          <p:cNvSpPr>
+            <a:spLocks noGrp="1"/>
+          </p:cNvSpPr>
+          <p:nvPr>
+            <p:ph type="body"/>
+          </p:nvPr>
+        </p:nvSpPr>
+        <p:spPr>
+          <a:xfrm>
+            <a:off x="457200" y="1203480"/>
+            <a:ext cx="8228880" cy="2982600"/>
+          </a:xfrm>
+          <a:prstGeom prst="rect">
+            <a:avLst/>
+          </a:prstGeom>
+          <a:noFill/>
+          <a:ln w="0">
+            <a:noFill/>
+          </a:ln>
+        </p:spPr>
+        <p:txBody>
+          <a:bodyPr lIns="0" rIns="0" tIns="0" bIns="0" anchor="t">
+            <a:normAutofit/>
+          </a:bodyPr>
+          <a:p>
+            <a:pPr marL="432000" indent="-324000">
+              <a:spcBef>
+                <a:spcPts val="1417"/>
+              </a:spcBef>
+              <a:buClr>
+                <a:srgbClr val="000000"/>
+              </a:buClr>
+              <a:buSzPct val="45000"/>
+              <a:buFont typeface="Wingdings" charset="2"/>
+              <a:buChar char=""/>
+            </a:pPr>
+            <a:r>
+              <a:rPr b="0" lang="pt-PT" sz="1800" spc="-1" strike="noStrike">
+                <a:solidFill>
+                  <a:srgbClr val="000000"/>
+                </a:solidFill>
+                <a:latin typeface="Arial"/>
+              </a:rPr>
+              <a:t>Click to edit the outline text format</a:t>
+            </a:r>
+            <a:endParaRPr b="0" lang="pt-PT" sz="1800" spc="-1" strike="noStrike">
+              <a:solidFill>
+                <a:srgbClr val="000000"/>
+              </a:solidFill>
+              <a:latin typeface="Arial"/>
+            </a:endParaRPr>
+          </a:p>
+          <a:p>
+            <a:pPr lvl="1" marL="864000" indent="-324000">
+              <a:spcBef>
+                <a:spcPts val="1134"/>
+              </a:spcBef>
+              <a:buClr>
+                <a:srgbClr val="000000"/>
+              </a:buClr>
+              <a:buSzPct val="75000"/>
+              <a:buFont typeface="Symbol" charset="2"/>
+              <a:buChar char=""/>
+            </a:pPr>
+            <a:r>
+              <a:rPr b="0" lang="pt-PT" sz="1800" spc="-1" strike="noStrike">
+                <a:solidFill>
+                  <a:srgbClr val="000000"/>
+                </a:solidFill>
+                <a:latin typeface="Arial"/>
+              </a:rPr>
+              <a:t>Second Outline Level</a:t>
+            </a:r>
+            <a:endParaRPr b="0" lang="pt-PT" sz="1800" spc="-1" strike="noStrike">
+              <a:solidFill>
+                <a:srgbClr val="000000"/>
+              </a:solidFill>
+              <a:latin typeface="Arial"/>
+            </a:endParaRPr>
+          </a:p>
+          <a:p>
+            <a:pPr lvl="2" marL="1296000" indent="-288000">
+              <a:spcBef>
+                <a:spcPts val="850"/>
+              </a:spcBef>
+              <a:buClr>
+                <a:srgbClr val="000000"/>
+              </a:buClr>
+              <a:buSzPct val="45000"/>
+              <a:buFont typeface="Wingdings" charset="2"/>
+              <a:buChar char=""/>
+            </a:pPr>
+            <a:r>
+              <a:rPr b="0" lang="pt-PT" sz="1800" spc="-1" strike="noStrike">
+                <a:solidFill>
+                  <a:srgbClr val="000000"/>
+                </a:solidFill>
+                <a:latin typeface="Arial"/>
+              </a:rPr>
+              <a:t>Third Outline Level</a:t>
+            </a:r>
+            <a:endParaRPr b="0" lang="pt-PT" sz="1800" spc="-1" strike="noStrike">
+              <a:solidFill>
+                <a:srgbClr val="000000"/>
+              </a:solidFill>
+              <a:latin typeface="Arial"/>
+            </a:endParaRPr>
+          </a:p>
+          <a:p>
+            <a:pPr lvl="3" marL="1728000" indent="-216000">
+              <a:spcBef>
+                <a:spcPts val="567"/>
+              </a:spcBef>
+              <a:buClr>
+                <a:srgbClr val="000000"/>
+              </a:buClr>
+              <a:buSzPct val="75000"/>
+              <a:buFont typeface="Symbol" charset="2"/>
+              <a:buChar char=""/>
+            </a:pPr>
+            <a:r>
+              <a:rPr b="0" lang="pt-PT" sz="1800" spc="-1" strike="noStrike">
+                <a:solidFill>
+                  <a:srgbClr val="000000"/>
+                </a:solidFill>
+                <a:latin typeface="Arial"/>
+              </a:rPr>
+              <a:t>Fourth Outline Level</a:t>
+            </a:r>
+            <a:endParaRPr b="0" lang="pt-PT" sz="1800" spc="-1" strike="noStrike">
+              <a:solidFill>
+                <a:srgbClr val="000000"/>
+              </a:solidFill>
+              <a:latin typeface="Arial"/>
+            </a:endParaRPr>
+          </a:p>
+          <a:p>
+            <a:pPr lvl="4" marL="2160000" indent="-216000">
+              <a:spcBef>
+                <a:spcPts val="283"/>
+              </a:spcBef>
+              <a:buClr>
+                <a:srgbClr val="000000"/>
+              </a:buClr>
+              <a:buSzPct val="45000"/>
+              <a:buFont typeface="Wingdings" charset="2"/>
+              <a:buChar char=""/>
+            </a:pPr>
+            <a:r>
+              <a:rPr b="0" lang="pt-PT" sz="1800" spc="-1" strike="noStrike">
+                <a:solidFill>
+                  <a:srgbClr val="000000"/>
+                </a:solidFill>
+                <a:latin typeface="Arial"/>
+              </a:rPr>
+              <a:t>Fifth Outline Level</a:t>
+            </a:r>
+            <a:endParaRPr b="0" lang="pt-PT" sz="1800" spc="-1" strike="noStrike">
+              <a:solidFill>
+                <a:srgbClr val="000000"/>
+              </a:solidFill>
+              <a:latin typeface="Arial"/>
+            </a:endParaRPr>
+          </a:p>
+          <a:p>
+            <a:pPr lvl="5" marL="2592000" indent="-216000">
+              <a:spcBef>
+                <a:spcPts val="283"/>
+              </a:spcBef>
+              <a:buClr>
+                <a:srgbClr val="000000"/>
+              </a:buClr>
+              <a:buSzPct val="45000"/>
+              <a:buFont typeface="Wingdings" charset="2"/>
+              <a:buChar char=""/>
+            </a:pPr>
+            <a:r>
+              <a:rPr b="0" lang="pt-PT" sz="1800" spc="-1" strike="noStrike">
+                <a:solidFill>
+                  <a:srgbClr val="000000"/>
+                </a:solidFill>
+                <a:latin typeface="Arial"/>
+              </a:rPr>
+              <a:t>Sixth Outline Level</a:t>
+            </a:r>
+            <a:endParaRPr b="0" lang="pt-PT" sz="1800" spc="-1" strike="noStrike">
+              <a:solidFill>
+                <a:srgbClr val="000000"/>
+              </a:solidFill>
+              <a:latin typeface="Arial"/>
+            </a:endParaRPr>
+          </a:p>
+          <a:p>
+            <a:pPr lvl="6" marL="3024000" indent="-216000">
+              <a:spcBef>
+                <a:spcPts val="283"/>
+              </a:spcBef>
+              <a:buClr>
+                <a:srgbClr val="000000"/>
+              </a:buClr>
+              <a:buSzPct val="45000"/>
+              <a:buFont typeface="Wingdings" charset="2"/>
+              <a:buChar char=""/>
+            </a:pPr>
+            <a:r>
+              <a:rPr b="0" lang="pt-PT" sz="1800" spc="-1" strike="noStrike">
+                <a:solidFill>
+                  <a:srgbClr val="000000"/>
+                </a:solidFill>
+                <a:latin typeface="Arial"/>
+              </a:rPr>
+              <a:t>Seventh Outline Level</a:t>
+            </a:r>
+            <a:endParaRPr b="0" lang="pt-PT" sz="1800" spc="-1" strike="noStrike">
+              <a:solidFill>
+                <a:srgbClr val="000000"/>
+              </a:solidFill>
+              <a:latin typeface="Arial"/>
+            </a:endParaRPr>
+          </a:p>
+        </p:txBody>
+      </p:sp>
+      <p:sp>
+        <p:nvSpPr>
+          <p:cNvPr id="33" name="PlaceHolder 3"/>
           <p:cNvSpPr>
             <a:spLocks noGrp="1"/>
           </p:cNvSpPr>
@@ -17905,7 +15557,7 @@
         <p:spPr>
           <a:xfrm>
             <a:off x="8472600" y="4663080"/>
-            <a:ext cx="547920" cy="392760"/>
+            <a:ext cx="547560" cy="392400"/>
           </a:xfrm>
           <a:prstGeom prst="rect">
             <a:avLst/>
@@ -17947,7 +15599,7 @@
                 <a:tab algn="l" pos="0"/>
               </a:tabLst>
             </a:pPr>
-            <a:fld id="{A47167DD-9439-4395-B3EE-34B37C3040CD}" type="slidenum">
+            <a:fld id="{194533F2-D643-49BE-91B2-B025662C42C0}" type="slidenum">
               <a:rPr b="0" lang="en" sz="1000" spc="-1" strike="noStrike">
                 <a:solidFill>
                   <a:srgbClr val="595959"/>
@@ -18001,7 +15653,7 @@
       </p:grpSpPr>
       <p:sp>
         <p:nvSpPr>
-          <p:cNvPr id="42" name="PlaceHolder 1"/>
+          <p:cNvPr id="36" name="PlaceHolder 1"/>
           <p:cNvSpPr>
             <a:spLocks noGrp="1"/>
           </p:cNvSpPr>
@@ -18011,8 +15663,8 @@
         </p:nvSpPr>
         <p:spPr>
           <a:xfrm>
-            <a:off x="311760" y="444960"/>
-            <a:ext cx="8519760" cy="572040"/>
+            <a:off x="457200" y="205200"/>
+            <a:ext cx="8228880" cy="858240"/>
           </a:xfrm>
           <a:prstGeom prst="rect">
             <a:avLst/>
@@ -18050,7 +15702,7 @@
       </p:sp>
       <p:sp>
         <p:nvSpPr>
-          <p:cNvPr id="43" name="PlaceHolder 2"/>
+          <p:cNvPr id="37" name="PlaceHolder 2"/>
           <p:cNvSpPr>
             <a:spLocks noGrp="1"/>
           </p:cNvSpPr>
@@ -18060,8 +15712,8 @@
         </p:nvSpPr>
         <p:spPr>
           <a:xfrm>
-            <a:off x="311760" y="1152360"/>
-            <a:ext cx="8519760" cy="3415680"/>
+            <a:off x="457200" y="1203480"/>
+            <a:ext cx="8228880" cy="2982600"/>
           </a:xfrm>
           <a:prstGeom prst="rect">
             <a:avLst/>
@@ -18275,7 +15927,7 @@
       </p:sp>
       <p:sp>
         <p:nvSpPr>
-          <p:cNvPr id="44" name="PlaceHolder 3"/>
+          <p:cNvPr id="38" name="PlaceHolder 3"/>
           <p:cNvSpPr>
             <a:spLocks noGrp="1"/>
           </p:cNvSpPr>
@@ -18286,7 +15938,7 @@
         <p:spPr>
           <a:xfrm>
             <a:off x="8472600" y="4663080"/>
-            <a:ext cx="547920" cy="392760"/>
+            <a:ext cx="547560" cy="392400"/>
           </a:xfrm>
           <a:prstGeom prst="rect">
             <a:avLst/>
@@ -18328,7 +15980,7 @@
                 <a:tab algn="l" pos="0"/>
               </a:tabLst>
             </a:pPr>
-            <a:fld id="{29CE1EA6-94E9-466A-A20A-2DFC9CCA0C4A}" type="slidenum">
+            <a:fld id="{70929045-E9FB-4B0E-B5EF-84FC4A67D246}" type="slidenum">
               <a:rPr b="0" lang="en" sz="1000" spc="-1" strike="noStrike">
                 <a:solidFill>
                   <a:srgbClr val="595959"/>
@@ -18382,7 +16034,7 @@
       </p:grpSpPr>
       <p:sp>
         <p:nvSpPr>
-          <p:cNvPr id="47" name="PlaceHolder 1"/>
+          <p:cNvPr id="41" name="PlaceHolder 1"/>
           <p:cNvSpPr>
             <a:spLocks noGrp="1"/>
           </p:cNvSpPr>
@@ -18392,8 +16044,8 @@
         </p:nvSpPr>
         <p:spPr>
           <a:xfrm>
-            <a:off x="311760" y="444960"/>
-            <a:ext cx="8519760" cy="572040"/>
+            <a:off x="457200" y="205200"/>
+            <a:ext cx="8228880" cy="858240"/>
           </a:xfrm>
           <a:prstGeom prst="rect">
             <a:avLst/>
@@ -18431,7 +16083,7 @@
       </p:sp>
       <p:sp>
         <p:nvSpPr>
-          <p:cNvPr id="48" name="PlaceHolder 2"/>
+          <p:cNvPr id="42" name="PlaceHolder 2"/>
           <p:cNvSpPr>
             <a:spLocks noGrp="1"/>
           </p:cNvSpPr>
@@ -18441,8 +16093,8 @@
         </p:nvSpPr>
         <p:spPr>
           <a:xfrm>
-            <a:off x="311760" y="1152360"/>
-            <a:ext cx="4157280" cy="3415680"/>
+            <a:off x="457200" y="1203480"/>
+            <a:ext cx="4015440" cy="2982600"/>
           </a:xfrm>
           <a:prstGeom prst="rect">
             <a:avLst/>
@@ -18454,7 +16106,7 @@
         </p:spPr>
         <p:txBody>
           <a:bodyPr lIns="0" rIns="0" tIns="0" bIns="0" anchor="t">
-            <a:normAutofit/>
+            <a:normAutofit fontScale="87222"/>
           </a:bodyPr>
           <a:p>
             <a:pPr marL="432000" indent="-324000">
@@ -18656,7 +16308,7 @@
       </p:sp>
       <p:sp>
         <p:nvSpPr>
-          <p:cNvPr id="49" name="PlaceHolder 3"/>
+          <p:cNvPr id="43" name="PlaceHolder 3"/>
           <p:cNvSpPr>
             <a:spLocks noGrp="1"/>
           </p:cNvSpPr>
@@ -18666,8 +16318,8 @@
         </p:nvSpPr>
         <p:spPr>
           <a:xfrm>
-            <a:off x="4677840" y="1152360"/>
-            <a:ext cx="4157280" cy="3415680"/>
+            <a:off x="4674240" y="1203480"/>
+            <a:ext cx="4015440" cy="2982600"/>
           </a:xfrm>
           <a:prstGeom prst="rect">
             <a:avLst/>
@@ -18679,7 +16331,7 @@
         </p:spPr>
         <p:txBody>
           <a:bodyPr lIns="0" rIns="0" tIns="0" bIns="0" anchor="t">
-            <a:normAutofit/>
+            <a:normAutofit fontScale="87222"/>
           </a:bodyPr>
           <a:p>
             <a:pPr marL="432000" indent="-324000">
@@ -18881,7 +16533,7 @@
       </p:sp>
       <p:sp>
         <p:nvSpPr>
-          <p:cNvPr id="50" name="PlaceHolder 4"/>
+          <p:cNvPr id="44" name="PlaceHolder 4"/>
           <p:cNvSpPr>
             <a:spLocks noGrp="1"/>
           </p:cNvSpPr>
@@ -18892,7 +16544,7 @@
         <p:spPr>
           <a:xfrm>
             <a:off x="8472600" y="4663080"/>
-            <a:ext cx="547920" cy="392760"/>
+            <a:ext cx="547560" cy="392400"/>
           </a:xfrm>
           <a:prstGeom prst="rect">
             <a:avLst/>
@@ -18934,7 +16586,7 @@
                 <a:tab algn="l" pos="0"/>
               </a:tabLst>
             </a:pPr>
-            <a:fld id="{4AE602BC-31E5-4C32-85EB-F771D2FD846A}" type="slidenum">
+            <a:fld id="{80E6C4D4-8EBF-4372-98CB-730DC4CA0700}" type="slidenum">
               <a:rPr b="0" lang="en" sz="1000" spc="-1" strike="noStrike">
                 <a:solidFill>
                   <a:srgbClr val="595959"/>
@@ -18988,7 +16640,7 @@
       </p:grpSpPr>
       <p:sp>
         <p:nvSpPr>
-          <p:cNvPr id="54" name="PlaceHolder 1"/>
+          <p:cNvPr id="48" name="PlaceHolder 1"/>
           <p:cNvSpPr>
             <a:spLocks noGrp="1"/>
           </p:cNvSpPr>
@@ -18998,8 +16650,8 @@
         </p:nvSpPr>
         <p:spPr>
           <a:xfrm>
-            <a:off x="311760" y="444960"/>
-            <a:ext cx="8519760" cy="572040"/>
+            <a:off x="457200" y="205200"/>
+            <a:ext cx="8228880" cy="858240"/>
           </a:xfrm>
           <a:prstGeom prst="rect">
             <a:avLst/>
@@ -19037,7 +16689,7 @@
       </p:sp>
       <p:sp>
         <p:nvSpPr>
-          <p:cNvPr id="55" name="PlaceHolder 2"/>
+          <p:cNvPr id="49" name="PlaceHolder 2"/>
           <p:cNvSpPr>
             <a:spLocks noGrp="1"/>
           </p:cNvSpPr>
@@ -19048,7 +16700,7 @@
         <p:spPr>
           <a:xfrm>
             <a:off x="8472600" y="4663080"/>
-            <a:ext cx="547920" cy="392760"/>
+            <a:ext cx="547560" cy="392400"/>
           </a:xfrm>
           <a:prstGeom prst="rect">
             <a:avLst/>
@@ -19090,7 +16742,7 @@
                 <a:tab algn="l" pos="0"/>
               </a:tabLst>
             </a:pPr>
-            <a:fld id="{FEBAFBCF-10C0-4F10-83DB-65E7DA00FF2E}" type="slidenum">
+            <a:fld id="{77A89C53-0A0E-43C6-A9AD-C54BDEB9399A}" type="slidenum">
               <a:rPr b="0" lang="en" sz="1000" spc="-1" strike="noStrike">
                 <a:solidFill>
                   <a:srgbClr val="595959"/>
@@ -19137,7 +16789,7 @@
       </p:grpSpPr>
       <p:pic>
         <p:nvPicPr>
-          <p:cNvPr id="188" name="Google Shape;137;p31" descr=""/>
+          <p:cNvPr id="176" name="Google Shape;137;p31" descr=""/>
           <p:cNvPicPr/>
           <p:nvPr/>
         </p:nvPicPr>
@@ -19148,7 +16800,7 @@
         <p:spPr>
           <a:xfrm>
             <a:off x="0" y="0"/>
-            <a:ext cx="9143280" cy="5142960"/>
+            <a:ext cx="9142920" cy="5142600"/>
           </a:xfrm>
           <a:prstGeom prst="rect">
             <a:avLst/>
@@ -19160,21 +16812,21 @@
       </p:pic>
       <p:grpSp>
         <p:nvGrpSpPr>
-          <p:cNvPr id="189" name="Google Shape;138;p31"/>
+          <p:cNvPr id="177" name="Google Shape;138;p31"/>
           <p:cNvGrpSpPr/>
           <p:nvPr/>
         </p:nvGrpSpPr>
         <p:grpSpPr>
           <a:xfrm>
             <a:off x="0" y="4044960"/>
-            <a:ext cx="9143280" cy="978840"/>
+            <a:ext cx="9142920" cy="978840"/>
             <a:chOff x="0" y="4044960"/>
-            <a:chExt cx="9143280" cy="978840"/>
+            <a:chExt cx="9142920" cy="978840"/>
           </a:xfrm>
         </p:grpSpPr>
         <p:pic>
           <p:nvPicPr>
-            <p:cNvPr id="190" name="Google Shape;139;p31" descr=""/>
+            <p:cNvPr id="178" name="Google Shape;139;p31" descr=""/>
             <p:cNvPicPr/>
             <p:nvPr/>
           </p:nvPicPr>
@@ -19185,7 +16837,7 @@
           <p:spPr>
             <a:xfrm>
               <a:off x="268560" y="4044960"/>
-              <a:ext cx="1633320" cy="567360"/>
+              <a:ext cx="1632960" cy="567000"/>
             </a:xfrm>
             <a:prstGeom prst="rect">
               <a:avLst/>
@@ -19197,14 +16849,14 @@
         </p:pic>
         <p:sp>
           <p:nvSpPr>
-            <p:cNvPr id="191" name="Google Shape;140;p31"/>
+            <p:cNvPr id="179" name="Google Shape;140;p31"/>
             <p:cNvSpPr/>
             <p:nvPr/>
           </p:nvSpPr>
           <p:spPr>
             <a:xfrm>
               <a:off x="0" y="4810320"/>
-              <a:ext cx="9143280" cy="213480"/>
+              <a:ext cx="9142920" cy="213480"/>
             </a:xfrm>
             <a:prstGeom prst="rect">
               <a:avLst/>
@@ -19255,14 +16907,14 @@
       </p:grpSp>
       <p:sp>
         <p:nvSpPr>
-          <p:cNvPr id="192" name="Google Shape;141;p31"/>
+          <p:cNvPr id="180" name="Google Shape;141;p31"/>
           <p:cNvSpPr/>
           <p:nvPr/>
         </p:nvSpPr>
         <p:spPr>
           <a:xfrm>
             <a:off x="1924200" y="1148760"/>
-            <a:ext cx="7612200" cy="2032920"/>
+            <a:ext cx="7611840" cy="2032560"/>
           </a:xfrm>
           <a:prstGeom prst="rect">
             <a:avLst/>
@@ -19342,7 +16994,7 @@
       </p:grpSpPr>
       <p:pic>
         <p:nvPicPr>
-          <p:cNvPr id="226" name="Google Shape;204;p40" descr=""/>
+          <p:cNvPr id="214" name="Google Shape;204;p40" descr=""/>
           <p:cNvPicPr/>
           <p:nvPr/>
         </p:nvPicPr>
@@ -19353,7 +17005,7 @@
         <p:spPr>
           <a:xfrm>
             <a:off x="0" y="0"/>
-            <a:ext cx="9143280" cy="5142960"/>
+            <a:ext cx="9142920" cy="5142600"/>
           </a:xfrm>
           <a:prstGeom prst="rect">
             <a:avLst/>
@@ -19365,21 +17017,21 @@
       </p:pic>
       <p:grpSp>
         <p:nvGrpSpPr>
-          <p:cNvPr id="227" name="Google Shape;205;p40"/>
+          <p:cNvPr id="215" name="Google Shape;205;p40"/>
           <p:cNvGrpSpPr/>
           <p:nvPr/>
         </p:nvGrpSpPr>
         <p:grpSpPr>
           <a:xfrm>
             <a:off x="0" y="4044960"/>
-            <a:ext cx="9143280" cy="978840"/>
+            <a:ext cx="9142920" cy="978840"/>
             <a:chOff x="0" y="4044960"/>
-            <a:chExt cx="9143280" cy="978840"/>
+            <a:chExt cx="9142920" cy="978840"/>
           </a:xfrm>
         </p:grpSpPr>
         <p:pic>
           <p:nvPicPr>
-            <p:cNvPr id="228" name="Google Shape;206;p40" descr=""/>
+            <p:cNvPr id="216" name="Google Shape;206;p40" descr=""/>
             <p:cNvPicPr/>
             <p:nvPr/>
           </p:nvPicPr>
@@ -19390,7 +17042,7 @@
           <p:spPr>
             <a:xfrm>
               <a:off x="268560" y="4044960"/>
-              <a:ext cx="1633320" cy="567360"/>
+              <a:ext cx="1632960" cy="567000"/>
             </a:xfrm>
             <a:prstGeom prst="rect">
               <a:avLst/>
@@ -19402,14 +17054,14 @@
         </p:pic>
         <p:sp>
           <p:nvSpPr>
-            <p:cNvPr id="229" name="Google Shape;207;p40"/>
+            <p:cNvPr id="217" name="Google Shape;207;p40"/>
             <p:cNvSpPr/>
             <p:nvPr/>
           </p:nvSpPr>
           <p:spPr>
             <a:xfrm>
               <a:off x="0" y="4810320"/>
-              <a:ext cx="9143280" cy="213480"/>
+              <a:ext cx="9142920" cy="213480"/>
             </a:xfrm>
             <a:prstGeom prst="rect">
               <a:avLst/>
@@ -19460,14 +17112,14 @@
       </p:grpSp>
       <p:sp>
         <p:nvSpPr>
-          <p:cNvPr id="230" name="Google Shape;208;p40"/>
+          <p:cNvPr id="218" name="Google Shape;208;p40"/>
           <p:cNvSpPr/>
           <p:nvPr/>
         </p:nvSpPr>
         <p:spPr>
           <a:xfrm>
             <a:off x="0" y="2073240"/>
-            <a:ext cx="9143280" cy="2032920"/>
+            <a:ext cx="9142920" cy="2032560"/>
           </a:xfrm>
           <a:prstGeom prst="rect">
             <a:avLst/>
@@ -19599,7 +17251,7 @@
       </p:grpSpPr>
       <p:pic>
         <p:nvPicPr>
-          <p:cNvPr id="193" name="Google Shape;146;p32" descr=""/>
+          <p:cNvPr id="181" name="Google Shape;146;p32" descr=""/>
           <p:cNvPicPr/>
           <p:nvPr/>
         </p:nvPicPr>
@@ -19610,7 +17262,7 @@
         <p:spPr>
           <a:xfrm>
             <a:off x="0" y="0"/>
-            <a:ext cx="9143280" cy="5142960"/>
+            <a:ext cx="9142920" cy="5142600"/>
           </a:xfrm>
           <a:prstGeom prst="rect">
             <a:avLst/>
@@ -19622,21 +17274,21 @@
       </p:pic>
       <p:grpSp>
         <p:nvGrpSpPr>
-          <p:cNvPr id="194" name="Google Shape;147;p32"/>
+          <p:cNvPr id="182" name="Google Shape;147;p32"/>
           <p:cNvGrpSpPr/>
           <p:nvPr/>
         </p:nvGrpSpPr>
         <p:grpSpPr>
           <a:xfrm>
             <a:off x="0" y="4044960"/>
-            <a:ext cx="9143280" cy="978840"/>
+            <a:ext cx="9142920" cy="978840"/>
             <a:chOff x="0" y="4044960"/>
-            <a:chExt cx="9143280" cy="978840"/>
+            <a:chExt cx="9142920" cy="978840"/>
           </a:xfrm>
         </p:grpSpPr>
         <p:pic>
           <p:nvPicPr>
-            <p:cNvPr id="195" name="Google Shape;148;p32" descr=""/>
+            <p:cNvPr id="183" name="Google Shape;148;p32" descr=""/>
             <p:cNvPicPr/>
             <p:nvPr/>
           </p:nvPicPr>
@@ -19647,7 +17299,7 @@
           <p:spPr>
             <a:xfrm>
               <a:off x="268560" y="4044960"/>
-              <a:ext cx="1633320" cy="567360"/>
+              <a:ext cx="1632960" cy="567000"/>
             </a:xfrm>
             <a:prstGeom prst="rect">
               <a:avLst/>
@@ -19659,14 +17311,14 @@
         </p:pic>
         <p:sp>
           <p:nvSpPr>
-            <p:cNvPr id="196" name="Google Shape;149;p32"/>
+            <p:cNvPr id="184" name="Google Shape;149;p32"/>
             <p:cNvSpPr/>
             <p:nvPr/>
           </p:nvSpPr>
           <p:spPr>
             <a:xfrm>
               <a:off x="0" y="4810320"/>
-              <a:ext cx="9143280" cy="213480"/>
+              <a:ext cx="9142920" cy="213480"/>
             </a:xfrm>
             <a:prstGeom prst="rect">
               <a:avLst/>
@@ -19717,14 +17369,14 @@
       </p:grpSp>
       <p:sp>
         <p:nvSpPr>
-          <p:cNvPr id="197" name="Google Shape;150;p32"/>
+          <p:cNvPr id="185" name="Google Shape;150;p32"/>
           <p:cNvSpPr/>
           <p:nvPr/>
         </p:nvSpPr>
         <p:spPr>
           <a:xfrm>
             <a:off x="0" y="2225880"/>
-            <a:ext cx="9143280" cy="2032920"/>
+            <a:ext cx="9142920" cy="2032560"/>
           </a:xfrm>
           <a:prstGeom prst="rect">
             <a:avLst/>
@@ -19817,7 +17469,7 @@
       </p:grpSpPr>
       <p:pic>
         <p:nvPicPr>
-          <p:cNvPr id="198" name="Google Shape;155;p33" descr=""/>
+          <p:cNvPr id="186" name="Google Shape;155;p33" descr=""/>
           <p:cNvPicPr/>
           <p:nvPr/>
         </p:nvPicPr>
@@ -19827,8 +17479,8 @@
         </p:blipFill>
         <p:spPr>
           <a:xfrm flipH="1">
-            <a:off x="720" y="159480"/>
-            <a:ext cx="1261440" cy="611280"/>
+            <a:off x="1080" y="159480"/>
+            <a:ext cx="1261080" cy="610920"/>
           </a:xfrm>
           <a:prstGeom prst="rect">
             <a:avLst/>
@@ -19840,7 +17492,7 @@
       </p:pic>
       <p:sp>
         <p:nvSpPr>
-          <p:cNvPr id="199" name="PlaceHolder 1"/>
+          <p:cNvPr id="187" name="PlaceHolder 1"/>
           <p:cNvSpPr>
             <a:spLocks noGrp="1"/>
           </p:cNvSpPr>
@@ -19851,7 +17503,7 @@
         <p:spPr>
           <a:xfrm>
             <a:off x="1262160" y="281880"/>
-            <a:ext cx="6783120" cy="488880"/>
+            <a:ext cx="6782760" cy="488520"/>
           </a:xfrm>
           <a:prstGeom prst="rect">
             <a:avLst/>
@@ -19896,14 +17548,14 @@
       </p:sp>
       <p:sp>
         <p:nvSpPr>
-          <p:cNvPr id="200" name="Google Shape;157;p33"/>
+          <p:cNvPr id="188" name="Google Shape;157;p33"/>
           <p:cNvSpPr/>
           <p:nvPr/>
         </p:nvSpPr>
         <p:spPr>
           <a:xfrm>
             <a:off x="657720" y="1132560"/>
-            <a:ext cx="7686360" cy="3199680"/>
+            <a:ext cx="7686000" cy="3199320"/>
           </a:xfrm>
           <a:prstGeom prst="rect">
             <a:avLst/>
@@ -20079,7 +17731,7 @@
       </p:sp>
       <p:pic>
         <p:nvPicPr>
-          <p:cNvPr id="201" name="" descr=""/>
+          <p:cNvPr id="189" name="" descr=""/>
           <p:cNvPicPr/>
           <p:nvPr/>
         </p:nvPicPr>
@@ -20090,7 +17742,7 @@
         <p:spPr>
           <a:xfrm>
             <a:off x="280800" y="4486680"/>
-            <a:ext cx="1243440" cy="556560"/>
+            <a:ext cx="1243080" cy="556200"/>
           </a:xfrm>
           <a:prstGeom prst="rect">
             <a:avLst/>
@@ -20132,7 +17784,7 @@
       </p:grpSpPr>
       <p:pic>
         <p:nvPicPr>
-          <p:cNvPr id="202" name="Google Shape;162;p34" descr=""/>
+          <p:cNvPr id="190" name="Google Shape;162;p34" descr=""/>
           <p:cNvPicPr/>
           <p:nvPr/>
         </p:nvPicPr>
@@ -20142,8 +17794,8 @@
         </p:blipFill>
         <p:spPr>
           <a:xfrm flipH="1">
-            <a:off x="720" y="159480"/>
-            <a:ext cx="1261440" cy="611280"/>
+            <a:off x="1080" y="159480"/>
+            <a:ext cx="1261080" cy="610920"/>
           </a:xfrm>
           <a:prstGeom prst="rect">
             <a:avLst/>
@@ -20155,7 +17807,7 @@
       </p:pic>
       <p:sp>
         <p:nvSpPr>
-          <p:cNvPr id="203" name="PlaceHolder 1"/>
+          <p:cNvPr id="191" name="PlaceHolder 1"/>
           <p:cNvSpPr>
             <a:spLocks noGrp="1"/>
           </p:cNvSpPr>
@@ -20166,7 +17818,7 @@
         <p:spPr>
           <a:xfrm>
             <a:off x="1262160" y="281880"/>
-            <a:ext cx="6783120" cy="488880"/>
+            <a:ext cx="6782760" cy="488520"/>
           </a:xfrm>
           <a:prstGeom prst="rect">
             <a:avLst/>
@@ -20211,14 +17863,14 @@
       </p:sp>
       <p:sp>
         <p:nvSpPr>
-          <p:cNvPr id="204" name="Google Shape;164;p34"/>
+          <p:cNvPr id="192" name="Google Shape;164;p34"/>
           <p:cNvSpPr/>
           <p:nvPr/>
         </p:nvSpPr>
         <p:spPr>
           <a:xfrm>
             <a:off x="657720" y="1132560"/>
-            <a:ext cx="7686360" cy="3199680"/>
+            <a:ext cx="7686000" cy="3199320"/>
           </a:xfrm>
           <a:prstGeom prst="rect">
             <a:avLst/>
@@ -20426,7 +18078,7 @@
       </p:sp>
       <p:pic>
         <p:nvPicPr>
-          <p:cNvPr id="205" name="" descr=""/>
+          <p:cNvPr id="193" name="" descr=""/>
           <p:cNvPicPr/>
           <p:nvPr/>
         </p:nvPicPr>
@@ -20437,7 +18089,7 @@
         <p:spPr>
           <a:xfrm>
             <a:off x="280800" y="4486680"/>
-            <a:ext cx="1243440" cy="556560"/>
+            <a:ext cx="1243080" cy="556200"/>
           </a:xfrm>
           <a:prstGeom prst="rect">
             <a:avLst/>
@@ -20479,7 +18131,7 @@
       </p:grpSpPr>
       <p:pic>
         <p:nvPicPr>
-          <p:cNvPr id="206" name="Google Shape;169;p35" descr=""/>
+          <p:cNvPr id="194" name="Google Shape;169;p35" descr=""/>
           <p:cNvPicPr/>
           <p:nvPr/>
         </p:nvPicPr>
@@ -20489,8 +18141,8 @@
         </p:blipFill>
         <p:spPr>
           <a:xfrm flipH="1">
-            <a:off x="720" y="159480"/>
-            <a:ext cx="1261440" cy="611280"/>
+            <a:off x="1080" y="159480"/>
+            <a:ext cx="1261080" cy="610920"/>
           </a:xfrm>
           <a:prstGeom prst="rect">
             <a:avLst/>
@@ -20502,7 +18154,7 @@
       </p:pic>
       <p:sp>
         <p:nvSpPr>
-          <p:cNvPr id="207" name="PlaceHolder 1"/>
+          <p:cNvPr id="195" name="PlaceHolder 1"/>
           <p:cNvSpPr>
             <a:spLocks noGrp="1"/>
           </p:cNvSpPr>
@@ -20513,7 +18165,7 @@
         <p:spPr>
           <a:xfrm>
             <a:off x="1262160" y="281880"/>
-            <a:ext cx="6783120" cy="488880"/>
+            <a:ext cx="6782760" cy="488520"/>
           </a:xfrm>
           <a:prstGeom prst="rect">
             <a:avLst/>
@@ -20558,14 +18210,14 @@
       </p:sp>
       <p:sp>
         <p:nvSpPr>
-          <p:cNvPr id="208" name="Google Shape;171;p35"/>
+          <p:cNvPr id="196" name="Google Shape;171;p35"/>
           <p:cNvSpPr/>
           <p:nvPr/>
         </p:nvSpPr>
         <p:spPr>
           <a:xfrm>
             <a:off x="657720" y="1132560"/>
-            <a:ext cx="7686360" cy="3199680"/>
+            <a:ext cx="7686000" cy="3199320"/>
           </a:xfrm>
           <a:prstGeom prst="rect">
             <a:avLst/>
@@ -20837,7 +18489,7 @@
       </p:sp>
       <p:pic>
         <p:nvPicPr>
-          <p:cNvPr id="209" name="" descr=""/>
+          <p:cNvPr id="197" name="" descr=""/>
           <p:cNvPicPr/>
           <p:nvPr/>
         </p:nvPicPr>
@@ -20848,7 +18500,7 @@
         <p:spPr>
           <a:xfrm>
             <a:off x="280800" y="4486680"/>
-            <a:ext cx="1243440" cy="556560"/>
+            <a:ext cx="1243080" cy="556200"/>
           </a:xfrm>
           <a:prstGeom prst="rect">
             <a:avLst/>
@@ -20890,7 +18542,7 @@
       </p:grpSpPr>
       <p:pic>
         <p:nvPicPr>
-          <p:cNvPr id="210" name="Google Shape;176;p36" descr=""/>
+          <p:cNvPr id="198" name="Google Shape;176;p36" descr=""/>
           <p:cNvPicPr/>
           <p:nvPr/>
         </p:nvPicPr>
@@ -20900,8 +18552,8 @@
         </p:blipFill>
         <p:spPr>
           <a:xfrm flipH="1">
-            <a:off x="720" y="159480"/>
-            <a:ext cx="1261440" cy="611280"/>
+            <a:off x="1080" y="159480"/>
+            <a:ext cx="1261080" cy="610920"/>
           </a:xfrm>
           <a:prstGeom prst="rect">
             <a:avLst/>
@@ -20913,7 +18565,7 @@
       </p:pic>
       <p:sp>
         <p:nvSpPr>
-          <p:cNvPr id="211" name="PlaceHolder 1"/>
+          <p:cNvPr id="199" name="PlaceHolder 1"/>
           <p:cNvSpPr>
             <a:spLocks noGrp="1"/>
           </p:cNvSpPr>
@@ -20924,7 +18576,7 @@
         <p:spPr>
           <a:xfrm>
             <a:off x="1262160" y="281880"/>
-            <a:ext cx="6783120" cy="488880"/>
+            <a:ext cx="6782760" cy="488520"/>
           </a:xfrm>
           <a:prstGeom prst="rect">
             <a:avLst/>
@@ -20969,14 +18621,14 @@
       </p:sp>
       <p:sp>
         <p:nvSpPr>
-          <p:cNvPr id="212" name="Google Shape;178;p36"/>
+          <p:cNvPr id="200" name="Google Shape;178;p36"/>
           <p:cNvSpPr/>
           <p:nvPr/>
         </p:nvSpPr>
         <p:spPr>
           <a:xfrm>
             <a:off x="657720" y="1132560"/>
-            <a:ext cx="7686360" cy="3199680"/>
+            <a:ext cx="7686000" cy="3199320"/>
           </a:xfrm>
           <a:prstGeom prst="rect">
             <a:avLst/>
@@ -21142,7 +18794,7 @@
       </p:sp>
       <p:pic>
         <p:nvPicPr>
-          <p:cNvPr id="213" name="" descr=""/>
+          <p:cNvPr id="201" name="" descr=""/>
           <p:cNvPicPr/>
           <p:nvPr/>
         </p:nvPicPr>
@@ -21153,7 +18805,7 @@
         <p:spPr>
           <a:xfrm>
             <a:off x="280800" y="4486680"/>
-            <a:ext cx="1243440" cy="556560"/>
+            <a:ext cx="1243080" cy="556200"/>
           </a:xfrm>
           <a:prstGeom prst="rect">
             <a:avLst/>
@@ -21195,7 +18847,7 @@
       </p:grpSpPr>
       <p:pic>
         <p:nvPicPr>
-          <p:cNvPr id="214" name="Google Shape;183;p37" descr=""/>
+          <p:cNvPr id="202" name="Google Shape;183;p37" descr=""/>
           <p:cNvPicPr/>
           <p:nvPr/>
         </p:nvPicPr>
@@ -21205,8 +18857,8 @@
         </p:blipFill>
         <p:spPr>
           <a:xfrm flipH="1">
-            <a:off x="720" y="159480"/>
-            <a:ext cx="1261440" cy="611280"/>
+            <a:off x="1080" y="159480"/>
+            <a:ext cx="1261080" cy="610920"/>
           </a:xfrm>
           <a:prstGeom prst="rect">
             <a:avLst/>
@@ -21218,7 +18870,7 @@
       </p:pic>
       <p:sp>
         <p:nvSpPr>
-          <p:cNvPr id="215" name="PlaceHolder 1"/>
+          <p:cNvPr id="203" name="PlaceHolder 1"/>
           <p:cNvSpPr>
             <a:spLocks noGrp="1"/>
           </p:cNvSpPr>
@@ -21229,7 +18881,7 @@
         <p:spPr>
           <a:xfrm>
             <a:off x="1262160" y="281880"/>
-            <a:ext cx="6783120" cy="488880"/>
+            <a:ext cx="6782760" cy="488520"/>
           </a:xfrm>
           <a:prstGeom prst="rect">
             <a:avLst/>
@@ -21274,14 +18926,14 @@
       </p:sp>
       <p:sp>
         <p:nvSpPr>
-          <p:cNvPr id="216" name="Google Shape;185;p37"/>
+          <p:cNvPr id="204" name="Google Shape;185;p37"/>
           <p:cNvSpPr/>
           <p:nvPr/>
         </p:nvSpPr>
         <p:spPr>
           <a:xfrm>
             <a:off x="657720" y="1132560"/>
-            <a:ext cx="7686360" cy="3199680"/>
+            <a:ext cx="7686000" cy="3199320"/>
           </a:xfrm>
           <a:prstGeom prst="rect">
             <a:avLst/>
@@ -21344,17 +18996,7 @@
                 <a:latin typeface="Roboto"/>
                 <a:ea typeface="Roboto"/>
               </a:rPr>
-              <a:t>he closest competitor is the adaptative cruise control who lowers the speed if a car is circulating slower in front of him. But none considers lowering the consumption..</a:t>
-            </a:r>
-            <a:r>
-              <a:rPr b="0" i="1" lang="en" sz="1800" spc="-1" strike="noStrike">
-                <a:solidFill>
-                  <a:srgbClr val="000000"/>
-                </a:solidFill>
-                <a:latin typeface="Roboto"/>
-                <a:ea typeface="Roboto"/>
-              </a:rPr>
-              <a:t>.</a:t>
+              <a:t>he closest competitor is the adaptative cruise control who lowers the speed if a car is circulating slower in front of him. But none considers lowering the consumption...</a:t>
             </a:r>
             <a:endParaRPr b="0" lang="pt-PT" sz="1800" spc="-1" strike="noStrike">
               <a:solidFill>
@@ -21383,7 +19025,7 @@
       </p:sp>
       <p:pic>
         <p:nvPicPr>
-          <p:cNvPr id="217" name="" descr=""/>
+          <p:cNvPr id="205" name="" descr=""/>
           <p:cNvPicPr/>
           <p:nvPr/>
         </p:nvPicPr>
@@ -21394,7 +19036,7 @@
         <p:spPr>
           <a:xfrm>
             <a:off x="280800" y="4486680"/>
-            <a:ext cx="1243440" cy="556560"/>
+            <a:ext cx="1243080" cy="556200"/>
           </a:xfrm>
           <a:prstGeom prst="rect">
             <a:avLst/>
@@ -21436,7 +19078,7 @@
       </p:grpSpPr>
       <p:pic>
         <p:nvPicPr>
-          <p:cNvPr id="218" name="Google Shape;190;p38" descr=""/>
+          <p:cNvPr id="206" name="Google Shape;190;p38" descr=""/>
           <p:cNvPicPr/>
           <p:nvPr/>
         </p:nvPicPr>
@@ -21446,8 +19088,8 @@
         </p:blipFill>
         <p:spPr>
           <a:xfrm flipH="1">
-            <a:off x="720" y="159480"/>
-            <a:ext cx="1261440" cy="611280"/>
+            <a:off x="1080" y="159480"/>
+            <a:ext cx="1261080" cy="610920"/>
           </a:xfrm>
           <a:prstGeom prst="rect">
             <a:avLst/>
@@ -21459,7 +19101,7 @@
       </p:pic>
       <p:sp>
         <p:nvSpPr>
-          <p:cNvPr id="219" name="PlaceHolder 1"/>
+          <p:cNvPr id="207" name="PlaceHolder 1"/>
           <p:cNvSpPr>
             <a:spLocks noGrp="1"/>
           </p:cNvSpPr>
@@ -21470,7 +19112,7 @@
         <p:spPr>
           <a:xfrm>
             <a:off x="1262160" y="281880"/>
-            <a:ext cx="6783120" cy="488880"/>
+            <a:ext cx="6782760" cy="488520"/>
           </a:xfrm>
           <a:prstGeom prst="rect">
             <a:avLst/>
@@ -21515,14 +19157,14 @@
       </p:sp>
       <p:sp>
         <p:nvSpPr>
-          <p:cNvPr id="220" name="Google Shape;192;p38"/>
+          <p:cNvPr id="208" name="Google Shape;192;p38"/>
           <p:cNvSpPr/>
           <p:nvPr/>
         </p:nvSpPr>
         <p:spPr>
           <a:xfrm>
             <a:off x="657720" y="1132560"/>
-            <a:ext cx="7686360" cy="3199680"/>
+            <a:ext cx="7686000" cy="3199320"/>
           </a:xfrm>
           <a:prstGeom prst="rect">
             <a:avLst/>
@@ -21704,7 +19346,7 @@
       </p:sp>
       <p:pic>
         <p:nvPicPr>
-          <p:cNvPr id="221" name="" descr=""/>
+          <p:cNvPr id="209" name="" descr=""/>
           <p:cNvPicPr/>
           <p:nvPr/>
         </p:nvPicPr>
@@ -21715,7 +19357,7 @@
         <p:spPr>
           <a:xfrm>
             <a:off x="280800" y="4486680"/>
-            <a:ext cx="1243440" cy="556560"/>
+            <a:ext cx="1243080" cy="556200"/>
           </a:xfrm>
           <a:prstGeom prst="rect">
             <a:avLst/>
@@ -21757,7 +19399,7 @@
       </p:grpSpPr>
       <p:pic>
         <p:nvPicPr>
-          <p:cNvPr id="222" name="Google Shape;197;p39" descr=""/>
+          <p:cNvPr id="210" name="Google Shape;197;p39" descr=""/>
           <p:cNvPicPr/>
           <p:nvPr/>
         </p:nvPicPr>
@@ -21767,8 +19409,8 @@
         </p:blipFill>
         <p:spPr>
           <a:xfrm flipH="1">
-            <a:off x="720" y="159480"/>
-            <a:ext cx="1261440" cy="611280"/>
+            <a:off x="1080" y="159480"/>
+            <a:ext cx="1261080" cy="610920"/>
           </a:xfrm>
           <a:prstGeom prst="rect">
             <a:avLst/>
@@ -21780,7 +19422,7 @@
       </p:pic>
       <p:sp>
         <p:nvSpPr>
-          <p:cNvPr id="223" name="PlaceHolder 1"/>
+          <p:cNvPr id="211" name="PlaceHolder 1"/>
           <p:cNvSpPr>
             <a:spLocks noGrp="1"/>
           </p:cNvSpPr>
@@ -21791,7 +19433,7 @@
         <p:spPr>
           <a:xfrm>
             <a:off x="1262160" y="281880"/>
-            <a:ext cx="6783120" cy="488880"/>
+            <a:ext cx="6782760" cy="488520"/>
           </a:xfrm>
           <a:prstGeom prst="rect">
             <a:avLst/>
@@ -21836,14 +19478,14 @@
       </p:sp>
       <p:sp>
         <p:nvSpPr>
-          <p:cNvPr id="224" name="Google Shape;199;p39"/>
+          <p:cNvPr id="212" name="Google Shape;199;p39"/>
           <p:cNvSpPr/>
           <p:nvPr/>
         </p:nvSpPr>
         <p:spPr>
           <a:xfrm>
             <a:off x="657720" y="1132560"/>
-            <a:ext cx="7686360" cy="3199680"/>
+            <a:ext cx="7686000" cy="3199320"/>
           </a:xfrm>
           <a:prstGeom prst="rect">
             <a:avLst/>
@@ -21932,18 +19574,7 @@
                 <a:latin typeface="Roboto"/>
                 <a:ea typeface="Roboto"/>
               </a:rPr>
-              <a:t>Danilo Margarido – </a:t>
-            </a:r>
-            <a:r>
-              <a:rPr b="0" i="1" lang="en" sz="1800" spc="-1" strike="noStrike">
-                <a:solidFill>
-                  <a:srgbClr val="000000"/>
-                </a:solidFill>
-                <a:latin typeface="Roboto"/>
-                <a:ea typeface="Roboto"/>
-                <a:hlinkClick r:id="rId2"/>
-              </a:rPr>
-              <a:t>danilo.margarido@criticalsoftware.com</a:t>
+              <a:t>Danilo Margarido – danilo.margarido@criticalsoftware.com</a:t>
             </a:r>
             <a:r>
               <a:rPr b="0" i="1" lang="en" sz="1800" spc="-1" strike="noStrike">
@@ -22066,18 +19697,18 @@
       </p:sp>
       <p:pic>
         <p:nvPicPr>
-          <p:cNvPr id="225" name="" descr=""/>
+          <p:cNvPr id="213" name="" descr=""/>
           <p:cNvPicPr/>
           <p:nvPr/>
         </p:nvPicPr>
         <p:blipFill>
-          <a:blip r:embed="rId3"/>
+          <a:blip r:embed="rId2"/>
           <a:stretch/>
         </p:blipFill>
         <p:spPr>
           <a:xfrm>
             <a:off x="280800" y="4486680"/>
-            <a:ext cx="1243440" cy="556560"/>
+            <a:ext cx="1243080" cy="556200"/>
           </a:xfrm>
           <a:prstGeom prst="rect">
             <a:avLst/>

--- a/SDV Hackathon 2025 - Pitching Slides Template.pptx
+++ b/SDV Hackathon 2025 - Pitching Slides Template.pptx
@@ -26,18 +26,21 @@
     <p:sldMasterId id="2147483690" r:id="rId23"/>
     <p:sldMasterId id="2147483692" r:id="rId24"/>
     <p:sldMasterId id="2147483694" r:id="rId25"/>
+    <p:sldMasterId id="2147483696" r:id="rId26"/>
   </p:sldMasterIdLst>
   <p:sldIdLst>
-    <p:sldId id="256" r:id="rId26"/>
-    <p:sldId id="257" r:id="rId27"/>
-    <p:sldId id="258" r:id="rId28"/>
-    <p:sldId id="259" r:id="rId29"/>
-    <p:sldId id="260" r:id="rId30"/>
-    <p:sldId id="261" r:id="rId31"/>
-    <p:sldId id="262" r:id="rId32"/>
-    <p:sldId id="263" r:id="rId33"/>
-    <p:sldId id="264" r:id="rId34"/>
-    <p:sldId id="265" r:id="rId35"/>
+    <p:sldId id="256" r:id="rId27"/>
+    <p:sldId id="257" r:id="rId28"/>
+    <p:sldId id="258" r:id="rId29"/>
+    <p:sldId id="259" r:id="rId30"/>
+    <p:sldId id="260" r:id="rId31"/>
+    <p:sldId id="261" r:id="rId32"/>
+    <p:sldId id="262" r:id="rId33"/>
+    <p:sldId id="263" r:id="rId34"/>
+    <p:sldId id="264" r:id="rId35"/>
+    <p:sldId id="265" r:id="rId36"/>
+    <p:sldId id="266" r:id="rId37"/>
+    <p:sldId id="267" r:id="rId38"/>
   </p:sldIdLst>
   <p:sldSz cx="9144000" cy="5143500"/>
   <p:notesSz cx="7559675" cy="10691813"/>
@@ -244,7 +247,7 @@
         <p:txBody>
           <a:bodyPr/>
           <a:p>
-            <a:fld id="{DE280950-CF74-4AD2-95FD-7A96BF3C7301}" type="slidenum">
+            <a:fld id="{D594F8EF-52BF-4743-A31C-29FA68C006CF}" type="slidenum">
               <a:t>&lt;#&gt;</a:t>
             </a:fld>
           </a:p>
@@ -286,7 +289,7 @@
         <p:txBody>
           <a:bodyPr/>
           <a:p>
-            <a:fld id="{D64E3D10-2A78-489E-A11E-D6AE0B6FB9F2}" type="slidenum">
+            <a:fld id="{BC28EC27-41A2-48DD-9990-A09124B7F78B}" type="slidenum">
               <a:t>&lt;#&gt;</a:t>
             </a:fld>
           </a:p>
@@ -497,7 +500,7 @@
         <p:txBody>
           <a:bodyPr/>
           <a:p>
-            <a:fld id="{22C46B6A-BB8A-4416-9AD6-BDD91B2E99A6}" type="slidenum">
+            <a:fld id="{D65F51A0-B2E4-4C27-830B-28676D7768D4}" type="slidenum">
               <a:t>&lt;#&gt;</a:t>
             </a:fld>
           </a:p>
@@ -708,7 +711,7 @@
         <p:txBody>
           <a:bodyPr/>
           <a:p>
-            <a:fld id="{6A4C5771-CCFC-4E27-BC63-C402BD10F944}" type="slidenum">
+            <a:fld id="{5D2CC0E4-00E3-4061-98E6-B7E799B6985A}" type="slidenum">
               <a:t>&lt;#&gt;</a:t>
             </a:fld>
           </a:p>
@@ -1875,7 +1878,7 @@
         <p:txBody>
           <a:bodyPr/>
           <a:p>
-            <a:fld id="{175CD4BF-122A-4E7B-AF92-1EDCAED63296}" type="slidenum">
+            <a:fld id="{F2DD94D8-2A22-42D6-A265-CAB401611B03}" type="slidenum">
               <a:t>&lt;#&gt;</a:t>
             </a:fld>
           </a:p>
@@ -2309,6 +2312,28 @@
 <file path=ppt/slideLayouts/slideLayout24.xml><?xml version="1.0" encoding="utf-8"?>
 <p:sldLayout xmlns:a="http://schemas.openxmlformats.org/drawingml/2006/main" xmlns:p="http://schemas.openxmlformats.org/presentationml/2006/main" xmlns:r="http://schemas.openxmlformats.org/officeDocument/2006/relationships" xmlns:p14="http://schemas.microsoft.com/office/powerpoint/2010/main" xmlns:p15="http://schemas.microsoft.com/office/powerpoint/2012/main" xmlns:mc="http://schemas.openxmlformats.org/markup-compatibility/2006" type="blank" preserve="1">
   <p:cSld name="Default 11">
+    <p:spTree>
+      <p:nvGrpSpPr>
+        <p:cNvPr id="1" name=""/>
+        <p:cNvGrpSpPr/>
+        <p:nvPr/>
+      </p:nvGrpSpPr>
+      <p:grpSpPr>
+        <a:xfrm>
+          <a:off x="0" y="0"/>
+          <a:ext cx="0" cy="0"/>
+          <a:chOff x="0" y="0"/>
+          <a:chExt cx="0" cy="0"/>
+        </a:xfrm>
+      </p:grpSpPr>
+    </p:spTree>
+  </p:cSld>
+</p:sldLayout>
+</file>
+
+<file path=ppt/slideLayouts/slideLayout25.xml><?xml version="1.0" encoding="utf-8"?>
+<p:sldLayout xmlns:a="http://schemas.openxmlformats.org/drawingml/2006/main" xmlns:p="http://schemas.openxmlformats.org/presentationml/2006/main" xmlns:r="http://schemas.openxmlformats.org/officeDocument/2006/relationships" xmlns:p14="http://schemas.microsoft.com/office/powerpoint/2010/main" xmlns:p15="http://schemas.microsoft.com/office/powerpoint/2012/main" xmlns:mc="http://schemas.openxmlformats.org/markup-compatibility/2006" type="blank" preserve="1">
+  <p:cSld name="Default 6_">
     <p:spTree>
       <p:nvGrpSpPr>
         <p:cNvPr id="1" name=""/>
@@ -2571,7 +2596,7 @@
         <p:txBody>
           <a:bodyPr/>
           <a:p>
-            <a:fld id="{E070C93F-1807-4C8E-BFB2-72AEBA59BD08}" type="slidenum">
+            <a:fld id="{5E3BDAD5-CF56-4DB0-A4CE-FD4F9CC74941}" type="slidenum">
               <a:t>&lt;#&gt;</a:t>
             </a:fld>
           </a:p>
@@ -2613,7 +2638,7 @@
         <p:txBody>
           <a:bodyPr/>
           <a:p>
-            <a:fld id="{DB9DBE42-3FC6-4115-B614-80D89E0811EA}" type="slidenum">
+            <a:fld id="{0A78C87C-E14C-4EA9-BBE3-526920AD5108}" type="slidenum">
               <a:t>&lt;#&gt;</a:t>
             </a:fld>
           </a:p>
@@ -2655,7 +2680,7 @@
         <p:txBody>
           <a:bodyPr/>
           <a:p>
-            <a:fld id="{7412B6D6-A101-4656-A951-66949891095B}" type="slidenum">
+            <a:fld id="{E9AFE609-4AFB-4B12-89FD-97C9D3C23FB8}" type="slidenum">
               <a:t>&lt;#&gt;</a:t>
             </a:fld>
           </a:p>
@@ -2780,7 +2805,7 @@
         <p:txBody>
           <a:bodyPr/>
           <a:p>
-            <a:fld id="{56F029C9-3196-47C5-9910-0F941FD80E46}" type="slidenum">
+            <a:fld id="{ED5CE1FF-2226-4646-B92D-7A4E888DE3E8}" type="slidenum">
               <a:t>&lt;#&gt;</a:t>
             </a:fld>
           </a:p>
@@ -2905,7 +2930,7 @@
         <p:txBody>
           <a:bodyPr/>
           <a:p>
-            <a:fld id="{A76AB99E-1D5E-4ABE-BE8B-623DE7849E71}" type="slidenum">
+            <a:fld id="{139AA5BA-5B0C-47A9-A79F-8F53227F0D10}" type="slidenum">
               <a:t>&lt;#&gt;</a:t>
             </a:fld>
           </a:p>
@@ -3073,7 +3098,7 @@
         <p:txBody>
           <a:bodyPr/>
           <a:p>
-            <a:fld id="{EC750F13-D0B4-4C23-B8DA-EDFDD5417022}" type="slidenum">
+            <a:fld id="{D8F67BC2-AB3B-4663-A375-9C57ACA9B32F}" type="slidenum">
               <a:t>&lt;#&gt;</a:t>
             </a:fld>
           </a:p>
@@ -3155,7 +3180,7 @@
         <p:txBody>
           <a:bodyPr/>
           <a:p>
-            <a:fld id="{AD71575E-CA8C-4188-B01A-5D3ABD461F35}" type="slidenum">
+            <a:fld id="{C6845DCF-5E79-4A2C-AA3E-D0025896C1A7}" type="slidenum">
               <a:t>&lt;#&gt;</a:t>
             </a:fld>
           </a:p>
@@ -3927,7 +3952,7 @@
         <p:spPr>
           <a:xfrm>
             <a:off x="8472600" y="4663080"/>
-            <a:ext cx="547560" cy="392400"/>
+            <a:ext cx="547200" cy="392040"/>
           </a:xfrm>
           <a:prstGeom prst="rect">
             <a:avLst/>
@@ -3969,7 +3994,7 @@
                 <a:tab algn="l" pos="0"/>
               </a:tabLst>
             </a:pPr>
-            <a:fld id="{CDE4D039-EC7A-489F-9331-E03611564878}" type="slidenum">
+            <a:fld id="{12351BD9-7D6F-4658-8052-00A9847B6DCD}" type="slidenum">
               <a:rPr b="0" lang="en" sz="1000" spc="-1" strike="noStrike">
                 <a:solidFill>
                   <a:srgbClr val="595959"/>
@@ -4034,7 +4059,7 @@
         <p:spPr>
           <a:xfrm>
             <a:off x="8472600" y="4663080"/>
-            <a:ext cx="547560" cy="392400"/>
+            <a:ext cx="547200" cy="392040"/>
           </a:xfrm>
           <a:prstGeom prst="rect">
             <a:avLst/>
@@ -4076,7 +4101,7 @@
                 <a:tab algn="l" pos="0"/>
               </a:tabLst>
             </a:pPr>
-            <a:fld id="{E0365495-555B-460A-A09C-7885B4C5EDAB}" type="slidenum">
+            <a:fld id="{98B98266-5E6A-41FD-A1A4-9FD3E03865EB}" type="slidenum">
               <a:rPr b="0" lang="en" sz="1000" spc="-1" strike="noStrike">
                 <a:solidFill>
                   <a:srgbClr val="595959"/>
@@ -4865,7 +4890,7 @@
         <p:spPr>
           <a:xfrm>
             <a:off x="8472600" y="4663080"/>
-            <a:ext cx="547560" cy="392400"/>
+            <a:ext cx="547200" cy="392040"/>
           </a:xfrm>
           <a:prstGeom prst="rect">
             <a:avLst/>
@@ -4907,7 +4932,7 @@
                 <a:tab algn="l" pos="0"/>
               </a:tabLst>
             </a:pPr>
-            <a:fld id="{AEF4179F-7E58-4CE0-AE07-9436FDC2D3B9}" type="slidenum">
+            <a:fld id="{0B958DF1-4ABE-4369-9D10-8D2941719DE0}" type="slidenum">
               <a:rPr b="0" lang="en" sz="1000" spc="-1" strike="noStrike">
                 <a:solidFill>
                   <a:srgbClr val="595959"/>
@@ -5696,7 +5721,7 @@
         <p:spPr>
           <a:xfrm>
             <a:off x="8472600" y="4663080"/>
-            <a:ext cx="547560" cy="392400"/>
+            <a:ext cx="547200" cy="392040"/>
           </a:xfrm>
           <a:prstGeom prst="rect">
             <a:avLst/>
@@ -5738,7 +5763,7 @@
                 <a:tab algn="l" pos="0"/>
               </a:tabLst>
             </a:pPr>
-            <a:fld id="{64CA1830-D8FC-431F-A0FF-24B31D845331}" type="slidenum">
+            <a:fld id="{2E6F7C7A-7582-4D5C-AE6C-9058B3124B2E}" type="slidenum">
               <a:rPr b="0" lang="en" sz="1000" spc="-1" strike="noStrike">
                 <a:solidFill>
                   <a:srgbClr val="595959"/>
@@ -5799,7 +5824,7 @@
         <p:spPr>
           <a:xfrm>
             <a:off x="0" y="4867560"/>
-            <a:ext cx="307800" cy="275040"/>
+            <a:ext cx="307440" cy="274680"/>
           </a:xfrm>
           <a:prstGeom prst="rect">
             <a:avLst/>
@@ -5828,7 +5853,7 @@
                 <a:tab algn="l" pos="0"/>
               </a:tabLst>
             </a:pPr>
-            <a:fld id="{49461B83-9487-45C4-9F47-21CDFC6E293D}" type="slidenum">
+            <a:fld id="{882B3462-CF7B-4D3C-935F-8326B33BC30F}" type="slidenum">
               <a:rPr b="0" lang="en" sz="800" spc="-1" strike="noStrike">
                 <a:solidFill>
                   <a:srgbClr val="3d3c3b"/>
@@ -5860,7 +5885,7 @@
         <p:spPr>
           <a:xfrm>
             <a:off x="7843320" y="4663080"/>
-            <a:ext cx="1009800" cy="306720"/>
+            <a:ext cx="1009440" cy="306360"/>
           </a:xfrm>
           <a:prstGeom prst="rect">
             <a:avLst/>
@@ -5885,7 +5910,7 @@
         <p:spPr>
           <a:xfrm>
             <a:off x="3378600" y="2347200"/>
-            <a:ext cx="5764320" cy="2795400"/>
+            <a:ext cx="5763960" cy="2795040"/>
           </a:xfrm>
           <a:prstGeom prst="rect">
             <a:avLst/>
@@ -5904,7 +5929,7 @@
         <p:spPr>
           <a:xfrm>
             <a:off x="0" y="4810320"/>
-            <a:ext cx="9142920" cy="213480"/>
+            <a:ext cx="9142560" cy="213480"/>
           </a:xfrm>
           <a:prstGeom prst="rect">
             <a:avLst/>
@@ -6718,7 +6743,7 @@
         <p:spPr>
           <a:xfrm>
             <a:off x="0" y="4867560"/>
-            <a:ext cx="307800" cy="275040"/>
+            <a:ext cx="307440" cy="274680"/>
           </a:xfrm>
           <a:prstGeom prst="rect">
             <a:avLst/>
@@ -6747,7 +6772,7 @@
                 <a:tab algn="l" pos="0"/>
               </a:tabLst>
             </a:pPr>
-            <a:fld id="{17B7221B-C8C9-4944-BE8E-B4AE39466F82}" type="slidenum">
+            <a:fld id="{EAF7AE07-2217-4664-BA78-F629784F395E}" type="slidenum">
               <a:rPr b="0" lang="en" sz="800" spc="-1" strike="noStrike">
                 <a:solidFill>
                   <a:srgbClr val="3d3c3b"/>
@@ -6779,7 +6804,7 @@
         <p:spPr>
           <a:xfrm>
             <a:off x="7843320" y="4663080"/>
-            <a:ext cx="1009800" cy="306720"/>
+            <a:ext cx="1009440" cy="306360"/>
           </a:xfrm>
           <a:prstGeom prst="rect">
             <a:avLst/>
@@ -6804,7 +6829,7 @@
         <p:spPr>
           <a:xfrm>
             <a:off x="3378600" y="2347200"/>
-            <a:ext cx="5764320" cy="2795400"/>
+            <a:ext cx="5763960" cy="2795040"/>
           </a:xfrm>
           <a:prstGeom prst="rect">
             <a:avLst/>
@@ -6823,7 +6848,7 @@
         <p:spPr>
           <a:xfrm>
             <a:off x="0" y="4810320"/>
-            <a:ext cx="9142920" cy="213480"/>
+            <a:ext cx="9142560" cy="213480"/>
           </a:xfrm>
           <a:prstGeom prst="rect">
             <a:avLst/>
@@ -7637,7 +7662,7 @@
         <p:spPr>
           <a:xfrm>
             <a:off x="0" y="4867560"/>
-            <a:ext cx="307800" cy="275040"/>
+            <a:ext cx="307440" cy="274680"/>
           </a:xfrm>
           <a:prstGeom prst="rect">
             <a:avLst/>
@@ -7666,7 +7691,7 @@
                 <a:tab algn="l" pos="0"/>
               </a:tabLst>
             </a:pPr>
-            <a:fld id="{0ACC2CC4-7B34-4D13-8856-34142ACB7336}" type="slidenum">
+            <a:fld id="{AA4238A5-6952-4E2D-A8EE-DAA912DCEE3D}" type="slidenum">
               <a:rPr b="0" lang="en" sz="800" spc="-1" strike="noStrike">
                 <a:solidFill>
                   <a:srgbClr val="3d3c3b"/>
@@ -7698,7 +7723,7 @@
         <p:spPr>
           <a:xfrm>
             <a:off x="7843320" y="4663080"/>
-            <a:ext cx="1009800" cy="306720"/>
+            <a:ext cx="1009440" cy="306360"/>
           </a:xfrm>
           <a:prstGeom prst="rect">
             <a:avLst/>
@@ -7723,7 +7748,7 @@
         <p:spPr>
           <a:xfrm>
             <a:off x="3378600" y="2347200"/>
-            <a:ext cx="5764320" cy="2795400"/>
+            <a:ext cx="5763960" cy="2795040"/>
           </a:xfrm>
           <a:prstGeom prst="rect">
             <a:avLst/>
@@ -7742,7 +7767,7 @@
         <p:spPr>
           <a:xfrm>
             <a:off x="0" y="4810320"/>
-            <a:ext cx="9142920" cy="213480"/>
+            <a:ext cx="9142560" cy="213480"/>
           </a:xfrm>
           <a:prstGeom prst="rect">
             <a:avLst/>
@@ -8556,7 +8581,7 @@
         <p:spPr>
           <a:xfrm>
             <a:off x="0" y="4867560"/>
-            <a:ext cx="307800" cy="275040"/>
+            <a:ext cx="307440" cy="274680"/>
           </a:xfrm>
           <a:prstGeom prst="rect">
             <a:avLst/>
@@ -8585,7 +8610,7 @@
                 <a:tab algn="l" pos="0"/>
               </a:tabLst>
             </a:pPr>
-            <a:fld id="{BF92DDF8-D5A2-43AE-B865-5789F25E1919}" type="slidenum">
+            <a:fld id="{6E851D5C-4211-4B1A-A931-6975C60F487D}" type="slidenum">
               <a:rPr b="0" lang="en" sz="800" spc="-1" strike="noStrike">
                 <a:solidFill>
                   <a:srgbClr val="3d3c3b"/>
@@ -8617,7 +8642,7 @@
         <p:spPr>
           <a:xfrm>
             <a:off x="7843320" y="4663080"/>
-            <a:ext cx="1009800" cy="306720"/>
+            <a:ext cx="1009440" cy="306360"/>
           </a:xfrm>
           <a:prstGeom prst="rect">
             <a:avLst/>
@@ -8642,7 +8667,7 @@
         <p:spPr>
           <a:xfrm>
             <a:off x="3378600" y="2347200"/>
-            <a:ext cx="5764320" cy="2795400"/>
+            <a:ext cx="5763960" cy="2795040"/>
           </a:xfrm>
           <a:prstGeom prst="rect">
             <a:avLst/>
@@ -8661,7 +8686,7 @@
         <p:spPr>
           <a:xfrm>
             <a:off x="0" y="4810320"/>
-            <a:ext cx="9142920" cy="213480"/>
+            <a:ext cx="9142560" cy="213480"/>
           </a:xfrm>
           <a:prstGeom prst="rect">
             <a:avLst/>
@@ -9250,7 +9275,7 @@
         <p:spPr>
           <a:xfrm>
             <a:off x="0" y="4867560"/>
-            <a:ext cx="307800" cy="275040"/>
+            <a:ext cx="307440" cy="274680"/>
           </a:xfrm>
           <a:prstGeom prst="rect">
             <a:avLst/>
@@ -9279,7 +9304,7 @@
                 <a:tab algn="l" pos="0"/>
               </a:tabLst>
             </a:pPr>
-            <a:fld id="{A4578CDB-FFCB-4647-A419-21AE043DC32A}" type="slidenum">
+            <a:fld id="{806D086B-BF31-4376-A37A-1496C9D79645}" type="slidenum">
               <a:rPr b="0" lang="en" sz="800" spc="-1" strike="noStrike">
                 <a:solidFill>
                   <a:srgbClr val="3d3c3b"/>
@@ -9311,7 +9336,7 @@
         <p:spPr>
           <a:xfrm>
             <a:off x="7843320" y="4663080"/>
-            <a:ext cx="1009800" cy="306720"/>
+            <a:ext cx="1009440" cy="306360"/>
           </a:xfrm>
           <a:prstGeom prst="rect">
             <a:avLst/>
@@ -9336,7 +9361,7 @@
         <p:spPr>
           <a:xfrm>
             <a:off x="3378600" y="2347200"/>
-            <a:ext cx="5764320" cy="2795400"/>
+            <a:ext cx="5763960" cy="2795040"/>
           </a:xfrm>
           <a:prstGeom prst="rect">
             <a:avLst/>
@@ -9355,7 +9380,7 @@
         <p:spPr>
           <a:xfrm>
             <a:off x="0" y="4810320"/>
-            <a:ext cx="9142920" cy="213480"/>
+            <a:ext cx="9142560" cy="213480"/>
           </a:xfrm>
           <a:prstGeom prst="rect">
             <a:avLst/>
@@ -10394,7 +10419,7 @@
         <p:spPr>
           <a:xfrm>
             <a:off x="0" y="4867560"/>
-            <a:ext cx="307800" cy="275040"/>
+            <a:ext cx="307440" cy="274680"/>
           </a:xfrm>
           <a:prstGeom prst="rect">
             <a:avLst/>
@@ -10423,7 +10448,7 @@
                 <a:tab algn="l" pos="0"/>
               </a:tabLst>
             </a:pPr>
-            <a:fld id="{101072FE-C699-4C64-AA59-A786546B5B74}" type="slidenum">
+            <a:fld id="{47DDF05F-C969-4F3F-8396-499C16A37698}" type="slidenum">
               <a:rPr b="0" lang="en" sz="800" spc="-1" strike="noStrike">
                 <a:solidFill>
                   <a:srgbClr val="3d3c3b"/>
@@ -10455,7 +10480,7 @@
         <p:spPr>
           <a:xfrm>
             <a:off x="7843320" y="4663080"/>
-            <a:ext cx="1009800" cy="306720"/>
+            <a:ext cx="1009440" cy="306360"/>
           </a:xfrm>
           <a:prstGeom prst="rect">
             <a:avLst/>
@@ -10480,7 +10505,7 @@
         <p:spPr>
           <a:xfrm>
             <a:off x="3378600" y="2347200"/>
-            <a:ext cx="5764320" cy="2795400"/>
+            <a:ext cx="5763960" cy="2795040"/>
           </a:xfrm>
           <a:prstGeom prst="rect">
             <a:avLst/>
@@ -10499,7 +10524,7 @@
         <p:spPr>
           <a:xfrm>
             <a:off x="0" y="4810320"/>
-            <a:ext cx="9142920" cy="213480"/>
+            <a:ext cx="9142560" cy="213480"/>
           </a:xfrm>
           <a:prstGeom prst="rect">
             <a:avLst/>
@@ -10589,7 +10614,7 @@
         <p:spPr>
           <a:xfrm>
             <a:off x="0" y="4867560"/>
-            <a:ext cx="307800" cy="275040"/>
+            <a:ext cx="307440" cy="274680"/>
           </a:xfrm>
           <a:prstGeom prst="rect">
             <a:avLst/>
@@ -10618,7 +10643,7 @@
                 <a:tab algn="l" pos="0"/>
               </a:tabLst>
             </a:pPr>
-            <a:fld id="{701A6853-47A3-4CBB-A538-F852F47CF53A}" type="slidenum">
+            <a:fld id="{222C8DD9-ACDB-4E4A-A212-832465BF473E}" type="slidenum">
               <a:rPr b="0" lang="en" sz="800" spc="-1" strike="noStrike">
                 <a:solidFill>
                   <a:srgbClr val="3d3c3b"/>
@@ -10650,7 +10675,7 @@
         <p:spPr>
           <a:xfrm>
             <a:off x="7843320" y="4663080"/>
-            <a:ext cx="1009800" cy="306720"/>
+            <a:ext cx="1009440" cy="306360"/>
           </a:xfrm>
           <a:prstGeom prst="rect">
             <a:avLst/>
@@ -10675,7 +10700,7 @@
         <p:spPr>
           <a:xfrm>
             <a:off x="3378600" y="2347200"/>
-            <a:ext cx="5764320" cy="2795400"/>
+            <a:ext cx="5763960" cy="2795040"/>
           </a:xfrm>
           <a:prstGeom prst="rect">
             <a:avLst/>
@@ -10694,7 +10719,7 @@
         <p:spPr>
           <a:xfrm>
             <a:off x="0" y="4810320"/>
-            <a:ext cx="9142920" cy="213480"/>
+            <a:ext cx="9142560" cy="213480"/>
           </a:xfrm>
           <a:prstGeom prst="rect">
             <a:avLst/>
@@ -11561,7 +11586,7 @@
         <p:spPr>
           <a:xfrm>
             <a:off x="8472600" y="4663080"/>
-            <a:ext cx="547560" cy="392400"/>
+            <a:ext cx="547200" cy="392040"/>
           </a:xfrm>
           <a:prstGeom prst="rect">
             <a:avLst/>
@@ -11603,7 +11628,7 @@
                 <a:tab algn="l" pos="0"/>
               </a:tabLst>
             </a:pPr>
-            <a:fld id="{8F4530E2-3048-45F1-A327-6AB85FEBCEDF}" type="slidenum">
+            <a:fld id="{92C417C9-F6EC-4E6A-AECE-8FF369E96DD9}" type="slidenum">
               <a:rPr b="0" lang="en" sz="1000" spc="-1" strike="noStrike">
                 <a:solidFill>
                   <a:srgbClr val="595959"/>
@@ -11664,7 +11689,7 @@
         <p:spPr>
           <a:xfrm>
             <a:off x="0" y="4867560"/>
-            <a:ext cx="307800" cy="275040"/>
+            <a:ext cx="307440" cy="274680"/>
           </a:xfrm>
           <a:prstGeom prst="rect">
             <a:avLst/>
@@ -11693,7 +11718,7 @@
                 <a:tab algn="l" pos="0"/>
               </a:tabLst>
             </a:pPr>
-            <a:fld id="{D600EF2A-2240-4F31-8000-D8F559C60005}" type="slidenum">
+            <a:fld id="{9BC57EF7-7EFC-471C-A94D-93E0F5191895}" type="slidenum">
               <a:rPr b="0" lang="en" sz="800" spc="-1" strike="noStrike">
                 <a:solidFill>
                   <a:srgbClr val="3d3c3b"/>
@@ -11725,7 +11750,7 @@
         <p:spPr>
           <a:xfrm>
             <a:off x="7843320" y="4663080"/>
-            <a:ext cx="1009800" cy="306720"/>
+            <a:ext cx="1009440" cy="306360"/>
           </a:xfrm>
           <a:prstGeom prst="rect">
             <a:avLst/>
@@ -11750,7 +11775,7 @@
         <p:spPr>
           <a:xfrm>
             <a:off x="3378600" y="2347200"/>
-            <a:ext cx="5764320" cy="2795400"/>
+            <a:ext cx="5763960" cy="2795040"/>
           </a:xfrm>
           <a:prstGeom prst="rect">
             <a:avLst/>
@@ -11769,7 +11794,7 @@
         <p:spPr>
           <a:xfrm>
             <a:off x="0" y="4810320"/>
-            <a:ext cx="9142920" cy="213480"/>
+            <a:ext cx="9142560" cy="213480"/>
           </a:xfrm>
           <a:prstGeom prst="rect">
             <a:avLst/>
@@ -12133,7 +12158,7 @@
         <p:spPr>
           <a:xfrm>
             <a:off x="0" y="4867560"/>
-            <a:ext cx="307800" cy="275040"/>
+            <a:ext cx="307440" cy="274680"/>
           </a:xfrm>
           <a:prstGeom prst="rect">
             <a:avLst/>
@@ -12162,7 +12187,7 @@
                 <a:tab algn="l" pos="0"/>
               </a:tabLst>
             </a:pPr>
-            <a:fld id="{BF39FF79-D4C7-4AEF-933B-EBB50D421BAE}" type="slidenum">
+            <a:fld id="{D05B1125-3137-4389-89AE-1F542B65A188}" type="slidenum">
               <a:rPr b="0" lang="en" sz="800" spc="-1" strike="noStrike">
                 <a:solidFill>
                   <a:srgbClr val="3d3c3b"/>
@@ -12194,7 +12219,7 @@
         <p:spPr>
           <a:xfrm>
             <a:off x="7843320" y="4663080"/>
-            <a:ext cx="1009800" cy="306720"/>
+            <a:ext cx="1009440" cy="306360"/>
           </a:xfrm>
           <a:prstGeom prst="rect">
             <a:avLst/>
@@ -12219,7 +12244,7 @@
         <p:spPr>
           <a:xfrm>
             <a:off x="3378600" y="2347200"/>
-            <a:ext cx="5764320" cy="2795400"/>
+            <a:ext cx="5763960" cy="2795040"/>
           </a:xfrm>
           <a:prstGeom prst="rect">
             <a:avLst/>
@@ -12238,7 +12263,7 @@
         <p:spPr>
           <a:xfrm>
             <a:off x="0" y="4810320"/>
-            <a:ext cx="9142920" cy="213480"/>
+            <a:ext cx="9142560" cy="213480"/>
           </a:xfrm>
           <a:prstGeom prst="rect">
             <a:avLst/>
@@ -12602,7 +12627,7 @@
         <p:spPr>
           <a:xfrm>
             <a:off x="0" y="4867560"/>
-            <a:ext cx="307800" cy="275040"/>
+            <a:ext cx="307440" cy="274680"/>
           </a:xfrm>
           <a:prstGeom prst="rect">
             <a:avLst/>
@@ -12631,7 +12656,7 @@
                 <a:tab algn="l" pos="0"/>
               </a:tabLst>
             </a:pPr>
-            <a:fld id="{B7311ED5-679A-4B5E-BF33-D496209F9A49}" type="slidenum">
+            <a:fld id="{DC847E04-795F-48DC-A2F6-08714D6C05DC}" type="slidenum">
               <a:rPr b="0" lang="en" sz="800" spc="-1" strike="noStrike">
                 <a:solidFill>
                   <a:srgbClr val="3d3c3b"/>
@@ -12663,7 +12688,7 @@
         <p:spPr>
           <a:xfrm>
             <a:off x="7843320" y="4663080"/>
-            <a:ext cx="1009800" cy="306720"/>
+            <a:ext cx="1009440" cy="306360"/>
           </a:xfrm>
           <a:prstGeom prst="rect">
             <a:avLst/>
@@ -12688,7 +12713,7 @@
         <p:spPr>
           <a:xfrm>
             <a:off x="3378600" y="2347200"/>
-            <a:ext cx="5764320" cy="2795400"/>
+            <a:ext cx="5763960" cy="2795040"/>
           </a:xfrm>
           <a:prstGeom prst="rect">
             <a:avLst/>
@@ -12707,7 +12732,7 @@
         <p:spPr>
           <a:xfrm>
             <a:off x="0" y="4810320"/>
-            <a:ext cx="9142920" cy="213480"/>
+            <a:ext cx="9142560" cy="213480"/>
           </a:xfrm>
           <a:prstGeom prst="rect">
             <a:avLst/>
@@ -13296,7 +13321,7 @@
         <p:spPr>
           <a:xfrm>
             <a:off x="0" y="4867560"/>
-            <a:ext cx="307800" cy="275040"/>
+            <a:ext cx="307440" cy="274680"/>
           </a:xfrm>
           <a:prstGeom prst="rect">
             <a:avLst/>
@@ -13325,7 +13350,7 @@
                 <a:tab algn="l" pos="0"/>
               </a:tabLst>
             </a:pPr>
-            <a:fld id="{7EC4FB45-7BCA-41F9-9DB4-4CC35FA4126E}" type="slidenum">
+            <a:fld id="{6B2A375B-53AA-4B34-8688-39A889A112FA}" type="slidenum">
               <a:rPr b="0" lang="en" sz="800" spc="-1" strike="noStrike">
                 <a:solidFill>
                   <a:srgbClr val="3d3c3b"/>
@@ -13357,7 +13382,7 @@
         <p:spPr>
           <a:xfrm>
             <a:off x="7843320" y="4663080"/>
-            <a:ext cx="1009800" cy="306720"/>
+            <a:ext cx="1009440" cy="306360"/>
           </a:xfrm>
           <a:prstGeom prst="rect">
             <a:avLst/>
@@ -13382,7 +13407,7 @@
         <p:spPr>
           <a:xfrm>
             <a:off x="3378600" y="2347200"/>
-            <a:ext cx="5764320" cy="2795400"/>
+            <a:ext cx="5763960" cy="2795040"/>
           </a:xfrm>
           <a:prstGeom prst="rect">
             <a:avLst/>
@@ -13401,7 +13426,7 @@
         <p:spPr>
           <a:xfrm>
             <a:off x="0" y="4810320"/>
-            <a:ext cx="9142920" cy="213480"/>
+            <a:ext cx="9142560" cy="213480"/>
           </a:xfrm>
           <a:prstGeom prst="rect">
             <a:avLst/>
@@ -13540,7 +13565,7 @@
         <p:spPr>
           <a:xfrm>
             <a:off x="0" y="4867560"/>
-            <a:ext cx="307800" cy="275040"/>
+            <a:ext cx="307440" cy="274680"/>
           </a:xfrm>
           <a:prstGeom prst="rect">
             <a:avLst/>
@@ -13569,7 +13594,7 @@
                 <a:tab algn="l" pos="0"/>
               </a:tabLst>
             </a:pPr>
-            <a:fld id="{2AC19A25-6A43-4076-B204-5B306BFCBC69}" type="slidenum">
+            <a:fld id="{BC7CC580-6B40-483F-9DB9-EB0AD53665AD}" type="slidenum">
               <a:rPr b="0" lang="en" sz="800" spc="-1" strike="noStrike">
                 <a:solidFill>
                   <a:srgbClr val="3d3c3b"/>
@@ -13601,7 +13626,7 @@
         <p:spPr>
           <a:xfrm>
             <a:off x="7843320" y="4663080"/>
-            <a:ext cx="1009800" cy="306720"/>
+            <a:ext cx="1009440" cy="306360"/>
           </a:xfrm>
           <a:prstGeom prst="rect">
             <a:avLst/>
@@ -13626,7 +13651,7 @@
         <p:spPr>
           <a:xfrm>
             <a:off x="3378600" y="2347200"/>
-            <a:ext cx="5764320" cy="2795400"/>
+            <a:ext cx="5763960" cy="2795040"/>
           </a:xfrm>
           <a:prstGeom prst="rect">
             <a:avLst/>
@@ -13645,7 +13670,7 @@
         <p:spPr>
           <a:xfrm>
             <a:off x="0" y="4810320"/>
-            <a:ext cx="9142920" cy="213480"/>
+            <a:ext cx="9142560" cy="213480"/>
           </a:xfrm>
           <a:prstGeom prst="rect">
             <a:avLst/>
@@ -13698,6 +13723,475 @@
   <p:clrMap bg1="lt1" bg2="lt2" tx1="dk1" tx2="dk2" accent1="accent1" accent2="accent2" accent3="accent3" accent4="accent4" accent5="accent5" accent6="accent6" hlink="hlink" folHlink="folHlink"/>
   <p:sldLayoutIdLst>
     <p:sldLayoutId id="2147483695" r:id="rId4"/>
+  </p:sldLayoutIdLst>
+</p:sldMaster>
+</file>
+
+<file path=ppt/slideMasters/slideMaster25.xml><?xml version="1.0" encoding="utf-8"?>
+<p:sldMaster xmlns:a="http://schemas.openxmlformats.org/drawingml/2006/main" xmlns:p="http://schemas.openxmlformats.org/presentationml/2006/main" xmlns:r="http://schemas.openxmlformats.org/officeDocument/2006/relationships" xmlns:p14="http://schemas.microsoft.com/office/powerpoint/2010/main" xmlns:p15="http://schemas.microsoft.com/office/powerpoint/2012/main" xmlns:mc="http://schemas.openxmlformats.org/markup-compatibility/2006">
+  <p:cSld>
+    <p:bg>
+      <p:bgPr>
+        <a:solidFill>
+          <a:srgbClr val="ffffff"/>
+        </a:solidFill>
+      </p:bgPr>
+    </p:bg>
+    <p:spTree>
+      <p:nvGrpSpPr>
+        <p:cNvPr id="1" name=""/>
+        <p:cNvGrpSpPr/>
+        <p:nvPr/>
+      </p:nvGrpSpPr>
+      <p:grpSpPr>
+        <a:xfrm>
+          <a:off x="0" y="0"/>
+          <a:ext cx="0" cy="0"/>
+          <a:chOff x="0" y="0"/>
+          <a:chExt cx="0" cy="0"/>
+        </a:xfrm>
+      </p:grpSpPr>
+      <p:sp>
+        <p:nvSpPr>
+          <p:cNvPr id="176" name="Google Shape;63;p16"/>
+          <p:cNvSpPr/>
+          <p:nvPr/>
+        </p:nvSpPr>
+        <p:spPr>
+          <a:xfrm>
+            <a:off x="0" y="4867560"/>
+            <a:ext cx="307440" cy="274680"/>
+          </a:xfrm>
+          <a:prstGeom prst="rect">
+            <a:avLst/>
+          </a:prstGeom>
+          <a:noFill/>
+          <a:ln w="0">
+            <a:noFill/>
+          </a:ln>
+        </p:spPr>
+        <p:style>
+          <a:lnRef idx="0"/>
+          <a:fillRef idx="0"/>
+          <a:effectRef idx="0"/>
+          <a:fontRef idx="minor"/>
+        </p:style>
+        <p:txBody>
+          <a:bodyPr lIns="90000" rIns="90000" tIns="137520" bIns="137520" anchor="ctr">
+            <a:noAutofit/>
+          </a:bodyPr>
+          <a:p>
+            <a:pPr algn="ctr">
+              <a:lnSpc>
+                <a:spcPct val="100000"/>
+              </a:lnSpc>
+              <a:tabLst>
+                <a:tab algn="l" pos="0"/>
+              </a:tabLst>
+            </a:pPr>
+            <a:fld id="{78D0AB59-18A4-4401-A95E-901836D5CC53}" type="slidenum">
+              <a:rPr b="0" lang="en" sz="800" spc="-1" strike="noStrike">
+                <a:solidFill>
+                  <a:srgbClr val="3d3c3b"/>
+                </a:solidFill>
+                <a:latin typeface="Helvetica Neue Light"/>
+                <a:ea typeface="Helvetica Neue Light"/>
+              </a:rPr>
+              <a:t>&lt;number&gt;</a:t>
+            </a:fld>
+            <a:endParaRPr b="0" lang="pt-PT" sz="800" spc="-1" strike="noStrike">
+              <a:solidFill>
+                <a:srgbClr val="000000"/>
+              </a:solidFill>
+              <a:latin typeface="Arial"/>
+            </a:endParaRPr>
+          </a:p>
+        </p:txBody>
+      </p:sp>
+      <p:pic>
+        <p:nvPicPr>
+          <p:cNvPr id="177" name="Google Shape;64;p16" descr=""/>
+          <p:cNvPicPr/>
+          <p:nvPr/>
+        </p:nvPicPr>
+        <p:blipFill>
+          <a:blip r:embed="rId2"/>
+          <a:stretch/>
+        </p:blipFill>
+        <p:spPr>
+          <a:xfrm>
+            <a:off x="7843320" y="4663080"/>
+            <a:ext cx="1009440" cy="306360"/>
+          </a:xfrm>
+          <a:prstGeom prst="rect">
+            <a:avLst/>
+          </a:prstGeom>
+          <a:ln w="0">
+            <a:noFill/>
+          </a:ln>
+        </p:spPr>
+      </p:pic>
+      <p:pic>
+        <p:nvPicPr>
+          <p:cNvPr id="178" name="Google Shape;65;p16" descr=""/>
+          <p:cNvPicPr/>
+          <p:nvPr/>
+        </p:nvPicPr>
+        <p:blipFill>
+          <a:blip r:embed="rId3">
+            <a:alphaModFix amt="6000"/>
+          </a:blip>
+          <a:stretch/>
+        </p:blipFill>
+        <p:spPr>
+          <a:xfrm>
+            <a:off x="3378600" y="2347200"/>
+            <a:ext cx="5763960" cy="2795040"/>
+          </a:xfrm>
+          <a:prstGeom prst="rect">
+            <a:avLst/>
+          </a:prstGeom>
+          <a:ln w="0">
+            <a:noFill/>
+          </a:ln>
+        </p:spPr>
+      </p:pic>
+      <p:sp>
+        <p:nvSpPr>
+          <p:cNvPr id="179" name="Google Shape;67;p16"/>
+          <p:cNvSpPr/>
+          <p:nvPr/>
+        </p:nvSpPr>
+        <p:spPr>
+          <a:xfrm>
+            <a:off x="0" y="4810320"/>
+            <a:ext cx="9142560" cy="213480"/>
+          </a:xfrm>
+          <a:prstGeom prst="rect">
+            <a:avLst/>
+          </a:prstGeom>
+          <a:noFill/>
+          <a:ln w="0">
+            <a:noFill/>
+          </a:ln>
+        </p:spPr>
+        <p:style>
+          <a:lnRef idx="0"/>
+          <a:fillRef idx="0"/>
+          <a:effectRef idx="0"/>
+          <a:fontRef idx="minor"/>
+        </p:style>
+        <p:txBody>
+          <a:bodyPr lIns="90000" rIns="90000" tIns="53640" bIns="53640" anchor="t">
+            <a:spAutoFit/>
+          </a:bodyPr>
+          <a:p>
+            <a:pPr algn="ctr">
+              <a:lnSpc>
+                <a:spcPct val="100000"/>
+              </a:lnSpc>
+              <a:tabLst>
+                <a:tab algn="l" pos="0"/>
+              </a:tabLst>
+            </a:pPr>
+            <a:r>
+              <a:rPr b="0" lang="en" sz="700" spc="-1" strike="noStrike">
+                <a:solidFill>
+                  <a:srgbClr val="999999"/>
+                </a:solidFill>
+                <a:latin typeface="Roboto"/>
+                <a:ea typeface="Roboto"/>
+              </a:rPr>
+              <a:t>COPYRIGHT (C) 2025, ECLIPSE FOUNDATION</a:t>
+            </a:r>
+            <a:endParaRPr b="0" lang="pt-PT" sz="700" spc="-1" strike="noStrike">
+              <a:solidFill>
+                <a:srgbClr val="000000"/>
+              </a:solidFill>
+              <a:latin typeface="Arial"/>
+            </a:endParaRPr>
+          </a:p>
+        </p:txBody>
+      </p:sp>
+      <p:sp>
+        <p:nvSpPr>
+          <p:cNvPr id="180" name="PlaceHolder 1"/>
+          <p:cNvSpPr>
+            <a:spLocks noGrp="1"/>
+          </p:cNvSpPr>
+          <p:nvPr>
+            <p:ph type="title"/>
+          </p:nvPr>
+        </p:nvSpPr>
+        <p:spPr>
+          <a:xfrm>
+            <a:off x="457200" y="205200"/>
+            <a:ext cx="8229240" cy="858600"/>
+          </a:xfrm>
+          <a:prstGeom prst="rect">
+            <a:avLst/>
+          </a:prstGeom>
+          <a:noFill/>
+          <a:ln w="0">
+            <a:noFill/>
+          </a:ln>
+        </p:spPr>
+        <p:txBody>
+          <a:bodyPr lIns="0" rIns="0" tIns="0" bIns="0" anchor="ctr">
+            <a:noAutofit/>
+          </a:bodyPr>
+          <a:p>
+            <a:pPr indent="0" algn="ctr">
+              <a:buNone/>
+            </a:pPr>
+            <a:r>
+              <a:rPr b="0" lang="pt-PT" sz="4400" spc="-1" strike="noStrike">
+                <a:solidFill>
+                  <a:srgbClr val="000000"/>
+                </a:solidFill>
+                <a:latin typeface="Arial"/>
+              </a:rPr>
+              <a:t>Click to edit the title text format</a:t>
+            </a:r>
+            <a:endParaRPr b="0" lang="pt-PT" sz="4400" spc="-1" strike="noStrike">
+              <a:solidFill>
+                <a:srgbClr val="000000"/>
+              </a:solidFill>
+              <a:latin typeface="Arial"/>
+            </a:endParaRPr>
+          </a:p>
+        </p:txBody>
+      </p:sp>
+      <p:sp>
+        <p:nvSpPr>
+          <p:cNvPr id="181" name="PlaceHolder 2"/>
+          <p:cNvSpPr>
+            <a:spLocks noGrp="1"/>
+          </p:cNvSpPr>
+          <p:nvPr>
+            <p:ph type="body"/>
+          </p:nvPr>
+        </p:nvSpPr>
+        <p:spPr>
+          <a:xfrm>
+            <a:off x="457200" y="1203480"/>
+            <a:ext cx="8229240" cy="2982960"/>
+          </a:xfrm>
+          <a:prstGeom prst="rect">
+            <a:avLst/>
+          </a:prstGeom>
+          <a:noFill/>
+          <a:ln w="0">
+            <a:noFill/>
+          </a:ln>
+        </p:spPr>
+        <p:txBody>
+          <a:bodyPr lIns="0" rIns="0" tIns="0" bIns="0" anchor="t">
+            <a:normAutofit/>
+          </a:bodyPr>
+          <a:p>
+            <a:pPr marL="432000" indent="-324000">
+              <a:spcBef>
+                <a:spcPts val="1417"/>
+              </a:spcBef>
+              <a:buClr>
+                <a:srgbClr val="000000"/>
+              </a:buClr>
+              <a:buSzPct val="45000"/>
+              <a:buFont typeface="Wingdings" charset="2"/>
+              <a:buChar char=""/>
+            </a:pPr>
+            <a:r>
+              <a:rPr b="0" lang="pt-PT" sz="3200" spc="-1" strike="noStrike">
+                <a:solidFill>
+                  <a:srgbClr val="000000"/>
+                </a:solidFill>
+                <a:latin typeface="Arial"/>
+              </a:rPr>
+              <a:t>Click to edit the outline text format</a:t>
+            </a:r>
+            <a:endParaRPr b="0" lang="pt-PT" sz="3200" spc="-1" strike="noStrike">
+              <a:solidFill>
+                <a:srgbClr val="000000"/>
+              </a:solidFill>
+              <a:latin typeface="Arial"/>
+            </a:endParaRPr>
+          </a:p>
+          <a:p>
+            <a:pPr lvl="1" marL="864000" indent="-324000">
+              <a:spcBef>
+                <a:spcPts val="1134"/>
+              </a:spcBef>
+              <a:buClr>
+                <a:srgbClr val="000000"/>
+              </a:buClr>
+              <a:buSzPct val="75000"/>
+              <a:buFont typeface="Symbol" charset="2"/>
+              <a:buChar char=""/>
+            </a:pPr>
+            <a:r>
+              <a:rPr b="0" lang="pt-PT" sz="2800" spc="-1" strike="noStrike">
+                <a:solidFill>
+                  <a:srgbClr val="000000"/>
+                </a:solidFill>
+                <a:latin typeface="Arial"/>
+              </a:rPr>
+              <a:t>Second Outline Level</a:t>
+            </a:r>
+            <a:endParaRPr b="0" lang="pt-PT" sz="2800" spc="-1" strike="noStrike">
+              <a:solidFill>
+                <a:srgbClr val="000000"/>
+              </a:solidFill>
+              <a:latin typeface="Arial"/>
+            </a:endParaRPr>
+          </a:p>
+          <a:p>
+            <a:pPr lvl="2" marL="1296000" indent="-288000">
+              <a:spcBef>
+                <a:spcPts val="850"/>
+              </a:spcBef>
+              <a:buClr>
+                <a:srgbClr val="000000"/>
+              </a:buClr>
+              <a:buSzPct val="45000"/>
+              <a:buFont typeface="Wingdings" charset="2"/>
+              <a:buChar char=""/>
+            </a:pPr>
+            <a:r>
+              <a:rPr b="0" lang="pt-PT" sz="2400" spc="-1" strike="noStrike">
+                <a:solidFill>
+                  <a:srgbClr val="000000"/>
+                </a:solidFill>
+                <a:latin typeface="Arial"/>
+              </a:rPr>
+              <a:t>Third Outline Level</a:t>
+            </a:r>
+            <a:endParaRPr b="0" lang="pt-PT" sz="2400" spc="-1" strike="noStrike">
+              <a:solidFill>
+                <a:srgbClr val="000000"/>
+              </a:solidFill>
+              <a:latin typeface="Arial"/>
+            </a:endParaRPr>
+          </a:p>
+          <a:p>
+            <a:pPr lvl="3" marL="1728000" indent="-216000">
+              <a:spcBef>
+                <a:spcPts val="567"/>
+              </a:spcBef>
+              <a:buClr>
+                <a:srgbClr val="000000"/>
+              </a:buClr>
+              <a:buSzPct val="75000"/>
+              <a:buFont typeface="Symbol" charset="2"/>
+              <a:buChar char=""/>
+            </a:pPr>
+            <a:r>
+              <a:rPr b="0" lang="pt-PT" sz="2000" spc="-1" strike="noStrike">
+                <a:solidFill>
+                  <a:srgbClr val="000000"/>
+                </a:solidFill>
+                <a:latin typeface="Arial"/>
+              </a:rPr>
+              <a:t>Fourth Outline Level</a:t>
+            </a:r>
+            <a:endParaRPr b="0" lang="pt-PT" sz="2000" spc="-1" strike="noStrike">
+              <a:solidFill>
+                <a:srgbClr val="000000"/>
+              </a:solidFill>
+              <a:latin typeface="Arial"/>
+            </a:endParaRPr>
+          </a:p>
+          <a:p>
+            <a:pPr lvl="4" marL="2160000" indent="-216000">
+              <a:spcBef>
+                <a:spcPts val="283"/>
+              </a:spcBef>
+              <a:buClr>
+                <a:srgbClr val="000000"/>
+              </a:buClr>
+              <a:buSzPct val="45000"/>
+              <a:buFont typeface="Wingdings" charset="2"/>
+              <a:buChar char=""/>
+            </a:pPr>
+            <a:r>
+              <a:rPr b="0" lang="pt-PT" sz="2000" spc="-1" strike="noStrike">
+                <a:solidFill>
+                  <a:srgbClr val="000000"/>
+                </a:solidFill>
+                <a:latin typeface="Arial"/>
+              </a:rPr>
+              <a:t>Fifth Outline Level</a:t>
+            </a:r>
+            <a:endParaRPr b="0" lang="pt-PT" sz="2000" spc="-1" strike="noStrike">
+              <a:solidFill>
+                <a:srgbClr val="000000"/>
+              </a:solidFill>
+              <a:latin typeface="Arial"/>
+            </a:endParaRPr>
+          </a:p>
+          <a:p>
+            <a:pPr lvl="5" marL="2592000" indent="-216000">
+              <a:spcBef>
+                <a:spcPts val="283"/>
+              </a:spcBef>
+              <a:buClr>
+                <a:srgbClr val="000000"/>
+              </a:buClr>
+              <a:buSzPct val="45000"/>
+              <a:buFont typeface="Wingdings" charset="2"/>
+              <a:buChar char=""/>
+            </a:pPr>
+            <a:r>
+              <a:rPr b="0" lang="pt-PT" sz="2000" spc="-1" strike="noStrike">
+                <a:solidFill>
+                  <a:srgbClr val="000000"/>
+                </a:solidFill>
+                <a:latin typeface="Arial"/>
+              </a:rPr>
+              <a:t>Sixth Outline Level</a:t>
+            </a:r>
+            <a:endParaRPr b="0" lang="pt-PT" sz="2000" spc="-1" strike="noStrike">
+              <a:solidFill>
+                <a:srgbClr val="000000"/>
+              </a:solidFill>
+              <a:latin typeface="Arial"/>
+            </a:endParaRPr>
+          </a:p>
+          <a:p>
+            <a:pPr lvl="6" marL="3024000" indent="-216000">
+              <a:spcBef>
+                <a:spcPts val="283"/>
+              </a:spcBef>
+              <a:buClr>
+                <a:srgbClr val="000000"/>
+              </a:buClr>
+              <a:buSzPct val="45000"/>
+              <a:buFont typeface="Wingdings" charset="2"/>
+              <a:buChar char=""/>
+            </a:pPr>
+            <a:r>
+              <a:rPr b="0" lang="pt-PT" sz="2000" spc="-1" strike="noStrike">
+                <a:solidFill>
+                  <a:srgbClr val="000000"/>
+                </a:solidFill>
+                <a:latin typeface="Arial"/>
+              </a:rPr>
+              <a:t>Seventh Outline Level</a:t>
+            </a:r>
+            <a:endParaRPr b="0" lang="pt-PT" sz="2000" spc="-1" strike="noStrike">
+              <a:solidFill>
+                <a:srgbClr val="000000"/>
+              </a:solidFill>
+              <a:latin typeface="Arial"/>
+            </a:endParaRPr>
+          </a:p>
+        </p:txBody>
+      </p:sp>
+    </p:spTree>
+  </p:cSld>
+  <p:clrMap bg1="lt1" bg2="lt2" tx1="dk1" tx2="dk2" accent1="accent1" accent2="accent2" accent3="accent3" accent4="accent4" accent5="accent5" accent6="accent6" hlink="hlink" folHlink="folHlink"/>
+  <p:sldLayoutIdLst>
+    <p:sldLayoutId id="2147483697" r:id="rId4"/>
   </p:sldLayoutIdLst>
 </p:sldMaster>
 </file>
@@ -14688,7 +15182,7 @@
         <p:spPr>
           <a:xfrm>
             <a:off x="8472600" y="4663080"/>
-            <a:ext cx="547560" cy="392400"/>
+            <a:ext cx="547200" cy="392040"/>
           </a:xfrm>
           <a:prstGeom prst="rect">
             <a:avLst/>
@@ -14730,7 +15224,7 @@
                 <a:tab algn="l" pos="0"/>
               </a:tabLst>
             </a:pPr>
-            <a:fld id="{C7940313-D7A6-4192-841C-D7A5848F53FE}" type="slidenum">
+            <a:fld id="{7B58BE52-A4D8-4981-9E3D-3339E40BA686}" type="slidenum">
               <a:rPr b="0" lang="en" sz="1000" spc="-1" strike="noStrike">
                 <a:solidFill>
                   <a:srgbClr val="595959"/>
@@ -14795,7 +15289,7 @@
         <p:spPr>
           <a:xfrm>
             <a:off x="8472600" y="4663080"/>
-            <a:ext cx="547560" cy="392400"/>
+            <a:ext cx="547200" cy="392040"/>
           </a:xfrm>
           <a:prstGeom prst="rect">
             <a:avLst/>
@@ -14837,7 +15331,7 @@
                 <a:tab algn="l" pos="0"/>
               </a:tabLst>
             </a:pPr>
-            <a:fld id="{18E2F44E-2E62-4BA0-81E8-C9F0651207FE}" type="slidenum">
+            <a:fld id="{E57B4924-04AE-48A6-8D70-C3073236C1FD}" type="slidenum">
               <a:rPr b="0" lang="en" sz="1000" spc="-1" strike="noStrike">
                 <a:solidFill>
                   <a:srgbClr val="595959"/>
@@ -14902,7 +15396,7 @@
         <p:spPr>
           <a:xfrm>
             <a:off x="8472600" y="4663080"/>
-            <a:ext cx="547560" cy="392400"/>
+            <a:ext cx="547200" cy="392040"/>
           </a:xfrm>
           <a:prstGeom prst="rect">
             <a:avLst/>
@@ -14944,7 +15438,7 @@
                 <a:tab algn="l" pos="0"/>
               </a:tabLst>
             </a:pPr>
-            <a:fld id="{A7A913AF-219D-416F-8B37-EA2347A7A8D6}" type="slidenum">
+            <a:fld id="{594F5F14-B4BE-428C-84A5-62BDEF0662B9}" type="slidenum">
               <a:rPr b="0" lang="en" sz="1000" spc="-1" strike="noStrike">
                 <a:solidFill>
                   <a:srgbClr val="595959"/>
@@ -15557,7 +16051,7 @@
         <p:spPr>
           <a:xfrm>
             <a:off x="8472600" y="4663080"/>
-            <a:ext cx="547560" cy="392400"/>
+            <a:ext cx="547200" cy="392040"/>
           </a:xfrm>
           <a:prstGeom prst="rect">
             <a:avLst/>
@@ -15599,7 +16093,7 @@
                 <a:tab algn="l" pos="0"/>
               </a:tabLst>
             </a:pPr>
-            <a:fld id="{194533F2-D643-49BE-91B2-B025662C42C0}" type="slidenum">
+            <a:fld id="{84E78288-6CBC-4B05-9E31-C4DC30580CF5}" type="slidenum">
               <a:rPr b="0" lang="en" sz="1000" spc="-1" strike="noStrike">
                 <a:solidFill>
                   <a:srgbClr val="595959"/>
@@ -15938,7 +16432,7 @@
         <p:spPr>
           <a:xfrm>
             <a:off x="8472600" y="4663080"/>
-            <a:ext cx="547560" cy="392400"/>
+            <a:ext cx="547200" cy="392040"/>
           </a:xfrm>
           <a:prstGeom prst="rect">
             <a:avLst/>
@@ -15980,7 +16474,7 @@
                 <a:tab algn="l" pos="0"/>
               </a:tabLst>
             </a:pPr>
-            <a:fld id="{70929045-E9FB-4B0E-B5EF-84FC4A67D246}" type="slidenum">
+            <a:fld id="{31D1FFEF-5370-4177-92BC-21439536108B}" type="slidenum">
               <a:rPr b="0" lang="en" sz="1000" spc="-1" strike="noStrike">
                 <a:solidFill>
                   <a:srgbClr val="595959"/>
@@ -16544,7 +17038,7 @@
         <p:spPr>
           <a:xfrm>
             <a:off x="8472600" y="4663080"/>
-            <a:ext cx="547560" cy="392400"/>
+            <a:ext cx="547200" cy="392040"/>
           </a:xfrm>
           <a:prstGeom prst="rect">
             <a:avLst/>
@@ -16586,7 +17080,7 @@
                 <a:tab algn="l" pos="0"/>
               </a:tabLst>
             </a:pPr>
-            <a:fld id="{80E6C4D4-8EBF-4372-98CB-730DC4CA0700}" type="slidenum">
+            <a:fld id="{8614ABFD-6B8E-4FE7-AEF8-1711A350094F}" type="slidenum">
               <a:rPr b="0" lang="en" sz="1000" spc="-1" strike="noStrike">
                 <a:solidFill>
                   <a:srgbClr val="595959"/>
@@ -16700,7 +17194,7 @@
         <p:spPr>
           <a:xfrm>
             <a:off x="8472600" y="4663080"/>
-            <a:ext cx="547560" cy="392400"/>
+            <a:ext cx="547200" cy="392040"/>
           </a:xfrm>
           <a:prstGeom prst="rect">
             <a:avLst/>
@@ -16742,7 +17236,7 @@
                 <a:tab algn="l" pos="0"/>
               </a:tabLst>
             </a:pPr>
-            <a:fld id="{77A89C53-0A0E-43C6-A9AD-C54BDEB9399A}" type="slidenum">
+            <a:fld id="{812D3262-A417-44A7-A28E-ACFF9275942A}" type="slidenum">
               <a:rPr b="0" lang="en" sz="1000" spc="-1" strike="noStrike">
                 <a:solidFill>
                   <a:srgbClr val="595959"/>
@@ -16789,7 +17283,7 @@
       </p:grpSpPr>
       <p:pic>
         <p:nvPicPr>
-          <p:cNvPr id="176" name="Google Shape;137;p31" descr=""/>
+          <p:cNvPr id="182" name="Google Shape;137;p31" descr=""/>
           <p:cNvPicPr/>
           <p:nvPr/>
         </p:nvPicPr>
@@ -16800,7 +17294,7 @@
         <p:spPr>
           <a:xfrm>
             <a:off x="0" y="0"/>
-            <a:ext cx="9142920" cy="5142600"/>
+            <a:ext cx="9142560" cy="5142240"/>
           </a:xfrm>
           <a:prstGeom prst="rect">
             <a:avLst/>
@@ -16812,21 +17306,21 @@
       </p:pic>
       <p:grpSp>
         <p:nvGrpSpPr>
-          <p:cNvPr id="177" name="Google Shape;138;p31"/>
+          <p:cNvPr id="183" name="Google Shape;138;p31"/>
           <p:cNvGrpSpPr/>
           <p:nvPr/>
         </p:nvGrpSpPr>
         <p:grpSpPr>
           <a:xfrm>
             <a:off x="0" y="4044960"/>
-            <a:ext cx="9142920" cy="978840"/>
+            <a:ext cx="9142560" cy="978840"/>
             <a:chOff x="0" y="4044960"/>
-            <a:chExt cx="9142920" cy="978840"/>
+            <a:chExt cx="9142560" cy="978840"/>
           </a:xfrm>
         </p:grpSpPr>
         <p:pic>
           <p:nvPicPr>
-            <p:cNvPr id="178" name="Google Shape;139;p31" descr=""/>
+            <p:cNvPr id="184" name="Google Shape;139;p31" descr=""/>
             <p:cNvPicPr/>
             <p:nvPr/>
           </p:nvPicPr>
@@ -16837,7 +17331,7 @@
           <p:spPr>
             <a:xfrm>
               <a:off x="268560" y="4044960"/>
-              <a:ext cx="1632960" cy="567000"/>
+              <a:ext cx="1632600" cy="566640"/>
             </a:xfrm>
             <a:prstGeom prst="rect">
               <a:avLst/>
@@ -16849,14 +17343,14 @@
         </p:pic>
         <p:sp>
           <p:nvSpPr>
-            <p:cNvPr id="179" name="Google Shape;140;p31"/>
+            <p:cNvPr id="185" name="Google Shape;140;p31"/>
             <p:cNvSpPr/>
             <p:nvPr/>
           </p:nvSpPr>
           <p:spPr>
             <a:xfrm>
               <a:off x="0" y="4810320"/>
-              <a:ext cx="9142920" cy="213480"/>
+              <a:ext cx="9142560" cy="213480"/>
             </a:xfrm>
             <a:prstGeom prst="rect">
               <a:avLst/>
@@ -16907,14 +17401,14 @@
       </p:grpSp>
       <p:sp>
         <p:nvSpPr>
-          <p:cNvPr id="180" name="Google Shape;141;p31"/>
+          <p:cNvPr id="186" name="Google Shape;141;p31"/>
           <p:cNvSpPr/>
           <p:nvPr/>
         </p:nvSpPr>
         <p:spPr>
           <a:xfrm>
             <a:off x="1924200" y="1148760"/>
-            <a:ext cx="7611840" cy="2032560"/>
+            <a:ext cx="7611480" cy="2032200"/>
           </a:xfrm>
           <a:prstGeom prst="rect">
             <a:avLst/>
@@ -16994,7 +17488,679 @@
       </p:grpSpPr>
       <p:pic>
         <p:nvPicPr>
-          <p:cNvPr id="214" name="Google Shape;204;p40" descr=""/>
+          <p:cNvPr id="221" name="Google Shape;190;p38" descr=""/>
+          <p:cNvPicPr/>
+          <p:nvPr/>
+        </p:nvPicPr>
+        <p:blipFill>
+          <a:blip r:embed="rId1"/>
+          <a:stretch/>
+        </p:blipFill>
+        <p:spPr>
+          <a:xfrm flipH="1">
+            <a:off x="1440" y="159480"/>
+            <a:ext cx="1260720" cy="610560"/>
+          </a:xfrm>
+          <a:prstGeom prst="rect">
+            <a:avLst/>
+          </a:prstGeom>
+          <a:ln w="0">
+            <a:noFill/>
+          </a:ln>
+        </p:spPr>
+      </p:pic>
+      <p:sp>
+        <p:nvSpPr>
+          <p:cNvPr id="222" name="PlaceHolder 1"/>
+          <p:cNvSpPr>
+            <a:spLocks noGrp="1"/>
+          </p:cNvSpPr>
+          <p:nvPr>
+            <p:ph type="title"/>
+          </p:nvPr>
+        </p:nvSpPr>
+        <p:spPr>
+          <a:xfrm>
+            <a:off x="1262160" y="281880"/>
+            <a:ext cx="6782400" cy="488160"/>
+          </a:xfrm>
+          <a:prstGeom prst="rect">
+            <a:avLst/>
+          </a:prstGeom>
+          <a:noFill/>
+          <a:ln w="0">
+            <a:noFill/>
+          </a:ln>
+        </p:spPr>
+        <p:txBody>
+          <a:bodyPr lIns="90000" rIns="90000" tIns="90000" bIns="90000" anchor="t">
+            <a:noAutofit/>
+          </a:bodyPr>
+          <a:p>
+            <a:pPr indent="0">
+              <a:lnSpc>
+                <a:spcPct val="100000"/>
+              </a:lnSpc>
+              <a:buNone/>
+              <a:tabLst>
+                <a:tab algn="l" pos="0"/>
+              </a:tabLst>
+            </a:pPr>
+            <a:r>
+              <a:rPr b="0" lang="en" sz="3000" spc="-1" strike="noStrike">
+                <a:solidFill>
+                  <a:srgbClr val="000000"/>
+                </a:solidFill>
+                <a:latin typeface="Arial"/>
+                <a:ea typeface="Arial"/>
+              </a:rPr>
+              <a:t>Business Model * Plan &amp; Funds</a:t>
+            </a:r>
+            <a:endParaRPr b="0" lang="pt-PT" sz="3000" spc="-1" strike="noStrike">
+              <a:solidFill>
+                <a:srgbClr val="000000"/>
+              </a:solidFill>
+              <a:latin typeface="Arial"/>
+            </a:endParaRPr>
+          </a:p>
+        </p:txBody>
+      </p:sp>
+      <p:sp>
+        <p:nvSpPr>
+          <p:cNvPr id="223" name="Google Shape;192;p38"/>
+          <p:cNvSpPr/>
+          <p:nvPr/>
+        </p:nvSpPr>
+        <p:spPr>
+          <a:xfrm>
+            <a:off x="657720" y="1132560"/>
+            <a:ext cx="7685640" cy="3198960"/>
+          </a:xfrm>
+          <a:prstGeom prst="rect">
+            <a:avLst/>
+          </a:prstGeom>
+          <a:noFill/>
+          <a:ln w="0">
+            <a:noFill/>
+          </a:ln>
+        </p:spPr>
+        <p:style>
+          <a:lnRef idx="0"/>
+          <a:fillRef idx="0"/>
+          <a:effectRef idx="0"/>
+          <a:fontRef idx="minor"/>
+        </p:style>
+        <p:txBody>
+          <a:bodyPr lIns="90000" rIns="90000" tIns="91440" bIns="91440" anchor="t">
+            <a:noAutofit/>
+          </a:bodyPr>
+          <a:p>
+            <a:pPr marL="12600">
+              <a:lnSpc>
+                <a:spcPct val="100000"/>
+              </a:lnSpc>
+              <a:tabLst>
+                <a:tab algn="l" pos="0"/>
+              </a:tabLst>
+            </a:pPr>
+            <a:r>
+              <a:rPr b="0" i="1" lang="en" sz="1800" spc="-1" strike="noStrike">
+                <a:solidFill>
+                  <a:srgbClr val="000000"/>
+                </a:solidFill>
+                <a:latin typeface="Roboto"/>
+                <a:ea typeface="Roboto"/>
+              </a:rPr>
+              <a:t>As true SDVs are still in progress and there aren’t many brands selling them, offering it as a downloadable app is still not feasible. </a:t>
+            </a:r>
+            <a:endParaRPr b="0" lang="pt-PT" sz="1800" spc="-1" strike="noStrike">
+              <a:solidFill>
+                <a:srgbClr val="000000"/>
+              </a:solidFill>
+              <a:latin typeface="Arial"/>
+            </a:endParaRPr>
+          </a:p>
+          <a:p>
+            <a:pPr marL="12600">
+              <a:lnSpc>
+                <a:spcPct val="100000"/>
+              </a:lnSpc>
+              <a:tabLst>
+                <a:tab algn="l" pos="0"/>
+              </a:tabLst>
+            </a:pPr>
+            <a:endParaRPr b="0" lang="pt-PT" sz="1800" spc="-1" strike="noStrike">
+              <a:solidFill>
+                <a:srgbClr val="000000"/>
+              </a:solidFill>
+              <a:latin typeface="Arial"/>
+            </a:endParaRPr>
+          </a:p>
+          <a:p>
+            <a:pPr marL="12600">
+              <a:lnSpc>
+                <a:spcPct val="100000"/>
+              </a:lnSpc>
+              <a:tabLst>
+                <a:tab algn="l" pos="0"/>
+              </a:tabLst>
+            </a:pPr>
+            <a:r>
+              <a:rPr b="0" i="1" lang="en" sz="1800" spc="-1" strike="noStrike">
+                <a:solidFill>
+                  <a:srgbClr val="000000"/>
+                </a:solidFill>
+                <a:latin typeface="Roboto"/>
+                <a:ea typeface="Roboto"/>
+              </a:rPr>
+              <a:t>However, the algorythm can be prepared and improved with the scope of offering the solution as an add on/concept for the main manufacturers</a:t>
+            </a:r>
+            <a:endParaRPr b="0" lang="pt-PT" sz="1800" spc="-1" strike="noStrike">
+              <a:solidFill>
+                <a:srgbClr val="000000"/>
+              </a:solidFill>
+              <a:latin typeface="Arial"/>
+            </a:endParaRPr>
+          </a:p>
+          <a:p>
+            <a:pPr marL="12600">
+              <a:lnSpc>
+                <a:spcPct val="100000"/>
+              </a:lnSpc>
+              <a:tabLst>
+                <a:tab algn="l" pos="0"/>
+              </a:tabLst>
+            </a:pPr>
+            <a:endParaRPr b="0" lang="pt-PT" sz="1800" spc="-1" strike="noStrike">
+              <a:solidFill>
+                <a:srgbClr val="000000"/>
+              </a:solidFill>
+              <a:latin typeface="Arial"/>
+            </a:endParaRPr>
+          </a:p>
+          <a:p>
+            <a:pPr marL="12600">
+              <a:lnSpc>
+                <a:spcPct val="100000"/>
+              </a:lnSpc>
+              <a:tabLst>
+                <a:tab algn="l" pos="0"/>
+              </a:tabLst>
+            </a:pPr>
+            <a:r>
+              <a:rPr b="0" i="1" lang="en" sz="1800" spc="-1" strike="noStrike">
+                <a:solidFill>
+                  <a:srgbClr val="000000"/>
+                </a:solidFill>
+                <a:latin typeface="Roboto"/>
+                <a:ea typeface="Roboto"/>
+              </a:rPr>
+              <a:t>Funds would be used to further develop and improve the app, as well as creating awareness, its own place on the market, and offer the algorythm as a library/feature to be implemented on each brand own vehicle.</a:t>
+            </a:r>
+            <a:endParaRPr b="0" lang="pt-PT" sz="1800" spc="-1" strike="noStrike">
+              <a:solidFill>
+                <a:srgbClr val="000000"/>
+              </a:solidFill>
+              <a:latin typeface="Arial"/>
+            </a:endParaRPr>
+          </a:p>
+          <a:p>
+            <a:pPr marL="12600">
+              <a:lnSpc>
+                <a:spcPct val="100000"/>
+              </a:lnSpc>
+              <a:tabLst>
+                <a:tab algn="l" pos="0"/>
+              </a:tabLst>
+            </a:pPr>
+            <a:endParaRPr b="0" lang="pt-PT" sz="1800" spc="-1" strike="noStrike">
+              <a:solidFill>
+                <a:srgbClr val="000000"/>
+              </a:solidFill>
+              <a:latin typeface="Arial"/>
+            </a:endParaRPr>
+          </a:p>
+          <a:p>
+            <a:pPr marL="12600">
+              <a:lnSpc>
+                <a:spcPct val="100000"/>
+              </a:lnSpc>
+              <a:tabLst>
+                <a:tab algn="l" pos="0"/>
+              </a:tabLst>
+            </a:pPr>
+            <a:endParaRPr b="0" lang="pt-PT" sz="1800" spc="-1" strike="noStrike">
+              <a:solidFill>
+                <a:srgbClr val="000000"/>
+              </a:solidFill>
+              <a:latin typeface="Arial"/>
+            </a:endParaRPr>
+          </a:p>
+          <a:p>
+            <a:pPr marL="12600">
+              <a:lnSpc>
+                <a:spcPct val="100000"/>
+              </a:lnSpc>
+              <a:tabLst>
+                <a:tab algn="l" pos="0"/>
+              </a:tabLst>
+            </a:pPr>
+            <a:endParaRPr b="0" lang="pt-PT" sz="1200" spc="-1" strike="noStrike">
+              <a:solidFill>
+                <a:srgbClr val="000000"/>
+              </a:solidFill>
+              <a:latin typeface="Arial"/>
+            </a:endParaRPr>
+          </a:p>
+        </p:txBody>
+      </p:sp>
+      <p:pic>
+        <p:nvPicPr>
+          <p:cNvPr id="224" name="" descr=""/>
+          <p:cNvPicPr/>
+          <p:nvPr/>
+        </p:nvPicPr>
+        <p:blipFill>
+          <a:blip r:embed="rId2"/>
+          <a:stretch/>
+        </p:blipFill>
+        <p:spPr>
+          <a:xfrm>
+            <a:off x="280800" y="4486680"/>
+            <a:ext cx="1242720" cy="555840"/>
+          </a:xfrm>
+          <a:prstGeom prst="rect">
+            <a:avLst/>
+          </a:prstGeom>
+          <a:ln w="0">
+            <a:noFill/>
+          </a:ln>
+        </p:spPr>
+      </p:pic>
+    </p:spTree>
+  </p:cSld>
+  <mc:AlternateContent>
+    <mc:Choice Requires="p14">
+      <p:transition spd="slow" p14:dur="2000"/>
+    </mc:Choice>
+    <mc:Fallback>
+      <p:transition spd="slow"/>
+    </mc:Fallback>
+  </mc:AlternateContent>
+</p:sld>
+</file>
+
+<file path=ppt/slides/slide11.xml><?xml version="1.0" encoding="utf-8"?>
+<p:sld xmlns:a="http://schemas.openxmlformats.org/drawingml/2006/main" xmlns:p="http://schemas.openxmlformats.org/presentationml/2006/main" xmlns:r="http://schemas.openxmlformats.org/officeDocument/2006/relationships" xmlns:p14="http://schemas.microsoft.com/office/powerpoint/2010/main" xmlns:p15="http://schemas.microsoft.com/office/powerpoint/2012/main" xmlns:mc="http://schemas.openxmlformats.org/markup-compatibility/2006">
+  <p:cSld>
+    <p:spTree>
+      <p:nvGrpSpPr>
+        <p:cNvPr id="1" name=""/>
+        <p:cNvGrpSpPr/>
+        <p:nvPr/>
+      </p:nvGrpSpPr>
+      <p:grpSpPr>
+        <a:xfrm>
+          <a:off x="0" y="0"/>
+          <a:ext cx="0" cy="0"/>
+          <a:chOff x="0" y="0"/>
+          <a:chExt cx="0" cy="0"/>
+        </a:xfrm>
+      </p:grpSpPr>
+      <p:pic>
+        <p:nvPicPr>
+          <p:cNvPr id="225" name="Google Shape;197;p39" descr=""/>
+          <p:cNvPicPr/>
+          <p:nvPr/>
+        </p:nvPicPr>
+        <p:blipFill>
+          <a:blip r:embed="rId1"/>
+          <a:stretch/>
+        </p:blipFill>
+        <p:spPr>
+          <a:xfrm flipH="1">
+            <a:off x="1440" y="159480"/>
+            <a:ext cx="1260720" cy="610560"/>
+          </a:xfrm>
+          <a:prstGeom prst="rect">
+            <a:avLst/>
+          </a:prstGeom>
+          <a:ln w="0">
+            <a:noFill/>
+          </a:ln>
+        </p:spPr>
+      </p:pic>
+      <p:sp>
+        <p:nvSpPr>
+          <p:cNvPr id="226" name="PlaceHolder 1"/>
+          <p:cNvSpPr>
+            <a:spLocks noGrp="1"/>
+          </p:cNvSpPr>
+          <p:nvPr>
+            <p:ph type="title"/>
+          </p:nvPr>
+        </p:nvSpPr>
+        <p:spPr>
+          <a:xfrm>
+            <a:off x="1262160" y="281880"/>
+            <a:ext cx="6782400" cy="488160"/>
+          </a:xfrm>
+          <a:prstGeom prst="rect">
+            <a:avLst/>
+          </a:prstGeom>
+          <a:noFill/>
+          <a:ln w="0">
+            <a:noFill/>
+          </a:ln>
+        </p:spPr>
+        <p:txBody>
+          <a:bodyPr lIns="90000" rIns="90000" tIns="90000" bIns="90000" anchor="t">
+            <a:noAutofit/>
+          </a:bodyPr>
+          <a:p>
+            <a:pPr indent="0">
+              <a:lnSpc>
+                <a:spcPct val="100000"/>
+              </a:lnSpc>
+              <a:buNone/>
+              <a:tabLst>
+                <a:tab algn="l" pos="0"/>
+              </a:tabLst>
+            </a:pPr>
+            <a:r>
+              <a:rPr b="0" lang="en" sz="3000" spc="-1" strike="noStrike">
+                <a:solidFill>
+                  <a:srgbClr val="000000"/>
+                </a:solidFill>
+                <a:latin typeface="Arial"/>
+                <a:ea typeface="Arial"/>
+              </a:rPr>
+              <a:t>Contact</a:t>
+            </a:r>
+            <a:endParaRPr b="0" lang="pt-PT" sz="3000" spc="-1" strike="noStrike">
+              <a:solidFill>
+                <a:srgbClr val="000000"/>
+              </a:solidFill>
+              <a:latin typeface="Arial"/>
+            </a:endParaRPr>
+          </a:p>
+        </p:txBody>
+      </p:sp>
+      <p:sp>
+        <p:nvSpPr>
+          <p:cNvPr id="227" name="Google Shape;199;p39"/>
+          <p:cNvSpPr/>
+          <p:nvPr/>
+        </p:nvSpPr>
+        <p:spPr>
+          <a:xfrm>
+            <a:off x="657720" y="1132560"/>
+            <a:ext cx="7685640" cy="3198960"/>
+          </a:xfrm>
+          <a:prstGeom prst="rect">
+            <a:avLst/>
+          </a:prstGeom>
+          <a:noFill/>
+          <a:ln w="0">
+            <a:noFill/>
+          </a:ln>
+        </p:spPr>
+        <p:style>
+          <a:lnRef idx="0"/>
+          <a:fillRef idx="0"/>
+          <a:effectRef idx="0"/>
+          <a:fontRef idx="minor"/>
+        </p:style>
+        <p:txBody>
+          <a:bodyPr lIns="90000" rIns="90000" tIns="91440" bIns="91440" anchor="t">
+            <a:noAutofit/>
+          </a:bodyPr>
+          <a:p>
+            <a:pPr marL="12600">
+              <a:lnSpc>
+                <a:spcPct val="100000"/>
+              </a:lnSpc>
+              <a:tabLst>
+                <a:tab algn="l" pos="0"/>
+              </a:tabLst>
+            </a:pPr>
+            <a:r>
+              <a:rPr b="0" i="1" lang="en" sz="1800" spc="-1" strike="noStrike">
+                <a:solidFill>
+                  <a:srgbClr val="000000"/>
+                </a:solidFill>
+                <a:latin typeface="Roboto"/>
+                <a:ea typeface="Roboto"/>
+              </a:rPr>
+              <a:t>Ana Dias – ana.dias@criticalsoftware.com</a:t>
+            </a:r>
+            <a:endParaRPr b="0" lang="pt-PT" sz="1800" spc="-1" strike="noStrike">
+              <a:solidFill>
+                <a:srgbClr val="000000"/>
+              </a:solidFill>
+              <a:latin typeface="Arial"/>
+            </a:endParaRPr>
+          </a:p>
+          <a:p>
+            <a:pPr marL="12600">
+              <a:lnSpc>
+                <a:spcPct val="100000"/>
+              </a:lnSpc>
+              <a:tabLst>
+                <a:tab algn="l" pos="0"/>
+              </a:tabLst>
+            </a:pPr>
+            <a:r>
+              <a:rPr b="0" i="1" lang="en" sz="1800" spc="-1" strike="noStrike">
+                <a:solidFill>
+                  <a:srgbClr val="000000"/>
+                </a:solidFill>
+                <a:latin typeface="Roboto"/>
+                <a:ea typeface="Roboto"/>
+              </a:rPr>
+              <a:t>André Novo – andre.novo@criticalsoftware.com</a:t>
+            </a:r>
+            <a:endParaRPr b="0" lang="pt-PT" sz="1800" spc="-1" strike="noStrike">
+              <a:solidFill>
+                <a:srgbClr val="000000"/>
+              </a:solidFill>
+              <a:latin typeface="Arial"/>
+            </a:endParaRPr>
+          </a:p>
+          <a:p>
+            <a:pPr marL="12600">
+              <a:lnSpc>
+                <a:spcPct val="100000"/>
+              </a:lnSpc>
+              <a:tabLst>
+                <a:tab algn="l" pos="0"/>
+              </a:tabLst>
+            </a:pPr>
+            <a:r>
+              <a:rPr b="0" i="1" lang="en" sz="1800" spc="-1" strike="noStrike">
+                <a:solidFill>
+                  <a:srgbClr val="000000"/>
+                </a:solidFill>
+                <a:latin typeface="Roboto"/>
+                <a:ea typeface="Roboto"/>
+              </a:rPr>
+              <a:t>Danilo Margarido – danilo.margarido@criticalsoftware.com</a:t>
+            </a:r>
+            <a:r>
+              <a:rPr b="0" i="1" lang="en" sz="1800" spc="-1" strike="noStrike">
+                <a:solidFill>
+                  <a:srgbClr val="000000"/>
+                </a:solidFill>
+                <a:latin typeface="Roboto"/>
+                <a:ea typeface="Roboto"/>
+              </a:rPr>
+              <a:t>	</a:t>
+            </a:r>
+            <a:endParaRPr b="0" lang="pt-PT" sz="1800" spc="-1" strike="noStrike">
+              <a:solidFill>
+                <a:srgbClr val="000000"/>
+              </a:solidFill>
+              <a:latin typeface="Arial"/>
+            </a:endParaRPr>
+          </a:p>
+          <a:p>
+            <a:pPr marL="12600">
+              <a:lnSpc>
+                <a:spcPct val="100000"/>
+              </a:lnSpc>
+              <a:tabLst>
+                <a:tab algn="l" pos="0"/>
+              </a:tabLst>
+            </a:pPr>
+            <a:r>
+              <a:rPr b="0" i="1" lang="en" sz="1800" spc="-1" strike="noStrike">
+                <a:solidFill>
+                  <a:srgbClr val="000000"/>
+                </a:solidFill>
+                <a:latin typeface="Roboto"/>
+                <a:ea typeface="Roboto"/>
+              </a:rPr>
+              <a:t>João Ferreira – joao.c.ferreira@criticalsoftware.com </a:t>
+            </a:r>
+            <a:endParaRPr b="0" lang="pt-PT" sz="1800" spc="-1" strike="noStrike">
+              <a:solidFill>
+                <a:srgbClr val="000000"/>
+              </a:solidFill>
+              <a:latin typeface="Arial"/>
+            </a:endParaRPr>
+          </a:p>
+          <a:p>
+            <a:pPr marL="12600">
+              <a:lnSpc>
+                <a:spcPct val="100000"/>
+              </a:lnSpc>
+              <a:tabLst>
+                <a:tab algn="l" pos="0"/>
+              </a:tabLst>
+            </a:pPr>
+            <a:r>
+              <a:rPr b="0" i="1" lang="en" sz="1800" spc="-1" strike="noStrike">
+                <a:solidFill>
+                  <a:srgbClr val="000000"/>
+                </a:solidFill>
+                <a:latin typeface="Roboto"/>
+                <a:ea typeface="Roboto"/>
+              </a:rPr>
+              <a:t>Jorge Nunes – jorge.nunes@criticalsoftware.com</a:t>
+            </a:r>
+            <a:endParaRPr b="0" lang="pt-PT" sz="1800" spc="-1" strike="noStrike">
+              <a:solidFill>
+                <a:srgbClr val="000000"/>
+              </a:solidFill>
+              <a:latin typeface="Arial"/>
+            </a:endParaRPr>
+          </a:p>
+          <a:p>
+            <a:pPr marL="12600">
+              <a:lnSpc>
+                <a:spcPct val="100000"/>
+              </a:lnSpc>
+              <a:tabLst>
+                <a:tab algn="l" pos="0"/>
+              </a:tabLst>
+            </a:pPr>
+            <a:endParaRPr b="0" lang="pt-PT" sz="1800" spc="-1" strike="noStrike">
+              <a:solidFill>
+                <a:srgbClr val="000000"/>
+              </a:solidFill>
+              <a:latin typeface="Arial"/>
+            </a:endParaRPr>
+          </a:p>
+          <a:p>
+            <a:pPr marL="12600">
+              <a:lnSpc>
+                <a:spcPct val="100000"/>
+              </a:lnSpc>
+              <a:tabLst>
+                <a:tab algn="l" pos="0"/>
+              </a:tabLst>
+            </a:pPr>
+            <a:endParaRPr b="0" lang="pt-PT" sz="1800" spc="-1" strike="noStrike">
+              <a:solidFill>
+                <a:srgbClr val="000000"/>
+              </a:solidFill>
+              <a:latin typeface="Arial"/>
+            </a:endParaRPr>
+          </a:p>
+          <a:p>
+            <a:pPr marL="12600">
+              <a:lnSpc>
+                <a:spcPct val="100000"/>
+              </a:lnSpc>
+              <a:tabLst>
+                <a:tab algn="l" pos="0"/>
+              </a:tabLst>
+            </a:pPr>
+            <a:endParaRPr b="0" lang="pt-PT" sz="1200" spc="-1" strike="noStrike">
+              <a:solidFill>
+                <a:srgbClr val="000000"/>
+              </a:solidFill>
+              <a:latin typeface="Arial"/>
+            </a:endParaRPr>
+          </a:p>
+        </p:txBody>
+      </p:sp>
+      <p:pic>
+        <p:nvPicPr>
+          <p:cNvPr id="228" name="" descr=""/>
+          <p:cNvPicPr/>
+          <p:nvPr/>
+        </p:nvPicPr>
+        <p:blipFill>
+          <a:blip r:embed="rId2"/>
+          <a:stretch/>
+        </p:blipFill>
+        <p:spPr>
+          <a:xfrm>
+            <a:off x="280800" y="4486680"/>
+            <a:ext cx="1242720" cy="555840"/>
+          </a:xfrm>
+          <a:prstGeom prst="rect">
+            <a:avLst/>
+          </a:prstGeom>
+          <a:ln w="0">
+            <a:noFill/>
+          </a:ln>
+        </p:spPr>
+      </p:pic>
+    </p:spTree>
+  </p:cSld>
+  <mc:AlternateContent>
+    <mc:Choice Requires="p14">
+      <p:transition spd="slow" p14:dur="2000"/>
+    </mc:Choice>
+    <mc:Fallback>
+      <p:transition spd="slow"/>
+    </mc:Fallback>
+  </mc:AlternateContent>
+</p:sld>
+</file>
+
+<file path=ppt/slides/slide12.xml><?xml version="1.0" encoding="utf-8"?>
+<p:sld xmlns:a="http://schemas.openxmlformats.org/drawingml/2006/main" xmlns:p="http://schemas.openxmlformats.org/presentationml/2006/main" xmlns:r="http://schemas.openxmlformats.org/officeDocument/2006/relationships" xmlns:p14="http://schemas.microsoft.com/office/powerpoint/2010/main" xmlns:p15="http://schemas.microsoft.com/office/powerpoint/2012/main" xmlns:mc="http://schemas.openxmlformats.org/markup-compatibility/2006">
+  <p:cSld>
+    <p:spTree>
+      <p:nvGrpSpPr>
+        <p:cNvPr id="1" name=""/>
+        <p:cNvGrpSpPr/>
+        <p:nvPr/>
+      </p:nvGrpSpPr>
+      <p:grpSpPr>
+        <a:xfrm>
+          <a:off x="0" y="0"/>
+          <a:ext cx="0" cy="0"/>
+          <a:chOff x="0" y="0"/>
+          <a:chExt cx="0" cy="0"/>
+        </a:xfrm>
+      </p:grpSpPr>
+      <p:pic>
+        <p:nvPicPr>
+          <p:cNvPr id="229" name="Google Shape;204;p40" descr=""/>
           <p:cNvPicPr/>
           <p:nvPr/>
         </p:nvPicPr>
@@ -17005,7 +18171,7 @@
         <p:spPr>
           <a:xfrm>
             <a:off x="0" y="0"/>
-            <a:ext cx="9142920" cy="5142600"/>
+            <a:ext cx="9142560" cy="5142240"/>
           </a:xfrm>
           <a:prstGeom prst="rect">
             <a:avLst/>
@@ -17017,21 +18183,21 @@
       </p:pic>
       <p:grpSp>
         <p:nvGrpSpPr>
-          <p:cNvPr id="215" name="Google Shape;205;p40"/>
+          <p:cNvPr id="230" name="Google Shape;205;p40"/>
           <p:cNvGrpSpPr/>
           <p:nvPr/>
         </p:nvGrpSpPr>
         <p:grpSpPr>
           <a:xfrm>
             <a:off x="0" y="4044960"/>
-            <a:ext cx="9142920" cy="978840"/>
+            <a:ext cx="9142560" cy="978840"/>
             <a:chOff x="0" y="4044960"/>
-            <a:chExt cx="9142920" cy="978840"/>
+            <a:chExt cx="9142560" cy="978840"/>
           </a:xfrm>
         </p:grpSpPr>
         <p:pic>
           <p:nvPicPr>
-            <p:cNvPr id="216" name="Google Shape;206;p40" descr=""/>
+            <p:cNvPr id="231" name="Google Shape;206;p40" descr=""/>
             <p:cNvPicPr/>
             <p:nvPr/>
           </p:nvPicPr>
@@ -17042,7 +18208,7 @@
           <p:spPr>
             <a:xfrm>
               <a:off x="268560" y="4044960"/>
-              <a:ext cx="1632960" cy="567000"/>
+              <a:ext cx="1632600" cy="566640"/>
             </a:xfrm>
             <a:prstGeom prst="rect">
               <a:avLst/>
@@ -17054,14 +18220,14 @@
         </p:pic>
         <p:sp>
           <p:nvSpPr>
-            <p:cNvPr id="217" name="Google Shape;207;p40"/>
+            <p:cNvPr id="232" name="Google Shape;207;p40"/>
             <p:cNvSpPr/>
             <p:nvPr/>
           </p:nvSpPr>
           <p:spPr>
             <a:xfrm>
               <a:off x="0" y="4810320"/>
-              <a:ext cx="9142920" cy="213480"/>
+              <a:ext cx="9142560" cy="213480"/>
             </a:xfrm>
             <a:prstGeom prst="rect">
               <a:avLst/>
@@ -17112,14 +18278,14 @@
       </p:grpSp>
       <p:sp>
         <p:nvSpPr>
-          <p:cNvPr id="218" name="Google Shape;208;p40"/>
+          <p:cNvPr id="233" name="Google Shape;208;p40"/>
           <p:cNvSpPr/>
           <p:nvPr/>
         </p:nvSpPr>
         <p:spPr>
           <a:xfrm>
             <a:off x="0" y="2073240"/>
-            <a:ext cx="9142920" cy="2032560"/>
+            <a:ext cx="9142560" cy="2032200"/>
           </a:xfrm>
           <a:prstGeom prst="rect">
             <a:avLst/>
@@ -17251,7 +18417,7 @@
       </p:grpSpPr>
       <p:pic>
         <p:nvPicPr>
-          <p:cNvPr id="181" name="Google Shape;146;p32" descr=""/>
+          <p:cNvPr id="187" name="Google Shape;146;p32" descr=""/>
           <p:cNvPicPr/>
           <p:nvPr/>
         </p:nvPicPr>
@@ -17262,7 +18428,7 @@
         <p:spPr>
           <a:xfrm>
             <a:off x="0" y="0"/>
-            <a:ext cx="9142920" cy="5142600"/>
+            <a:ext cx="9142560" cy="5142240"/>
           </a:xfrm>
           <a:prstGeom prst="rect">
             <a:avLst/>
@@ -17274,21 +18440,21 @@
       </p:pic>
       <p:grpSp>
         <p:nvGrpSpPr>
-          <p:cNvPr id="182" name="Google Shape;147;p32"/>
+          <p:cNvPr id="188" name="Google Shape;147;p32"/>
           <p:cNvGrpSpPr/>
           <p:nvPr/>
         </p:nvGrpSpPr>
         <p:grpSpPr>
           <a:xfrm>
             <a:off x="0" y="4044960"/>
-            <a:ext cx="9142920" cy="978840"/>
+            <a:ext cx="9142560" cy="978840"/>
             <a:chOff x="0" y="4044960"/>
-            <a:chExt cx="9142920" cy="978840"/>
+            <a:chExt cx="9142560" cy="978840"/>
           </a:xfrm>
         </p:grpSpPr>
         <p:pic>
           <p:nvPicPr>
-            <p:cNvPr id="183" name="Google Shape;148;p32" descr=""/>
+            <p:cNvPr id="189" name="Google Shape;148;p32" descr=""/>
             <p:cNvPicPr/>
             <p:nvPr/>
           </p:nvPicPr>
@@ -17299,7 +18465,7 @@
           <p:spPr>
             <a:xfrm>
               <a:off x="268560" y="4044960"/>
-              <a:ext cx="1632960" cy="567000"/>
+              <a:ext cx="1632600" cy="566640"/>
             </a:xfrm>
             <a:prstGeom prst="rect">
               <a:avLst/>
@@ -17311,14 +18477,14 @@
         </p:pic>
         <p:sp>
           <p:nvSpPr>
-            <p:cNvPr id="184" name="Google Shape;149;p32"/>
+            <p:cNvPr id="190" name="Google Shape;149;p32"/>
             <p:cNvSpPr/>
             <p:nvPr/>
           </p:nvSpPr>
           <p:spPr>
             <a:xfrm>
               <a:off x="0" y="4810320"/>
-              <a:ext cx="9142920" cy="213480"/>
+              <a:ext cx="9142560" cy="213480"/>
             </a:xfrm>
             <a:prstGeom prst="rect">
               <a:avLst/>
@@ -17369,14 +18535,14 @@
       </p:grpSp>
       <p:sp>
         <p:nvSpPr>
-          <p:cNvPr id="185" name="Google Shape;150;p32"/>
+          <p:cNvPr id="191" name="Google Shape;150;p32"/>
           <p:cNvSpPr/>
           <p:nvPr/>
         </p:nvSpPr>
         <p:spPr>
           <a:xfrm>
             <a:off x="0" y="2225880"/>
-            <a:ext cx="9142920" cy="2032560"/>
+            <a:ext cx="9142560" cy="2032200"/>
           </a:xfrm>
           <a:prstGeom prst="rect">
             <a:avLst/>
@@ -17469,7 +18635,7 @@
       </p:grpSpPr>
       <p:pic>
         <p:nvPicPr>
-          <p:cNvPr id="186" name="Google Shape;155;p33" descr=""/>
+          <p:cNvPr id="192" name="Google Shape;155;p33" descr=""/>
           <p:cNvPicPr/>
           <p:nvPr/>
         </p:nvPicPr>
@@ -17479,8 +18645,8 @@
         </p:blipFill>
         <p:spPr>
           <a:xfrm flipH="1">
-            <a:off x="1080" y="159480"/>
-            <a:ext cx="1261080" cy="610920"/>
+            <a:off x="1440" y="159480"/>
+            <a:ext cx="1260720" cy="610560"/>
           </a:xfrm>
           <a:prstGeom prst="rect">
             <a:avLst/>
@@ -17492,7 +18658,7 @@
       </p:pic>
       <p:sp>
         <p:nvSpPr>
-          <p:cNvPr id="187" name="PlaceHolder 1"/>
+          <p:cNvPr id="193" name="PlaceHolder 1"/>
           <p:cNvSpPr>
             <a:spLocks noGrp="1"/>
           </p:cNvSpPr>
@@ -17503,7 +18669,7 @@
         <p:spPr>
           <a:xfrm>
             <a:off x="1262160" y="281880"/>
-            <a:ext cx="6782760" cy="488520"/>
+            <a:ext cx="6782400" cy="488160"/>
           </a:xfrm>
           <a:prstGeom prst="rect">
             <a:avLst/>
@@ -17548,14 +18714,14 @@
       </p:sp>
       <p:sp>
         <p:nvSpPr>
-          <p:cNvPr id="188" name="Google Shape;157;p33"/>
+          <p:cNvPr id="194" name="Google Shape;157;p33"/>
           <p:cNvSpPr/>
           <p:nvPr/>
         </p:nvSpPr>
         <p:spPr>
           <a:xfrm>
             <a:off x="657720" y="1132560"/>
-            <a:ext cx="7686000" cy="3199320"/>
+            <a:ext cx="7685640" cy="3198960"/>
           </a:xfrm>
           <a:prstGeom prst="rect">
             <a:avLst/>
@@ -17731,7 +18897,7 @@
       </p:sp>
       <p:pic>
         <p:nvPicPr>
-          <p:cNvPr id="189" name="" descr=""/>
+          <p:cNvPr id="195" name="" descr=""/>
           <p:cNvPicPr/>
           <p:nvPr/>
         </p:nvPicPr>
@@ -17742,7 +18908,7 @@
         <p:spPr>
           <a:xfrm>
             <a:off x="280800" y="4486680"/>
-            <a:ext cx="1243080" cy="556200"/>
+            <a:ext cx="1242720" cy="555840"/>
           </a:xfrm>
           <a:prstGeom prst="rect">
             <a:avLst/>
@@ -17784,7 +18950,7 @@
       </p:grpSpPr>
       <p:pic>
         <p:nvPicPr>
-          <p:cNvPr id="190" name="Google Shape;162;p34" descr=""/>
+          <p:cNvPr id="196" name="Google Shape;162;p34" descr=""/>
           <p:cNvPicPr/>
           <p:nvPr/>
         </p:nvPicPr>
@@ -17794,8 +18960,8 @@
         </p:blipFill>
         <p:spPr>
           <a:xfrm flipH="1">
-            <a:off x="1080" y="159480"/>
-            <a:ext cx="1261080" cy="610920"/>
+            <a:off x="1440" y="159480"/>
+            <a:ext cx="1260720" cy="610560"/>
           </a:xfrm>
           <a:prstGeom prst="rect">
             <a:avLst/>
@@ -17807,7 +18973,7 @@
       </p:pic>
       <p:sp>
         <p:nvSpPr>
-          <p:cNvPr id="191" name="PlaceHolder 1"/>
+          <p:cNvPr id="197" name="PlaceHolder 1"/>
           <p:cNvSpPr>
             <a:spLocks noGrp="1"/>
           </p:cNvSpPr>
@@ -17818,7 +18984,7 @@
         <p:spPr>
           <a:xfrm>
             <a:off x="1262160" y="281880"/>
-            <a:ext cx="6782760" cy="488520"/>
+            <a:ext cx="6782400" cy="488160"/>
           </a:xfrm>
           <a:prstGeom prst="rect">
             <a:avLst/>
@@ -17863,14 +19029,14 @@
       </p:sp>
       <p:sp>
         <p:nvSpPr>
-          <p:cNvPr id="192" name="Google Shape;164;p34"/>
+          <p:cNvPr id="198" name="Google Shape;164;p34"/>
           <p:cNvSpPr/>
           <p:nvPr/>
         </p:nvSpPr>
         <p:spPr>
           <a:xfrm>
             <a:off x="657720" y="1132560"/>
-            <a:ext cx="7686000" cy="3199320"/>
+            <a:ext cx="7685640" cy="3198960"/>
           </a:xfrm>
           <a:prstGeom prst="rect">
             <a:avLst/>
@@ -18078,7 +19244,7 @@
       </p:sp>
       <p:pic>
         <p:nvPicPr>
-          <p:cNvPr id="193" name="" descr=""/>
+          <p:cNvPr id="199" name="" descr=""/>
           <p:cNvPicPr/>
           <p:nvPr/>
         </p:nvPicPr>
@@ -18089,7 +19255,7 @@
         <p:spPr>
           <a:xfrm>
             <a:off x="280800" y="4486680"/>
-            <a:ext cx="1243080" cy="556200"/>
+            <a:ext cx="1242720" cy="555840"/>
           </a:xfrm>
           <a:prstGeom prst="rect">
             <a:avLst/>
@@ -18131,7 +19297,7 @@
       </p:grpSpPr>
       <p:pic>
         <p:nvPicPr>
-          <p:cNvPr id="194" name="Google Shape;169;p35" descr=""/>
+          <p:cNvPr id="200" name="Google Shape;169;p35" descr=""/>
           <p:cNvPicPr/>
           <p:nvPr/>
         </p:nvPicPr>
@@ -18141,8 +19307,8 @@
         </p:blipFill>
         <p:spPr>
           <a:xfrm flipH="1">
-            <a:off x="1080" y="159480"/>
-            <a:ext cx="1261080" cy="610920"/>
+            <a:off x="1440" y="159480"/>
+            <a:ext cx="1260720" cy="610560"/>
           </a:xfrm>
           <a:prstGeom prst="rect">
             <a:avLst/>
@@ -18154,7 +19320,7 @@
       </p:pic>
       <p:sp>
         <p:nvSpPr>
-          <p:cNvPr id="195" name="PlaceHolder 1"/>
+          <p:cNvPr id="201" name="PlaceHolder 1"/>
           <p:cNvSpPr>
             <a:spLocks noGrp="1"/>
           </p:cNvSpPr>
@@ -18165,7 +19331,7 @@
         <p:spPr>
           <a:xfrm>
             <a:off x="1262160" y="281880"/>
-            <a:ext cx="6782760" cy="488520"/>
+            <a:ext cx="6782400" cy="488160"/>
           </a:xfrm>
           <a:prstGeom prst="rect">
             <a:avLst/>
@@ -18210,14 +19376,14 @@
       </p:sp>
       <p:sp>
         <p:nvSpPr>
-          <p:cNvPr id="196" name="Google Shape;171;p35"/>
+          <p:cNvPr id="202" name="Google Shape;171;p35"/>
           <p:cNvSpPr/>
           <p:nvPr/>
         </p:nvSpPr>
         <p:spPr>
           <a:xfrm>
             <a:off x="657720" y="1132560"/>
-            <a:ext cx="7686000" cy="3199320"/>
+            <a:ext cx="7685640" cy="3198960"/>
           </a:xfrm>
           <a:prstGeom prst="rect">
             <a:avLst/>
@@ -18489,7 +19655,7 @@
       </p:sp>
       <p:pic>
         <p:nvPicPr>
-          <p:cNvPr id="197" name="" descr=""/>
+          <p:cNvPr id="203" name="" descr=""/>
           <p:cNvPicPr/>
           <p:nvPr/>
         </p:nvPicPr>
@@ -18500,7 +19666,7 @@
         <p:spPr>
           <a:xfrm>
             <a:off x="280800" y="4486680"/>
-            <a:ext cx="1243080" cy="556200"/>
+            <a:ext cx="1242720" cy="555840"/>
           </a:xfrm>
           <a:prstGeom prst="rect">
             <a:avLst/>
@@ -18542,7 +19708,7 @@
       </p:grpSpPr>
       <p:pic>
         <p:nvPicPr>
-          <p:cNvPr id="198" name="Google Shape;176;p36" descr=""/>
+          <p:cNvPr id="204" name="Google Shape;169;p 1" descr=""/>
           <p:cNvPicPr/>
           <p:nvPr/>
         </p:nvPicPr>
@@ -18552,8 +19718,8 @@
         </p:blipFill>
         <p:spPr>
           <a:xfrm flipH="1">
-            <a:off x="1080" y="159480"/>
-            <a:ext cx="1261080" cy="610920"/>
+            <a:off x="1440" y="159480"/>
+            <a:ext cx="1260720" cy="610560"/>
           </a:xfrm>
           <a:prstGeom prst="rect">
             <a:avLst/>
@@ -18565,7 +19731,7 @@
       </p:pic>
       <p:sp>
         <p:nvSpPr>
-          <p:cNvPr id="199" name="PlaceHolder 1"/>
+          <p:cNvPr id="205" name="PlaceHolder 1"/>
           <p:cNvSpPr>
             <a:spLocks noGrp="1"/>
           </p:cNvSpPr>
@@ -18576,7 +19742,7 @@
         <p:spPr>
           <a:xfrm>
             <a:off x="1262160" y="281880"/>
-            <a:ext cx="6782760" cy="488520"/>
+            <a:ext cx="6782400" cy="488160"/>
           </a:xfrm>
           <a:prstGeom prst="rect">
             <a:avLst/>
@@ -18608,7 +19774,7 @@
                 <a:latin typeface="Arial"/>
                 <a:ea typeface="Arial"/>
               </a:rPr>
-              <a:t>The Added Value</a:t>
+              <a:t>The Product / Service</a:t>
             </a:r>
             <a:endParaRPr b="0" lang="pt-PT" sz="3000" spc="-1" strike="noStrike">
               <a:solidFill>
@@ -18621,14 +19787,14 @@
       </p:sp>
       <p:sp>
         <p:nvSpPr>
-          <p:cNvPr id="200" name="Google Shape;178;p36"/>
+          <p:cNvPr id="206" name="Google Shape;171;p 2"/>
           <p:cNvSpPr/>
           <p:nvPr/>
         </p:nvSpPr>
         <p:spPr>
           <a:xfrm>
             <a:off x="657720" y="1132560"/>
-            <a:ext cx="7686000" cy="3199320"/>
+            <a:ext cx="7685640" cy="3198960"/>
           </a:xfrm>
           <a:prstGeom prst="rect">
             <a:avLst/>
@@ -18657,16 +19823,6 @@
                 <a:tab algn="l" pos="0"/>
               </a:tabLst>
             </a:pPr>
-            <a:r>
-              <a:rPr b="0" i="1" lang="en" sz="1800" spc="-1" strike="noStrike">
-                <a:solidFill>
-                  <a:srgbClr val="000000"/>
-                </a:solidFill>
-                <a:latin typeface="Roboto"/>
-                <a:ea typeface="Roboto"/>
-              </a:rPr>
-              <a:t>The added value is to increase the authonomy of vehicles without compromising the total travel time.</a:t>
-            </a:r>
             <a:endParaRPr b="0" lang="pt-PT" sz="1800" spc="-1" strike="noStrike">
               <a:solidFill>
                 <a:srgbClr val="000000"/>
@@ -18683,22 +19839,6 @@
                 <a:tab algn="l" pos="0"/>
               </a:tabLst>
             </a:pPr>
-            <a:endParaRPr b="0" lang="pt-PT" sz="1800" spc="-1" strike="noStrike">
-              <a:solidFill>
-                <a:srgbClr val="000000"/>
-              </a:solidFill>
-              <a:latin typeface="Arial"/>
-            </a:endParaRPr>
-          </a:p>
-          <a:p>
-            <a:pPr marL="12600">
-              <a:lnSpc>
-                <a:spcPct val="100000"/>
-              </a:lnSpc>
-              <a:tabLst>
-                <a:tab algn="l" pos="0"/>
-              </a:tabLst>
-            </a:pPr>
             <a:r>
               <a:rPr b="0" i="1" lang="en" sz="1800" spc="-1" strike="noStrike">
                 <a:solidFill>
@@ -18707,83 +19847,9 @@
                 <a:latin typeface="Roboto"/>
                 <a:ea typeface="Roboto"/>
               </a:rPr>
-              <a:t>Independent of the engine: electric or ICU.</a:t>
-            </a:r>
-            <a:endParaRPr b="0" lang="pt-PT" sz="1800" spc="-1" strike="noStrike">
-              <a:solidFill>
-                <a:srgbClr val="000000"/>
-              </a:solidFill>
-              <a:latin typeface="Arial"/>
-            </a:endParaRPr>
-          </a:p>
-          <a:p>
-            <a:pPr marL="12600">
-              <a:lnSpc>
-                <a:spcPct val="100000"/>
-              </a:lnSpc>
-              <a:tabLst>
-                <a:tab algn="l" pos="0"/>
-              </a:tabLst>
-            </a:pPr>
-            <a:endParaRPr b="0" lang="pt-PT" sz="1800" spc="-1" strike="noStrike">
-              <a:solidFill>
-                <a:srgbClr val="000000"/>
-              </a:solidFill>
-              <a:latin typeface="Arial"/>
-            </a:endParaRPr>
-          </a:p>
-          <a:p>
-            <a:pPr marL="12600">
-              <a:lnSpc>
-                <a:spcPct val="100000"/>
-              </a:lnSpc>
-              <a:tabLst>
-                <a:tab algn="l" pos="0"/>
-              </a:tabLst>
-            </a:pPr>
-            <a:endParaRPr b="0" lang="pt-PT" sz="1800" spc="-1" strike="noStrike">
-              <a:solidFill>
-                <a:srgbClr val="000000"/>
-              </a:solidFill>
-              <a:latin typeface="Arial"/>
-            </a:endParaRPr>
-          </a:p>
-          <a:p>
-            <a:pPr marL="12600">
-              <a:lnSpc>
-                <a:spcPct val="100000"/>
-              </a:lnSpc>
-              <a:tabLst>
-                <a:tab algn="l" pos="0"/>
-              </a:tabLst>
-            </a:pPr>
-            <a:r>
-              <a:rPr b="1" i="1" lang="en" sz="1800" spc="-1" strike="noStrike">
-                <a:solidFill>
-                  <a:srgbClr val="000000"/>
-                </a:solidFill>
-                <a:latin typeface="Roboto"/>
-                <a:ea typeface="Roboto"/>
-              </a:rPr>
-              <a:t>In the best of our knowledge, no Cruise Control System considers this hypothesis. </a:t>
-            </a:r>
-            <a:endParaRPr b="0" lang="pt-PT" sz="1800" spc="-1" strike="noStrike">
-              <a:solidFill>
-                <a:srgbClr val="000000"/>
-              </a:solidFill>
-              <a:latin typeface="Arial"/>
-            </a:endParaRPr>
-          </a:p>
-          <a:p>
-            <a:pPr marL="12600">
-              <a:lnSpc>
-                <a:spcPct val="100000"/>
-              </a:lnSpc>
-              <a:tabLst>
-                <a:tab algn="l" pos="0"/>
-              </a:tabLst>
-            </a:pPr>
-            <a:endParaRPr b="0" lang="pt-PT" sz="1200" spc="-1" strike="noStrike">
+              <a:t>	</a:t>
+            </a:r>
+            <a:endParaRPr b="0" lang="pt-PT" sz="1800" spc="-1" strike="noStrike">
               <a:solidFill>
                 <a:srgbClr val="000000"/>
               </a:solidFill>
@@ -18794,7 +19860,7 @@
       </p:sp>
       <p:pic>
         <p:nvPicPr>
-          <p:cNvPr id="201" name="" descr=""/>
+          <p:cNvPr id="207" name="" descr=""/>
           <p:cNvPicPr/>
           <p:nvPr/>
         </p:nvPicPr>
@@ -18805,7 +19871,30 @@
         <p:spPr>
           <a:xfrm>
             <a:off x="280800" y="4486680"/>
-            <a:ext cx="1243080" cy="556200"/>
+            <a:ext cx="1242720" cy="555840"/>
+          </a:xfrm>
+          <a:prstGeom prst="rect">
+            <a:avLst/>
+          </a:prstGeom>
+          <a:ln w="0">
+            <a:noFill/>
+          </a:ln>
+        </p:spPr>
+      </p:pic>
+      <p:pic>
+        <p:nvPicPr>
+          <p:cNvPr id="208" name="" descr=""/>
+          <p:cNvPicPr/>
+          <p:nvPr/>
+        </p:nvPicPr>
+        <p:blipFill>
+          <a:blip r:embed="rId3"/>
+          <a:stretch/>
+        </p:blipFill>
+        <p:spPr>
+          <a:xfrm>
+            <a:off x="1644840" y="941040"/>
+            <a:ext cx="5724360" cy="3383640"/>
           </a:xfrm>
           <a:prstGeom prst="rect">
             <a:avLst/>
@@ -18847,7 +19936,7 @@
       </p:grpSpPr>
       <p:pic>
         <p:nvPicPr>
-          <p:cNvPr id="202" name="Google Shape;183;p37" descr=""/>
+          <p:cNvPr id="209" name="Google Shape;169;p 2" descr=""/>
           <p:cNvPicPr/>
           <p:nvPr/>
         </p:nvPicPr>
@@ -18857,8 +19946,8 @@
         </p:blipFill>
         <p:spPr>
           <a:xfrm flipH="1">
-            <a:off x="1080" y="159480"/>
-            <a:ext cx="1261080" cy="610920"/>
+            <a:off x="1440" y="159480"/>
+            <a:ext cx="1260720" cy="610560"/>
           </a:xfrm>
           <a:prstGeom prst="rect">
             <a:avLst/>
@@ -18870,7 +19959,7 @@
       </p:pic>
       <p:sp>
         <p:nvSpPr>
-          <p:cNvPr id="203" name="PlaceHolder 1"/>
+          <p:cNvPr id="210" name="PlaceHolder 1"/>
           <p:cNvSpPr>
             <a:spLocks noGrp="1"/>
           </p:cNvSpPr>
@@ -18881,7 +19970,7 @@
         <p:spPr>
           <a:xfrm>
             <a:off x="1262160" y="281880"/>
-            <a:ext cx="6782760" cy="488520"/>
+            <a:ext cx="6782400" cy="488160"/>
           </a:xfrm>
           <a:prstGeom prst="rect">
             <a:avLst/>
@@ -18913,7 +20002,7 @@
                 <a:latin typeface="Arial"/>
                 <a:ea typeface="Arial"/>
               </a:rPr>
-              <a:t>The Market &amp; The Competition</a:t>
+              <a:t>The Product / Service</a:t>
             </a:r>
             <a:endParaRPr b="0" lang="pt-PT" sz="3000" spc="-1" strike="noStrike">
               <a:solidFill>
@@ -18926,14 +20015,14 @@
       </p:sp>
       <p:sp>
         <p:nvSpPr>
-          <p:cNvPr id="204" name="Google Shape;185;p37"/>
+          <p:cNvPr id="211" name="Google Shape;171;p 3"/>
           <p:cNvSpPr/>
           <p:nvPr/>
         </p:nvSpPr>
         <p:spPr>
           <a:xfrm>
             <a:off x="657720" y="1132560"/>
-            <a:ext cx="7686000" cy="3199320"/>
+            <a:ext cx="7685640" cy="3198960"/>
           </a:xfrm>
           <a:prstGeom prst="rect">
             <a:avLst/>
@@ -18970,33 +20059,7 @@
                 <a:latin typeface="Roboto"/>
                 <a:ea typeface="Roboto"/>
               </a:rPr>
-              <a:t>Every one enjoys to set a speed, knowingly that it will arrive in a certain time frame, but many avoid it as it consumes more than their own speed control.</a:t>
-            </a:r>
-            <a:br>
-              <a:rPr sz="1800"/>
-            </a:br>
-            <a:br>
-              <a:rPr sz="1800"/>
-            </a:br>
-            <a:r>
-              <a:rPr b="0" lang="en" sz="1800" spc="-1" strike="noStrike">
-                <a:solidFill>
-                  <a:srgbClr val="000000"/>
-                </a:solidFill>
-                <a:latin typeface="Arial"/>
-                <a:ea typeface="DejaVu Sans"/>
-              </a:rPr>
-              <a:t>T</a:t>
-            </a:r>
-            <a:r>
-              <a:rPr b="0" i="1" lang="en" sz="1800" spc="-1" strike="noStrike">
-                <a:solidFill>
-                  <a:srgbClr val="000000"/>
-                </a:solidFill>
-                <a:latin typeface="Roboto"/>
-                <a:ea typeface="Roboto"/>
-              </a:rPr>
-              <a:t>he closest competitor is the adaptative cruise control who lowers the speed if a car is circulating slower in front of him. But none considers lowering the consumption...</a:t>
+              <a:t>JACCUS – Just Another Cruise Control Usefull System.</a:t>
             </a:r>
             <a:endParaRPr b="0" lang="pt-PT" sz="1800" spc="-1" strike="noStrike">
               <a:solidFill>
@@ -19021,11 +20084,217 @@
               <a:latin typeface="Arial"/>
             </a:endParaRPr>
           </a:p>
+          <a:p>
+            <a:pPr marL="12600">
+              <a:lnSpc>
+                <a:spcPct val="100000"/>
+              </a:lnSpc>
+              <a:tabLst>
+                <a:tab algn="l" pos="0"/>
+              </a:tabLst>
+            </a:pPr>
+            <a:r>
+              <a:rPr b="0" i="1" lang="en" sz="1800" spc="-1" strike="noStrike">
+                <a:solidFill>
+                  <a:srgbClr val="000000"/>
+                </a:solidFill>
+                <a:latin typeface="Roboto"/>
+                <a:ea typeface="Roboto"/>
+              </a:rPr>
+              <a:t>A cruise control that keeps an average speed:</a:t>
+            </a:r>
+            <a:endParaRPr b="0" lang="pt-PT" sz="1800" spc="-1" strike="noStrike">
+              <a:solidFill>
+                <a:srgbClr val="000000"/>
+              </a:solidFill>
+              <a:latin typeface="Arial"/>
+            </a:endParaRPr>
+          </a:p>
+          <a:p>
+            <a:pPr marL="12600">
+              <a:lnSpc>
+                <a:spcPct val="100000"/>
+              </a:lnSpc>
+              <a:tabLst>
+                <a:tab algn="l" pos="0"/>
+              </a:tabLst>
+            </a:pPr>
+            <a:r>
+              <a:rPr b="0" i="1" lang="en" sz="1800" spc="-1" strike="noStrike">
+                <a:solidFill>
+                  <a:srgbClr val="000000"/>
+                </a:solidFill>
+                <a:latin typeface="Roboto"/>
+                <a:ea typeface="Roboto"/>
+              </a:rPr>
+              <a:t>	</a:t>
+            </a:r>
+            <a:r>
+              <a:rPr b="0" i="1" lang="en" sz="1800" spc="-1" strike="noStrike">
+                <a:solidFill>
+                  <a:srgbClr val="000000"/>
+                </a:solidFill>
+                <a:latin typeface="Roboto"/>
+                <a:ea typeface="Roboto"/>
+              </a:rPr>
+              <a:t>-</a:t>
+            </a:r>
+            <a:r>
+              <a:rPr b="1" i="1" lang="en" sz="1800" spc="-1" strike="noStrike">
+                <a:solidFill>
+                  <a:srgbClr val="000000"/>
+                </a:solidFill>
+                <a:latin typeface="Roboto"/>
+                <a:ea typeface="Roboto"/>
+              </a:rPr>
+              <a:t>increased energy saving =&gt; bigger authonomy</a:t>
+            </a:r>
+            <a:endParaRPr b="0" lang="pt-PT" sz="1800" spc="-1" strike="noStrike">
+              <a:solidFill>
+                <a:srgbClr val="000000"/>
+              </a:solidFill>
+              <a:latin typeface="Arial"/>
+            </a:endParaRPr>
+          </a:p>
+          <a:p>
+            <a:pPr marL="12600">
+              <a:lnSpc>
+                <a:spcPct val="100000"/>
+              </a:lnSpc>
+              <a:tabLst>
+                <a:tab algn="l" pos="0"/>
+              </a:tabLst>
+            </a:pPr>
+            <a:r>
+              <a:rPr b="0" i="1" lang="en" sz="1800" spc="-1" strike="noStrike">
+                <a:solidFill>
+                  <a:srgbClr val="000000"/>
+                </a:solidFill>
+                <a:latin typeface="Roboto"/>
+                <a:ea typeface="Roboto"/>
+              </a:rPr>
+              <a:t>	</a:t>
+            </a:r>
+            <a:r>
+              <a:rPr b="0" i="1" lang="en" sz="1800" spc="-1" strike="noStrike">
+                <a:solidFill>
+                  <a:srgbClr val="000000"/>
+                </a:solidFill>
+                <a:latin typeface="Roboto"/>
+                <a:ea typeface="Roboto"/>
+              </a:rPr>
+              <a:t>-bigger delta in max/min speed</a:t>
+            </a:r>
+            <a:endParaRPr b="0" lang="pt-PT" sz="1800" spc="-1" strike="noStrike">
+              <a:solidFill>
+                <a:srgbClr val="000000"/>
+              </a:solidFill>
+              <a:latin typeface="Arial"/>
+            </a:endParaRPr>
+          </a:p>
+          <a:p>
+            <a:pPr marL="12600">
+              <a:lnSpc>
+                <a:spcPct val="100000"/>
+              </a:lnSpc>
+              <a:tabLst>
+                <a:tab algn="l" pos="0"/>
+              </a:tabLst>
+            </a:pPr>
+            <a:r>
+              <a:rPr b="0" i="1" lang="en" sz="1800" spc="-1" strike="noStrike">
+                <a:solidFill>
+                  <a:srgbClr val="000000"/>
+                </a:solidFill>
+                <a:latin typeface="Roboto"/>
+                <a:ea typeface="Roboto"/>
+              </a:rPr>
+              <a:t>	</a:t>
+            </a:r>
+            <a:r>
+              <a:rPr b="0" i="1" lang="en" sz="1800" spc="-1" strike="noStrike">
+                <a:solidFill>
+                  <a:srgbClr val="000000"/>
+                </a:solidFill>
+                <a:latin typeface="Roboto"/>
+                <a:ea typeface="Roboto"/>
+              </a:rPr>
+              <a:t>-smoother speed change</a:t>
+            </a:r>
+            <a:endParaRPr b="0" lang="pt-PT" sz="1800" spc="-1" strike="noStrike">
+              <a:solidFill>
+                <a:srgbClr val="000000"/>
+              </a:solidFill>
+              <a:latin typeface="Arial"/>
+            </a:endParaRPr>
+          </a:p>
+          <a:p>
+            <a:pPr marL="12600">
+              <a:lnSpc>
+                <a:spcPct val="100000"/>
+              </a:lnSpc>
+              <a:tabLst>
+                <a:tab algn="l" pos="0"/>
+              </a:tabLst>
+            </a:pPr>
+            <a:r>
+              <a:rPr b="0" i="1" lang="en" sz="1800" spc="-1" strike="noStrike">
+                <a:solidFill>
+                  <a:srgbClr val="000000"/>
+                </a:solidFill>
+                <a:latin typeface="Roboto"/>
+                <a:ea typeface="Roboto"/>
+              </a:rPr>
+              <a:t>	</a:t>
+            </a:r>
+            <a:r>
+              <a:rPr b="0" i="1" lang="en" sz="1800" spc="-1" strike="noStrike">
+                <a:solidFill>
+                  <a:srgbClr val="000000"/>
+                </a:solidFill>
+                <a:latin typeface="Roboto"/>
+                <a:ea typeface="Roboto"/>
+              </a:rPr>
+              <a:t>-increased confort</a:t>
+            </a:r>
+            <a:endParaRPr b="0" lang="pt-PT" sz="1800" spc="-1" strike="noStrike">
+              <a:solidFill>
+                <a:srgbClr val="000000"/>
+              </a:solidFill>
+              <a:latin typeface="Arial"/>
+            </a:endParaRPr>
+          </a:p>
+          <a:p>
+            <a:pPr marL="12600">
+              <a:lnSpc>
+                <a:spcPct val="100000"/>
+              </a:lnSpc>
+              <a:tabLst>
+                <a:tab algn="l" pos="0"/>
+              </a:tabLst>
+            </a:pPr>
+            <a:r>
+              <a:rPr b="0" i="1" lang="en" sz="1800" spc="-1" strike="noStrike">
+                <a:solidFill>
+                  <a:srgbClr val="000000"/>
+                </a:solidFill>
+                <a:latin typeface="Roboto"/>
+                <a:ea typeface="Roboto"/>
+              </a:rPr>
+              <a:t>	</a:t>
+            </a:r>
+            <a:endParaRPr b="0" lang="pt-PT" sz="1800" spc="-1" strike="noStrike">
+              <a:solidFill>
+                <a:srgbClr val="000000"/>
+              </a:solidFill>
+              <a:latin typeface="Arial"/>
+            </a:endParaRPr>
+          </a:p>
         </p:txBody>
       </p:sp>
       <p:pic>
         <p:nvPicPr>
-          <p:cNvPr id="205" name="" descr=""/>
+          <p:cNvPr id="212" name="" descr=""/>
           <p:cNvPicPr/>
           <p:nvPr/>
         </p:nvPicPr>
@@ -19036,7 +20305,7 @@
         <p:spPr>
           <a:xfrm>
             <a:off x="280800" y="4486680"/>
-            <a:ext cx="1243080" cy="556200"/>
+            <a:ext cx="1242720" cy="555840"/>
           </a:xfrm>
           <a:prstGeom prst="rect">
             <a:avLst/>
@@ -19078,7 +20347,7 @@
       </p:grpSpPr>
       <p:pic>
         <p:nvPicPr>
-          <p:cNvPr id="206" name="Google Shape;190;p38" descr=""/>
+          <p:cNvPr id="213" name="Google Shape;176;p36" descr=""/>
           <p:cNvPicPr/>
           <p:nvPr/>
         </p:nvPicPr>
@@ -19088,8 +20357,8 @@
         </p:blipFill>
         <p:spPr>
           <a:xfrm flipH="1">
-            <a:off x="1080" y="159480"/>
-            <a:ext cx="1261080" cy="610920"/>
+            <a:off x="1440" y="159480"/>
+            <a:ext cx="1260720" cy="610560"/>
           </a:xfrm>
           <a:prstGeom prst="rect">
             <a:avLst/>
@@ -19101,7 +20370,7 @@
       </p:pic>
       <p:sp>
         <p:nvSpPr>
-          <p:cNvPr id="207" name="PlaceHolder 1"/>
+          <p:cNvPr id="214" name="PlaceHolder 1"/>
           <p:cNvSpPr>
             <a:spLocks noGrp="1"/>
           </p:cNvSpPr>
@@ -19112,7 +20381,7 @@
         <p:spPr>
           <a:xfrm>
             <a:off x="1262160" y="281880"/>
-            <a:ext cx="6782760" cy="488520"/>
+            <a:ext cx="6782400" cy="488160"/>
           </a:xfrm>
           <a:prstGeom prst="rect">
             <a:avLst/>
@@ -19144,7 +20413,7 @@
                 <a:latin typeface="Arial"/>
                 <a:ea typeface="Arial"/>
               </a:rPr>
-              <a:t>Business Model * Plan &amp; Funds</a:t>
+              <a:t>The Added Value</a:t>
             </a:r>
             <a:endParaRPr b="0" lang="pt-PT" sz="3000" spc="-1" strike="noStrike">
               <a:solidFill>
@@ -19157,14 +20426,14 @@
       </p:sp>
       <p:sp>
         <p:nvSpPr>
-          <p:cNvPr id="208" name="Google Shape;192;p38"/>
+          <p:cNvPr id="215" name="Google Shape;178;p36"/>
           <p:cNvSpPr/>
           <p:nvPr/>
         </p:nvSpPr>
         <p:spPr>
           <a:xfrm>
             <a:off x="657720" y="1132560"/>
-            <a:ext cx="7686000" cy="3199320"/>
+            <a:ext cx="7685640" cy="3198960"/>
           </a:xfrm>
           <a:prstGeom prst="rect">
             <a:avLst/>
@@ -19201,7 +20470,7 @@
                 <a:latin typeface="Roboto"/>
                 <a:ea typeface="Roboto"/>
               </a:rPr>
-              <a:t>As true SDVs are still in progress and there aren’t many brands selling them, offering it as a downloadable app is still not feasible. </a:t>
+              <a:t>The added value is to increase the authonomy of vehicles without compromising the total travel time.</a:t>
             </a:r>
             <a:endParaRPr b="0" lang="pt-PT" sz="1800" spc="-1" strike="noStrike">
               <a:solidFill>
@@ -19243,7 +20512,7 @@
                 <a:latin typeface="Roboto"/>
                 <a:ea typeface="Roboto"/>
               </a:rPr>
-              <a:t>However, the algorythm can be prepared and improved with the scope of offering the solution as an add on/concept for the main manufacturers</a:t>
+              <a:t>Independent of the engine: electric or ICU.</a:t>
             </a:r>
             <a:endParaRPr b="0" lang="pt-PT" sz="1800" spc="-1" strike="noStrike">
               <a:solidFill>
@@ -19277,16 +20546,6 @@
                 <a:tab algn="l" pos="0"/>
               </a:tabLst>
             </a:pPr>
-            <a:r>
-              <a:rPr b="0" i="1" lang="en" sz="1800" spc="-1" strike="noStrike">
-                <a:solidFill>
-                  <a:srgbClr val="000000"/>
-                </a:solidFill>
-                <a:latin typeface="Roboto"/>
-                <a:ea typeface="Roboto"/>
-              </a:rPr>
-              <a:t>Funds would be used to further develop and improve the app, as well as creating awareness, its own place on the market, and offer the algorythm as a library/feature to be implemented on each brand own vehicle.</a:t>
-            </a:r>
             <a:endParaRPr b="0" lang="pt-PT" sz="1800" spc="-1" strike="noStrike">
               <a:solidFill>
                 <a:srgbClr val="000000"/>
@@ -19303,6 +20562,16 @@
                 <a:tab algn="l" pos="0"/>
               </a:tabLst>
             </a:pPr>
+            <a:r>
+              <a:rPr b="1" i="1" lang="en" sz="1800" spc="-1" strike="noStrike">
+                <a:solidFill>
+                  <a:srgbClr val="000000"/>
+                </a:solidFill>
+                <a:latin typeface="Roboto"/>
+                <a:ea typeface="Roboto"/>
+              </a:rPr>
+              <a:t>In the best of our knowledge, no Cruise Control System considers this hypothesis. </a:t>
+            </a:r>
             <a:endParaRPr b="0" lang="pt-PT" sz="1800" spc="-1" strike="noStrike">
               <a:solidFill>
                 <a:srgbClr val="000000"/>
@@ -19319,22 +20588,6 @@
                 <a:tab algn="l" pos="0"/>
               </a:tabLst>
             </a:pPr>
-            <a:endParaRPr b="0" lang="pt-PT" sz="1800" spc="-1" strike="noStrike">
-              <a:solidFill>
-                <a:srgbClr val="000000"/>
-              </a:solidFill>
-              <a:latin typeface="Arial"/>
-            </a:endParaRPr>
-          </a:p>
-          <a:p>
-            <a:pPr marL="12600">
-              <a:lnSpc>
-                <a:spcPct val="100000"/>
-              </a:lnSpc>
-              <a:tabLst>
-                <a:tab algn="l" pos="0"/>
-              </a:tabLst>
-            </a:pPr>
             <a:endParaRPr b="0" lang="pt-PT" sz="1200" spc="-1" strike="noStrike">
               <a:solidFill>
                 <a:srgbClr val="000000"/>
@@ -19346,7 +20599,7 @@
       </p:sp>
       <p:pic>
         <p:nvPicPr>
-          <p:cNvPr id="209" name="" descr=""/>
+          <p:cNvPr id="216" name="" descr=""/>
           <p:cNvPicPr/>
           <p:nvPr/>
         </p:nvPicPr>
@@ -19357,7 +20610,7 @@
         <p:spPr>
           <a:xfrm>
             <a:off x="280800" y="4486680"/>
-            <a:ext cx="1243080" cy="556200"/>
+            <a:ext cx="1242720" cy="555840"/>
           </a:xfrm>
           <a:prstGeom prst="rect">
             <a:avLst/>
@@ -19399,7 +20652,7 @@
       </p:grpSpPr>
       <p:pic>
         <p:nvPicPr>
-          <p:cNvPr id="210" name="Google Shape;197;p39" descr=""/>
+          <p:cNvPr id="217" name="Google Shape;183;p37" descr=""/>
           <p:cNvPicPr/>
           <p:nvPr/>
         </p:nvPicPr>
@@ -19409,8 +20662,8 @@
         </p:blipFill>
         <p:spPr>
           <a:xfrm flipH="1">
-            <a:off x="1080" y="159480"/>
-            <a:ext cx="1261080" cy="610920"/>
+            <a:off x="1440" y="159480"/>
+            <a:ext cx="1260720" cy="610560"/>
           </a:xfrm>
           <a:prstGeom prst="rect">
             <a:avLst/>
@@ -19422,7 +20675,7 @@
       </p:pic>
       <p:sp>
         <p:nvSpPr>
-          <p:cNvPr id="211" name="PlaceHolder 1"/>
+          <p:cNvPr id="218" name="PlaceHolder 1"/>
           <p:cNvSpPr>
             <a:spLocks noGrp="1"/>
           </p:cNvSpPr>
@@ -19433,7 +20686,7 @@
         <p:spPr>
           <a:xfrm>
             <a:off x="1262160" y="281880"/>
-            <a:ext cx="6782760" cy="488520"/>
+            <a:ext cx="6782400" cy="488160"/>
           </a:xfrm>
           <a:prstGeom prst="rect">
             <a:avLst/>
@@ -19465,7 +20718,7 @@
                 <a:latin typeface="Arial"/>
                 <a:ea typeface="Arial"/>
               </a:rPr>
-              <a:t>Contact</a:t>
+              <a:t>The Market &amp; The Competition</a:t>
             </a:r>
             <a:endParaRPr b="0" lang="pt-PT" sz="3000" spc="-1" strike="noStrike">
               <a:solidFill>
@@ -19478,14 +20731,14 @@
       </p:sp>
       <p:sp>
         <p:nvSpPr>
-          <p:cNvPr id="212" name="Google Shape;199;p39"/>
+          <p:cNvPr id="219" name="Google Shape;185;p37"/>
           <p:cNvSpPr/>
           <p:nvPr/>
         </p:nvSpPr>
         <p:spPr>
           <a:xfrm>
             <a:off x="657720" y="1132560"/>
-            <a:ext cx="7686000" cy="3199320"/>
+            <a:ext cx="7685640" cy="3198960"/>
           </a:xfrm>
           <a:prstGeom prst="rect">
             <a:avLst/>
@@ -19522,7 +20775,33 @@
                 <a:latin typeface="Roboto"/>
                 <a:ea typeface="Roboto"/>
               </a:rPr>
-              <a:t>Ana Dias – ana.dias@criticalsoftware.com</a:t>
+              <a:t>Every one enjoys to set a speed, knowingly that it will arrive in a certain time frame, but many avoid it as it consumes more than their own speed control.</a:t>
+            </a:r>
+            <a:br>
+              <a:rPr sz="1800"/>
+            </a:br>
+            <a:br>
+              <a:rPr sz="1800"/>
+            </a:br>
+            <a:r>
+              <a:rPr b="0" lang="en" sz="1800" spc="-1" strike="noStrike">
+                <a:solidFill>
+                  <a:srgbClr val="000000"/>
+                </a:solidFill>
+                <a:latin typeface="Arial"/>
+                <a:ea typeface="DejaVu Sans"/>
+              </a:rPr>
+              <a:t>T</a:t>
+            </a:r>
+            <a:r>
+              <a:rPr b="0" i="1" lang="en" sz="1800" spc="-1" strike="noStrike">
+                <a:solidFill>
+                  <a:srgbClr val="000000"/>
+                </a:solidFill>
+                <a:latin typeface="Roboto"/>
+                <a:ea typeface="Roboto"/>
+              </a:rPr>
+              <a:t>he closest competitor is the adaptative cruise control who lowers the speed if a car is circulating slower in front of him. But none considers lowering the consumption...</a:t>
             </a:r>
             <a:endParaRPr b="0" lang="pt-PT" sz="1800" spc="-1" strike="noStrike">
               <a:solidFill>
@@ -19540,153 +20819,7 @@
                 <a:tab algn="l" pos="0"/>
               </a:tabLst>
             </a:pPr>
-            <a:r>
-              <a:rPr b="0" i="1" lang="en" sz="1800" spc="-1" strike="noStrike">
-                <a:solidFill>
-                  <a:srgbClr val="000000"/>
-                </a:solidFill>
-                <a:latin typeface="Roboto"/>
-                <a:ea typeface="Roboto"/>
-              </a:rPr>
-              <a:t>André Novo – andre.novo@criticalsoftware.com</a:t>
-            </a:r>
-            <a:endParaRPr b="0" lang="pt-PT" sz="1800" spc="-1" strike="noStrike">
-              <a:solidFill>
-                <a:srgbClr val="000000"/>
-              </a:solidFill>
-              <a:latin typeface="Arial"/>
-            </a:endParaRPr>
-          </a:p>
-          <a:p>
-            <a:pPr marL="12600">
-              <a:lnSpc>
-                <a:spcPct val="100000"/>
-              </a:lnSpc>
-              <a:tabLst>
-                <a:tab algn="l" pos="0"/>
-              </a:tabLst>
-            </a:pPr>
-            <a:r>
-              <a:rPr b="0" i="1" lang="en" sz="1800" spc="-1" strike="noStrike">
-                <a:solidFill>
-                  <a:srgbClr val="000000"/>
-                </a:solidFill>
-                <a:latin typeface="Roboto"/>
-                <a:ea typeface="Roboto"/>
-              </a:rPr>
-              <a:t>Danilo Margarido – danilo.margarido@criticalsoftware.com</a:t>
-            </a:r>
-            <a:r>
-              <a:rPr b="0" i="1" lang="en" sz="1800" spc="-1" strike="noStrike">
-                <a:solidFill>
-                  <a:srgbClr val="000000"/>
-                </a:solidFill>
-                <a:latin typeface="Roboto"/>
-                <a:ea typeface="Roboto"/>
-              </a:rPr>
-              <a:t>	</a:t>
-            </a:r>
-            <a:endParaRPr b="0" lang="pt-PT" sz="1800" spc="-1" strike="noStrike">
-              <a:solidFill>
-                <a:srgbClr val="000000"/>
-              </a:solidFill>
-              <a:latin typeface="Arial"/>
-            </a:endParaRPr>
-          </a:p>
-          <a:p>
-            <a:pPr marL="12600">
-              <a:lnSpc>
-                <a:spcPct val="100000"/>
-              </a:lnSpc>
-              <a:tabLst>
-                <a:tab algn="l" pos="0"/>
-              </a:tabLst>
-            </a:pPr>
-            <a:r>
-              <a:rPr b="0" i="1" lang="en" sz="1800" spc="-1" strike="noStrike">
-                <a:solidFill>
-                  <a:srgbClr val="000000"/>
-                </a:solidFill>
-                <a:latin typeface="Roboto"/>
-                <a:ea typeface="Roboto"/>
-              </a:rPr>
-              <a:t>João Ferreira – joao.c.ferreira@criticalsoftware.com </a:t>
-            </a:r>
-            <a:endParaRPr b="0" lang="pt-PT" sz="1800" spc="-1" strike="noStrike">
-              <a:solidFill>
-                <a:srgbClr val="000000"/>
-              </a:solidFill>
-              <a:latin typeface="Arial"/>
-            </a:endParaRPr>
-          </a:p>
-          <a:p>
-            <a:pPr marL="12600">
-              <a:lnSpc>
-                <a:spcPct val="100000"/>
-              </a:lnSpc>
-              <a:tabLst>
-                <a:tab algn="l" pos="0"/>
-              </a:tabLst>
-            </a:pPr>
-            <a:r>
-              <a:rPr b="0" i="1" lang="en" sz="1800" spc="-1" strike="noStrike">
-                <a:solidFill>
-                  <a:srgbClr val="000000"/>
-                </a:solidFill>
-                <a:latin typeface="Roboto"/>
-                <a:ea typeface="Roboto"/>
-              </a:rPr>
-              <a:t>Jorge Nunes – jorge.nunes@criticalsoftware.com</a:t>
-            </a:r>
-            <a:endParaRPr b="0" lang="pt-PT" sz="1800" spc="-1" strike="noStrike">
-              <a:solidFill>
-                <a:srgbClr val="000000"/>
-              </a:solidFill>
-              <a:latin typeface="Arial"/>
-            </a:endParaRPr>
-          </a:p>
-          <a:p>
-            <a:pPr marL="12600">
-              <a:lnSpc>
-                <a:spcPct val="100000"/>
-              </a:lnSpc>
-              <a:tabLst>
-                <a:tab algn="l" pos="0"/>
-              </a:tabLst>
-            </a:pPr>
-            <a:endParaRPr b="0" lang="pt-PT" sz="1800" spc="-1" strike="noStrike">
-              <a:solidFill>
-                <a:srgbClr val="000000"/>
-              </a:solidFill>
-              <a:latin typeface="Arial"/>
-            </a:endParaRPr>
-          </a:p>
-          <a:p>
-            <a:pPr marL="12600">
-              <a:lnSpc>
-                <a:spcPct val="100000"/>
-              </a:lnSpc>
-              <a:tabLst>
-                <a:tab algn="l" pos="0"/>
-              </a:tabLst>
-            </a:pPr>
-            <a:endParaRPr b="0" lang="pt-PT" sz="1800" spc="-1" strike="noStrike">
-              <a:solidFill>
-                <a:srgbClr val="000000"/>
-              </a:solidFill>
-              <a:latin typeface="Arial"/>
-            </a:endParaRPr>
-          </a:p>
-          <a:p>
-            <a:pPr marL="12600">
-              <a:lnSpc>
-                <a:spcPct val="100000"/>
-              </a:lnSpc>
-              <a:tabLst>
-                <a:tab algn="l" pos="0"/>
-              </a:tabLst>
-            </a:pPr>
-            <a:endParaRPr b="0" lang="pt-PT" sz="1200" spc="-1" strike="noStrike">
+            <a:endParaRPr b="0" lang="pt-PT" sz="1800" spc="-1" strike="noStrike">
               <a:solidFill>
                 <a:srgbClr val="000000"/>
               </a:solidFill>
@@ -19697,7 +20830,7 @@
       </p:sp>
       <p:pic>
         <p:nvPicPr>
-          <p:cNvPr id="213" name="" descr=""/>
+          <p:cNvPr id="220" name="" descr=""/>
           <p:cNvPicPr/>
           <p:nvPr/>
         </p:nvPicPr>
@@ -19708,7 +20841,7 @@
         <p:spPr>
           <a:xfrm>
             <a:off x="280800" y="4486680"/>
-            <a:ext cx="1243080" cy="556200"/>
+            <a:ext cx="1242720" cy="555840"/>
           </a:xfrm>
           <a:prstGeom prst="rect">
             <a:avLst/>
@@ -22757,6 +23890,184 @@
 </a:theme>
 </file>
 
+<file path=ppt/theme/theme25.xml><?xml version="1.0" encoding="utf-8"?>
+<a:theme xmlns:a="http://schemas.openxmlformats.org/drawingml/2006/main" xmlns:r="http://schemas.openxmlformats.org/officeDocument/2006/relationships" name="Office Theme">
+  <a:themeElements>
+    <a:clrScheme name="Office">
+      <a:dk1>
+        <a:srgbClr val="000000"/>
+      </a:dk1>
+      <a:lt1>
+        <a:srgbClr val="ffffff"/>
+      </a:lt1>
+      <a:dk2>
+        <a:srgbClr val="595959"/>
+      </a:dk2>
+      <a:lt2>
+        <a:srgbClr val="eeeeee"/>
+      </a:lt2>
+      <a:accent1>
+        <a:srgbClr val="4285f4"/>
+      </a:accent1>
+      <a:accent2>
+        <a:srgbClr val="212121"/>
+      </a:accent2>
+      <a:accent3>
+        <a:srgbClr val="78909c"/>
+      </a:accent3>
+      <a:accent4>
+        <a:srgbClr val="ffab40"/>
+      </a:accent4>
+      <a:accent5>
+        <a:srgbClr val="0097a7"/>
+      </a:accent5>
+      <a:accent6>
+        <a:srgbClr val="eeff41"/>
+      </a:accent6>
+      <a:hlink>
+        <a:srgbClr val="0097a7"/>
+      </a:hlink>
+      <a:folHlink>
+        <a:srgbClr val="0097a7"/>
+      </a:folHlink>
+    </a:clrScheme>
+    <a:fontScheme name="Office">
+      <a:majorFont>
+        <a:latin typeface="Arial" pitchFamily="0" charset="1"/>
+        <a:ea typeface="DejaVu Sans" pitchFamily="0" charset="1"/>
+        <a:cs typeface="DejaVu Sans" pitchFamily="0" charset="1"/>
+      </a:majorFont>
+      <a:minorFont>
+        <a:latin typeface="Arial" pitchFamily="0" charset="1"/>
+        <a:ea typeface="DejaVu Sans" pitchFamily="0" charset="1"/>
+        <a:cs typeface="DejaVu Sans" pitchFamily="0" charset="1"/>
+      </a:minorFont>
+    </a:fontScheme>
+    <a:fmtScheme>
+      <a:fillStyleLst>
+        <a:solidFill>
+          <a:schemeClr val="phClr"/>
+        </a:solidFill>
+        <a:gradFill>
+          <a:gsLst>
+            <a:gs pos="0">
+              <a:schemeClr val="phClr">
+                <a:tint val="50000"/>
+              </a:schemeClr>
+            </a:gs>
+            <a:gs pos="35000">
+              <a:schemeClr val="phClr">
+                <a:tint val="37000"/>
+              </a:schemeClr>
+            </a:gs>
+            <a:gs pos="100000">
+              <a:schemeClr val="phClr">
+                <a:tint val="15000"/>
+              </a:schemeClr>
+            </a:gs>
+          </a:gsLst>
+          <a:lin ang="16200000" scaled="1"/>
+          <a:tileRect l="0" t="0" r="0" b="0"/>
+        </a:gradFill>
+        <a:gradFill>
+          <a:gsLst>
+            <a:gs pos="0">
+              <a:schemeClr val="phClr">
+                <a:shade val="51000"/>
+              </a:schemeClr>
+            </a:gs>
+            <a:gs pos="80000">
+              <a:schemeClr val="phClr">
+                <a:shade val="93000"/>
+              </a:schemeClr>
+            </a:gs>
+            <a:gs pos="100000">
+              <a:schemeClr val="phClr">
+                <a:shade val="94000"/>
+              </a:schemeClr>
+            </a:gs>
+          </a:gsLst>
+          <a:lin ang="16200000" scaled="0"/>
+          <a:tileRect l="0" t="0" r="0" b="0"/>
+        </a:gradFill>
+      </a:fillStyleLst>
+      <a:lnStyleLst>
+        <a:ln w="9525" cap="flat" cmpd="sng" algn="ctr">
+          <a:prstDash val="solid"/>
+          <a:miter/>
+        </a:ln>
+        <a:ln w="25400" cap="flat" cmpd="sng" algn="ctr">
+          <a:prstDash val="solid"/>
+          <a:miter/>
+        </a:ln>
+        <a:ln w="38100" cap="flat" cmpd="sng" algn="ctr">
+          <a:prstDash val="solid"/>
+          <a:miter/>
+        </a:ln>
+      </a:lnStyleLst>
+      <a:effectStyleLst>
+        <a:effectStyle>
+          <a:effectLst/>
+        </a:effectStyle>
+        <a:effectStyle>
+          <a:effectLst/>
+        </a:effectStyle>
+        <a:effectStyle>
+          <a:effectLst/>
+        </a:effectStyle>
+      </a:effectStyleLst>
+      <a:bgFillStyleLst>
+        <a:solidFill>
+          <a:schemeClr val="phClr"/>
+        </a:solidFill>
+        <a:gradFill>
+          <a:gsLst>
+            <a:gs pos="0">
+              <a:schemeClr val="phClr">
+                <a:tint val="40000"/>
+              </a:schemeClr>
+            </a:gs>
+            <a:gs pos="40000">
+              <a:schemeClr val="phClr">
+                <a:tint val="45000"/>
+                <a:shade val="99000"/>
+              </a:schemeClr>
+            </a:gs>
+            <a:gs pos="100000">
+              <a:schemeClr val="phClr">
+                <a:shade val="20000"/>
+              </a:schemeClr>
+            </a:gs>
+          </a:gsLst>
+          <a:path path="circle">
+            <a:fillToRect l="50000" t="-80000" r="50000" b="180000"/>
+          </a:path>
+          <a:tileRect l="0" t="0" r="0" b="0"/>
+        </a:gradFill>
+        <a:gradFill>
+          <a:gsLst>
+            <a:gs pos="0">
+              <a:schemeClr val="phClr">
+                <a:tint val="80000"/>
+              </a:schemeClr>
+            </a:gs>
+            <a:gs pos="100000">
+              <a:schemeClr val="phClr">
+                <a:shade val="30000"/>
+              </a:schemeClr>
+            </a:gs>
+          </a:gsLst>
+          <a:path path="circle">
+            <a:fillToRect l="50000" t="50000" r="50000" b="50000"/>
+          </a:path>
+          <a:tileRect l="0" t="0" r="0" b="0"/>
+        </a:gradFill>
+      </a:bgFillStyleLst>
+    </a:fmtScheme>
+  </a:themeElements>
+</a:theme>
+</file>
+
 <file path=ppt/theme/theme3.xml><?xml version="1.0" encoding="utf-8"?>
 <a:theme xmlns:a="http://schemas.openxmlformats.org/drawingml/2006/main" xmlns:r="http://schemas.openxmlformats.org/officeDocument/2006/relationships" name="Office Theme">
   <a:themeElements>

--- a/SDV Hackathon 2025 - Pitching Slides Template.pptx
+++ b/SDV Hackathon 2025 - Pitching Slides Template.pptx
@@ -27,20 +27,22 @@
     <p:sldMasterId id="2147483692" r:id="rId24"/>
     <p:sldMasterId id="2147483694" r:id="rId25"/>
     <p:sldMasterId id="2147483696" r:id="rId26"/>
+    <p:sldMasterId id="2147483698" r:id="rId27"/>
   </p:sldMasterIdLst>
   <p:sldIdLst>
-    <p:sldId id="256" r:id="rId27"/>
-    <p:sldId id="257" r:id="rId28"/>
-    <p:sldId id="258" r:id="rId29"/>
-    <p:sldId id="259" r:id="rId30"/>
-    <p:sldId id="260" r:id="rId31"/>
-    <p:sldId id="261" r:id="rId32"/>
-    <p:sldId id="262" r:id="rId33"/>
-    <p:sldId id="263" r:id="rId34"/>
-    <p:sldId id="264" r:id="rId35"/>
-    <p:sldId id="265" r:id="rId36"/>
-    <p:sldId id="266" r:id="rId37"/>
-    <p:sldId id="267" r:id="rId38"/>
+    <p:sldId id="256" r:id="rId28"/>
+    <p:sldId id="257" r:id="rId29"/>
+    <p:sldId id="258" r:id="rId30"/>
+    <p:sldId id="259" r:id="rId31"/>
+    <p:sldId id="260" r:id="rId32"/>
+    <p:sldId id="261" r:id="rId33"/>
+    <p:sldId id="262" r:id="rId34"/>
+    <p:sldId id="263" r:id="rId35"/>
+    <p:sldId id="264" r:id="rId36"/>
+    <p:sldId id="265" r:id="rId37"/>
+    <p:sldId id="266" r:id="rId38"/>
+    <p:sldId id="267" r:id="rId39"/>
+    <p:sldId id="268" r:id="rId40"/>
   </p:sldIdLst>
   <p:sldSz cx="9144000" cy="5143500"/>
   <p:notesSz cx="7559675" cy="10691813"/>
@@ -247,7 +249,7 @@
         <p:txBody>
           <a:bodyPr/>
           <a:p>
-            <a:fld id="{D594F8EF-52BF-4743-A31C-29FA68C006CF}" type="slidenum">
+            <a:fld id="{4D0C8214-02A8-490E-BB65-1A572476406D}" type="slidenum">
               <a:t>&lt;#&gt;</a:t>
             </a:fld>
           </a:p>
@@ -289,7 +291,7 @@
         <p:txBody>
           <a:bodyPr/>
           <a:p>
-            <a:fld id="{BC28EC27-41A2-48DD-9990-A09124B7F78B}" type="slidenum">
+            <a:fld id="{8A8B4E92-48FF-468D-8C4B-291E6BA63542}" type="slidenum">
               <a:t>&lt;#&gt;</a:t>
             </a:fld>
           </a:p>
@@ -500,7 +502,7 @@
         <p:txBody>
           <a:bodyPr/>
           <a:p>
-            <a:fld id="{D65F51A0-B2E4-4C27-830B-28676D7768D4}" type="slidenum">
+            <a:fld id="{ABF8A19E-57D3-4C76-B32D-45C027AE9ECA}" type="slidenum">
               <a:t>&lt;#&gt;</a:t>
             </a:fld>
           </a:p>
@@ -711,7 +713,7 @@
         <p:txBody>
           <a:bodyPr/>
           <a:p>
-            <a:fld id="{5D2CC0E4-00E3-4061-98E6-B7E799B6985A}" type="slidenum">
+            <a:fld id="{1BA21F7C-CD37-4B48-A05D-23E8B7D24B8D}" type="slidenum">
               <a:t>&lt;#&gt;</a:t>
             </a:fld>
           </a:p>
@@ -1878,7 +1880,7 @@
         <p:txBody>
           <a:bodyPr/>
           <a:p>
-            <a:fld id="{F2DD94D8-2A22-42D6-A265-CAB401611B03}" type="slidenum">
+            <a:fld id="{24D5264D-A7D1-402E-9C7F-545EFFC4A73B}" type="slidenum">
               <a:t>&lt;#&gt;</a:t>
             </a:fld>
           </a:p>
@@ -2334,6 +2336,28 @@
 <file path=ppt/slideLayouts/slideLayout25.xml><?xml version="1.0" encoding="utf-8"?>
 <p:sldLayout xmlns:a="http://schemas.openxmlformats.org/drawingml/2006/main" xmlns:p="http://schemas.openxmlformats.org/presentationml/2006/main" xmlns:r="http://schemas.openxmlformats.org/officeDocument/2006/relationships" xmlns:p14="http://schemas.microsoft.com/office/powerpoint/2010/main" xmlns:p15="http://schemas.microsoft.com/office/powerpoint/2012/main" xmlns:mc="http://schemas.openxmlformats.org/markup-compatibility/2006" type="blank" preserve="1">
   <p:cSld name="Default 6_">
+    <p:spTree>
+      <p:nvGrpSpPr>
+        <p:cNvPr id="1" name=""/>
+        <p:cNvGrpSpPr/>
+        <p:nvPr/>
+      </p:nvGrpSpPr>
+      <p:grpSpPr>
+        <a:xfrm>
+          <a:off x="0" y="0"/>
+          <a:ext cx="0" cy="0"/>
+          <a:chOff x="0" y="0"/>
+          <a:chExt cx="0" cy="0"/>
+        </a:xfrm>
+      </p:grpSpPr>
+    </p:spTree>
+  </p:cSld>
+</p:sldLayout>
+</file>
+
+<file path=ppt/slideLayouts/slideLayout26.xml><?xml version="1.0" encoding="utf-8"?>
+<p:sldLayout xmlns:a="http://schemas.openxmlformats.org/drawingml/2006/main" xmlns:p="http://schemas.openxmlformats.org/presentationml/2006/main" xmlns:r="http://schemas.openxmlformats.org/officeDocument/2006/relationships" xmlns:p14="http://schemas.microsoft.com/office/powerpoint/2010/main" xmlns:p15="http://schemas.microsoft.com/office/powerpoint/2012/main" xmlns:mc="http://schemas.openxmlformats.org/markup-compatibility/2006" type="blank" preserve="1">
+  <p:cSld name="Default 6__">
     <p:spTree>
       <p:nvGrpSpPr>
         <p:cNvPr id="1" name=""/>
@@ -2596,7 +2620,7 @@
         <p:txBody>
           <a:bodyPr/>
           <a:p>
-            <a:fld id="{5E3BDAD5-CF56-4DB0-A4CE-FD4F9CC74941}" type="slidenum">
+            <a:fld id="{CACB2EDA-B31C-42C5-9AF0-B63A175A4D0B}" type="slidenum">
               <a:t>&lt;#&gt;</a:t>
             </a:fld>
           </a:p>
@@ -2638,7 +2662,7 @@
         <p:txBody>
           <a:bodyPr/>
           <a:p>
-            <a:fld id="{0A78C87C-E14C-4EA9-BBE3-526920AD5108}" type="slidenum">
+            <a:fld id="{A5F96D2D-4314-4722-A6D0-20954078E19A}" type="slidenum">
               <a:t>&lt;#&gt;</a:t>
             </a:fld>
           </a:p>
@@ -2680,7 +2704,7 @@
         <p:txBody>
           <a:bodyPr/>
           <a:p>
-            <a:fld id="{E9AFE609-4AFB-4B12-89FD-97C9D3C23FB8}" type="slidenum">
+            <a:fld id="{256D1D89-38C4-452A-992F-E98D0756EDDD}" type="slidenum">
               <a:t>&lt;#&gt;</a:t>
             </a:fld>
           </a:p>
@@ -2805,7 +2829,7 @@
         <p:txBody>
           <a:bodyPr/>
           <a:p>
-            <a:fld id="{ED5CE1FF-2226-4646-B92D-7A4E888DE3E8}" type="slidenum">
+            <a:fld id="{6727E746-CF87-49CC-BA67-7EDDF23C0DD4}" type="slidenum">
               <a:t>&lt;#&gt;</a:t>
             </a:fld>
           </a:p>
@@ -2930,7 +2954,7 @@
         <p:txBody>
           <a:bodyPr/>
           <a:p>
-            <a:fld id="{139AA5BA-5B0C-47A9-A79F-8F53227F0D10}" type="slidenum">
+            <a:fld id="{13AE305E-5AEF-4D95-8256-DD0BD3CE07F6}" type="slidenum">
               <a:t>&lt;#&gt;</a:t>
             </a:fld>
           </a:p>
@@ -3098,7 +3122,7 @@
         <p:txBody>
           <a:bodyPr/>
           <a:p>
-            <a:fld id="{D8F67BC2-AB3B-4663-A375-9C57ACA9B32F}" type="slidenum">
+            <a:fld id="{DAF2D12F-5886-4356-A48F-AA2A455F8530}" type="slidenum">
               <a:t>&lt;#&gt;</a:t>
             </a:fld>
           </a:p>
@@ -3180,7 +3204,7 @@
         <p:txBody>
           <a:bodyPr/>
           <a:p>
-            <a:fld id="{C6845DCF-5E79-4A2C-AA3E-D0025896C1A7}" type="slidenum">
+            <a:fld id="{F8B61C54-03F5-411E-BE33-A61201025FA2}" type="slidenum">
               <a:t>&lt;#&gt;</a:t>
             </a:fld>
           </a:p>
@@ -3952,7 +3976,7 @@
         <p:spPr>
           <a:xfrm>
             <a:off x="8472600" y="4663080"/>
-            <a:ext cx="547200" cy="392040"/>
+            <a:ext cx="546840" cy="391680"/>
           </a:xfrm>
           <a:prstGeom prst="rect">
             <a:avLst/>
@@ -3994,7 +4018,7 @@
                 <a:tab algn="l" pos="0"/>
               </a:tabLst>
             </a:pPr>
-            <a:fld id="{12351BD9-7D6F-4658-8052-00A9847B6DCD}" type="slidenum">
+            <a:fld id="{9E0AAFE1-6E7D-4E11-95EE-92A64BE20D02}" type="slidenum">
               <a:rPr b="0" lang="en" sz="1000" spc="-1" strike="noStrike">
                 <a:solidFill>
                   <a:srgbClr val="595959"/>
@@ -4059,7 +4083,7 @@
         <p:spPr>
           <a:xfrm>
             <a:off x="8472600" y="4663080"/>
-            <a:ext cx="547200" cy="392040"/>
+            <a:ext cx="546840" cy="391680"/>
           </a:xfrm>
           <a:prstGeom prst="rect">
             <a:avLst/>
@@ -4101,7 +4125,7 @@
                 <a:tab algn="l" pos="0"/>
               </a:tabLst>
             </a:pPr>
-            <a:fld id="{98B98266-5E6A-41FD-A1A4-9FD3E03865EB}" type="slidenum">
+            <a:fld id="{F162D155-81E1-41C5-BDCF-8A4753355E51}" type="slidenum">
               <a:rPr b="0" lang="en" sz="1000" spc="-1" strike="noStrike">
                 <a:solidFill>
                   <a:srgbClr val="595959"/>
@@ -4890,7 +4914,7 @@
         <p:spPr>
           <a:xfrm>
             <a:off x="8472600" y="4663080"/>
-            <a:ext cx="547200" cy="392040"/>
+            <a:ext cx="546840" cy="391680"/>
           </a:xfrm>
           <a:prstGeom prst="rect">
             <a:avLst/>
@@ -4932,7 +4956,7 @@
                 <a:tab algn="l" pos="0"/>
               </a:tabLst>
             </a:pPr>
-            <a:fld id="{0B958DF1-4ABE-4369-9D10-8D2941719DE0}" type="slidenum">
+            <a:fld id="{003A253D-B09B-4629-AE43-A11AFE0043DE}" type="slidenum">
               <a:rPr b="0" lang="en" sz="1000" spc="-1" strike="noStrike">
                 <a:solidFill>
                   <a:srgbClr val="595959"/>
@@ -5721,7 +5745,7 @@
         <p:spPr>
           <a:xfrm>
             <a:off x="8472600" y="4663080"/>
-            <a:ext cx="547200" cy="392040"/>
+            <a:ext cx="546840" cy="391680"/>
           </a:xfrm>
           <a:prstGeom prst="rect">
             <a:avLst/>
@@ -5763,7 +5787,7 @@
                 <a:tab algn="l" pos="0"/>
               </a:tabLst>
             </a:pPr>
-            <a:fld id="{2E6F7C7A-7582-4D5C-AE6C-9058B3124B2E}" type="slidenum">
+            <a:fld id="{4D9A61F5-35B4-46FF-8A22-A5037EA941CE}" type="slidenum">
               <a:rPr b="0" lang="en" sz="1000" spc="-1" strike="noStrike">
                 <a:solidFill>
                   <a:srgbClr val="595959"/>
@@ -5824,7 +5848,7 @@
         <p:spPr>
           <a:xfrm>
             <a:off x="0" y="4867560"/>
-            <a:ext cx="307440" cy="274680"/>
+            <a:ext cx="307080" cy="274320"/>
           </a:xfrm>
           <a:prstGeom prst="rect">
             <a:avLst/>
@@ -5841,7 +5865,7 @@
           <a:fontRef idx="minor"/>
         </p:style>
         <p:txBody>
-          <a:bodyPr lIns="90000" rIns="90000" tIns="137520" bIns="137520" anchor="ctr">
+          <a:bodyPr lIns="90000" rIns="90000" tIns="137160" bIns="137160" anchor="ctr">
             <a:noAutofit/>
           </a:bodyPr>
           <a:p>
@@ -5853,7 +5877,7 @@
                 <a:tab algn="l" pos="0"/>
               </a:tabLst>
             </a:pPr>
-            <a:fld id="{882B3462-CF7B-4D3C-935F-8326B33BC30F}" type="slidenum">
+            <a:fld id="{3BB30A34-0EEC-492B-94A5-1867B272DD6A}" type="slidenum">
               <a:rPr b="0" lang="en" sz="800" spc="-1" strike="noStrike">
                 <a:solidFill>
                   <a:srgbClr val="3d3c3b"/>
@@ -5885,7 +5909,7 @@
         <p:spPr>
           <a:xfrm>
             <a:off x="7843320" y="4663080"/>
-            <a:ext cx="1009440" cy="306360"/>
+            <a:ext cx="1009080" cy="306000"/>
           </a:xfrm>
           <a:prstGeom prst="rect">
             <a:avLst/>
@@ -5910,7 +5934,7 @@
         <p:spPr>
           <a:xfrm>
             <a:off x="3378600" y="2347200"/>
-            <a:ext cx="5763960" cy="2795040"/>
+            <a:ext cx="5763600" cy="2794680"/>
           </a:xfrm>
           <a:prstGeom prst="rect">
             <a:avLst/>
@@ -5929,7 +5953,7 @@
         <p:spPr>
           <a:xfrm>
             <a:off x="0" y="4810320"/>
-            <a:ext cx="9142560" cy="213480"/>
+            <a:ext cx="9142200" cy="213480"/>
           </a:xfrm>
           <a:prstGeom prst="rect">
             <a:avLst/>
@@ -6743,7 +6767,7 @@
         <p:spPr>
           <a:xfrm>
             <a:off x="0" y="4867560"/>
-            <a:ext cx="307440" cy="274680"/>
+            <a:ext cx="307080" cy="274320"/>
           </a:xfrm>
           <a:prstGeom prst="rect">
             <a:avLst/>
@@ -6760,7 +6784,7 @@
           <a:fontRef idx="minor"/>
         </p:style>
         <p:txBody>
-          <a:bodyPr lIns="90000" rIns="90000" tIns="137520" bIns="137520" anchor="ctr">
+          <a:bodyPr lIns="90000" rIns="90000" tIns="137160" bIns="137160" anchor="ctr">
             <a:noAutofit/>
           </a:bodyPr>
           <a:p>
@@ -6772,7 +6796,7 @@
                 <a:tab algn="l" pos="0"/>
               </a:tabLst>
             </a:pPr>
-            <a:fld id="{EAF7AE07-2217-4664-BA78-F629784F395E}" type="slidenum">
+            <a:fld id="{325B31CF-5B47-470C-A934-893C8D789267}" type="slidenum">
               <a:rPr b="0" lang="en" sz="800" spc="-1" strike="noStrike">
                 <a:solidFill>
                   <a:srgbClr val="3d3c3b"/>
@@ -6804,7 +6828,7 @@
         <p:spPr>
           <a:xfrm>
             <a:off x="7843320" y="4663080"/>
-            <a:ext cx="1009440" cy="306360"/>
+            <a:ext cx="1009080" cy="306000"/>
           </a:xfrm>
           <a:prstGeom prst="rect">
             <a:avLst/>
@@ -6829,7 +6853,7 @@
         <p:spPr>
           <a:xfrm>
             <a:off x="3378600" y="2347200"/>
-            <a:ext cx="5763960" cy="2795040"/>
+            <a:ext cx="5763600" cy="2794680"/>
           </a:xfrm>
           <a:prstGeom prst="rect">
             <a:avLst/>
@@ -6848,7 +6872,7 @@
         <p:spPr>
           <a:xfrm>
             <a:off x="0" y="4810320"/>
-            <a:ext cx="9142560" cy="213480"/>
+            <a:ext cx="9142200" cy="213480"/>
           </a:xfrm>
           <a:prstGeom prst="rect">
             <a:avLst/>
@@ -7662,7 +7686,7 @@
         <p:spPr>
           <a:xfrm>
             <a:off x="0" y="4867560"/>
-            <a:ext cx="307440" cy="274680"/>
+            <a:ext cx="307080" cy="274320"/>
           </a:xfrm>
           <a:prstGeom prst="rect">
             <a:avLst/>
@@ -7679,7 +7703,7 @@
           <a:fontRef idx="minor"/>
         </p:style>
         <p:txBody>
-          <a:bodyPr lIns="90000" rIns="90000" tIns="137520" bIns="137520" anchor="ctr">
+          <a:bodyPr lIns="90000" rIns="90000" tIns="137160" bIns="137160" anchor="ctr">
             <a:noAutofit/>
           </a:bodyPr>
           <a:p>
@@ -7691,7 +7715,7 @@
                 <a:tab algn="l" pos="0"/>
               </a:tabLst>
             </a:pPr>
-            <a:fld id="{AA4238A5-6952-4E2D-A8EE-DAA912DCEE3D}" type="slidenum">
+            <a:fld id="{4346EFDE-4EA3-4048-88B6-867641AB7DAF}" type="slidenum">
               <a:rPr b="0" lang="en" sz="800" spc="-1" strike="noStrike">
                 <a:solidFill>
                   <a:srgbClr val="3d3c3b"/>
@@ -7723,7 +7747,7 @@
         <p:spPr>
           <a:xfrm>
             <a:off x="7843320" y="4663080"/>
-            <a:ext cx="1009440" cy="306360"/>
+            <a:ext cx="1009080" cy="306000"/>
           </a:xfrm>
           <a:prstGeom prst="rect">
             <a:avLst/>
@@ -7748,7 +7772,7 @@
         <p:spPr>
           <a:xfrm>
             <a:off x="3378600" y="2347200"/>
-            <a:ext cx="5763960" cy="2795040"/>
+            <a:ext cx="5763600" cy="2794680"/>
           </a:xfrm>
           <a:prstGeom prst="rect">
             <a:avLst/>
@@ -7767,7 +7791,7 @@
         <p:spPr>
           <a:xfrm>
             <a:off x="0" y="4810320"/>
-            <a:ext cx="9142560" cy="213480"/>
+            <a:ext cx="9142200" cy="213480"/>
           </a:xfrm>
           <a:prstGeom prst="rect">
             <a:avLst/>
@@ -8581,7 +8605,7 @@
         <p:spPr>
           <a:xfrm>
             <a:off x="0" y="4867560"/>
-            <a:ext cx="307440" cy="274680"/>
+            <a:ext cx="307080" cy="274320"/>
           </a:xfrm>
           <a:prstGeom prst="rect">
             <a:avLst/>
@@ -8598,7 +8622,7 @@
           <a:fontRef idx="minor"/>
         </p:style>
         <p:txBody>
-          <a:bodyPr lIns="90000" rIns="90000" tIns="137520" bIns="137520" anchor="ctr">
+          <a:bodyPr lIns="90000" rIns="90000" tIns="137160" bIns="137160" anchor="ctr">
             <a:noAutofit/>
           </a:bodyPr>
           <a:p>
@@ -8610,7 +8634,7 @@
                 <a:tab algn="l" pos="0"/>
               </a:tabLst>
             </a:pPr>
-            <a:fld id="{6E851D5C-4211-4B1A-A931-6975C60F487D}" type="slidenum">
+            <a:fld id="{ECA18569-BDD8-4DD7-AE39-95C88D20AA74}" type="slidenum">
               <a:rPr b="0" lang="en" sz="800" spc="-1" strike="noStrike">
                 <a:solidFill>
                   <a:srgbClr val="3d3c3b"/>
@@ -8642,7 +8666,7 @@
         <p:spPr>
           <a:xfrm>
             <a:off x="7843320" y="4663080"/>
-            <a:ext cx="1009440" cy="306360"/>
+            <a:ext cx="1009080" cy="306000"/>
           </a:xfrm>
           <a:prstGeom prst="rect">
             <a:avLst/>
@@ -8667,7 +8691,7 @@
         <p:spPr>
           <a:xfrm>
             <a:off x="3378600" y="2347200"/>
-            <a:ext cx="5763960" cy="2795040"/>
+            <a:ext cx="5763600" cy="2794680"/>
           </a:xfrm>
           <a:prstGeom prst="rect">
             <a:avLst/>
@@ -8686,7 +8710,7 @@
         <p:spPr>
           <a:xfrm>
             <a:off x="0" y="4810320"/>
-            <a:ext cx="9142560" cy="213480"/>
+            <a:ext cx="9142200" cy="213480"/>
           </a:xfrm>
           <a:prstGeom prst="rect">
             <a:avLst/>
@@ -9275,7 +9299,7 @@
         <p:spPr>
           <a:xfrm>
             <a:off x="0" y="4867560"/>
-            <a:ext cx="307440" cy="274680"/>
+            <a:ext cx="307080" cy="274320"/>
           </a:xfrm>
           <a:prstGeom prst="rect">
             <a:avLst/>
@@ -9292,7 +9316,7 @@
           <a:fontRef idx="minor"/>
         </p:style>
         <p:txBody>
-          <a:bodyPr lIns="90000" rIns="90000" tIns="137520" bIns="137520" anchor="ctr">
+          <a:bodyPr lIns="90000" rIns="90000" tIns="137160" bIns="137160" anchor="ctr">
             <a:noAutofit/>
           </a:bodyPr>
           <a:p>
@@ -9304,7 +9328,7 @@
                 <a:tab algn="l" pos="0"/>
               </a:tabLst>
             </a:pPr>
-            <a:fld id="{806D086B-BF31-4376-A37A-1496C9D79645}" type="slidenum">
+            <a:fld id="{EC9A45D7-ECDF-47F1-B181-DC45C1A7C865}" type="slidenum">
               <a:rPr b="0" lang="en" sz="800" spc="-1" strike="noStrike">
                 <a:solidFill>
                   <a:srgbClr val="3d3c3b"/>
@@ -9336,7 +9360,7 @@
         <p:spPr>
           <a:xfrm>
             <a:off x="7843320" y="4663080"/>
-            <a:ext cx="1009440" cy="306360"/>
+            <a:ext cx="1009080" cy="306000"/>
           </a:xfrm>
           <a:prstGeom prst="rect">
             <a:avLst/>
@@ -9361,7 +9385,7 @@
         <p:spPr>
           <a:xfrm>
             <a:off x="3378600" y="2347200"/>
-            <a:ext cx="5763960" cy="2795040"/>
+            <a:ext cx="5763600" cy="2794680"/>
           </a:xfrm>
           <a:prstGeom prst="rect">
             <a:avLst/>
@@ -9380,7 +9404,7 @@
         <p:spPr>
           <a:xfrm>
             <a:off x="0" y="4810320"/>
-            <a:ext cx="9142560" cy="213480"/>
+            <a:ext cx="9142200" cy="213480"/>
           </a:xfrm>
           <a:prstGeom prst="rect">
             <a:avLst/>
@@ -10419,7 +10443,7 @@
         <p:spPr>
           <a:xfrm>
             <a:off x="0" y="4867560"/>
-            <a:ext cx="307440" cy="274680"/>
+            <a:ext cx="307080" cy="274320"/>
           </a:xfrm>
           <a:prstGeom prst="rect">
             <a:avLst/>
@@ -10436,7 +10460,7 @@
           <a:fontRef idx="minor"/>
         </p:style>
         <p:txBody>
-          <a:bodyPr lIns="90000" rIns="90000" tIns="137520" bIns="137520" anchor="ctr">
+          <a:bodyPr lIns="90000" rIns="90000" tIns="137160" bIns="137160" anchor="ctr">
             <a:noAutofit/>
           </a:bodyPr>
           <a:p>
@@ -10448,7 +10472,7 @@
                 <a:tab algn="l" pos="0"/>
               </a:tabLst>
             </a:pPr>
-            <a:fld id="{47DDF05F-C969-4F3F-8396-499C16A37698}" type="slidenum">
+            <a:fld id="{5A20DB52-DE93-4E9C-9EAB-41478BFD7250}" type="slidenum">
               <a:rPr b="0" lang="en" sz="800" spc="-1" strike="noStrike">
                 <a:solidFill>
                   <a:srgbClr val="3d3c3b"/>
@@ -10480,7 +10504,7 @@
         <p:spPr>
           <a:xfrm>
             <a:off x="7843320" y="4663080"/>
-            <a:ext cx="1009440" cy="306360"/>
+            <a:ext cx="1009080" cy="306000"/>
           </a:xfrm>
           <a:prstGeom prst="rect">
             <a:avLst/>
@@ -10505,7 +10529,7 @@
         <p:spPr>
           <a:xfrm>
             <a:off x="3378600" y="2347200"/>
-            <a:ext cx="5763960" cy="2795040"/>
+            <a:ext cx="5763600" cy="2794680"/>
           </a:xfrm>
           <a:prstGeom prst="rect">
             <a:avLst/>
@@ -10524,7 +10548,7 @@
         <p:spPr>
           <a:xfrm>
             <a:off x="0" y="4810320"/>
-            <a:ext cx="9142560" cy="213480"/>
+            <a:ext cx="9142200" cy="213480"/>
           </a:xfrm>
           <a:prstGeom prst="rect">
             <a:avLst/>
@@ -10614,7 +10638,7 @@
         <p:spPr>
           <a:xfrm>
             <a:off x="0" y="4867560"/>
-            <a:ext cx="307440" cy="274680"/>
+            <a:ext cx="307080" cy="274320"/>
           </a:xfrm>
           <a:prstGeom prst="rect">
             <a:avLst/>
@@ -10631,7 +10655,7 @@
           <a:fontRef idx="minor"/>
         </p:style>
         <p:txBody>
-          <a:bodyPr lIns="90000" rIns="90000" tIns="137520" bIns="137520" anchor="ctr">
+          <a:bodyPr lIns="90000" rIns="90000" tIns="137160" bIns="137160" anchor="ctr">
             <a:noAutofit/>
           </a:bodyPr>
           <a:p>
@@ -10643,7 +10667,7 @@
                 <a:tab algn="l" pos="0"/>
               </a:tabLst>
             </a:pPr>
-            <a:fld id="{222C8DD9-ACDB-4E4A-A212-832465BF473E}" type="slidenum">
+            <a:fld id="{010A2651-052E-4DAD-A5B0-68A920639519}" type="slidenum">
               <a:rPr b="0" lang="en" sz="800" spc="-1" strike="noStrike">
                 <a:solidFill>
                   <a:srgbClr val="3d3c3b"/>
@@ -10675,7 +10699,7 @@
         <p:spPr>
           <a:xfrm>
             <a:off x="7843320" y="4663080"/>
-            <a:ext cx="1009440" cy="306360"/>
+            <a:ext cx="1009080" cy="306000"/>
           </a:xfrm>
           <a:prstGeom prst="rect">
             <a:avLst/>
@@ -10700,7 +10724,7 @@
         <p:spPr>
           <a:xfrm>
             <a:off x="3378600" y="2347200"/>
-            <a:ext cx="5763960" cy="2795040"/>
+            <a:ext cx="5763600" cy="2794680"/>
           </a:xfrm>
           <a:prstGeom prst="rect">
             <a:avLst/>
@@ -10719,7 +10743,7 @@
         <p:spPr>
           <a:xfrm>
             <a:off x="0" y="4810320"/>
-            <a:ext cx="9142560" cy="213480"/>
+            <a:ext cx="9142200" cy="213480"/>
           </a:xfrm>
           <a:prstGeom prst="rect">
             <a:avLst/>
@@ -11586,7 +11610,7 @@
         <p:spPr>
           <a:xfrm>
             <a:off x="8472600" y="4663080"/>
-            <a:ext cx="547200" cy="392040"/>
+            <a:ext cx="546840" cy="391680"/>
           </a:xfrm>
           <a:prstGeom prst="rect">
             <a:avLst/>
@@ -11628,7 +11652,7 @@
                 <a:tab algn="l" pos="0"/>
               </a:tabLst>
             </a:pPr>
-            <a:fld id="{92C417C9-F6EC-4E6A-AECE-8FF369E96DD9}" type="slidenum">
+            <a:fld id="{9DC540E3-7D14-430D-ACF2-D486C6BDF30B}" type="slidenum">
               <a:rPr b="0" lang="en" sz="1000" spc="-1" strike="noStrike">
                 <a:solidFill>
                   <a:srgbClr val="595959"/>
@@ -11689,7 +11713,7 @@
         <p:spPr>
           <a:xfrm>
             <a:off x="0" y="4867560"/>
-            <a:ext cx="307440" cy="274680"/>
+            <a:ext cx="307080" cy="274320"/>
           </a:xfrm>
           <a:prstGeom prst="rect">
             <a:avLst/>
@@ -11706,7 +11730,7 @@
           <a:fontRef idx="minor"/>
         </p:style>
         <p:txBody>
-          <a:bodyPr lIns="90000" rIns="90000" tIns="137520" bIns="137520" anchor="ctr">
+          <a:bodyPr lIns="90000" rIns="90000" tIns="137160" bIns="137160" anchor="ctr">
             <a:noAutofit/>
           </a:bodyPr>
           <a:p>
@@ -11718,7 +11742,7 @@
                 <a:tab algn="l" pos="0"/>
               </a:tabLst>
             </a:pPr>
-            <a:fld id="{9BC57EF7-7EFC-471C-A94D-93E0F5191895}" type="slidenum">
+            <a:fld id="{AEA99AB6-8B3D-48AD-8E41-FDBE3244656B}" type="slidenum">
               <a:rPr b="0" lang="en" sz="800" spc="-1" strike="noStrike">
                 <a:solidFill>
                   <a:srgbClr val="3d3c3b"/>
@@ -11750,7 +11774,7 @@
         <p:spPr>
           <a:xfrm>
             <a:off x="7843320" y="4663080"/>
-            <a:ext cx="1009440" cy="306360"/>
+            <a:ext cx="1009080" cy="306000"/>
           </a:xfrm>
           <a:prstGeom prst="rect">
             <a:avLst/>
@@ -11775,7 +11799,7 @@
         <p:spPr>
           <a:xfrm>
             <a:off x="3378600" y="2347200"/>
-            <a:ext cx="5763960" cy="2795040"/>
+            <a:ext cx="5763600" cy="2794680"/>
           </a:xfrm>
           <a:prstGeom prst="rect">
             <a:avLst/>
@@ -11794,7 +11818,7 @@
         <p:spPr>
           <a:xfrm>
             <a:off x="0" y="4810320"/>
-            <a:ext cx="9142560" cy="213480"/>
+            <a:ext cx="9142200" cy="213480"/>
           </a:xfrm>
           <a:prstGeom prst="rect">
             <a:avLst/>
@@ -12158,7 +12182,7 @@
         <p:spPr>
           <a:xfrm>
             <a:off x="0" y="4867560"/>
-            <a:ext cx="307440" cy="274680"/>
+            <a:ext cx="307080" cy="274320"/>
           </a:xfrm>
           <a:prstGeom prst="rect">
             <a:avLst/>
@@ -12175,7 +12199,7 @@
           <a:fontRef idx="minor"/>
         </p:style>
         <p:txBody>
-          <a:bodyPr lIns="90000" rIns="90000" tIns="137520" bIns="137520" anchor="ctr">
+          <a:bodyPr lIns="90000" rIns="90000" tIns="137160" bIns="137160" anchor="ctr">
             <a:noAutofit/>
           </a:bodyPr>
           <a:p>
@@ -12187,7 +12211,7 @@
                 <a:tab algn="l" pos="0"/>
               </a:tabLst>
             </a:pPr>
-            <a:fld id="{D05B1125-3137-4389-89AE-1F542B65A188}" type="slidenum">
+            <a:fld id="{834DD1DE-0237-450A-9B92-0514A174FA5B}" type="slidenum">
               <a:rPr b="0" lang="en" sz="800" spc="-1" strike="noStrike">
                 <a:solidFill>
                   <a:srgbClr val="3d3c3b"/>
@@ -12219,7 +12243,7 @@
         <p:spPr>
           <a:xfrm>
             <a:off x="7843320" y="4663080"/>
-            <a:ext cx="1009440" cy="306360"/>
+            <a:ext cx="1009080" cy="306000"/>
           </a:xfrm>
           <a:prstGeom prst="rect">
             <a:avLst/>
@@ -12244,7 +12268,7 @@
         <p:spPr>
           <a:xfrm>
             <a:off x="3378600" y="2347200"/>
-            <a:ext cx="5763960" cy="2795040"/>
+            <a:ext cx="5763600" cy="2794680"/>
           </a:xfrm>
           <a:prstGeom prst="rect">
             <a:avLst/>
@@ -12263,7 +12287,7 @@
         <p:spPr>
           <a:xfrm>
             <a:off x="0" y="4810320"/>
-            <a:ext cx="9142560" cy="213480"/>
+            <a:ext cx="9142200" cy="213480"/>
           </a:xfrm>
           <a:prstGeom prst="rect">
             <a:avLst/>
@@ -12627,7 +12651,7 @@
         <p:spPr>
           <a:xfrm>
             <a:off x="0" y="4867560"/>
-            <a:ext cx="307440" cy="274680"/>
+            <a:ext cx="307080" cy="274320"/>
           </a:xfrm>
           <a:prstGeom prst="rect">
             <a:avLst/>
@@ -12644,7 +12668,7 @@
           <a:fontRef idx="minor"/>
         </p:style>
         <p:txBody>
-          <a:bodyPr lIns="90000" rIns="90000" tIns="137520" bIns="137520" anchor="ctr">
+          <a:bodyPr lIns="90000" rIns="90000" tIns="137160" bIns="137160" anchor="ctr">
             <a:noAutofit/>
           </a:bodyPr>
           <a:p>
@@ -12656,7 +12680,7 @@
                 <a:tab algn="l" pos="0"/>
               </a:tabLst>
             </a:pPr>
-            <a:fld id="{DC847E04-795F-48DC-A2F6-08714D6C05DC}" type="slidenum">
+            <a:fld id="{57911932-E9E7-4D73-AEF4-589D30AA5ED0}" type="slidenum">
               <a:rPr b="0" lang="en" sz="800" spc="-1" strike="noStrike">
                 <a:solidFill>
                   <a:srgbClr val="3d3c3b"/>
@@ -12688,7 +12712,7 @@
         <p:spPr>
           <a:xfrm>
             <a:off x="7843320" y="4663080"/>
-            <a:ext cx="1009440" cy="306360"/>
+            <a:ext cx="1009080" cy="306000"/>
           </a:xfrm>
           <a:prstGeom prst="rect">
             <a:avLst/>
@@ -12713,7 +12737,7 @@
         <p:spPr>
           <a:xfrm>
             <a:off x="3378600" y="2347200"/>
-            <a:ext cx="5763960" cy="2795040"/>
+            <a:ext cx="5763600" cy="2794680"/>
           </a:xfrm>
           <a:prstGeom prst="rect">
             <a:avLst/>
@@ -12732,7 +12756,7 @@
         <p:spPr>
           <a:xfrm>
             <a:off x="0" y="4810320"/>
-            <a:ext cx="9142560" cy="213480"/>
+            <a:ext cx="9142200" cy="213480"/>
           </a:xfrm>
           <a:prstGeom prst="rect">
             <a:avLst/>
@@ -13321,7 +13345,7 @@
         <p:spPr>
           <a:xfrm>
             <a:off x="0" y="4867560"/>
-            <a:ext cx="307440" cy="274680"/>
+            <a:ext cx="307080" cy="274320"/>
           </a:xfrm>
           <a:prstGeom prst="rect">
             <a:avLst/>
@@ -13338,7 +13362,7 @@
           <a:fontRef idx="minor"/>
         </p:style>
         <p:txBody>
-          <a:bodyPr lIns="90000" rIns="90000" tIns="137520" bIns="137520" anchor="ctr">
+          <a:bodyPr lIns="90000" rIns="90000" tIns="137160" bIns="137160" anchor="ctr">
             <a:noAutofit/>
           </a:bodyPr>
           <a:p>
@@ -13350,7 +13374,7 @@
                 <a:tab algn="l" pos="0"/>
               </a:tabLst>
             </a:pPr>
-            <a:fld id="{6B2A375B-53AA-4B34-8688-39A889A112FA}" type="slidenum">
+            <a:fld id="{01B6AD51-AD7A-4D61-854F-26A65502DA4E}" type="slidenum">
               <a:rPr b="0" lang="en" sz="800" spc="-1" strike="noStrike">
                 <a:solidFill>
                   <a:srgbClr val="3d3c3b"/>
@@ -13382,7 +13406,7 @@
         <p:spPr>
           <a:xfrm>
             <a:off x="7843320" y="4663080"/>
-            <a:ext cx="1009440" cy="306360"/>
+            <a:ext cx="1009080" cy="306000"/>
           </a:xfrm>
           <a:prstGeom prst="rect">
             <a:avLst/>
@@ -13407,7 +13431,7 @@
         <p:spPr>
           <a:xfrm>
             <a:off x="3378600" y="2347200"/>
-            <a:ext cx="5763960" cy="2795040"/>
+            <a:ext cx="5763600" cy="2794680"/>
           </a:xfrm>
           <a:prstGeom prst="rect">
             <a:avLst/>
@@ -13426,7 +13450,7 @@
         <p:spPr>
           <a:xfrm>
             <a:off x="0" y="4810320"/>
-            <a:ext cx="9142560" cy="213480"/>
+            <a:ext cx="9142200" cy="213480"/>
           </a:xfrm>
           <a:prstGeom prst="rect">
             <a:avLst/>
@@ -13565,7 +13589,7 @@
         <p:spPr>
           <a:xfrm>
             <a:off x="0" y="4867560"/>
-            <a:ext cx="307440" cy="274680"/>
+            <a:ext cx="307080" cy="274320"/>
           </a:xfrm>
           <a:prstGeom prst="rect">
             <a:avLst/>
@@ -13582,7 +13606,7 @@
           <a:fontRef idx="minor"/>
         </p:style>
         <p:txBody>
-          <a:bodyPr lIns="90000" rIns="90000" tIns="137520" bIns="137520" anchor="ctr">
+          <a:bodyPr lIns="90000" rIns="90000" tIns="137160" bIns="137160" anchor="ctr">
             <a:noAutofit/>
           </a:bodyPr>
           <a:p>
@@ -13594,7 +13618,7 @@
                 <a:tab algn="l" pos="0"/>
               </a:tabLst>
             </a:pPr>
-            <a:fld id="{BC7CC580-6B40-483F-9DB9-EB0AD53665AD}" type="slidenum">
+            <a:fld id="{80894960-4FCA-4AAA-BCE7-E21ED56CCC65}" type="slidenum">
               <a:rPr b="0" lang="en" sz="800" spc="-1" strike="noStrike">
                 <a:solidFill>
                   <a:srgbClr val="3d3c3b"/>
@@ -13626,7 +13650,7 @@
         <p:spPr>
           <a:xfrm>
             <a:off x="7843320" y="4663080"/>
-            <a:ext cx="1009440" cy="306360"/>
+            <a:ext cx="1009080" cy="306000"/>
           </a:xfrm>
           <a:prstGeom prst="rect">
             <a:avLst/>
@@ -13651,7 +13675,7 @@
         <p:spPr>
           <a:xfrm>
             <a:off x="3378600" y="2347200"/>
-            <a:ext cx="5763960" cy="2795040"/>
+            <a:ext cx="5763600" cy="2794680"/>
           </a:xfrm>
           <a:prstGeom prst="rect">
             <a:avLst/>
@@ -13670,7 +13694,7 @@
         <p:spPr>
           <a:xfrm>
             <a:off x="0" y="4810320"/>
-            <a:ext cx="9142560" cy="213480"/>
+            <a:ext cx="9142200" cy="213480"/>
           </a:xfrm>
           <a:prstGeom prst="rect">
             <a:avLst/>
@@ -13760,7 +13784,7 @@
         <p:spPr>
           <a:xfrm>
             <a:off x="0" y="4867560"/>
-            <a:ext cx="307440" cy="274680"/>
+            <a:ext cx="307080" cy="274320"/>
           </a:xfrm>
           <a:prstGeom prst="rect">
             <a:avLst/>
@@ -13777,7 +13801,7 @@
           <a:fontRef idx="minor"/>
         </p:style>
         <p:txBody>
-          <a:bodyPr lIns="90000" rIns="90000" tIns="137520" bIns="137520" anchor="ctr">
+          <a:bodyPr lIns="90000" rIns="90000" tIns="137160" bIns="137160" anchor="ctr">
             <a:noAutofit/>
           </a:bodyPr>
           <a:p>
@@ -13789,7 +13813,7 @@
                 <a:tab algn="l" pos="0"/>
               </a:tabLst>
             </a:pPr>
-            <a:fld id="{78D0AB59-18A4-4401-A95E-901836D5CC53}" type="slidenum">
+            <a:fld id="{BEF410EA-F8F9-487F-97AA-25E0266118B8}" type="slidenum">
               <a:rPr b="0" lang="en" sz="800" spc="-1" strike="noStrike">
                 <a:solidFill>
                   <a:srgbClr val="3d3c3b"/>
@@ -13821,7 +13845,7 @@
         <p:spPr>
           <a:xfrm>
             <a:off x="7843320" y="4663080"/>
-            <a:ext cx="1009440" cy="306360"/>
+            <a:ext cx="1009080" cy="306000"/>
           </a:xfrm>
           <a:prstGeom prst="rect">
             <a:avLst/>
@@ -13846,7 +13870,7 @@
         <p:spPr>
           <a:xfrm>
             <a:off x="3378600" y="2347200"/>
-            <a:ext cx="5763960" cy="2795040"/>
+            <a:ext cx="5763600" cy="2794680"/>
           </a:xfrm>
           <a:prstGeom prst="rect">
             <a:avLst/>
@@ -13865,7 +13889,7 @@
         <p:spPr>
           <a:xfrm>
             <a:off x="0" y="4810320"/>
-            <a:ext cx="9142560" cy="213480"/>
+            <a:ext cx="9142200" cy="213480"/>
           </a:xfrm>
           <a:prstGeom prst="rect">
             <a:avLst/>
@@ -14192,6 +14216,475 @@
   <p:clrMap bg1="lt1" bg2="lt2" tx1="dk1" tx2="dk2" accent1="accent1" accent2="accent2" accent3="accent3" accent4="accent4" accent5="accent5" accent6="accent6" hlink="hlink" folHlink="folHlink"/>
   <p:sldLayoutIdLst>
     <p:sldLayoutId id="2147483697" r:id="rId4"/>
+  </p:sldLayoutIdLst>
+</p:sldMaster>
+</file>
+
+<file path=ppt/slideMasters/slideMaster26.xml><?xml version="1.0" encoding="utf-8"?>
+<p:sldMaster xmlns:a="http://schemas.openxmlformats.org/drawingml/2006/main" xmlns:p="http://schemas.openxmlformats.org/presentationml/2006/main" xmlns:r="http://schemas.openxmlformats.org/officeDocument/2006/relationships" xmlns:p14="http://schemas.microsoft.com/office/powerpoint/2010/main" xmlns:p15="http://schemas.microsoft.com/office/powerpoint/2012/main" xmlns:mc="http://schemas.openxmlformats.org/markup-compatibility/2006">
+  <p:cSld>
+    <p:bg>
+      <p:bgPr>
+        <a:solidFill>
+          <a:srgbClr val="ffffff"/>
+        </a:solidFill>
+      </p:bgPr>
+    </p:bg>
+    <p:spTree>
+      <p:nvGrpSpPr>
+        <p:cNvPr id="1" name=""/>
+        <p:cNvGrpSpPr/>
+        <p:nvPr/>
+      </p:nvGrpSpPr>
+      <p:grpSpPr>
+        <a:xfrm>
+          <a:off x="0" y="0"/>
+          <a:ext cx="0" cy="0"/>
+          <a:chOff x="0" y="0"/>
+          <a:chExt cx="0" cy="0"/>
+        </a:xfrm>
+      </p:grpSpPr>
+      <p:sp>
+        <p:nvSpPr>
+          <p:cNvPr id="182" name="Google Shape;63;p16"/>
+          <p:cNvSpPr/>
+          <p:nvPr/>
+        </p:nvSpPr>
+        <p:spPr>
+          <a:xfrm>
+            <a:off x="0" y="4867560"/>
+            <a:ext cx="307080" cy="274320"/>
+          </a:xfrm>
+          <a:prstGeom prst="rect">
+            <a:avLst/>
+          </a:prstGeom>
+          <a:noFill/>
+          <a:ln w="0">
+            <a:noFill/>
+          </a:ln>
+        </p:spPr>
+        <p:style>
+          <a:lnRef idx="0"/>
+          <a:fillRef idx="0"/>
+          <a:effectRef idx="0"/>
+          <a:fontRef idx="minor"/>
+        </p:style>
+        <p:txBody>
+          <a:bodyPr lIns="90000" rIns="90000" tIns="137160" bIns="137160" anchor="ctr">
+            <a:noAutofit/>
+          </a:bodyPr>
+          <a:p>
+            <a:pPr algn="ctr">
+              <a:lnSpc>
+                <a:spcPct val="100000"/>
+              </a:lnSpc>
+              <a:tabLst>
+                <a:tab algn="l" pos="0"/>
+              </a:tabLst>
+            </a:pPr>
+            <a:fld id="{6CE158E0-464A-4DE6-8475-C3DBB4DE3943}" type="slidenum">
+              <a:rPr b="0" lang="en" sz="800" spc="-1" strike="noStrike">
+                <a:solidFill>
+                  <a:srgbClr val="3d3c3b"/>
+                </a:solidFill>
+                <a:latin typeface="Helvetica Neue Light"/>
+                <a:ea typeface="Helvetica Neue Light"/>
+              </a:rPr>
+              <a:t>&lt;number&gt;</a:t>
+            </a:fld>
+            <a:endParaRPr b="0" lang="pt-PT" sz="800" spc="-1" strike="noStrike">
+              <a:solidFill>
+                <a:srgbClr val="000000"/>
+              </a:solidFill>
+              <a:latin typeface="Arial"/>
+            </a:endParaRPr>
+          </a:p>
+        </p:txBody>
+      </p:sp>
+      <p:pic>
+        <p:nvPicPr>
+          <p:cNvPr id="183" name="Google Shape;64;p16" descr=""/>
+          <p:cNvPicPr/>
+          <p:nvPr/>
+        </p:nvPicPr>
+        <p:blipFill>
+          <a:blip r:embed="rId2"/>
+          <a:stretch/>
+        </p:blipFill>
+        <p:spPr>
+          <a:xfrm>
+            <a:off x="7843320" y="4663080"/>
+            <a:ext cx="1009080" cy="306000"/>
+          </a:xfrm>
+          <a:prstGeom prst="rect">
+            <a:avLst/>
+          </a:prstGeom>
+          <a:ln w="0">
+            <a:noFill/>
+          </a:ln>
+        </p:spPr>
+      </p:pic>
+      <p:pic>
+        <p:nvPicPr>
+          <p:cNvPr id="184" name="Google Shape;65;p16" descr=""/>
+          <p:cNvPicPr/>
+          <p:nvPr/>
+        </p:nvPicPr>
+        <p:blipFill>
+          <a:blip r:embed="rId3">
+            <a:alphaModFix amt="6000"/>
+          </a:blip>
+          <a:stretch/>
+        </p:blipFill>
+        <p:spPr>
+          <a:xfrm>
+            <a:off x="3378600" y="2347200"/>
+            <a:ext cx="5763600" cy="2794680"/>
+          </a:xfrm>
+          <a:prstGeom prst="rect">
+            <a:avLst/>
+          </a:prstGeom>
+          <a:ln w="0">
+            <a:noFill/>
+          </a:ln>
+        </p:spPr>
+      </p:pic>
+      <p:sp>
+        <p:nvSpPr>
+          <p:cNvPr id="185" name="Google Shape;67;p16"/>
+          <p:cNvSpPr/>
+          <p:nvPr/>
+        </p:nvSpPr>
+        <p:spPr>
+          <a:xfrm>
+            <a:off x="0" y="4810320"/>
+            <a:ext cx="9142200" cy="213480"/>
+          </a:xfrm>
+          <a:prstGeom prst="rect">
+            <a:avLst/>
+          </a:prstGeom>
+          <a:noFill/>
+          <a:ln w="0">
+            <a:noFill/>
+          </a:ln>
+        </p:spPr>
+        <p:style>
+          <a:lnRef idx="0"/>
+          <a:fillRef idx="0"/>
+          <a:effectRef idx="0"/>
+          <a:fontRef idx="minor"/>
+        </p:style>
+        <p:txBody>
+          <a:bodyPr lIns="90000" rIns="90000" tIns="53640" bIns="53640" anchor="t">
+            <a:spAutoFit/>
+          </a:bodyPr>
+          <a:p>
+            <a:pPr algn="ctr">
+              <a:lnSpc>
+                <a:spcPct val="100000"/>
+              </a:lnSpc>
+              <a:tabLst>
+                <a:tab algn="l" pos="0"/>
+              </a:tabLst>
+            </a:pPr>
+            <a:r>
+              <a:rPr b="0" lang="en" sz="700" spc="-1" strike="noStrike">
+                <a:solidFill>
+                  <a:srgbClr val="999999"/>
+                </a:solidFill>
+                <a:latin typeface="Roboto"/>
+                <a:ea typeface="Roboto"/>
+              </a:rPr>
+              <a:t>COPYRIGHT (C) 2025, ECLIPSE FOUNDATION</a:t>
+            </a:r>
+            <a:endParaRPr b="0" lang="pt-PT" sz="700" spc="-1" strike="noStrike">
+              <a:solidFill>
+                <a:srgbClr val="000000"/>
+              </a:solidFill>
+              <a:latin typeface="Arial"/>
+            </a:endParaRPr>
+          </a:p>
+        </p:txBody>
+      </p:sp>
+      <p:sp>
+        <p:nvSpPr>
+          <p:cNvPr id="186" name="PlaceHolder 1"/>
+          <p:cNvSpPr>
+            <a:spLocks noGrp="1"/>
+          </p:cNvSpPr>
+          <p:nvPr>
+            <p:ph type="title"/>
+          </p:nvPr>
+        </p:nvSpPr>
+        <p:spPr>
+          <a:xfrm>
+            <a:off x="457200" y="205200"/>
+            <a:ext cx="8229240" cy="858600"/>
+          </a:xfrm>
+          <a:prstGeom prst="rect">
+            <a:avLst/>
+          </a:prstGeom>
+          <a:noFill/>
+          <a:ln w="0">
+            <a:noFill/>
+          </a:ln>
+        </p:spPr>
+        <p:txBody>
+          <a:bodyPr lIns="0" rIns="0" tIns="0" bIns="0" anchor="ctr">
+            <a:noAutofit/>
+          </a:bodyPr>
+          <a:p>
+            <a:pPr indent="0" algn="ctr">
+              <a:buNone/>
+            </a:pPr>
+            <a:r>
+              <a:rPr b="0" lang="pt-PT" sz="4400" spc="-1" strike="noStrike">
+                <a:solidFill>
+                  <a:srgbClr val="000000"/>
+                </a:solidFill>
+                <a:latin typeface="Arial"/>
+              </a:rPr>
+              <a:t>Click to edit the title text format</a:t>
+            </a:r>
+            <a:endParaRPr b="0" lang="pt-PT" sz="4400" spc="-1" strike="noStrike">
+              <a:solidFill>
+                <a:srgbClr val="000000"/>
+              </a:solidFill>
+              <a:latin typeface="Arial"/>
+            </a:endParaRPr>
+          </a:p>
+        </p:txBody>
+      </p:sp>
+      <p:sp>
+        <p:nvSpPr>
+          <p:cNvPr id="187" name="PlaceHolder 2"/>
+          <p:cNvSpPr>
+            <a:spLocks noGrp="1"/>
+          </p:cNvSpPr>
+          <p:nvPr>
+            <p:ph type="body"/>
+          </p:nvPr>
+        </p:nvSpPr>
+        <p:spPr>
+          <a:xfrm>
+            <a:off x="457200" y="1203480"/>
+            <a:ext cx="8229240" cy="2982960"/>
+          </a:xfrm>
+          <a:prstGeom prst="rect">
+            <a:avLst/>
+          </a:prstGeom>
+          <a:noFill/>
+          <a:ln w="0">
+            <a:noFill/>
+          </a:ln>
+        </p:spPr>
+        <p:txBody>
+          <a:bodyPr lIns="0" rIns="0" tIns="0" bIns="0" anchor="t">
+            <a:normAutofit/>
+          </a:bodyPr>
+          <a:p>
+            <a:pPr marL="432000" indent="-324000">
+              <a:spcBef>
+                <a:spcPts val="1417"/>
+              </a:spcBef>
+              <a:buClr>
+                <a:srgbClr val="000000"/>
+              </a:buClr>
+              <a:buSzPct val="45000"/>
+              <a:buFont typeface="Wingdings" charset="2"/>
+              <a:buChar char=""/>
+            </a:pPr>
+            <a:r>
+              <a:rPr b="0" lang="pt-PT" sz="3200" spc="-1" strike="noStrike">
+                <a:solidFill>
+                  <a:srgbClr val="000000"/>
+                </a:solidFill>
+                <a:latin typeface="Arial"/>
+              </a:rPr>
+              <a:t>Click to edit the outline text format</a:t>
+            </a:r>
+            <a:endParaRPr b="0" lang="pt-PT" sz="3200" spc="-1" strike="noStrike">
+              <a:solidFill>
+                <a:srgbClr val="000000"/>
+              </a:solidFill>
+              <a:latin typeface="Arial"/>
+            </a:endParaRPr>
+          </a:p>
+          <a:p>
+            <a:pPr lvl="1" marL="864000" indent="-324000">
+              <a:spcBef>
+                <a:spcPts val="1134"/>
+              </a:spcBef>
+              <a:buClr>
+                <a:srgbClr val="000000"/>
+              </a:buClr>
+              <a:buSzPct val="75000"/>
+              <a:buFont typeface="Symbol" charset="2"/>
+              <a:buChar char=""/>
+            </a:pPr>
+            <a:r>
+              <a:rPr b="0" lang="pt-PT" sz="2800" spc="-1" strike="noStrike">
+                <a:solidFill>
+                  <a:srgbClr val="000000"/>
+                </a:solidFill>
+                <a:latin typeface="Arial"/>
+              </a:rPr>
+              <a:t>Second Outline Level</a:t>
+            </a:r>
+            <a:endParaRPr b="0" lang="pt-PT" sz="2800" spc="-1" strike="noStrike">
+              <a:solidFill>
+                <a:srgbClr val="000000"/>
+              </a:solidFill>
+              <a:latin typeface="Arial"/>
+            </a:endParaRPr>
+          </a:p>
+          <a:p>
+            <a:pPr lvl="2" marL="1296000" indent="-288000">
+              <a:spcBef>
+                <a:spcPts val="850"/>
+              </a:spcBef>
+              <a:buClr>
+                <a:srgbClr val="000000"/>
+              </a:buClr>
+              <a:buSzPct val="45000"/>
+              <a:buFont typeface="Wingdings" charset="2"/>
+              <a:buChar char=""/>
+            </a:pPr>
+            <a:r>
+              <a:rPr b="0" lang="pt-PT" sz="2400" spc="-1" strike="noStrike">
+                <a:solidFill>
+                  <a:srgbClr val="000000"/>
+                </a:solidFill>
+                <a:latin typeface="Arial"/>
+              </a:rPr>
+              <a:t>Third Outline Level</a:t>
+            </a:r>
+            <a:endParaRPr b="0" lang="pt-PT" sz="2400" spc="-1" strike="noStrike">
+              <a:solidFill>
+                <a:srgbClr val="000000"/>
+              </a:solidFill>
+              <a:latin typeface="Arial"/>
+            </a:endParaRPr>
+          </a:p>
+          <a:p>
+            <a:pPr lvl="3" marL="1728000" indent="-216000">
+              <a:spcBef>
+                <a:spcPts val="567"/>
+              </a:spcBef>
+              <a:buClr>
+                <a:srgbClr val="000000"/>
+              </a:buClr>
+              <a:buSzPct val="75000"/>
+              <a:buFont typeface="Symbol" charset="2"/>
+              <a:buChar char=""/>
+            </a:pPr>
+            <a:r>
+              <a:rPr b="0" lang="pt-PT" sz="2000" spc="-1" strike="noStrike">
+                <a:solidFill>
+                  <a:srgbClr val="000000"/>
+                </a:solidFill>
+                <a:latin typeface="Arial"/>
+              </a:rPr>
+              <a:t>Fourth Outline Level</a:t>
+            </a:r>
+            <a:endParaRPr b="0" lang="pt-PT" sz="2000" spc="-1" strike="noStrike">
+              <a:solidFill>
+                <a:srgbClr val="000000"/>
+              </a:solidFill>
+              <a:latin typeface="Arial"/>
+            </a:endParaRPr>
+          </a:p>
+          <a:p>
+            <a:pPr lvl="4" marL="2160000" indent="-216000">
+              <a:spcBef>
+                <a:spcPts val="283"/>
+              </a:spcBef>
+              <a:buClr>
+                <a:srgbClr val="000000"/>
+              </a:buClr>
+              <a:buSzPct val="45000"/>
+              <a:buFont typeface="Wingdings" charset="2"/>
+              <a:buChar char=""/>
+            </a:pPr>
+            <a:r>
+              <a:rPr b="0" lang="pt-PT" sz="2000" spc="-1" strike="noStrike">
+                <a:solidFill>
+                  <a:srgbClr val="000000"/>
+                </a:solidFill>
+                <a:latin typeface="Arial"/>
+              </a:rPr>
+              <a:t>Fifth Outline Level</a:t>
+            </a:r>
+            <a:endParaRPr b="0" lang="pt-PT" sz="2000" spc="-1" strike="noStrike">
+              <a:solidFill>
+                <a:srgbClr val="000000"/>
+              </a:solidFill>
+              <a:latin typeface="Arial"/>
+            </a:endParaRPr>
+          </a:p>
+          <a:p>
+            <a:pPr lvl="5" marL="2592000" indent="-216000">
+              <a:spcBef>
+                <a:spcPts val="283"/>
+              </a:spcBef>
+              <a:buClr>
+                <a:srgbClr val="000000"/>
+              </a:buClr>
+              <a:buSzPct val="45000"/>
+              <a:buFont typeface="Wingdings" charset="2"/>
+              <a:buChar char=""/>
+            </a:pPr>
+            <a:r>
+              <a:rPr b="0" lang="pt-PT" sz="2000" spc="-1" strike="noStrike">
+                <a:solidFill>
+                  <a:srgbClr val="000000"/>
+                </a:solidFill>
+                <a:latin typeface="Arial"/>
+              </a:rPr>
+              <a:t>Sixth Outline Level</a:t>
+            </a:r>
+            <a:endParaRPr b="0" lang="pt-PT" sz="2000" spc="-1" strike="noStrike">
+              <a:solidFill>
+                <a:srgbClr val="000000"/>
+              </a:solidFill>
+              <a:latin typeface="Arial"/>
+            </a:endParaRPr>
+          </a:p>
+          <a:p>
+            <a:pPr lvl="6" marL="3024000" indent="-216000">
+              <a:spcBef>
+                <a:spcPts val="283"/>
+              </a:spcBef>
+              <a:buClr>
+                <a:srgbClr val="000000"/>
+              </a:buClr>
+              <a:buSzPct val="45000"/>
+              <a:buFont typeface="Wingdings" charset="2"/>
+              <a:buChar char=""/>
+            </a:pPr>
+            <a:r>
+              <a:rPr b="0" lang="pt-PT" sz="2000" spc="-1" strike="noStrike">
+                <a:solidFill>
+                  <a:srgbClr val="000000"/>
+                </a:solidFill>
+                <a:latin typeface="Arial"/>
+              </a:rPr>
+              <a:t>Seventh Outline Level</a:t>
+            </a:r>
+            <a:endParaRPr b="0" lang="pt-PT" sz="2000" spc="-1" strike="noStrike">
+              <a:solidFill>
+                <a:srgbClr val="000000"/>
+              </a:solidFill>
+              <a:latin typeface="Arial"/>
+            </a:endParaRPr>
+          </a:p>
+        </p:txBody>
+      </p:sp>
+    </p:spTree>
+  </p:cSld>
+  <p:clrMap bg1="lt1" bg2="lt2" tx1="dk1" tx2="dk2" accent1="accent1" accent2="accent2" accent3="accent3" accent4="accent4" accent5="accent5" accent6="accent6" hlink="hlink" folHlink="folHlink"/>
+  <p:sldLayoutIdLst>
+    <p:sldLayoutId id="2147483699" r:id="rId4"/>
   </p:sldLayoutIdLst>
 </p:sldMaster>
 </file>
@@ -15182,7 +15675,7 @@
         <p:spPr>
           <a:xfrm>
             <a:off x="8472600" y="4663080"/>
-            <a:ext cx="547200" cy="392040"/>
+            <a:ext cx="546840" cy="391680"/>
           </a:xfrm>
           <a:prstGeom prst="rect">
             <a:avLst/>
@@ -15224,7 +15717,7 @@
                 <a:tab algn="l" pos="0"/>
               </a:tabLst>
             </a:pPr>
-            <a:fld id="{7B58BE52-A4D8-4981-9E3D-3339E40BA686}" type="slidenum">
+            <a:fld id="{B4D9205E-FB6D-49F2-A9A0-FA68C9A64D7A}" type="slidenum">
               <a:rPr b="0" lang="en" sz="1000" spc="-1" strike="noStrike">
                 <a:solidFill>
                   <a:srgbClr val="595959"/>
@@ -15289,7 +15782,7 @@
         <p:spPr>
           <a:xfrm>
             <a:off x="8472600" y="4663080"/>
-            <a:ext cx="547200" cy="392040"/>
+            <a:ext cx="546840" cy="391680"/>
           </a:xfrm>
           <a:prstGeom prst="rect">
             <a:avLst/>
@@ -15331,7 +15824,7 @@
                 <a:tab algn="l" pos="0"/>
               </a:tabLst>
             </a:pPr>
-            <a:fld id="{E57B4924-04AE-48A6-8D70-C3073236C1FD}" type="slidenum">
+            <a:fld id="{B7E11C7E-039E-434D-82BD-7CC5DAC1D3A8}" type="slidenum">
               <a:rPr b="0" lang="en" sz="1000" spc="-1" strike="noStrike">
                 <a:solidFill>
                   <a:srgbClr val="595959"/>
@@ -15396,7 +15889,7 @@
         <p:spPr>
           <a:xfrm>
             <a:off x="8472600" y="4663080"/>
-            <a:ext cx="547200" cy="392040"/>
+            <a:ext cx="546840" cy="391680"/>
           </a:xfrm>
           <a:prstGeom prst="rect">
             <a:avLst/>
@@ -15438,7 +15931,7 @@
                 <a:tab algn="l" pos="0"/>
               </a:tabLst>
             </a:pPr>
-            <a:fld id="{594F5F14-B4BE-428C-84A5-62BDEF0662B9}" type="slidenum">
+            <a:fld id="{9C258C39-FA22-4E3C-9ACF-426FE6477A16}" type="slidenum">
               <a:rPr b="0" lang="en" sz="1000" spc="-1" strike="noStrike">
                 <a:solidFill>
                   <a:srgbClr val="595959"/>
@@ -16051,7 +16544,7 @@
         <p:spPr>
           <a:xfrm>
             <a:off x="8472600" y="4663080"/>
-            <a:ext cx="547200" cy="392040"/>
+            <a:ext cx="546840" cy="391680"/>
           </a:xfrm>
           <a:prstGeom prst="rect">
             <a:avLst/>
@@ -16093,7 +16586,7 @@
                 <a:tab algn="l" pos="0"/>
               </a:tabLst>
             </a:pPr>
-            <a:fld id="{84E78288-6CBC-4B05-9E31-C4DC30580CF5}" type="slidenum">
+            <a:fld id="{FCC85C9E-06F9-410A-A84A-0EB542B82852}" type="slidenum">
               <a:rPr b="0" lang="en" sz="1000" spc="-1" strike="noStrike">
                 <a:solidFill>
                   <a:srgbClr val="595959"/>
@@ -16432,7 +16925,7 @@
         <p:spPr>
           <a:xfrm>
             <a:off x="8472600" y="4663080"/>
-            <a:ext cx="547200" cy="392040"/>
+            <a:ext cx="546840" cy="391680"/>
           </a:xfrm>
           <a:prstGeom prst="rect">
             <a:avLst/>
@@ -16474,7 +16967,7 @@
                 <a:tab algn="l" pos="0"/>
               </a:tabLst>
             </a:pPr>
-            <a:fld id="{31D1FFEF-5370-4177-92BC-21439536108B}" type="slidenum">
+            <a:fld id="{A27EFFA2-44D7-4E5B-ABC0-4B7E8B12C830}" type="slidenum">
               <a:rPr b="0" lang="en" sz="1000" spc="-1" strike="noStrike">
                 <a:solidFill>
                   <a:srgbClr val="595959"/>
@@ -17038,7 +17531,7 @@
         <p:spPr>
           <a:xfrm>
             <a:off x="8472600" y="4663080"/>
-            <a:ext cx="547200" cy="392040"/>
+            <a:ext cx="546840" cy="391680"/>
           </a:xfrm>
           <a:prstGeom prst="rect">
             <a:avLst/>
@@ -17080,7 +17573,7 @@
                 <a:tab algn="l" pos="0"/>
               </a:tabLst>
             </a:pPr>
-            <a:fld id="{8614ABFD-6B8E-4FE7-AEF8-1711A350094F}" type="slidenum">
+            <a:fld id="{A61F603A-E522-4037-BABE-4620DEEB7C13}" type="slidenum">
               <a:rPr b="0" lang="en" sz="1000" spc="-1" strike="noStrike">
                 <a:solidFill>
                   <a:srgbClr val="595959"/>
@@ -17194,7 +17687,7 @@
         <p:spPr>
           <a:xfrm>
             <a:off x="8472600" y="4663080"/>
-            <a:ext cx="547200" cy="392040"/>
+            <a:ext cx="546840" cy="391680"/>
           </a:xfrm>
           <a:prstGeom prst="rect">
             <a:avLst/>
@@ -17236,7 +17729,7 @@
                 <a:tab algn="l" pos="0"/>
               </a:tabLst>
             </a:pPr>
-            <a:fld id="{812D3262-A417-44A7-A28E-ACFF9275942A}" type="slidenum">
+            <a:fld id="{DC476807-43E9-4F05-94B5-7B4246355C31}" type="slidenum">
               <a:rPr b="0" lang="en" sz="1000" spc="-1" strike="noStrike">
                 <a:solidFill>
                   <a:srgbClr val="595959"/>
@@ -17283,7 +17776,7 @@
       </p:grpSpPr>
       <p:pic>
         <p:nvPicPr>
-          <p:cNvPr id="182" name="Google Shape;137;p31" descr=""/>
+          <p:cNvPr id="188" name="Google Shape;137;p31" descr=""/>
           <p:cNvPicPr/>
           <p:nvPr/>
         </p:nvPicPr>
@@ -17294,7 +17787,7 @@
         <p:spPr>
           <a:xfrm>
             <a:off x="0" y="0"/>
-            <a:ext cx="9142560" cy="5142240"/>
+            <a:ext cx="9142200" cy="5141880"/>
           </a:xfrm>
           <a:prstGeom prst="rect">
             <a:avLst/>
@@ -17306,21 +17799,21 @@
       </p:pic>
       <p:grpSp>
         <p:nvGrpSpPr>
-          <p:cNvPr id="183" name="Google Shape;138;p31"/>
+          <p:cNvPr id="189" name="Google Shape;138;p31"/>
           <p:cNvGrpSpPr/>
           <p:nvPr/>
         </p:nvGrpSpPr>
         <p:grpSpPr>
           <a:xfrm>
             <a:off x="0" y="4044960"/>
-            <a:ext cx="9142560" cy="978840"/>
+            <a:ext cx="9142200" cy="978840"/>
             <a:chOff x="0" y="4044960"/>
-            <a:chExt cx="9142560" cy="978840"/>
+            <a:chExt cx="9142200" cy="978840"/>
           </a:xfrm>
         </p:grpSpPr>
         <p:pic>
           <p:nvPicPr>
-            <p:cNvPr id="184" name="Google Shape;139;p31" descr=""/>
+            <p:cNvPr id="190" name="Google Shape;139;p31" descr=""/>
             <p:cNvPicPr/>
             <p:nvPr/>
           </p:nvPicPr>
@@ -17331,7 +17824,7 @@
           <p:spPr>
             <a:xfrm>
               <a:off x="268560" y="4044960"/>
-              <a:ext cx="1632600" cy="566640"/>
+              <a:ext cx="1632240" cy="566280"/>
             </a:xfrm>
             <a:prstGeom prst="rect">
               <a:avLst/>
@@ -17343,14 +17836,14 @@
         </p:pic>
         <p:sp>
           <p:nvSpPr>
-            <p:cNvPr id="185" name="Google Shape;140;p31"/>
+            <p:cNvPr id="191" name="Google Shape;140;p31"/>
             <p:cNvSpPr/>
             <p:nvPr/>
           </p:nvSpPr>
           <p:spPr>
             <a:xfrm>
               <a:off x="0" y="4810320"/>
-              <a:ext cx="9142560" cy="213480"/>
+              <a:ext cx="9142200" cy="213480"/>
             </a:xfrm>
             <a:prstGeom prst="rect">
               <a:avLst/>
@@ -17401,14 +17894,14 @@
       </p:grpSp>
       <p:sp>
         <p:nvSpPr>
-          <p:cNvPr id="186" name="Google Shape;141;p31"/>
+          <p:cNvPr id="192" name="Google Shape;141;p31"/>
           <p:cNvSpPr/>
           <p:nvPr/>
         </p:nvSpPr>
         <p:spPr>
           <a:xfrm>
             <a:off x="1924200" y="1148760"/>
-            <a:ext cx="7611480" cy="2032200"/>
+            <a:ext cx="7611120" cy="2031840"/>
           </a:xfrm>
           <a:prstGeom prst="rect">
             <a:avLst/>
@@ -17488,7 +17981,7 @@
       </p:grpSpPr>
       <p:pic>
         <p:nvPicPr>
-          <p:cNvPr id="221" name="Google Shape;190;p38" descr=""/>
+          <p:cNvPr id="228" name="Google Shape;183;p37" descr=""/>
           <p:cNvPicPr/>
           <p:nvPr/>
         </p:nvPicPr>
@@ -17498,8 +17991,8 @@
         </p:blipFill>
         <p:spPr>
           <a:xfrm flipH="1">
-            <a:off x="1440" y="159480"/>
-            <a:ext cx="1260720" cy="610560"/>
+            <a:off x="1800" y="159480"/>
+            <a:ext cx="1260360" cy="610200"/>
           </a:xfrm>
           <a:prstGeom prst="rect">
             <a:avLst/>
@@ -17511,7 +18004,7 @@
       </p:pic>
       <p:sp>
         <p:nvSpPr>
-          <p:cNvPr id="222" name="PlaceHolder 1"/>
+          <p:cNvPr id="229" name="PlaceHolder 1"/>
           <p:cNvSpPr>
             <a:spLocks noGrp="1"/>
           </p:cNvSpPr>
@@ -17522,7 +18015,7 @@
         <p:spPr>
           <a:xfrm>
             <a:off x="1262160" y="281880"/>
-            <a:ext cx="6782400" cy="488160"/>
+            <a:ext cx="6782040" cy="487800"/>
           </a:xfrm>
           <a:prstGeom prst="rect">
             <a:avLst/>
@@ -17554,7 +18047,7 @@
                 <a:latin typeface="Arial"/>
                 <a:ea typeface="Arial"/>
               </a:rPr>
-              <a:t>Business Model * Plan &amp; Funds</a:t>
+              <a:t>The Market &amp; The Competition</a:t>
             </a:r>
             <a:endParaRPr b="0" lang="pt-PT" sz="3000" spc="-1" strike="noStrike">
               <a:solidFill>
@@ -17567,14 +18060,14 @@
       </p:sp>
       <p:sp>
         <p:nvSpPr>
-          <p:cNvPr id="223" name="Google Shape;192;p38"/>
+          <p:cNvPr id="230" name="Google Shape;185;p37"/>
           <p:cNvSpPr/>
           <p:nvPr/>
         </p:nvSpPr>
         <p:spPr>
           <a:xfrm>
             <a:off x="657720" y="1132560"/>
-            <a:ext cx="7685640" cy="3198960"/>
+            <a:ext cx="7685280" cy="3198600"/>
           </a:xfrm>
           <a:prstGeom prst="rect">
             <a:avLst/>
@@ -17611,7 +18104,33 @@
                 <a:latin typeface="Roboto"/>
                 <a:ea typeface="Roboto"/>
               </a:rPr>
-              <a:t>As true SDVs are still in progress and there aren’t many brands selling them, offering it as a downloadable app is still not feasible. </a:t>
+              <a:t>Every one enjoys to set a speed, knowingly that it will arrive in a certain time frame, but many avoid it as it consumes more than their own speed control.</a:t>
+            </a:r>
+            <a:br>
+              <a:rPr sz="1800"/>
+            </a:br>
+            <a:br>
+              <a:rPr sz="1800"/>
+            </a:br>
+            <a:r>
+              <a:rPr b="0" lang="en" sz="1800" spc="-1" strike="noStrike">
+                <a:solidFill>
+                  <a:srgbClr val="000000"/>
+                </a:solidFill>
+                <a:latin typeface="Arial"/>
+                <a:ea typeface="DejaVu Sans"/>
+              </a:rPr>
+              <a:t>T</a:t>
+            </a:r>
+            <a:r>
+              <a:rPr b="0" i="1" lang="en" sz="1800" spc="-1" strike="noStrike">
+                <a:solidFill>
+                  <a:srgbClr val="000000"/>
+                </a:solidFill>
+                <a:latin typeface="Roboto"/>
+                <a:ea typeface="Roboto"/>
+              </a:rPr>
+              <a:t>he closest competitor is the adaptative cruise control who lowers the speed if a car is circulating slower in front of him. But none considers lowering the consumption...</a:t>
             </a:r>
             <a:endParaRPr b="0" lang="pt-PT" sz="1800" spc="-1" strike="noStrike">
               <a:solidFill>
@@ -17636,127 +18155,11 @@
               <a:latin typeface="Arial"/>
             </a:endParaRPr>
           </a:p>
-          <a:p>
-            <a:pPr marL="12600">
-              <a:lnSpc>
-                <a:spcPct val="100000"/>
-              </a:lnSpc>
-              <a:tabLst>
-                <a:tab algn="l" pos="0"/>
-              </a:tabLst>
-            </a:pPr>
-            <a:r>
-              <a:rPr b="0" i="1" lang="en" sz="1800" spc="-1" strike="noStrike">
-                <a:solidFill>
-                  <a:srgbClr val="000000"/>
-                </a:solidFill>
-                <a:latin typeface="Roboto"/>
-                <a:ea typeface="Roboto"/>
-              </a:rPr>
-              <a:t>However, the algorythm can be prepared and improved with the scope of offering the solution as an add on/concept for the main manufacturers</a:t>
-            </a:r>
-            <a:endParaRPr b="0" lang="pt-PT" sz="1800" spc="-1" strike="noStrike">
-              <a:solidFill>
-                <a:srgbClr val="000000"/>
-              </a:solidFill>
-              <a:latin typeface="Arial"/>
-            </a:endParaRPr>
-          </a:p>
-          <a:p>
-            <a:pPr marL="12600">
-              <a:lnSpc>
-                <a:spcPct val="100000"/>
-              </a:lnSpc>
-              <a:tabLst>
-                <a:tab algn="l" pos="0"/>
-              </a:tabLst>
-            </a:pPr>
-            <a:endParaRPr b="0" lang="pt-PT" sz="1800" spc="-1" strike="noStrike">
-              <a:solidFill>
-                <a:srgbClr val="000000"/>
-              </a:solidFill>
-              <a:latin typeface="Arial"/>
-            </a:endParaRPr>
-          </a:p>
-          <a:p>
-            <a:pPr marL="12600">
-              <a:lnSpc>
-                <a:spcPct val="100000"/>
-              </a:lnSpc>
-              <a:tabLst>
-                <a:tab algn="l" pos="0"/>
-              </a:tabLst>
-            </a:pPr>
-            <a:r>
-              <a:rPr b="0" i="1" lang="en" sz="1800" spc="-1" strike="noStrike">
-                <a:solidFill>
-                  <a:srgbClr val="000000"/>
-                </a:solidFill>
-                <a:latin typeface="Roboto"/>
-                <a:ea typeface="Roboto"/>
-              </a:rPr>
-              <a:t>Funds would be used to further develop and improve the app, as well as creating awareness, its own place on the market, and offer the algorythm as a library/feature to be implemented on each brand own vehicle.</a:t>
-            </a:r>
-            <a:endParaRPr b="0" lang="pt-PT" sz="1800" spc="-1" strike="noStrike">
-              <a:solidFill>
-                <a:srgbClr val="000000"/>
-              </a:solidFill>
-              <a:latin typeface="Arial"/>
-            </a:endParaRPr>
-          </a:p>
-          <a:p>
-            <a:pPr marL="12600">
-              <a:lnSpc>
-                <a:spcPct val="100000"/>
-              </a:lnSpc>
-              <a:tabLst>
-                <a:tab algn="l" pos="0"/>
-              </a:tabLst>
-            </a:pPr>
-            <a:endParaRPr b="0" lang="pt-PT" sz="1800" spc="-1" strike="noStrike">
-              <a:solidFill>
-                <a:srgbClr val="000000"/>
-              </a:solidFill>
-              <a:latin typeface="Arial"/>
-            </a:endParaRPr>
-          </a:p>
-          <a:p>
-            <a:pPr marL="12600">
-              <a:lnSpc>
-                <a:spcPct val="100000"/>
-              </a:lnSpc>
-              <a:tabLst>
-                <a:tab algn="l" pos="0"/>
-              </a:tabLst>
-            </a:pPr>
-            <a:endParaRPr b="0" lang="pt-PT" sz="1800" spc="-1" strike="noStrike">
-              <a:solidFill>
-                <a:srgbClr val="000000"/>
-              </a:solidFill>
-              <a:latin typeface="Arial"/>
-            </a:endParaRPr>
-          </a:p>
-          <a:p>
-            <a:pPr marL="12600">
-              <a:lnSpc>
-                <a:spcPct val="100000"/>
-              </a:lnSpc>
-              <a:tabLst>
-                <a:tab algn="l" pos="0"/>
-              </a:tabLst>
-            </a:pPr>
-            <a:endParaRPr b="0" lang="pt-PT" sz="1200" spc="-1" strike="noStrike">
-              <a:solidFill>
-                <a:srgbClr val="000000"/>
-              </a:solidFill>
-              <a:latin typeface="Arial"/>
-            </a:endParaRPr>
-          </a:p>
         </p:txBody>
       </p:sp>
       <p:pic>
         <p:nvPicPr>
-          <p:cNvPr id="224" name="" descr=""/>
+          <p:cNvPr id="231" name="" descr=""/>
           <p:cNvPicPr/>
           <p:nvPr/>
         </p:nvPicPr>
@@ -17767,7 +18170,7 @@
         <p:spPr>
           <a:xfrm>
             <a:off x="280800" y="4486680"/>
-            <a:ext cx="1242720" cy="555840"/>
+            <a:ext cx="1242360" cy="555480"/>
           </a:xfrm>
           <a:prstGeom prst="rect">
             <a:avLst/>
@@ -17809,7 +18212,7 @@
       </p:grpSpPr>
       <p:pic>
         <p:nvPicPr>
-          <p:cNvPr id="225" name="Google Shape;197;p39" descr=""/>
+          <p:cNvPr id="232" name="Google Shape;190;p38" descr=""/>
           <p:cNvPicPr/>
           <p:nvPr/>
         </p:nvPicPr>
@@ -17819,8 +18222,8 @@
         </p:blipFill>
         <p:spPr>
           <a:xfrm flipH="1">
-            <a:off x="1440" y="159480"/>
-            <a:ext cx="1260720" cy="610560"/>
+            <a:off x="1800" y="159480"/>
+            <a:ext cx="1260360" cy="610200"/>
           </a:xfrm>
           <a:prstGeom prst="rect">
             <a:avLst/>
@@ -17832,7 +18235,7 @@
       </p:pic>
       <p:sp>
         <p:nvSpPr>
-          <p:cNvPr id="226" name="PlaceHolder 1"/>
+          <p:cNvPr id="233" name="PlaceHolder 1"/>
           <p:cNvSpPr>
             <a:spLocks noGrp="1"/>
           </p:cNvSpPr>
@@ -17843,7 +18246,7 @@
         <p:spPr>
           <a:xfrm>
             <a:off x="1262160" y="281880"/>
-            <a:ext cx="6782400" cy="488160"/>
+            <a:ext cx="6782040" cy="487800"/>
           </a:xfrm>
           <a:prstGeom prst="rect">
             <a:avLst/>
@@ -17875,7 +18278,7 @@
                 <a:latin typeface="Arial"/>
                 <a:ea typeface="Arial"/>
               </a:rPr>
-              <a:t>Contact</a:t>
+              <a:t>Business Model * Plan &amp; Funds</a:t>
             </a:r>
             <a:endParaRPr b="0" lang="pt-PT" sz="3000" spc="-1" strike="noStrike">
               <a:solidFill>
@@ -17888,14 +18291,14 @@
       </p:sp>
       <p:sp>
         <p:nvSpPr>
-          <p:cNvPr id="227" name="Google Shape;199;p39"/>
+          <p:cNvPr id="234" name="Google Shape;192;p38"/>
           <p:cNvSpPr/>
           <p:nvPr/>
         </p:nvSpPr>
         <p:spPr>
           <a:xfrm>
             <a:off x="657720" y="1132560"/>
-            <a:ext cx="7685640" cy="3198960"/>
+            <a:ext cx="7685280" cy="3198600"/>
           </a:xfrm>
           <a:prstGeom prst="rect">
             <a:avLst/>
@@ -17932,7 +18335,7 @@
                 <a:latin typeface="Roboto"/>
                 <a:ea typeface="Roboto"/>
               </a:rPr>
-              <a:t>Ana Dias – ana.dias@criticalsoftware.com</a:t>
+              <a:t>As true SDVs are still in progress and there aren’t many brands selling them, offering it as a downloadable app is still not feasible. </a:t>
             </a:r>
             <a:endParaRPr b="0" lang="pt-PT" sz="1800" spc="-1" strike="noStrike">
               <a:solidFill>
@@ -17950,16 +18353,6 @@
                 <a:tab algn="l" pos="0"/>
               </a:tabLst>
             </a:pPr>
-            <a:r>
-              <a:rPr b="0" i="1" lang="en" sz="1800" spc="-1" strike="noStrike">
-                <a:solidFill>
-                  <a:srgbClr val="000000"/>
-                </a:solidFill>
-                <a:latin typeface="Roboto"/>
-                <a:ea typeface="Roboto"/>
-              </a:rPr>
-              <a:t>André Novo – andre.novo@criticalsoftware.com</a:t>
-            </a:r>
             <a:endParaRPr b="0" lang="pt-PT" sz="1800" spc="-1" strike="noStrike">
               <a:solidFill>
                 <a:srgbClr val="000000"/>
@@ -17984,17 +18377,7 @@
                 <a:latin typeface="Roboto"/>
                 <a:ea typeface="Roboto"/>
               </a:rPr>
-              <a:t>Danilo Margarido – danilo.margarido@criticalsoftware.com</a:t>
-            </a:r>
-            <a:r>
-              <a:rPr b="0" i="1" lang="en" sz="1800" spc="-1" strike="noStrike">
-                <a:solidFill>
-                  <a:srgbClr val="000000"/>
-                </a:solidFill>
-                <a:latin typeface="Roboto"/>
-                <a:ea typeface="Roboto"/>
-              </a:rPr>
-              <a:t>	</a:t>
+              <a:t>However, the algorythm can be prepared and improved with the scope of offering the solution as an add on/concept for the main manufacturers</a:t>
             </a:r>
             <a:endParaRPr b="0" lang="pt-PT" sz="1800" spc="-1" strike="noStrike">
               <a:solidFill>
@@ -18012,16 +18395,6 @@
                 <a:tab algn="l" pos="0"/>
               </a:tabLst>
             </a:pPr>
-            <a:r>
-              <a:rPr b="0" i="1" lang="en" sz="1800" spc="-1" strike="noStrike">
-                <a:solidFill>
-                  <a:srgbClr val="000000"/>
-                </a:solidFill>
-                <a:latin typeface="Roboto"/>
-                <a:ea typeface="Roboto"/>
-              </a:rPr>
-              <a:t>João Ferreira – joao.c.ferreira@criticalsoftware.com </a:t>
-            </a:r>
             <a:endParaRPr b="0" lang="pt-PT" sz="1800" spc="-1" strike="noStrike">
               <a:solidFill>
                 <a:srgbClr val="000000"/>
@@ -18046,7 +18419,7 @@
                 <a:latin typeface="Roboto"/>
                 <a:ea typeface="Roboto"/>
               </a:rPr>
-              <a:t>Jorge Nunes – jorge.nunes@criticalsoftware.com</a:t>
+              <a:t>Funds would be used to further develop and improve the app, as well as creating awareness, its own place on the market, and offer the algorythm as a library/feature to be implemented on each brand own vehicle.</a:t>
             </a:r>
             <a:endParaRPr b="0" lang="pt-PT" sz="1800" spc="-1" strike="noStrike">
               <a:solidFill>
@@ -18107,7 +18480,7 @@
       </p:sp>
       <p:pic>
         <p:nvPicPr>
-          <p:cNvPr id="228" name="" descr=""/>
+          <p:cNvPr id="235" name="" descr=""/>
           <p:cNvPicPr/>
           <p:nvPr/>
         </p:nvPicPr>
@@ -18118,7 +18491,7 @@
         <p:spPr>
           <a:xfrm>
             <a:off x="280800" y="4486680"/>
-            <a:ext cx="1242720" cy="555840"/>
+            <a:ext cx="1242360" cy="555480"/>
           </a:xfrm>
           <a:prstGeom prst="rect">
             <a:avLst/>
@@ -18160,7 +18533,358 @@
       </p:grpSpPr>
       <p:pic>
         <p:nvPicPr>
-          <p:cNvPr id="229" name="Google Shape;204;p40" descr=""/>
+          <p:cNvPr id="236" name="Google Shape;197;p39" descr=""/>
+          <p:cNvPicPr/>
+          <p:nvPr/>
+        </p:nvPicPr>
+        <p:blipFill>
+          <a:blip r:embed="rId1"/>
+          <a:stretch/>
+        </p:blipFill>
+        <p:spPr>
+          <a:xfrm flipH="1">
+            <a:off x="1800" y="159480"/>
+            <a:ext cx="1260360" cy="610200"/>
+          </a:xfrm>
+          <a:prstGeom prst="rect">
+            <a:avLst/>
+          </a:prstGeom>
+          <a:ln w="0">
+            <a:noFill/>
+          </a:ln>
+        </p:spPr>
+      </p:pic>
+      <p:sp>
+        <p:nvSpPr>
+          <p:cNvPr id="237" name="PlaceHolder 1"/>
+          <p:cNvSpPr>
+            <a:spLocks noGrp="1"/>
+          </p:cNvSpPr>
+          <p:nvPr>
+            <p:ph type="title"/>
+          </p:nvPr>
+        </p:nvSpPr>
+        <p:spPr>
+          <a:xfrm>
+            <a:off x="1262160" y="281880"/>
+            <a:ext cx="6782040" cy="487800"/>
+          </a:xfrm>
+          <a:prstGeom prst="rect">
+            <a:avLst/>
+          </a:prstGeom>
+          <a:noFill/>
+          <a:ln w="0">
+            <a:noFill/>
+          </a:ln>
+        </p:spPr>
+        <p:txBody>
+          <a:bodyPr lIns="90000" rIns="90000" tIns="90000" bIns="90000" anchor="t">
+            <a:noAutofit/>
+          </a:bodyPr>
+          <a:p>
+            <a:pPr indent="0">
+              <a:lnSpc>
+                <a:spcPct val="100000"/>
+              </a:lnSpc>
+              <a:buNone/>
+              <a:tabLst>
+                <a:tab algn="l" pos="0"/>
+              </a:tabLst>
+            </a:pPr>
+            <a:r>
+              <a:rPr b="0" lang="en" sz="3000" spc="-1" strike="noStrike">
+                <a:solidFill>
+                  <a:srgbClr val="000000"/>
+                </a:solidFill>
+                <a:latin typeface="Arial"/>
+                <a:ea typeface="Arial"/>
+              </a:rPr>
+              <a:t>Contact</a:t>
+            </a:r>
+            <a:endParaRPr b="0" lang="pt-PT" sz="3000" spc="-1" strike="noStrike">
+              <a:solidFill>
+                <a:srgbClr val="000000"/>
+              </a:solidFill>
+              <a:latin typeface="Arial"/>
+            </a:endParaRPr>
+          </a:p>
+        </p:txBody>
+      </p:sp>
+      <p:sp>
+        <p:nvSpPr>
+          <p:cNvPr id="238" name="Google Shape;199;p39"/>
+          <p:cNvSpPr/>
+          <p:nvPr/>
+        </p:nvSpPr>
+        <p:spPr>
+          <a:xfrm>
+            <a:off x="657720" y="1132560"/>
+            <a:ext cx="7685280" cy="3198600"/>
+          </a:xfrm>
+          <a:prstGeom prst="rect">
+            <a:avLst/>
+          </a:prstGeom>
+          <a:noFill/>
+          <a:ln w="0">
+            <a:noFill/>
+          </a:ln>
+        </p:spPr>
+        <p:style>
+          <a:lnRef idx="0"/>
+          <a:fillRef idx="0"/>
+          <a:effectRef idx="0"/>
+          <a:fontRef idx="minor"/>
+        </p:style>
+        <p:txBody>
+          <a:bodyPr lIns="90000" rIns="90000" tIns="91440" bIns="91440" anchor="t">
+            <a:noAutofit/>
+          </a:bodyPr>
+          <a:p>
+            <a:pPr marL="12600">
+              <a:lnSpc>
+                <a:spcPct val="100000"/>
+              </a:lnSpc>
+              <a:tabLst>
+                <a:tab algn="l" pos="0"/>
+              </a:tabLst>
+            </a:pPr>
+            <a:r>
+              <a:rPr b="0" i="1" lang="en" sz="1800" spc="-1" strike="noStrike">
+                <a:solidFill>
+                  <a:srgbClr val="000000"/>
+                </a:solidFill>
+                <a:latin typeface="Roboto"/>
+                <a:ea typeface="Roboto"/>
+              </a:rPr>
+              <a:t>Ana Dias – ana.dias@criticalsoftware.com</a:t>
+            </a:r>
+            <a:endParaRPr b="0" lang="pt-PT" sz="1800" spc="-1" strike="noStrike">
+              <a:solidFill>
+                <a:srgbClr val="000000"/>
+              </a:solidFill>
+              <a:latin typeface="Arial"/>
+            </a:endParaRPr>
+          </a:p>
+          <a:p>
+            <a:pPr marL="12600">
+              <a:lnSpc>
+                <a:spcPct val="100000"/>
+              </a:lnSpc>
+              <a:tabLst>
+                <a:tab algn="l" pos="0"/>
+              </a:tabLst>
+            </a:pPr>
+            <a:r>
+              <a:rPr b="0" i="1" lang="en" sz="1800" spc="-1" strike="noStrike">
+                <a:solidFill>
+                  <a:srgbClr val="000000"/>
+                </a:solidFill>
+                <a:latin typeface="Roboto"/>
+                <a:ea typeface="Roboto"/>
+              </a:rPr>
+              <a:t>André Novo – andre.novo@criticalsoftware.com</a:t>
+            </a:r>
+            <a:endParaRPr b="0" lang="pt-PT" sz="1800" spc="-1" strike="noStrike">
+              <a:solidFill>
+                <a:srgbClr val="000000"/>
+              </a:solidFill>
+              <a:latin typeface="Arial"/>
+            </a:endParaRPr>
+          </a:p>
+          <a:p>
+            <a:pPr marL="12600">
+              <a:lnSpc>
+                <a:spcPct val="100000"/>
+              </a:lnSpc>
+              <a:tabLst>
+                <a:tab algn="l" pos="0"/>
+              </a:tabLst>
+            </a:pPr>
+            <a:r>
+              <a:rPr b="0" i="1" lang="en" sz="1800" spc="-1" strike="noStrike">
+                <a:solidFill>
+                  <a:srgbClr val="000000"/>
+                </a:solidFill>
+                <a:latin typeface="Roboto"/>
+                <a:ea typeface="Roboto"/>
+              </a:rPr>
+              <a:t>Danilo Margarido – danilo.margarido@criticalsoftware.com</a:t>
+            </a:r>
+            <a:r>
+              <a:rPr b="0" i="1" lang="en" sz="1800" spc="-1" strike="noStrike">
+                <a:solidFill>
+                  <a:srgbClr val="000000"/>
+                </a:solidFill>
+                <a:latin typeface="Roboto"/>
+                <a:ea typeface="Roboto"/>
+              </a:rPr>
+              <a:t>	</a:t>
+            </a:r>
+            <a:endParaRPr b="0" lang="pt-PT" sz="1800" spc="-1" strike="noStrike">
+              <a:solidFill>
+                <a:srgbClr val="000000"/>
+              </a:solidFill>
+              <a:latin typeface="Arial"/>
+            </a:endParaRPr>
+          </a:p>
+          <a:p>
+            <a:pPr marL="12600">
+              <a:lnSpc>
+                <a:spcPct val="100000"/>
+              </a:lnSpc>
+              <a:tabLst>
+                <a:tab algn="l" pos="0"/>
+              </a:tabLst>
+            </a:pPr>
+            <a:r>
+              <a:rPr b="0" i="1" lang="en" sz="1800" spc="-1" strike="noStrike">
+                <a:solidFill>
+                  <a:srgbClr val="000000"/>
+                </a:solidFill>
+                <a:latin typeface="Roboto"/>
+                <a:ea typeface="Roboto"/>
+              </a:rPr>
+              <a:t>João Ferreira – joao.c.ferreira@criticalsoftware.com </a:t>
+            </a:r>
+            <a:endParaRPr b="0" lang="pt-PT" sz="1800" spc="-1" strike="noStrike">
+              <a:solidFill>
+                <a:srgbClr val="000000"/>
+              </a:solidFill>
+              <a:latin typeface="Arial"/>
+            </a:endParaRPr>
+          </a:p>
+          <a:p>
+            <a:pPr marL="12600">
+              <a:lnSpc>
+                <a:spcPct val="100000"/>
+              </a:lnSpc>
+              <a:tabLst>
+                <a:tab algn="l" pos="0"/>
+              </a:tabLst>
+            </a:pPr>
+            <a:r>
+              <a:rPr b="0" i="1" lang="en" sz="1800" spc="-1" strike="noStrike">
+                <a:solidFill>
+                  <a:srgbClr val="000000"/>
+                </a:solidFill>
+                <a:latin typeface="Roboto"/>
+                <a:ea typeface="Roboto"/>
+              </a:rPr>
+              <a:t>Jorge Nunes – jorge.nunes@criticalsoftware.com</a:t>
+            </a:r>
+            <a:endParaRPr b="0" lang="pt-PT" sz="1800" spc="-1" strike="noStrike">
+              <a:solidFill>
+                <a:srgbClr val="000000"/>
+              </a:solidFill>
+              <a:latin typeface="Arial"/>
+            </a:endParaRPr>
+          </a:p>
+          <a:p>
+            <a:pPr marL="12600">
+              <a:lnSpc>
+                <a:spcPct val="100000"/>
+              </a:lnSpc>
+              <a:tabLst>
+                <a:tab algn="l" pos="0"/>
+              </a:tabLst>
+            </a:pPr>
+            <a:endParaRPr b="0" lang="pt-PT" sz="1800" spc="-1" strike="noStrike">
+              <a:solidFill>
+                <a:srgbClr val="000000"/>
+              </a:solidFill>
+              <a:latin typeface="Arial"/>
+            </a:endParaRPr>
+          </a:p>
+          <a:p>
+            <a:pPr marL="12600">
+              <a:lnSpc>
+                <a:spcPct val="100000"/>
+              </a:lnSpc>
+              <a:tabLst>
+                <a:tab algn="l" pos="0"/>
+              </a:tabLst>
+            </a:pPr>
+            <a:endParaRPr b="0" lang="pt-PT" sz="1800" spc="-1" strike="noStrike">
+              <a:solidFill>
+                <a:srgbClr val="000000"/>
+              </a:solidFill>
+              <a:latin typeface="Arial"/>
+            </a:endParaRPr>
+          </a:p>
+          <a:p>
+            <a:pPr marL="12600">
+              <a:lnSpc>
+                <a:spcPct val="100000"/>
+              </a:lnSpc>
+              <a:tabLst>
+                <a:tab algn="l" pos="0"/>
+              </a:tabLst>
+            </a:pPr>
+            <a:endParaRPr b="0" lang="pt-PT" sz="1200" spc="-1" strike="noStrike">
+              <a:solidFill>
+                <a:srgbClr val="000000"/>
+              </a:solidFill>
+              <a:latin typeface="Arial"/>
+            </a:endParaRPr>
+          </a:p>
+        </p:txBody>
+      </p:sp>
+      <p:pic>
+        <p:nvPicPr>
+          <p:cNvPr id="239" name="" descr=""/>
+          <p:cNvPicPr/>
+          <p:nvPr/>
+        </p:nvPicPr>
+        <p:blipFill>
+          <a:blip r:embed="rId2"/>
+          <a:stretch/>
+        </p:blipFill>
+        <p:spPr>
+          <a:xfrm>
+            <a:off x="280800" y="4486680"/>
+            <a:ext cx="1242360" cy="555480"/>
+          </a:xfrm>
+          <a:prstGeom prst="rect">
+            <a:avLst/>
+          </a:prstGeom>
+          <a:ln w="0">
+            <a:noFill/>
+          </a:ln>
+        </p:spPr>
+      </p:pic>
+    </p:spTree>
+  </p:cSld>
+  <mc:AlternateContent>
+    <mc:Choice Requires="p14">
+      <p:transition spd="slow" p14:dur="2000"/>
+    </mc:Choice>
+    <mc:Fallback>
+      <p:transition spd="slow"/>
+    </mc:Fallback>
+  </mc:AlternateContent>
+</p:sld>
+</file>
+
+<file path=ppt/slides/slide13.xml><?xml version="1.0" encoding="utf-8"?>
+<p:sld xmlns:a="http://schemas.openxmlformats.org/drawingml/2006/main" xmlns:p="http://schemas.openxmlformats.org/presentationml/2006/main" xmlns:r="http://schemas.openxmlformats.org/officeDocument/2006/relationships" xmlns:p14="http://schemas.microsoft.com/office/powerpoint/2010/main" xmlns:p15="http://schemas.microsoft.com/office/powerpoint/2012/main" xmlns:mc="http://schemas.openxmlformats.org/markup-compatibility/2006">
+  <p:cSld>
+    <p:spTree>
+      <p:nvGrpSpPr>
+        <p:cNvPr id="1" name=""/>
+        <p:cNvGrpSpPr/>
+        <p:nvPr/>
+      </p:nvGrpSpPr>
+      <p:grpSpPr>
+        <a:xfrm>
+          <a:off x="0" y="0"/>
+          <a:ext cx="0" cy="0"/>
+          <a:chOff x="0" y="0"/>
+          <a:chExt cx="0" cy="0"/>
+        </a:xfrm>
+      </p:grpSpPr>
+      <p:pic>
+        <p:nvPicPr>
+          <p:cNvPr id="240" name="Google Shape;204;p40" descr=""/>
           <p:cNvPicPr/>
           <p:nvPr/>
         </p:nvPicPr>
@@ -18171,7 +18895,7 @@
         <p:spPr>
           <a:xfrm>
             <a:off x="0" y="0"/>
-            <a:ext cx="9142560" cy="5142240"/>
+            <a:ext cx="9142200" cy="5141880"/>
           </a:xfrm>
           <a:prstGeom prst="rect">
             <a:avLst/>
@@ -18183,21 +18907,21 @@
       </p:pic>
       <p:grpSp>
         <p:nvGrpSpPr>
-          <p:cNvPr id="230" name="Google Shape;205;p40"/>
+          <p:cNvPr id="241" name="Google Shape;205;p40"/>
           <p:cNvGrpSpPr/>
           <p:nvPr/>
         </p:nvGrpSpPr>
         <p:grpSpPr>
           <a:xfrm>
             <a:off x="0" y="4044960"/>
-            <a:ext cx="9142560" cy="978840"/>
+            <a:ext cx="9142200" cy="978840"/>
             <a:chOff x="0" y="4044960"/>
-            <a:chExt cx="9142560" cy="978840"/>
+            <a:chExt cx="9142200" cy="978840"/>
           </a:xfrm>
         </p:grpSpPr>
         <p:pic>
           <p:nvPicPr>
-            <p:cNvPr id="231" name="Google Shape;206;p40" descr=""/>
+            <p:cNvPr id="242" name="Google Shape;206;p40" descr=""/>
             <p:cNvPicPr/>
             <p:nvPr/>
           </p:nvPicPr>
@@ -18208,7 +18932,7 @@
           <p:spPr>
             <a:xfrm>
               <a:off x="268560" y="4044960"/>
-              <a:ext cx="1632600" cy="566640"/>
+              <a:ext cx="1632240" cy="566280"/>
             </a:xfrm>
             <a:prstGeom prst="rect">
               <a:avLst/>
@@ -18220,14 +18944,14 @@
         </p:pic>
         <p:sp>
           <p:nvSpPr>
-            <p:cNvPr id="232" name="Google Shape;207;p40"/>
+            <p:cNvPr id="243" name="Google Shape;207;p40"/>
             <p:cNvSpPr/>
             <p:nvPr/>
           </p:nvSpPr>
           <p:spPr>
             <a:xfrm>
               <a:off x="0" y="4810320"/>
-              <a:ext cx="9142560" cy="213480"/>
+              <a:ext cx="9142200" cy="213480"/>
             </a:xfrm>
             <a:prstGeom prst="rect">
               <a:avLst/>
@@ -18278,14 +19002,14 @@
       </p:grpSp>
       <p:sp>
         <p:nvSpPr>
-          <p:cNvPr id="233" name="Google Shape;208;p40"/>
+          <p:cNvPr id="244" name="Google Shape;208;p40"/>
           <p:cNvSpPr/>
           <p:nvPr/>
         </p:nvSpPr>
         <p:spPr>
           <a:xfrm>
             <a:off x="0" y="2073240"/>
-            <a:ext cx="9142560" cy="2032200"/>
+            <a:ext cx="9142200" cy="2031840"/>
           </a:xfrm>
           <a:prstGeom prst="rect">
             <a:avLst/>
@@ -18417,7 +19141,7 @@
       </p:grpSpPr>
       <p:pic>
         <p:nvPicPr>
-          <p:cNvPr id="187" name="Google Shape;146;p32" descr=""/>
+          <p:cNvPr id="193" name="Google Shape;146;p32" descr=""/>
           <p:cNvPicPr/>
           <p:nvPr/>
         </p:nvPicPr>
@@ -18428,7 +19152,7 @@
         <p:spPr>
           <a:xfrm>
             <a:off x="0" y="0"/>
-            <a:ext cx="9142560" cy="5142240"/>
+            <a:ext cx="9142200" cy="5141880"/>
           </a:xfrm>
           <a:prstGeom prst="rect">
             <a:avLst/>
@@ -18440,21 +19164,21 @@
       </p:pic>
       <p:grpSp>
         <p:nvGrpSpPr>
-          <p:cNvPr id="188" name="Google Shape;147;p32"/>
+          <p:cNvPr id="194" name="Google Shape;147;p32"/>
           <p:cNvGrpSpPr/>
           <p:nvPr/>
         </p:nvGrpSpPr>
         <p:grpSpPr>
           <a:xfrm>
             <a:off x="0" y="4044960"/>
-            <a:ext cx="9142560" cy="978840"/>
+            <a:ext cx="9142200" cy="978840"/>
             <a:chOff x="0" y="4044960"/>
-            <a:chExt cx="9142560" cy="978840"/>
+            <a:chExt cx="9142200" cy="978840"/>
           </a:xfrm>
         </p:grpSpPr>
         <p:pic>
           <p:nvPicPr>
-            <p:cNvPr id="189" name="Google Shape;148;p32" descr=""/>
+            <p:cNvPr id="195" name="Google Shape;148;p32" descr=""/>
             <p:cNvPicPr/>
             <p:nvPr/>
           </p:nvPicPr>
@@ -18465,7 +19189,7 @@
           <p:spPr>
             <a:xfrm>
               <a:off x="268560" y="4044960"/>
-              <a:ext cx="1632600" cy="566640"/>
+              <a:ext cx="1632240" cy="566280"/>
             </a:xfrm>
             <a:prstGeom prst="rect">
               <a:avLst/>
@@ -18477,14 +19201,14 @@
         </p:pic>
         <p:sp>
           <p:nvSpPr>
-            <p:cNvPr id="190" name="Google Shape;149;p32"/>
+            <p:cNvPr id="196" name="Google Shape;149;p32"/>
             <p:cNvSpPr/>
             <p:nvPr/>
           </p:nvSpPr>
           <p:spPr>
             <a:xfrm>
               <a:off x="0" y="4810320"/>
-              <a:ext cx="9142560" cy="213480"/>
+              <a:ext cx="9142200" cy="213480"/>
             </a:xfrm>
             <a:prstGeom prst="rect">
               <a:avLst/>
@@ -18535,14 +19259,14 @@
       </p:grpSp>
       <p:sp>
         <p:nvSpPr>
-          <p:cNvPr id="191" name="Google Shape;150;p32"/>
+          <p:cNvPr id="197" name="Google Shape;150;p32"/>
           <p:cNvSpPr/>
           <p:nvPr/>
         </p:nvSpPr>
         <p:spPr>
           <a:xfrm>
             <a:off x="0" y="2225880"/>
-            <a:ext cx="9142560" cy="2032200"/>
+            <a:ext cx="9142200" cy="2031840"/>
           </a:xfrm>
           <a:prstGeom prst="rect">
             <a:avLst/>
@@ -18635,7 +19359,7 @@
       </p:grpSpPr>
       <p:pic>
         <p:nvPicPr>
-          <p:cNvPr id="192" name="Google Shape;155;p33" descr=""/>
+          <p:cNvPr id="198" name="Google Shape;155;p33" descr=""/>
           <p:cNvPicPr/>
           <p:nvPr/>
         </p:nvPicPr>
@@ -18645,8 +19369,8 @@
         </p:blipFill>
         <p:spPr>
           <a:xfrm flipH="1">
-            <a:off x="1440" y="159480"/>
-            <a:ext cx="1260720" cy="610560"/>
+            <a:off x="1800" y="159480"/>
+            <a:ext cx="1260360" cy="610200"/>
           </a:xfrm>
           <a:prstGeom prst="rect">
             <a:avLst/>
@@ -18658,7 +19382,7 @@
       </p:pic>
       <p:sp>
         <p:nvSpPr>
-          <p:cNvPr id="193" name="PlaceHolder 1"/>
+          <p:cNvPr id="199" name="PlaceHolder 1"/>
           <p:cNvSpPr>
             <a:spLocks noGrp="1"/>
           </p:cNvSpPr>
@@ -18669,7 +19393,7 @@
         <p:spPr>
           <a:xfrm>
             <a:off x="1262160" y="281880"/>
-            <a:ext cx="6782400" cy="488160"/>
+            <a:ext cx="6782040" cy="487800"/>
           </a:xfrm>
           <a:prstGeom prst="rect">
             <a:avLst/>
@@ -18714,14 +19438,14 @@
       </p:sp>
       <p:sp>
         <p:nvSpPr>
-          <p:cNvPr id="194" name="Google Shape;157;p33"/>
+          <p:cNvPr id="200" name="Google Shape;157;p33"/>
           <p:cNvSpPr/>
           <p:nvPr/>
         </p:nvSpPr>
         <p:spPr>
           <a:xfrm>
             <a:off x="657720" y="1132560"/>
-            <a:ext cx="7685640" cy="3198960"/>
+            <a:ext cx="7685280" cy="3198600"/>
           </a:xfrm>
           <a:prstGeom prst="rect">
             <a:avLst/>
@@ -18897,7 +19621,7 @@
       </p:sp>
       <p:pic>
         <p:nvPicPr>
-          <p:cNvPr id="195" name="" descr=""/>
+          <p:cNvPr id="201" name="" descr=""/>
           <p:cNvPicPr/>
           <p:nvPr/>
         </p:nvPicPr>
@@ -18908,7 +19632,7 @@
         <p:spPr>
           <a:xfrm>
             <a:off x="280800" y="4486680"/>
-            <a:ext cx="1242720" cy="555840"/>
+            <a:ext cx="1242360" cy="555480"/>
           </a:xfrm>
           <a:prstGeom prst="rect">
             <a:avLst/>
@@ -18950,7 +19674,7 @@
       </p:grpSpPr>
       <p:pic>
         <p:nvPicPr>
-          <p:cNvPr id="196" name="Google Shape;162;p34" descr=""/>
+          <p:cNvPr id="202" name="Google Shape;162;p34" descr=""/>
           <p:cNvPicPr/>
           <p:nvPr/>
         </p:nvPicPr>
@@ -18960,8 +19684,8 @@
         </p:blipFill>
         <p:spPr>
           <a:xfrm flipH="1">
-            <a:off x="1440" y="159480"/>
-            <a:ext cx="1260720" cy="610560"/>
+            <a:off x="1800" y="159480"/>
+            <a:ext cx="1260360" cy="610200"/>
           </a:xfrm>
           <a:prstGeom prst="rect">
             <a:avLst/>
@@ -18973,7 +19697,7 @@
       </p:pic>
       <p:sp>
         <p:nvSpPr>
-          <p:cNvPr id="197" name="PlaceHolder 1"/>
+          <p:cNvPr id="203" name="PlaceHolder 1"/>
           <p:cNvSpPr>
             <a:spLocks noGrp="1"/>
           </p:cNvSpPr>
@@ -18984,7 +19708,7 @@
         <p:spPr>
           <a:xfrm>
             <a:off x="1262160" y="281880"/>
-            <a:ext cx="6782400" cy="488160"/>
+            <a:ext cx="6782040" cy="487800"/>
           </a:xfrm>
           <a:prstGeom prst="rect">
             <a:avLst/>
@@ -19029,14 +19753,14 @@
       </p:sp>
       <p:sp>
         <p:nvSpPr>
-          <p:cNvPr id="198" name="Google Shape;164;p34"/>
+          <p:cNvPr id="204" name="Google Shape;164;p34"/>
           <p:cNvSpPr/>
           <p:nvPr/>
         </p:nvSpPr>
         <p:spPr>
           <a:xfrm>
             <a:off x="657720" y="1132560"/>
-            <a:ext cx="7685640" cy="3198960"/>
+            <a:ext cx="7685280" cy="3198600"/>
           </a:xfrm>
           <a:prstGeom prst="rect">
             <a:avLst/>
@@ -19244,7 +19968,7 @@
       </p:sp>
       <p:pic>
         <p:nvPicPr>
-          <p:cNvPr id="199" name="" descr=""/>
+          <p:cNvPr id="205" name="" descr=""/>
           <p:cNvPicPr/>
           <p:nvPr/>
         </p:nvPicPr>
@@ -19255,7 +19979,7 @@
         <p:spPr>
           <a:xfrm>
             <a:off x="280800" y="4486680"/>
-            <a:ext cx="1242720" cy="555840"/>
+            <a:ext cx="1242360" cy="555480"/>
           </a:xfrm>
           <a:prstGeom prst="rect">
             <a:avLst/>
@@ -19297,7 +20021,7 @@
       </p:grpSpPr>
       <p:pic>
         <p:nvPicPr>
-          <p:cNvPr id="200" name="Google Shape;169;p35" descr=""/>
+          <p:cNvPr id="206" name="Google Shape;169;p35" descr=""/>
           <p:cNvPicPr/>
           <p:nvPr/>
         </p:nvPicPr>
@@ -19307,8 +20031,8 @@
         </p:blipFill>
         <p:spPr>
           <a:xfrm flipH="1">
-            <a:off x="1440" y="159480"/>
-            <a:ext cx="1260720" cy="610560"/>
+            <a:off x="1800" y="159480"/>
+            <a:ext cx="1260360" cy="610200"/>
           </a:xfrm>
           <a:prstGeom prst="rect">
             <a:avLst/>
@@ -19320,7 +20044,7 @@
       </p:pic>
       <p:sp>
         <p:nvSpPr>
-          <p:cNvPr id="201" name="PlaceHolder 1"/>
+          <p:cNvPr id="207" name="PlaceHolder 1"/>
           <p:cNvSpPr>
             <a:spLocks noGrp="1"/>
           </p:cNvSpPr>
@@ -19331,7 +20055,7 @@
         <p:spPr>
           <a:xfrm>
             <a:off x="1262160" y="281880"/>
-            <a:ext cx="6782400" cy="488160"/>
+            <a:ext cx="6782040" cy="487800"/>
           </a:xfrm>
           <a:prstGeom prst="rect">
             <a:avLst/>
@@ -19376,14 +20100,14 @@
       </p:sp>
       <p:sp>
         <p:nvSpPr>
-          <p:cNvPr id="202" name="Google Shape;171;p35"/>
+          <p:cNvPr id="208" name="Google Shape;171;p35"/>
           <p:cNvSpPr/>
           <p:nvPr/>
         </p:nvSpPr>
         <p:spPr>
           <a:xfrm>
             <a:off x="657720" y="1132560"/>
-            <a:ext cx="7685640" cy="3198960"/>
+            <a:ext cx="7685280" cy="3198600"/>
           </a:xfrm>
           <a:prstGeom prst="rect">
             <a:avLst/>
@@ -19655,7 +20379,7 @@
       </p:sp>
       <p:pic>
         <p:nvPicPr>
-          <p:cNvPr id="203" name="" descr=""/>
+          <p:cNvPr id="209" name="" descr=""/>
           <p:cNvPicPr/>
           <p:nvPr/>
         </p:nvPicPr>
@@ -19666,7 +20390,7 @@
         <p:spPr>
           <a:xfrm>
             <a:off x="280800" y="4486680"/>
-            <a:ext cx="1242720" cy="555840"/>
+            <a:ext cx="1242360" cy="555480"/>
           </a:xfrm>
           <a:prstGeom prst="rect">
             <a:avLst/>
@@ -19708,7 +20432,7 @@
       </p:grpSpPr>
       <p:pic>
         <p:nvPicPr>
-          <p:cNvPr id="204" name="Google Shape;169;p 1" descr=""/>
+          <p:cNvPr id="210" name="Google Shape;169;p 1" descr=""/>
           <p:cNvPicPr/>
           <p:nvPr/>
         </p:nvPicPr>
@@ -19718,8 +20442,8 @@
         </p:blipFill>
         <p:spPr>
           <a:xfrm flipH="1">
-            <a:off x="1440" y="159480"/>
-            <a:ext cx="1260720" cy="610560"/>
+            <a:off x="1800" y="159480"/>
+            <a:ext cx="1260360" cy="610200"/>
           </a:xfrm>
           <a:prstGeom prst="rect">
             <a:avLst/>
@@ -19731,7 +20455,7 @@
       </p:pic>
       <p:sp>
         <p:nvSpPr>
-          <p:cNvPr id="205" name="PlaceHolder 1"/>
+          <p:cNvPr id="211" name="PlaceHolder 1"/>
           <p:cNvSpPr>
             <a:spLocks noGrp="1"/>
           </p:cNvSpPr>
@@ -19742,7 +20466,7 @@
         <p:spPr>
           <a:xfrm>
             <a:off x="1262160" y="281880"/>
-            <a:ext cx="6782400" cy="488160"/>
+            <a:ext cx="6782040" cy="487800"/>
           </a:xfrm>
           <a:prstGeom prst="rect">
             <a:avLst/>
@@ -19787,14 +20511,14 @@
       </p:sp>
       <p:sp>
         <p:nvSpPr>
-          <p:cNvPr id="206" name="Google Shape;171;p 2"/>
+          <p:cNvPr id="212" name="Google Shape;171;p 2"/>
           <p:cNvSpPr/>
           <p:nvPr/>
         </p:nvSpPr>
         <p:spPr>
           <a:xfrm>
             <a:off x="657720" y="1132560"/>
-            <a:ext cx="7685640" cy="3198960"/>
+            <a:ext cx="7685280" cy="3198600"/>
           </a:xfrm>
           <a:prstGeom prst="rect">
             <a:avLst/>
@@ -19860,7 +20584,7 @@
       </p:sp>
       <p:pic>
         <p:nvPicPr>
-          <p:cNvPr id="207" name="" descr=""/>
+          <p:cNvPr id="213" name="" descr=""/>
           <p:cNvPicPr/>
           <p:nvPr/>
         </p:nvPicPr>
@@ -19871,7 +20595,7 @@
         <p:spPr>
           <a:xfrm>
             <a:off x="280800" y="4486680"/>
-            <a:ext cx="1242720" cy="555840"/>
+            <a:ext cx="1242360" cy="555480"/>
           </a:xfrm>
           <a:prstGeom prst="rect">
             <a:avLst/>
@@ -19883,7 +20607,7 @@
       </p:pic>
       <p:pic>
         <p:nvPicPr>
-          <p:cNvPr id="208" name="" descr=""/>
+          <p:cNvPr id="214" name="" descr=""/>
           <p:cNvPicPr/>
           <p:nvPr/>
         </p:nvPicPr>
@@ -19894,7 +20618,7 @@
         <p:spPr>
           <a:xfrm>
             <a:off x="1644840" y="941040"/>
-            <a:ext cx="5724360" cy="3383640"/>
+            <a:ext cx="5724000" cy="3383280"/>
           </a:xfrm>
           <a:prstGeom prst="rect">
             <a:avLst/>
@@ -19936,7 +20660,7 @@
       </p:grpSpPr>
       <p:pic>
         <p:nvPicPr>
-          <p:cNvPr id="209" name="Google Shape;169;p 2" descr=""/>
+          <p:cNvPr id="215" name="Google Shape;169;p 3" descr=""/>
           <p:cNvPicPr/>
           <p:nvPr/>
         </p:nvPicPr>
@@ -19946,8 +20670,8 @@
         </p:blipFill>
         <p:spPr>
           <a:xfrm flipH="1">
-            <a:off x="1440" y="159480"/>
-            <a:ext cx="1260720" cy="610560"/>
+            <a:off x="1800" y="159480"/>
+            <a:ext cx="1260360" cy="610200"/>
           </a:xfrm>
           <a:prstGeom prst="rect">
             <a:avLst/>
@@ -19959,7 +20683,7 @@
       </p:pic>
       <p:sp>
         <p:nvSpPr>
-          <p:cNvPr id="210" name="PlaceHolder 1"/>
+          <p:cNvPr id="216" name="PlaceHolder 1"/>
           <p:cNvSpPr>
             <a:spLocks noGrp="1"/>
           </p:cNvSpPr>
@@ -19970,7 +20694,7 @@
         <p:spPr>
           <a:xfrm>
             <a:off x="1262160" y="281880"/>
-            <a:ext cx="6782400" cy="488160"/>
+            <a:ext cx="6782040" cy="487800"/>
           </a:xfrm>
           <a:prstGeom prst="rect">
             <a:avLst/>
@@ -20015,14 +20739,14 @@
       </p:sp>
       <p:sp>
         <p:nvSpPr>
-          <p:cNvPr id="211" name="Google Shape;171;p 3"/>
+          <p:cNvPr id="217" name="Google Shape;171;p 4"/>
           <p:cNvSpPr/>
           <p:nvPr/>
         </p:nvSpPr>
         <p:spPr>
           <a:xfrm>
             <a:off x="657720" y="1132560"/>
-            <a:ext cx="7685640" cy="3198960"/>
+            <a:ext cx="7685280" cy="3198600"/>
           </a:xfrm>
           <a:prstGeom prst="rect">
             <a:avLst/>
@@ -20051,16 +20775,6 @@
                 <a:tab algn="l" pos="0"/>
               </a:tabLst>
             </a:pPr>
-            <a:r>
-              <a:rPr b="0" i="1" lang="en" sz="1800" spc="-1" strike="noStrike">
-                <a:solidFill>
-                  <a:srgbClr val="000000"/>
-                </a:solidFill>
-                <a:latin typeface="Roboto"/>
-                <a:ea typeface="Roboto"/>
-              </a:rPr>
-              <a:t>JACCUS – Just Another Cruise Control Usefull System.</a:t>
-            </a:r>
             <a:endParaRPr b="0" lang="pt-PT" sz="1800" spc="-1" strike="noStrike">
               <a:solidFill>
                 <a:srgbClr val="000000"/>
@@ -20077,202 +20791,6 @@
                 <a:tab algn="l" pos="0"/>
               </a:tabLst>
             </a:pPr>
-            <a:endParaRPr b="0" lang="pt-PT" sz="1800" spc="-1" strike="noStrike">
-              <a:solidFill>
-                <a:srgbClr val="000000"/>
-              </a:solidFill>
-              <a:latin typeface="Arial"/>
-            </a:endParaRPr>
-          </a:p>
-          <a:p>
-            <a:pPr marL="12600">
-              <a:lnSpc>
-                <a:spcPct val="100000"/>
-              </a:lnSpc>
-              <a:tabLst>
-                <a:tab algn="l" pos="0"/>
-              </a:tabLst>
-            </a:pPr>
-            <a:r>
-              <a:rPr b="0" i="1" lang="en" sz="1800" spc="-1" strike="noStrike">
-                <a:solidFill>
-                  <a:srgbClr val="000000"/>
-                </a:solidFill>
-                <a:latin typeface="Roboto"/>
-                <a:ea typeface="Roboto"/>
-              </a:rPr>
-              <a:t>A cruise control that keeps an average speed:</a:t>
-            </a:r>
-            <a:endParaRPr b="0" lang="pt-PT" sz="1800" spc="-1" strike="noStrike">
-              <a:solidFill>
-                <a:srgbClr val="000000"/>
-              </a:solidFill>
-              <a:latin typeface="Arial"/>
-            </a:endParaRPr>
-          </a:p>
-          <a:p>
-            <a:pPr marL="12600">
-              <a:lnSpc>
-                <a:spcPct val="100000"/>
-              </a:lnSpc>
-              <a:tabLst>
-                <a:tab algn="l" pos="0"/>
-              </a:tabLst>
-            </a:pPr>
-            <a:r>
-              <a:rPr b="0" i="1" lang="en" sz="1800" spc="-1" strike="noStrike">
-                <a:solidFill>
-                  <a:srgbClr val="000000"/>
-                </a:solidFill>
-                <a:latin typeface="Roboto"/>
-                <a:ea typeface="Roboto"/>
-              </a:rPr>
-              <a:t>	</a:t>
-            </a:r>
-            <a:r>
-              <a:rPr b="0" i="1" lang="en" sz="1800" spc="-1" strike="noStrike">
-                <a:solidFill>
-                  <a:srgbClr val="000000"/>
-                </a:solidFill>
-                <a:latin typeface="Roboto"/>
-                <a:ea typeface="Roboto"/>
-              </a:rPr>
-              <a:t>-</a:t>
-            </a:r>
-            <a:r>
-              <a:rPr b="1" i="1" lang="en" sz="1800" spc="-1" strike="noStrike">
-                <a:solidFill>
-                  <a:srgbClr val="000000"/>
-                </a:solidFill>
-                <a:latin typeface="Roboto"/>
-                <a:ea typeface="Roboto"/>
-              </a:rPr>
-              <a:t>increased energy saving =&gt; bigger authonomy</a:t>
-            </a:r>
-            <a:endParaRPr b="0" lang="pt-PT" sz="1800" spc="-1" strike="noStrike">
-              <a:solidFill>
-                <a:srgbClr val="000000"/>
-              </a:solidFill>
-              <a:latin typeface="Arial"/>
-            </a:endParaRPr>
-          </a:p>
-          <a:p>
-            <a:pPr marL="12600">
-              <a:lnSpc>
-                <a:spcPct val="100000"/>
-              </a:lnSpc>
-              <a:tabLst>
-                <a:tab algn="l" pos="0"/>
-              </a:tabLst>
-            </a:pPr>
-            <a:r>
-              <a:rPr b="0" i="1" lang="en" sz="1800" spc="-1" strike="noStrike">
-                <a:solidFill>
-                  <a:srgbClr val="000000"/>
-                </a:solidFill>
-                <a:latin typeface="Roboto"/>
-                <a:ea typeface="Roboto"/>
-              </a:rPr>
-              <a:t>	</a:t>
-            </a:r>
-            <a:r>
-              <a:rPr b="0" i="1" lang="en" sz="1800" spc="-1" strike="noStrike">
-                <a:solidFill>
-                  <a:srgbClr val="000000"/>
-                </a:solidFill>
-                <a:latin typeface="Roboto"/>
-                <a:ea typeface="Roboto"/>
-              </a:rPr>
-              <a:t>-bigger delta in max/min speed</a:t>
-            </a:r>
-            <a:endParaRPr b="0" lang="pt-PT" sz="1800" spc="-1" strike="noStrike">
-              <a:solidFill>
-                <a:srgbClr val="000000"/>
-              </a:solidFill>
-              <a:latin typeface="Arial"/>
-            </a:endParaRPr>
-          </a:p>
-          <a:p>
-            <a:pPr marL="12600">
-              <a:lnSpc>
-                <a:spcPct val="100000"/>
-              </a:lnSpc>
-              <a:tabLst>
-                <a:tab algn="l" pos="0"/>
-              </a:tabLst>
-            </a:pPr>
-            <a:r>
-              <a:rPr b="0" i="1" lang="en" sz="1800" spc="-1" strike="noStrike">
-                <a:solidFill>
-                  <a:srgbClr val="000000"/>
-                </a:solidFill>
-                <a:latin typeface="Roboto"/>
-                <a:ea typeface="Roboto"/>
-              </a:rPr>
-              <a:t>	</a:t>
-            </a:r>
-            <a:r>
-              <a:rPr b="0" i="1" lang="en" sz="1800" spc="-1" strike="noStrike">
-                <a:solidFill>
-                  <a:srgbClr val="000000"/>
-                </a:solidFill>
-                <a:latin typeface="Roboto"/>
-                <a:ea typeface="Roboto"/>
-              </a:rPr>
-              <a:t>-smoother speed change</a:t>
-            </a:r>
-            <a:endParaRPr b="0" lang="pt-PT" sz="1800" spc="-1" strike="noStrike">
-              <a:solidFill>
-                <a:srgbClr val="000000"/>
-              </a:solidFill>
-              <a:latin typeface="Arial"/>
-            </a:endParaRPr>
-          </a:p>
-          <a:p>
-            <a:pPr marL="12600">
-              <a:lnSpc>
-                <a:spcPct val="100000"/>
-              </a:lnSpc>
-              <a:tabLst>
-                <a:tab algn="l" pos="0"/>
-              </a:tabLst>
-            </a:pPr>
-            <a:r>
-              <a:rPr b="0" i="1" lang="en" sz="1800" spc="-1" strike="noStrike">
-                <a:solidFill>
-                  <a:srgbClr val="000000"/>
-                </a:solidFill>
-                <a:latin typeface="Roboto"/>
-                <a:ea typeface="Roboto"/>
-              </a:rPr>
-              <a:t>	</a:t>
-            </a:r>
-            <a:r>
-              <a:rPr b="0" i="1" lang="en" sz="1800" spc="-1" strike="noStrike">
-                <a:solidFill>
-                  <a:srgbClr val="000000"/>
-                </a:solidFill>
-                <a:latin typeface="Roboto"/>
-                <a:ea typeface="Roboto"/>
-              </a:rPr>
-              <a:t>-increased confort</a:t>
-            </a:r>
-            <a:endParaRPr b="0" lang="pt-PT" sz="1800" spc="-1" strike="noStrike">
-              <a:solidFill>
-                <a:srgbClr val="000000"/>
-              </a:solidFill>
-              <a:latin typeface="Arial"/>
-            </a:endParaRPr>
-          </a:p>
-          <a:p>
-            <a:pPr marL="12600">
-              <a:lnSpc>
-                <a:spcPct val="100000"/>
-              </a:lnSpc>
-              <a:tabLst>
-                <a:tab algn="l" pos="0"/>
-              </a:tabLst>
-            </a:pPr>
             <a:r>
               <a:rPr b="0" i="1" lang="en" sz="1800" spc="-1" strike="noStrike">
                 <a:solidFill>
@@ -20294,7 +20812,7 @@
       </p:sp>
       <p:pic>
         <p:nvPicPr>
-          <p:cNvPr id="212" name="" descr=""/>
+          <p:cNvPr id="218" name="" descr=""/>
           <p:cNvPicPr/>
           <p:nvPr/>
         </p:nvPicPr>
@@ -20305,7 +20823,30 @@
         <p:spPr>
           <a:xfrm>
             <a:off x="280800" y="4486680"/>
-            <a:ext cx="1242720" cy="555840"/>
+            <a:ext cx="1242360" cy="555480"/>
+          </a:xfrm>
+          <a:prstGeom prst="rect">
+            <a:avLst/>
+          </a:prstGeom>
+          <a:ln w="0">
+            <a:noFill/>
+          </a:ln>
+        </p:spPr>
+      </p:pic>
+      <p:pic>
+        <p:nvPicPr>
+          <p:cNvPr id="219" name="" descr=""/>
+          <p:cNvPicPr/>
+          <p:nvPr/>
+        </p:nvPicPr>
+        <p:blipFill>
+          <a:blip r:embed="rId3"/>
+          <a:stretch/>
+        </p:blipFill>
+        <p:spPr>
+          <a:xfrm>
+            <a:off x="1684080" y="1132560"/>
+            <a:ext cx="5584680" cy="3400560"/>
           </a:xfrm>
           <a:prstGeom prst="rect">
             <a:avLst/>
@@ -20347,7 +20888,7 @@
       </p:grpSpPr>
       <p:pic>
         <p:nvPicPr>
-          <p:cNvPr id="213" name="Google Shape;176;p36" descr=""/>
+          <p:cNvPr id="220" name="Google Shape;169;p 2" descr=""/>
           <p:cNvPicPr/>
           <p:nvPr/>
         </p:nvPicPr>
@@ -20357,8 +20898,8 @@
         </p:blipFill>
         <p:spPr>
           <a:xfrm flipH="1">
-            <a:off x="1440" y="159480"/>
-            <a:ext cx="1260720" cy="610560"/>
+            <a:off x="1800" y="159480"/>
+            <a:ext cx="1260360" cy="610200"/>
           </a:xfrm>
           <a:prstGeom prst="rect">
             <a:avLst/>
@@ -20370,7 +20911,7 @@
       </p:pic>
       <p:sp>
         <p:nvSpPr>
-          <p:cNvPr id="214" name="PlaceHolder 1"/>
+          <p:cNvPr id="221" name="PlaceHolder 1"/>
           <p:cNvSpPr>
             <a:spLocks noGrp="1"/>
           </p:cNvSpPr>
@@ -20381,7 +20922,7 @@
         <p:spPr>
           <a:xfrm>
             <a:off x="1262160" y="281880"/>
-            <a:ext cx="6782400" cy="488160"/>
+            <a:ext cx="6782040" cy="487800"/>
           </a:xfrm>
           <a:prstGeom prst="rect">
             <a:avLst/>
@@ -20413,7 +20954,7 @@
                 <a:latin typeface="Arial"/>
                 <a:ea typeface="Arial"/>
               </a:rPr>
-              <a:t>The Added Value</a:t>
+              <a:t>The Product / Service</a:t>
             </a:r>
             <a:endParaRPr b="0" lang="pt-PT" sz="3000" spc="-1" strike="noStrike">
               <a:solidFill>
@@ -20426,14 +20967,14 @@
       </p:sp>
       <p:sp>
         <p:nvSpPr>
-          <p:cNvPr id="215" name="Google Shape;178;p36"/>
+          <p:cNvPr id="222" name="Google Shape;171;p 3"/>
           <p:cNvSpPr/>
           <p:nvPr/>
         </p:nvSpPr>
         <p:spPr>
           <a:xfrm>
             <a:off x="657720" y="1132560"/>
-            <a:ext cx="7685640" cy="3198960"/>
+            <a:ext cx="7685280" cy="3198600"/>
           </a:xfrm>
           <a:prstGeom prst="rect">
             <a:avLst/>
@@ -20470,7 +21011,7 @@
                 <a:latin typeface="Roboto"/>
                 <a:ea typeface="Roboto"/>
               </a:rPr>
-              <a:t>The added value is to increase the authonomy of vehicles without compromising the total travel time.</a:t>
+              <a:t>JACCUS – Just Another Cruise Control Usefull System.</a:t>
             </a:r>
             <a:endParaRPr b="0" lang="pt-PT" sz="1800" spc="-1" strike="noStrike">
               <a:solidFill>
@@ -20512,7 +21053,7 @@
                 <a:latin typeface="Roboto"/>
                 <a:ea typeface="Roboto"/>
               </a:rPr>
-              <a:t>Independent of the engine: electric or ICU.</a:t>
+              <a:t>A cruise control that keeps an average speed:</a:t>
             </a:r>
             <a:endParaRPr b="0" lang="pt-PT" sz="1800" spc="-1" strike="noStrike">
               <a:solidFill>
@@ -20530,6 +21071,36 @@
                 <a:tab algn="l" pos="0"/>
               </a:tabLst>
             </a:pPr>
+            <a:r>
+              <a:rPr b="0" i="1" lang="en" sz="1800" spc="-1" strike="noStrike">
+                <a:solidFill>
+                  <a:srgbClr val="000000"/>
+                </a:solidFill>
+                <a:latin typeface="Roboto"/>
+                <a:ea typeface="Roboto"/>
+              </a:rPr>
+              <a:t>	</a:t>
+            </a:r>
+            <a:r>
+              <a:rPr b="0" i="1" lang="en" sz="1800" spc="-1" strike="noStrike">
+                <a:solidFill>
+                  <a:srgbClr val="000000"/>
+                </a:solidFill>
+                <a:latin typeface="Roboto"/>
+                <a:ea typeface="Roboto"/>
+              </a:rPr>
+              <a:t>-</a:t>
+            </a:r>
+            <a:r>
+              <a:rPr b="1" i="1" lang="en" sz="1800" spc="-1" strike="noStrike">
+                <a:solidFill>
+                  <a:srgbClr val="000000"/>
+                </a:solidFill>
+                <a:latin typeface="Roboto"/>
+                <a:ea typeface="Roboto"/>
+              </a:rPr>
+              <a:t>increased energy saving =&gt; bigger authonomy</a:t>
+            </a:r>
             <a:endParaRPr b="0" lang="pt-PT" sz="1800" spc="-1" strike="noStrike">
               <a:solidFill>
                 <a:srgbClr val="000000"/>
@@ -20546,6 +21117,26 @@
                 <a:tab algn="l" pos="0"/>
               </a:tabLst>
             </a:pPr>
+            <a:r>
+              <a:rPr b="0" i="1" lang="en" sz="1800" spc="-1" strike="noStrike">
+                <a:solidFill>
+                  <a:srgbClr val="000000"/>
+                </a:solidFill>
+                <a:latin typeface="Roboto"/>
+                <a:ea typeface="Roboto"/>
+              </a:rPr>
+              <a:t>	</a:t>
+            </a:r>
+            <a:r>
+              <a:rPr b="0" i="1" lang="en" sz="1800" spc="-1" strike="noStrike">
+                <a:solidFill>
+                  <a:srgbClr val="000000"/>
+                </a:solidFill>
+                <a:latin typeface="Roboto"/>
+                <a:ea typeface="Roboto"/>
+              </a:rPr>
+              <a:t>-bigger delta in max/min speed</a:t>
+            </a:r>
             <a:endParaRPr b="0" lang="pt-PT" sz="1800" spc="-1" strike="noStrike">
               <a:solidFill>
                 <a:srgbClr val="000000"/>
@@ -20563,14 +21154,24 @@
               </a:tabLst>
             </a:pPr>
             <a:r>
-              <a:rPr b="1" i="1" lang="en" sz="1800" spc="-1" strike="noStrike">
+              <a:rPr b="0" i="1" lang="en" sz="1800" spc="-1" strike="noStrike">
                 <a:solidFill>
                   <a:srgbClr val="000000"/>
                 </a:solidFill>
                 <a:latin typeface="Roboto"/>
                 <a:ea typeface="Roboto"/>
               </a:rPr>
-              <a:t>In the best of our knowledge, no Cruise Control System considers this hypothesis. </a:t>
+              <a:t>	</a:t>
+            </a:r>
+            <a:r>
+              <a:rPr b="0" i="1" lang="en" sz="1800" spc="-1" strike="noStrike">
+                <a:solidFill>
+                  <a:srgbClr val="000000"/>
+                </a:solidFill>
+                <a:latin typeface="Roboto"/>
+                <a:ea typeface="Roboto"/>
+              </a:rPr>
+              <a:t>-smoother speed change</a:t>
             </a:r>
             <a:endParaRPr b="0" lang="pt-PT" sz="1800" spc="-1" strike="noStrike">
               <a:solidFill>
@@ -20588,7 +21189,53 @@
                 <a:tab algn="l" pos="0"/>
               </a:tabLst>
             </a:pPr>
-            <a:endParaRPr b="0" lang="pt-PT" sz="1200" spc="-1" strike="noStrike">
+            <a:r>
+              <a:rPr b="0" i="1" lang="en" sz="1800" spc="-1" strike="noStrike">
+                <a:solidFill>
+                  <a:srgbClr val="000000"/>
+                </a:solidFill>
+                <a:latin typeface="Roboto"/>
+                <a:ea typeface="Roboto"/>
+              </a:rPr>
+              <a:t>	</a:t>
+            </a:r>
+            <a:r>
+              <a:rPr b="0" i="1" lang="en" sz="1800" spc="-1" strike="noStrike">
+                <a:solidFill>
+                  <a:srgbClr val="000000"/>
+                </a:solidFill>
+                <a:latin typeface="Roboto"/>
+                <a:ea typeface="Roboto"/>
+              </a:rPr>
+              <a:t>-increased confort</a:t>
+            </a:r>
+            <a:endParaRPr b="0" lang="pt-PT" sz="1800" spc="-1" strike="noStrike">
+              <a:solidFill>
+                <a:srgbClr val="000000"/>
+              </a:solidFill>
+              <a:latin typeface="Arial"/>
+            </a:endParaRPr>
+          </a:p>
+          <a:p>
+            <a:pPr marL="12600">
+              <a:lnSpc>
+                <a:spcPct val="100000"/>
+              </a:lnSpc>
+              <a:tabLst>
+                <a:tab algn="l" pos="0"/>
+              </a:tabLst>
+            </a:pPr>
+            <a:r>
+              <a:rPr b="0" i="1" lang="en" sz="1800" spc="-1" strike="noStrike">
+                <a:solidFill>
+                  <a:srgbClr val="000000"/>
+                </a:solidFill>
+                <a:latin typeface="Roboto"/>
+                <a:ea typeface="Roboto"/>
+              </a:rPr>
+              <a:t>	</a:t>
+            </a:r>
+            <a:endParaRPr b="0" lang="pt-PT" sz="1800" spc="-1" strike="noStrike">
               <a:solidFill>
                 <a:srgbClr val="000000"/>
               </a:solidFill>
@@ -20599,7 +21246,7 @@
       </p:sp>
       <p:pic>
         <p:nvPicPr>
-          <p:cNvPr id="216" name="" descr=""/>
+          <p:cNvPr id="223" name="" descr=""/>
           <p:cNvPicPr/>
           <p:nvPr/>
         </p:nvPicPr>
@@ -20610,7 +21257,7 @@
         <p:spPr>
           <a:xfrm>
             <a:off x="280800" y="4486680"/>
-            <a:ext cx="1242720" cy="555840"/>
+            <a:ext cx="1242360" cy="555480"/>
           </a:xfrm>
           <a:prstGeom prst="rect">
             <a:avLst/>
@@ -20652,7 +21299,7 @@
       </p:grpSpPr>
       <p:pic>
         <p:nvPicPr>
-          <p:cNvPr id="217" name="Google Shape;183;p37" descr=""/>
+          <p:cNvPr id="224" name="Google Shape;176;p36" descr=""/>
           <p:cNvPicPr/>
           <p:nvPr/>
         </p:nvPicPr>
@@ -20662,8 +21309,8 @@
         </p:blipFill>
         <p:spPr>
           <a:xfrm flipH="1">
-            <a:off x="1440" y="159480"/>
-            <a:ext cx="1260720" cy="610560"/>
+            <a:off x="1800" y="159480"/>
+            <a:ext cx="1260360" cy="610200"/>
           </a:xfrm>
           <a:prstGeom prst="rect">
             <a:avLst/>
@@ -20675,7 +21322,7 @@
       </p:pic>
       <p:sp>
         <p:nvSpPr>
-          <p:cNvPr id="218" name="PlaceHolder 1"/>
+          <p:cNvPr id="225" name="PlaceHolder 1"/>
           <p:cNvSpPr>
             <a:spLocks noGrp="1"/>
           </p:cNvSpPr>
@@ -20686,7 +21333,7 @@
         <p:spPr>
           <a:xfrm>
             <a:off x="1262160" y="281880"/>
-            <a:ext cx="6782400" cy="488160"/>
+            <a:ext cx="6782040" cy="487800"/>
           </a:xfrm>
           <a:prstGeom prst="rect">
             <a:avLst/>
@@ -20718,7 +21365,7 @@
                 <a:latin typeface="Arial"/>
                 <a:ea typeface="Arial"/>
               </a:rPr>
-              <a:t>The Market &amp; The Competition</a:t>
+              <a:t>The Added Value</a:t>
             </a:r>
             <a:endParaRPr b="0" lang="pt-PT" sz="3000" spc="-1" strike="noStrike">
               <a:solidFill>
@@ -20731,14 +21378,14 @@
       </p:sp>
       <p:sp>
         <p:nvSpPr>
-          <p:cNvPr id="219" name="Google Shape;185;p37"/>
+          <p:cNvPr id="226" name="Google Shape;178;p36"/>
           <p:cNvSpPr/>
           <p:nvPr/>
         </p:nvSpPr>
         <p:spPr>
           <a:xfrm>
             <a:off x="657720" y="1132560"/>
-            <a:ext cx="7685640" cy="3198960"/>
+            <a:ext cx="7685280" cy="3198600"/>
           </a:xfrm>
           <a:prstGeom prst="rect">
             <a:avLst/>
@@ -20775,33 +21422,7 @@
                 <a:latin typeface="Roboto"/>
                 <a:ea typeface="Roboto"/>
               </a:rPr>
-              <a:t>Every one enjoys to set a speed, knowingly that it will arrive in a certain time frame, but many avoid it as it consumes more than their own speed control.</a:t>
-            </a:r>
-            <a:br>
-              <a:rPr sz="1800"/>
-            </a:br>
-            <a:br>
-              <a:rPr sz="1800"/>
-            </a:br>
-            <a:r>
-              <a:rPr b="0" lang="en" sz="1800" spc="-1" strike="noStrike">
-                <a:solidFill>
-                  <a:srgbClr val="000000"/>
-                </a:solidFill>
-                <a:latin typeface="Arial"/>
-                <a:ea typeface="DejaVu Sans"/>
-              </a:rPr>
-              <a:t>T</a:t>
-            </a:r>
-            <a:r>
-              <a:rPr b="0" i="1" lang="en" sz="1800" spc="-1" strike="noStrike">
-                <a:solidFill>
-                  <a:srgbClr val="000000"/>
-                </a:solidFill>
-                <a:latin typeface="Roboto"/>
-                <a:ea typeface="Roboto"/>
-              </a:rPr>
-              <a:t>he closest competitor is the adaptative cruise control who lowers the speed if a car is circulating slower in front of him. But none considers lowering the consumption...</a:t>
+              <a:t>The added value is to increase the authonomy of vehicles without compromising the total travel time.</a:t>
             </a:r>
             <a:endParaRPr b="0" lang="pt-PT" sz="1800" spc="-1" strike="noStrike">
               <a:solidFill>
@@ -20826,11 +21447,111 @@
               <a:latin typeface="Arial"/>
             </a:endParaRPr>
           </a:p>
+          <a:p>
+            <a:pPr marL="12600">
+              <a:lnSpc>
+                <a:spcPct val="100000"/>
+              </a:lnSpc>
+              <a:tabLst>
+                <a:tab algn="l" pos="0"/>
+              </a:tabLst>
+            </a:pPr>
+            <a:r>
+              <a:rPr b="0" i="1" lang="en" sz="1800" spc="-1" strike="noStrike">
+                <a:solidFill>
+                  <a:srgbClr val="000000"/>
+                </a:solidFill>
+                <a:latin typeface="Roboto"/>
+                <a:ea typeface="Roboto"/>
+              </a:rPr>
+              <a:t>Independent of the engine: electric or ICU.</a:t>
+            </a:r>
+            <a:endParaRPr b="0" lang="pt-PT" sz="1800" spc="-1" strike="noStrike">
+              <a:solidFill>
+                <a:srgbClr val="000000"/>
+              </a:solidFill>
+              <a:latin typeface="Arial"/>
+            </a:endParaRPr>
+          </a:p>
+          <a:p>
+            <a:pPr marL="12600">
+              <a:lnSpc>
+                <a:spcPct val="100000"/>
+              </a:lnSpc>
+              <a:tabLst>
+                <a:tab algn="l" pos="0"/>
+              </a:tabLst>
+            </a:pPr>
+            <a:endParaRPr b="0" lang="pt-PT" sz="1800" spc="-1" strike="noStrike">
+              <a:solidFill>
+                <a:srgbClr val="000000"/>
+              </a:solidFill>
+              <a:latin typeface="Arial"/>
+            </a:endParaRPr>
+          </a:p>
+          <a:p>
+            <a:pPr marL="12600">
+              <a:lnSpc>
+                <a:spcPct val="100000"/>
+              </a:lnSpc>
+              <a:tabLst>
+                <a:tab algn="l" pos="0"/>
+              </a:tabLst>
+            </a:pPr>
+            <a:endParaRPr b="0" lang="pt-PT" sz="1800" spc="-1" strike="noStrike">
+              <a:solidFill>
+                <a:srgbClr val="000000"/>
+              </a:solidFill>
+              <a:latin typeface="Arial"/>
+            </a:endParaRPr>
+          </a:p>
+          <a:p>
+            <a:pPr marL="12600">
+              <a:lnSpc>
+                <a:spcPct val="100000"/>
+              </a:lnSpc>
+              <a:tabLst>
+                <a:tab algn="l" pos="0"/>
+              </a:tabLst>
+            </a:pPr>
+            <a:r>
+              <a:rPr b="1" i="1" lang="en" sz="1800" spc="-1" strike="noStrike">
+                <a:solidFill>
+                  <a:srgbClr val="000000"/>
+                </a:solidFill>
+                <a:latin typeface="Roboto"/>
+                <a:ea typeface="Roboto"/>
+              </a:rPr>
+              <a:t>In the best of our knowledge, no Cruise Control System considers this hypothesis. </a:t>
+            </a:r>
+            <a:endParaRPr b="0" lang="pt-PT" sz="1800" spc="-1" strike="noStrike">
+              <a:solidFill>
+                <a:srgbClr val="000000"/>
+              </a:solidFill>
+              <a:latin typeface="Arial"/>
+            </a:endParaRPr>
+          </a:p>
+          <a:p>
+            <a:pPr marL="12600">
+              <a:lnSpc>
+                <a:spcPct val="100000"/>
+              </a:lnSpc>
+              <a:tabLst>
+                <a:tab algn="l" pos="0"/>
+              </a:tabLst>
+            </a:pPr>
+            <a:endParaRPr b="0" lang="pt-PT" sz="1200" spc="-1" strike="noStrike">
+              <a:solidFill>
+                <a:srgbClr val="000000"/>
+              </a:solidFill>
+              <a:latin typeface="Arial"/>
+            </a:endParaRPr>
+          </a:p>
         </p:txBody>
       </p:sp>
       <p:pic>
         <p:nvPicPr>
-          <p:cNvPr id="220" name="" descr=""/>
+          <p:cNvPr id="227" name="" descr=""/>
           <p:cNvPicPr/>
           <p:nvPr/>
         </p:nvPicPr>
@@ -20841,7 +21562,7 @@
         <p:spPr>
           <a:xfrm>
             <a:off x="280800" y="4486680"/>
-            <a:ext cx="1242720" cy="555840"/>
+            <a:ext cx="1242360" cy="555480"/>
           </a:xfrm>
           <a:prstGeom prst="rect">
             <a:avLst/>
@@ -24068,6 +24789,184 @@
 </a:theme>
 </file>
 
+<file path=ppt/theme/theme26.xml><?xml version="1.0" encoding="utf-8"?>
+<a:theme xmlns:a="http://schemas.openxmlformats.org/drawingml/2006/main" xmlns:r="http://schemas.openxmlformats.org/officeDocument/2006/relationships" name="Office Theme">
+  <a:themeElements>
+    <a:clrScheme name="Office">
+      <a:dk1>
+        <a:srgbClr val="000000"/>
+      </a:dk1>
+      <a:lt1>
+        <a:srgbClr val="ffffff"/>
+      </a:lt1>
+      <a:dk2>
+        <a:srgbClr val="595959"/>
+      </a:dk2>
+      <a:lt2>
+        <a:srgbClr val="eeeeee"/>
+      </a:lt2>
+      <a:accent1>
+        <a:srgbClr val="4285f4"/>
+      </a:accent1>
+      <a:accent2>
+        <a:srgbClr val="212121"/>
+      </a:accent2>
+      <a:accent3>
+        <a:srgbClr val="78909c"/>
+      </a:accent3>
+      <a:accent4>
+        <a:srgbClr val="ffab40"/>
+      </a:accent4>
+      <a:accent5>
+        <a:srgbClr val="0097a7"/>
+      </a:accent5>
+      <a:accent6>
+        <a:srgbClr val="eeff41"/>
+      </a:accent6>
+      <a:hlink>
+        <a:srgbClr val="0097a7"/>
+      </a:hlink>
+      <a:folHlink>
+        <a:srgbClr val="0097a7"/>
+      </a:folHlink>
+    </a:clrScheme>
+    <a:fontScheme name="Office">
+      <a:majorFont>
+        <a:latin typeface="Arial" pitchFamily="0" charset="1"/>
+        <a:ea typeface="DejaVu Sans" pitchFamily="0" charset="1"/>
+        <a:cs typeface="DejaVu Sans" pitchFamily="0" charset="1"/>
+      </a:majorFont>
+      <a:minorFont>
+        <a:latin typeface="Arial" pitchFamily="0" charset="1"/>
+        <a:ea typeface="DejaVu Sans" pitchFamily="0" charset="1"/>
+        <a:cs typeface="DejaVu Sans" pitchFamily="0" charset="1"/>
+      </a:minorFont>
+    </a:fontScheme>
+    <a:fmtScheme>
+      <a:fillStyleLst>
+        <a:solidFill>
+          <a:schemeClr val="phClr"/>
+        </a:solidFill>
+        <a:gradFill>
+          <a:gsLst>
+            <a:gs pos="0">
+              <a:schemeClr val="phClr">
+                <a:tint val="50000"/>
+              </a:schemeClr>
+            </a:gs>
+            <a:gs pos="35000">
+              <a:schemeClr val="phClr">
+                <a:tint val="37000"/>
+              </a:schemeClr>
+            </a:gs>
+            <a:gs pos="100000">
+              <a:schemeClr val="phClr">
+                <a:tint val="15000"/>
+              </a:schemeClr>
+            </a:gs>
+          </a:gsLst>
+          <a:lin ang="16200000" scaled="1"/>
+          <a:tileRect l="0" t="0" r="0" b="0"/>
+        </a:gradFill>
+        <a:gradFill>
+          <a:gsLst>
+            <a:gs pos="0">
+              <a:schemeClr val="phClr">
+                <a:shade val="51000"/>
+              </a:schemeClr>
+            </a:gs>
+            <a:gs pos="80000">
+              <a:schemeClr val="phClr">
+                <a:shade val="93000"/>
+              </a:schemeClr>
+            </a:gs>
+            <a:gs pos="100000">
+              <a:schemeClr val="phClr">
+                <a:shade val="94000"/>
+              </a:schemeClr>
+            </a:gs>
+          </a:gsLst>
+          <a:lin ang="16200000" scaled="0"/>
+          <a:tileRect l="0" t="0" r="0" b="0"/>
+        </a:gradFill>
+      </a:fillStyleLst>
+      <a:lnStyleLst>
+        <a:ln w="9525" cap="flat" cmpd="sng" algn="ctr">
+          <a:prstDash val="solid"/>
+          <a:miter/>
+        </a:ln>
+        <a:ln w="25400" cap="flat" cmpd="sng" algn="ctr">
+          <a:prstDash val="solid"/>
+          <a:miter/>
+        </a:ln>
+        <a:ln w="38100" cap="flat" cmpd="sng" algn="ctr">
+          <a:prstDash val="solid"/>
+          <a:miter/>
+        </a:ln>
+      </a:lnStyleLst>
+      <a:effectStyleLst>
+        <a:effectStyle>
+          <a:effectLst/>
+        </a:effectStyle>
+        <a:effectStyle>
+          <a:effectLst/>
+        </a:effectStyle>
+        <a:effectStyle>
+          <a:effectLst/>
+        </a:effectStyle>
+      </a:effectStyleLst>
+      <a:bgFillStyleLst>
+        <a:solidFill>
+          <a:schemeClr val="phClr"/>
+        </a:solidFill>
+        <a:gradFill>
+          <a:gsLst>
+            <a:gs pos="0">
+              <a:schemeClr val="phClr">
+                <a:tint val="40000"/>
+              </a:schemeClr>
+            </a:gs>
+            <a:gs pos="40000">
+              <a:schemeClr val="phClr">
+                <a:tint val="45000"/>
+                <a:shade val="99000"/>
+              </a:schemeClr>
+            </a:gs>
+            <a:gs pos="100000">
+              <a:schemeClr val="phClr">
+                <a:shade val="20000"/>
+              </a:schemeClr>
+            </a:gs>
+          </a:gsLst>
+          <a:path path="circle">
+            <a:fillToRect l="50000" t="-80000" r="50000" b="180000"/>
+          </a:path>
+          <a:tileRect l="0" t="0" r="0" b="0"/>
+        </a:gradFill>
+        <a:gradFill>
+          <a:gsLst>
+            <a:gs pos="0">
+              <a:schemeClr val="phClr">
+                <a:tint val="80000"/>
+              </a:schemeClr>
+            </a:gs>
+            <a:gs pos="100000">
+              <a:schemeClr val="phClr">
+                <a:shade val="30000"/>
+              </a:schemeClr>
+            </a:gs>
+          </a:gsLst>
+          <a:path path="circle">
+            <a:fillToRect l="50000" t="50000" r="50000" b="50000"/>
+          </a:path>
+          <a:tileRect l="0" t="0" r="0" b="0"/>
+        </a:gradFill>
+      </a:bgFillStyleLst>
+    </a:fmtScheme>
+  </a:themeElements>
+</a:theme>
+</file>
+
 <file path=ppt/theme/theme3.xml><?xml version="1.0" encoding="utf-8"?>
 <a:theme xmlns:a="http://schemas.openxmlformats.org/drawingml/2006/main" xmlns:r="http://schemas.openxmlformats.org/officeDocument/2006/relationships" name="Office Theme">
   <a:themeElements>

--- a/SDV Hackathon 2025 - Pitching Slides Template.pptx
+++ b/SDV Hackathon 2025 - Pitching Slides Template.pptx
@@ -42,7 +42,6 @@
     <p:sldId id="265" r:id="rId37"/>
     <p:sldId id="266" r:id="rId38"/>
     <p:sldId id="267" r:id="rId39"/>
-    <p:sldId id="268" r:id="rId40"/>
   </p:sldIdLst>
   <p:sldSz cx="9144000" cy="5143500"/>
   <p:notesSz cx="7559675" cy="10691813"/>
@@ -249,7 +248,7 @@
         <p:txBody>
           <a:bodyPr/>
           <a:p>
-            <a:fld id="{4D0C8214-02A8-490E-BB65-1A572476406D}" type="slidenum">
+            <a:fld id="{AABD7377-9714-43CA-B735-69F24EB341C9}" type="slidenum">
               <a:t>&lt;#&gt;</a:t>
             </a:fld>
           </a:p>
@@ -291,7 +290,7 @@
         <p:txBody>
           <a:bodyPr/>
           <a:p>
-            <a:fld id="{8A8B4E92-48FF-468D-8C4B-291E6BA63542}" type="slidenum">
+            <a:fld id="{80E99A9E-C763-4299-9467-05185E63D768}" type="slidenum">
               <a:t>&lt;#&gt;</a:t>
             </a:fld>
           </a:p>
@@ -502,7 +501,7 @@
         <p:txBody>
           <a:bodyPr/>
           <a:p>
-            <a:fld id="{ABF8A19E-57D3-4C76-B32D-45C027AE9ECA}" type="slidenum">
+            <a:fld id="{4277BB57-BA43-4229-A77E-942D0B2B4051}" type="slidenum">
               <a:t>&lt;#&gt;</a:t>
             </a:fld>
           </a:p>
@@ -713,7 +712,7 @@
         <p:txBody>
           <a:bodyPr/>
           <a:p>
-            <a:fld id="{1BA21F7C-CD37-4B48-A05D-23E8B7D24B8D}" type="slidenum">
+            <a:fld id="{21396B00-1984-48FC-B067-68F4BB7501DA}" type="slidenum">
               <a:t>&lt;#&gt;</a:t>
             </a:fld>
           </a:p>
@@ -1880,7 +1879,7 @@
         <p:txBody>
           <a:bodyPr/>
           <a:p>
-            <a:fld id="{24D5264D-A7D1-402E-9C7F-545EFFC4A73B}" type="slidenum">
+            <a:fld id="{F45EB6BC-BEE3-4C6E-A9D8-80FFAD90562E}" type="slidenum">
               <a:t>&lt;#&gt;</a:t>
             </a:fld>
           </a:p>
@@ -2620,7 +2619,7 @@
         <p:txBody>
           <a:bodyPr/>
           <a:p>
-            <a:fld id="{CACB2EDA-B31C-42C5-9AF0-B63A175A4D0B}" type="slidenum">
+            <a:fld id="{17889C9A-7042-446F-9F3F-83F3194691A8}" type="slidenum">
               <a:t>&lt;#&gt;</a:t>
             </a:fld>
           </a:p>
@@ -2662,7 +2661,7 @@
         <p:txBody>
           <a:bodyPr/>
           <a:p>
-            <a:fld id="{A5F96D2D-4314-4722-A6D0-20954078E19A}" type="slidenum">
+            <a:fld id="{4E128AF4-6038-4917-B9BE-750D12F2F234}" type="slidenum">
               <a:t>&lt;#&gt;</a:t>
             </a:fld>
           </a:p>
@@ -2704,7 +2703,7 @@
         <p:txBody>
           <a:bodyPr/>
           <a:p>
-            <a:fld id="{256D1D89-38C4-452A-992F-E98D0756EDDD}" type="slidenum">
+            <a:fld id="{5688B4B8-DEA3-4023-8ECF-74CE832138F0}" type="slidenum">
               <a:t>&lt;#&gt;</a:t>
             </a:fld>
           </a:p>
@@ -2829,7 +2828,7 @@
         <p:txBody>
           <a:bodyPr/>
           <a:p>
-            <a:fld id="{6727E746-CF87-49CC-BA67-7EDDF23C0DD4}" type="slidenum">
+            <a:fld id="{A0354726-1585-41DF-A5E2-44A96DBC67E5}" type="slidenum">
               <a:t>&lt;#&gt;</a:t>
             </a:fld>
           </a:p>
@@ -2954,7 +2953,7 @@
         <p:txBody>
           <a:bodyPr/>
           <a:p>
-            <a:fld id="{13AE305E-5AEF-4D95-8256-DD0BD3CE07F6}" type="slidenum">
+            <a:fld id="{09EE3B18-5273-417D-8205-5F3DB5E2E816}" type="slidenum">
               <a:t>&lt;#&gt;</a:t>
             </a:fld>
           </a:p>
@@ -3122,7 +3121,7 @@
         <p:txBody>
           <a:bodyPr/>
           <a:p>
-            <a:fld id="{DAF2D12F-5886-4356-A48F-AA2A455F8530}" type="slidenum">
+            <a:fld id="{72A3EDDE-7F9C-48A6-9052-A403C0248A1B}" type="slidenum">
               <a:t>&lt;#&gt;</a:t>
             </a:fld>
           </a:p>
@@ -3204,7 +3203,7 @@
         <p:txBody>
           <a:bodyPr/>
           <a:p>
-            <a:fld id="{F8B61C54-03F5-411E-BE33-A61201025FA2}" type="slidenum">
+            <a:fld id="{0D29B9A1-31B7-4129-B5BD-641E474C1F2D}" type="slidenum">
               <a:t>&lt;#&gt;</a:t>
             </a:fld>
           </a:p>
@@ -3976,7 +3975,7 @@
         <p:spPr>
           <a:xfrm>
             <a:off x="8472600" y="4663080"/>
-            <a:ext cx="546840" cy="391680"/>
+            <a:ext cx="546480" cy="391320"/>
           </a:xfrm>
           <a:prstGeom prst="rect">
             <a:avLst/>
@@ -4018,7 +4017,7 @@
                 <a:tab algn="l" pos="0"/>
               </a:tabLst>
             </a:pPr>
-            <a:fld id="{9E0AAFE1-6E7D-4E11-95EE-92A64BE20D02}" type="slidenum">
+            <a:fld id="{EF88684D-D5C3-492C-9CA6-37A233F1F374}" type="slidenum">
               <a:rPr b="0" lang="en" sz="1000" spc="-1" strike="noStrike">
                 <a:solidFill>
                   <a:srgbClr val="595959"/>
@@ -4083,7 +4082,7 @@
         <p:spPr>
           <a:xfrm>
             <a:off x="8472600" y="4663080"/>
-            <a:ext cx="546840" cy="391680"/>
+            <a:ext cx="546480" cy="391320"/>
           </a:xfrm>
           <a:prstGeom prst="rect">
             <a:avLst/>
@@ -4125,7 +4124,7 @@
                 <a:tab algn="l" pos="0"/>
               </a:tabLst>
             </a:pPr>
-            <a:fld id="{F162D155-81E1-41C5-BDCF-8A4753355E51}" type="slidenum">
+            <a:fld id="{9C37E04D-A853-4D92-9140-DC40FFABD3D0}" type="slidenum">
               <a:rPr b="0" lang="en" sz="1000" spc="-1" strike="noStrike">
                 <a:solidFill>
                   <a:srgbClr val="595959"/>
@@ -4914,7 +4913,7 @@
         <p:spPr>
           <a:xfrm>
             <a:off x="8472600" y="4663080"/>
-            <a:ext cx="546840" cy="391680"/>
+            <a:ext cx="546480" cy="391320"/>
           </a:xfrm>
           <a:prstGeom prst="rect">
             <a:avLst/>
@@ -4956,7 +4955,7 @@
                 <a:tab algn="l" pos="0"/>
               </a:tabLst>
             </a:pPr>
-            <a:fld id="{003A253D-B09B-4629-AE43-A11AFE0043DE}" type="slidenum">
+            <a:fld id="{C9DBCFAE-FBB0-4519-816D-4138CA6762CB}" type="slidenum">
               <a:rPr b="0" lang="en" sz="1000" spc="-1" strike="noStrike">
                 <a:solidFill>
                   <a:srgbClr val="595959"/>
@@ -5745,7 +5744,7 @@
         <p:spPr>
           <a:xfrm>
             <a:off x="8472600" y="4663080"/>
-            <a:ext cx="546840" cy="391680"/>
+            <a:ext cx="546480" cy="391320"/>
           </a:xfrm>
           <a:prstGeom prst="rect">
             <a:avLst/>
@@ -5787,7 +5786,7 @@
                 <a:tab algn="l" pos="0"/>
               </a:tabLst>
             </a:pPr>
-            <a:fld id="{4D9A61F5-35B4-46FF-8A22-A5037EA941CE}" type="slidenum">
+            <a:fld id="{D947E50A-327D-4C16-B589-77550639A7BC}" type="slidenum">
               <a:rPr b="0" lang="en" sz="1000" spc="-1" strike="noStrike">
                 <a:solidFill>
                   <a:srgbClr val="595959"/>
@@ -5848,7 +5847,7 @@
         <p:spPr>
           <a:xfrm>
             <a:off x="0" y="4867560"/>
-            <a:ext cx="307080" cy="274320"/>
+            <a:ext cx="306720" cy="273960"/>
           </a:xfrm>
           <a:prstGeom prst="rect">
             <a:avLst/>
@@ -5877,7 +5876,7 @@
                 <a:tab algn="l" pos="0"/>
               </a:tabLst>
             </a:pPr>
-            <a:fld id="{3BB30A34-0EEC-492B-94A5-1867B272DD6A}" type="slidenum">
+            <a:fld id="{38418AAD-C191-4177-8C4E-D1C7DFFB3150}" type="slidenum">
               <a:rPr b="0" lang="en" sz="800" spc="-1" strike="noStrike">
                 <a:solidFill>
                   <a:srgbClr val="3d3c3b"/>
@@ -5909,7 +5908,7 @@
         <p:spPr>
           <a:xfrm>
             <a:off x="7843320" y="4663080"/>
-            <a:ext cx="1009080" cy="306000"/>
+            <a:ext cx="1008720" cy="305640"/>
           </a:xfrm>
           <a:prstGeom prst="rect">
             <a:avLst/>
@@ -5934,7 +5933,7 @@
         <p:spPr>
           <a:xfrm>
             <a:off x="3378600" y="2347200"/>
-            <a:ext cx="5763600" cy="2794680"/>
+            <a:ext cx="5763240" cy="2794320"/>
           </a:xfrm>
           <a:prstGeom prst="rect">
             <a:avLst/>
@@ -5953,7 +5952,7 @@
         <p:spPr>
           <a:xfrm>
             <a:off x="0" y="4810320"/>
-            <a:ext cx="9142200" cy="213480"/>
+            <a:ext cx="9141840" cy="213480"/>
           </a:xfrm>
           <a:prstGeom prst="rect">
             <a:avLst/>
@@ -6767,7 +6766,7 @@
         <p:spPr>
           <a:xfrm>
             <a:off x="0" y="4867560"/>
-            <a:ext cx="307080" cy="274320"/>
+            <a:ext cx="306720" cy="273960"/>
           </a:xfrm>
           <a:prstGeom prst="rect">
             <a:avLst/>
@@ -6796,7 +6795,7 @@
                 <a:tab algn="l" pos="0"/>
               </a:tabLst>
             </a:pPr>
-            <a:fld id="{325B31CF-5B47-470C-A934-893C8D789267}" type="slidenum">
+            <a:fld id="{936F8565-AC9B-4A9A-ACE7-A938224D5611}" type="slidenum">
               <a:rPr b="0" lang="en" sz="800" spc="-1" strike="noStrike">
                 <a:solidFill>
                   <a:srgbClr val="3d3c3b"/>
@@ -6828,7 +6827,7 @@
         <p:spPr>
           <a:xfrm>
             <a:off x="7843320" y="4663080"/>
-            <a:ext cx="1009080" cy="306000"/>
+            <a:ext cx="1008720" cy="305640"/>
           </a:xfrm>
           <a:prstGeom prst="rect">
             <a:avLst/>
@@ -6853,7 +6852,7 @@
         <p:spPr>
           <a:xfrm>
             <a:off x="3378600" y="2347200"/>
-            <a:ext cx="5763600" cy="2794680"/>
+            <a:ext cx="5763240" cy="2794320"/>
           </a:xfrm>
           <a:prstGeom prst="rect">
             <a:avLst/>
@@ -6872,7 +6871,7 @@
         <p:spPr>
           <a:xfrm>
             <a:off x="0" y="4810320"/>
-            <a:ext cx="9142200" cy="213480"/>
+            <a:ext cx="9141840" cy="213480"/>
           </a:xfrm>
           <a:prstGeom prst="rect">
             <a:avLst/>
@@ -7686,7 +7685,7 @@
         <p:spPr>
           <a:xfrm>
             <a:off x="0" y="4867560"/>
-            <a:ext cx="307080" cy="274320"/>
+            <a:ext cx="306720" cy="273960"/>
           </a:xfrm>
           <a:prstGeom prst="rect">
             <a:avLst/>
@@ -7715,7 +7714,7 @@
                 <a:tab algn="l" pos="0"/>
               </a:tabLst>
             </a:pPr>
-            <a:fld id="{4346EFDE-4EA3-4048-88B6-867641AB7DAF}" type="slidenum">
+            <a:fld id="{91F73E15-91FF-4671-B7E0-06F3813FC9F9}" type="slidenum">
               <a:rPr b="0" lang="en" sz="800" spc="-1" strike="noStrike">
                 <a:solidFill>
                   <a:srgbClr val="3d3c3b"/>
@@ -7747,7 +7746,7 @@
         <p:spPr>
           <a:xfrm>
             <a:off x="7843320" y="4663080"/>
-            <a:ext cx="1009080" cy="306000"/>
+            <a:ext cx="1008720" cy="305640"/>
           </a:xfrm>
           <a:prstGeom prst="rect">
             <a:avLst/>
@@ -7772,7 +7771,7 @@
         <p:spPr>
           <a:xfrm>
             <a:off x="3378600" y="2347200"/>
-            <a:ext cx="5763600" cy="2794680"/>
+            <a:ext cx="5763240" cy="2794320"/>
           </a:xfrm>
           <a:prstGeom prst="rect">
             <a:avLst/>
@@ -7791,7 +7790,7 @@
         <p:spPr>
           <a:xfrm>
             <a:off x="0" y="4810320"/>
-            <a:ext cx="9142200" cy="213480"/>
+            <a:ext cx="9141840" cy="213480"/>
           </a:xfrm>
           <a:prstGeom prst="rect">
             <a:avLst/>
@@ -8605,7 +8604,7 @@
         <p:spPr>
           <a:xfrm>
             <a:off x="0" y="4867560"/>
-            <a:ext cx="307080" cy="274320"/>
+            <a:ext cx="306720" cy="273960"/>
           </a:xfrm>
           <a:prstGeom prst="rect">
             <a:avLst/>
@@ -8634,7 +8633,7 @@
                 <a:tab algn="l" pos="0"/>
               </a:tabLst>
             </a:pPr>
-            <a:fld id="{ECA18569-BDD8-4DD7-AE39-95C88D20AA74}" type="slidenum">
+            <a:fld id="{586725E1-E4B8-4B70-84A2-607142795F47}" type="slidenum">
               <a:rPr b="0" lang="en" sz="800" spc="-1" strike="noStrike">
                 <a:solidFill>
                   <a:srgbClr val="3d3c3b"/>
@@ -8666,7 +8665,7 @@
         <p:spPr>
           <a:xfrm>
             <a:off x="7843320" y="4663080"/>
-            <a:ext cx="1009080" cy="306000"/>
+            <a:ext cx="1008720" cy="305640"/>
           </a:xfrm>
           <a:prstGeom prst="rect">
             <a:avLst/>
@@ -8691,7 +8690,7 @@
         <p:spPr>
           <a:xfrm>
             <a:off x="3378600" y="2347200"/>
-            <a:ext cx="5763600" cy="2794680"/>
+            <a:ext cx="5763240" cy="2794320"/>
           </a:xfrm>
           <a:prstGeom prst="rect">
             <a:avLst/>
@@ -8710,7 +8709,7 @@
         <p:spPr>
           <a:xfrm>
             <a:off x="0" y="4810320"/>
-            <a:ext cx="9142200" cy="213480"/>
+            <a:ext cx="9141840" cy="213480"/>
           </a:xfrm>
           <a:prstGeom prst="rect">
             <a:avLst/>
@@ -9299,7 +9298,7 @@
         <p:spPr>
           <a:xfrm>
             <a:off x="0" y="4867560"/>
-            <a:ext cx="307080" cy="274320"/>
+            <a:ext cx="306720" cy="273960"/>
           </a:xfrm>
           <a:prstGeom prst="rect">
             <a:avLst/>
@@ -9328,7 +9327,7 @@
                 <a:tab algn="l" pos="0"/>
               </a:tabLst>
             </a:pPr>
-            <a:fld id="{EC9A45D7-ECDF-47F1-B181-DC45C1A7C865}" type="slidenum">
+            <a:fld id="{BE0B9B0F-F5F6-46FE-AEE4-E142FEB4337F}" type="slidenum">
               <a:rPr b="0" lang="en" sz="800" spc="-1" strike="noStrike">
                 <a:solidFill>
                   <a:srgbClr val="3d3c3b"/>
@@ -9360,7 +9359,7 @@
         <p:spPr>
           <a:xfrm>
             <a:off x="7843320" y="4663080"/>
-            <a:ext cx="1009080" cy="306000"/>
+            <a:ext cx="1008720" cy="305640"/>
           </a:xfrm>
           <a:prstGeom prst="rect">
             <a:avLst/>
@@ -9385,7 +9384,7 @@
         <p:spPr>
           <a:xfrm>
             <a:off x="3378600" y="2347200"/>
-            <a:ext cx="5763600" cy="2794680"/>
+            <a:ext cx="5763240" cy="2794320"/>
           </a:xfrm>
           <a:prstGeom prst="rect">
             <a:avLst/>
@@ -9404,7 +9403,7 @@
         <p:spPr>
           <a:xfrm>
             <a:off x="0" y="4810320"/>
-            <a:ext cx="9142200" cy="213480"/>
+            <a:ext cx="9141840" cy="213480"/>
           </a:xfrm>
           <a:prstGeom prst="rect">
             <a:avLst/>
@@ -10443,7 +10442,7 @@
         <p:spPr>
           <a:xfrm>
             <a:off x="0" y="4867560"/>
-            <a:ext cx="307080" cy="274320"/>
+            <a:ext cx="306720" cy="273960"/>
           </a:xfrm>
           <a:prstGeom prst="rect">
             <a:avLst/>
@@ -10472,7 +10471,7 @@
                 <a:tab algn="l" pos="0"/>
               </a:tabLst>
             </a:pPr>
-            <a:fld id="{5A20DB52-DE93-4E9C-9EAB-41478BFD7250}" type="slidenum">
+            <a:fld id="{67CB22B5-199C-4FAD-818E-835C733C266D}" type="slidenum">
               <a:rPr b="0" lang="en" sz="800" spc="-1" strike="noStrike">
                 <a:solidFill>
                   <a:srgbClr val="3d3c3b"/>
@@ -10504,7 +10503,7 @@
         <p:spPr>
           <a:xfrm>
             <a:off x="7843320" y="4663080"/>
-            <a:ext cx="1009080" cy="306000"/>
+            <a:ext cx="1008720" cy="305640"/>
           </a:xfrm>
           <a:prstGeom prst="rect">
             <a:avLst/>
@@ -10529,7 +10528,7 @@
         <p:spPr>
           <a:xfrm>
             <a:off x="3378600" y="2347200"/>
-            <a:ext cx="5763600" cy="2794680"/>
+            <a:ext cx="5763240" cy="2794320"/>
           </a:xfrm>
           <a:prstGeom prst="rect">
             <a:avLst/>
@@ -10548,7 +10547,7 @@
         <p:spPr>
           <a:xfrm>
             <a:off x="0" y="4810320"/>
-            <a:ext cx="9142200" cy="213480"/>
+            <a:ext cx="9141840" cy="213480"/>
           </a:xfrm>
           <a:prstGeom prst="rect">
             <a:avLst/>
@@ -10638,7 +10637,7 @@
         <p:spPr>
           <a:xfrm>
             <a:off x="0" y="4867560"/>
-            <a:ext cx="307080" cy="274320"/>
+            <a:ext cx="306720" cy="273960"/>
           </a:xfrm>
           <a:prstGeom prst="rect">
             <a:avLst/>
@@ -10667,7 +10666,7 @@
                 <a:tab algn="l" pos="0"/>
               </a:tabLst>
             </a:pPr>
-            <a:fld id="{010A2651-052E-4DAD-A5B0-68A920639519}" type="slidenum">
+            <a:fld id="{CFBB8964-B055-4F6C-8110-A7B8ABFA96AC}" type="slidenum">
               <a:rPr b="0" lang="en" sz="800" spc="-1" strike="noStrike">
                 <a:solidFill>
                   <a:srgbClr val="3d3c3b"/>
@@ -10699,7 +10698,7 @@
         <p:spPr>
           <a:xfrm>
             <a:off x="7843320" y="4663080"/>
-            <a:ext cx="1009080" cy="306000"/>
+            <a:ext cx="1008720" cy="305640"/>
           </a:xfrm>
           <a:prstGeom prst="rect">
             <a:avLst/>
@@ -10724,7 +10723,7 @@
         <p:spPr>
           <a:xfrm>
             <a:off x="3378600" y="2347200"/>
-            <a:ext cx="5763600" cy="2794680"/>
+            <a:ext cx="5763240" cy="2794320"/>
           </a:xfrm>
           <a:prstGeom prst="rect">
             <a:avLst/>
@@ -10743,7 +10742,7 @@
         <p:spPr>
           <a:xfrm>
             <a:off x="0" y="4810320"/>
-            <a:ext cx="9142200" cy="213480"/>
+            <a:ext cx="9141840" cy="213480"/>
           </a:xfrm>
           <a:prstGeom prst="rect">
             <a:avLst/>
@@ -11610,7 +11609,7 @@
         <p:spPr>
           <a:xfrm>
             <a:off x="8472600" y="4663080"/>
-            <a:ext cx="546840" cy="391680"/>
+            <a:ext cx="546480" cy="391320"/>
           </a:xfrm>
           <a:prstGeom prst="rect">
             <a:avLst/>
@@ -11652,7 +11651,7 @@
                 <a:tab algn="l" pos="0"/>
               </a:tabLst>
             </a:pPr>
-            <a:fld id="{9DC540E3-7D14-430D-ACF2-D486C6BDF30B}" type="slidenum">
+            <a:fld id="{9CE0B7E5-93CF-4269-B74B-D716E1753527}" type="slidenum">
               <a:rPr b="0" lang="en" sz="1000" spc="-1" strike="noStrike">
                 <a:solidFill>
                   <a:srgbClr val="595959"/>
@@ -11713,7 +11712,7 @@
         <p:spPr>
           <a:xfrm>
             <a:off x="0" y="4867560"/>
-            <a:ext cx="307080" cy="274320"/>
+            <a:ext cx="306720" cy="273960"/>
           </a:xfrm>
           <a:prstGeom prst="rect">
             <a:avLst/>
@@ -11742,7 +11741,7 @@
                 <a:tab algn="l" pos="0"/>
               </a:tabLst>
             </a:pPr>
-            <a:fld id="{AEA99AB6-8B3D-48AD-8E41-FDBE3244656B}" type="slidenum">
+            <a:fld id="{378DAF33-FCA2-4921-8B5F-9CABDF68D314}" type="slidenum">
               <a:rPr b="0" lang="en" sz="800" spc="-1" strike="noStrike">
                 <a:solidFill>
                   <a:srgbClr val="3d3c3b"/>
@@ -11774,7 +11773,7 @@
         <p:spPr>
           <a:xfrm>
             <a:off x="7843320" y="4663080"/>
-            <a:ext cx="1009080" cy="306000"/>
+            <a:ext cx="1008720" cy="305640"/>
           </a:xfrm>
           <a:prstGeom prst="rect">
             <a:avLst/>
@@ -11799,7 +11798,7 @@
         <p:spPr>
           <a:xfrm>
             <a:off x="3378600" y="2347200"/>
-            <a:ext cx="5763600" cy="2794680"/>
+            <a:ext cx="5763240" cy="2794320"/>
           </a:xfrm>
           <a:prstGeom prst="rect">
             <a:avLst/>
@@ -11818,7 +11817,7 @@
         <p:spPr>
           <a:xfrm>
             <a:off x="0" y="4810320"/>
-            <a:ext cx="9142200" cy="213480"/>
+            <a:ext cx="9141840" cy="213480"/>
           </a:xfrm>
           <a:prstGeom prst="rect">
             <a:avLst/>
@@ -12182,7 +12181,7 @@
         <p:spPr>
           <a:xfrm>
             <a:off x="0" y="4867560"/>
-            <a:ext cx="307080" cy="274320"/>
+            <a:ext cx="306720" cy="273960"/>
           </a:xfrm>
           <a:prstGeom prst="rect">
             <a:avLst/>
@@ -12211,7 +12210,7 @@
                 <a:tab algn="l" pos="0"/>
               </a:tabLst>
             </a:pPr>
-            <a:fld id="{834DD1DE-0237-450A-9B92-0514A174FA5B}" type="slidenum">
+            <a:fld id="{5506F933-8F38-4221-BFE4-AD1B3E437E6E}" type="slidenum">
               <a:rPr b="0" lang="en" sz="800" spc="-1" strike="noStrike">
                 <a:solidFill>
                   <a:srgbClr val="3d3c3b"/>
@@ -12243,7 +12242,7 @@
         <p:spPr>
           <a:xfrm>
             <a:off x="7843320" y="4663080"/>
-            <a:ext cx="1009080" cy="306000"/>
+            <a:ext cx="1008720" cy="305640"/>
           </a:xfrm>
           <a:prstGeom prst="rect">
             <a:avLst/>
@@ -12268,7 +12267,7 @@
         <p:spPr>
           <a:xfrm>
             <a:off x="3378600" y="2347200"/>
-            <a:ext cx="5763600" cy="2794680"/>
+            <a:ext cx="5763240" cy="2794320"/>
           </a:xfrm>
           <a:prstGeom prst="rect">
             <a:avLst/>
@@ -12287,7 +12286,7 @@
         <p:spPr>
           <a:xfrm>
             <a:off x="0" y="4810320"/>
-            <a:ext cx="9142200" cy="213480"/>
+            <a:ext cx="9141840" cy="213480"/>
           </a:xfrm>
           <a:prstGeom prst="rect">
             <a:avLst/>
@@ -12651,7 +12650,7 @@
         <p:spPr>
           <a:xfrm>
             <a:off x="0" y="4867560"/>
-            <a:ext cx="307080" cy="274320"/>
+            <a:ext cx="306720" cy="273960"/>
           </a:xfrm>
           <a:prstGeom prst="rect">
             <a:avLst/>
@@ -12680,7 +12679,7 @@
                 <a:tab algn="l" pos="0"/>
               </a:tabLst>
             </a:pPr>
-            <a:fld id="{57911932-E9E7-4D73-AEF4-589D30AA5ED0}" type="slidenum">
+            <a:fld id="{A739939D-4D26-4E91-8180-B4B3890F0462}" type="slidenum">
               <a:rPr b="0" lang="en" sz="800" spc="-1" strike="noStrike">
                 <a:solidFill>
                   <a:srgbClr val="3d3c3b"/>
@@ -12712,7 +12711,7 @@
         <p:spPr>
           <a:xfrm>
             <a:off x="7843320" y="4663080"/>
-            <a:ext cx="1009080" cy="306000"/>
+            <a:ext cx="1008720" cy="305640"/>
           </a:xfrm>
           <a:prstGeom prst="rect">
             <a:avLst/>
@@ -12737,7 +12736,7 @@
         <p:spPr>
           <a:xfrm>
             <a:off x="3378600" y="2347200"/>
-            <a:ext cx="5763600" cy="2794680"/>
+            <a:ext cx="5763240" cy="2794320"/>
           </a:xfrm>
           <a:prstGeom prst="rect">
             <a:avLst/>
@@ -12756,7 +12755,7 @@
         <p:spPr>
           <a:xfrm>
             <a:off x="0" y="4810320"/>
-            <a:ext cx="9142200" cy="213480"/>
+            <a:ext cx="9141840" cy="213480"/>
           </a:xfrm>
           <a:prstGeom prst="rect">
             <a:avLst/>
@@ -13345,7 +13344,7 @@
         <p:spPr>
           <a:xfrm>
             <a:off x="0" y="4867560"/>
-            <a:ext cx="307080" cy="274320"/>
+            <a:ext cx="306720" cy="273960"/>
           </a:xfrm>
           <a:prstGeom prst="rect">
             <a:avLst/>
@@ -13374,7 +13373,7 @@
                 <a:tab algn="l" pos="0"/>
               </a:tabLst>
             </a:pPr>
-            <a:fld id="{01B6AD51-AD7A-4D61-854F-26A65502DA4E}" type="slidenum">
+            <a:fld id="{ED06F57B-21E7-42D0-AA3B-9115CD7C9979}" type="slidenum">
               <a:rPr b="0" lang="en" sz="800" spc="-1" strike="noStrike">
                 <a:solidFill>
                   <a:srgbClr val="3d3c3b"/>
@@ -13406,7 +13405,7 @@
         <p:spPr>
           <a:xfrm>
             <a:off x="7843320" y="4663080"/>
-            <a:ext cx="1009080" cy="306000"/>
+            <a:ext cx="1008720" cy="305640"/>
           </a:xfrm>
           <a:prstGeom prst="rect">
             <a:avLst/>
@@ -13431,7 +13430,7 @@
         <p:spPr>
           <a:xfrm>
             <a:off x="3378600" y="2347200"/>
-            <a:ext cx="5763600" cy="2794680"/>
+            <a:ext cx="5763240" cy="2794320"/>
           </a:xfrm>
           <a:prstGeom prst="rect">
             <a:avLst/>
@@ -13450,7 +13449,7 @@
         <p:spPr>
           <a:xfrm>
             <a:off x="0" y="4810320"/>
-            <a:ext cx="9142200" cy="213480"/>
+            <a:ext cx="9141840" cy="213480"/>
           </a:xfrm>
           <a:prstGeom prst="rect">
             <a:avLst/>
@@ -13589,7 +13588,7 @@
         <p:spPr>
           <a:xfrm>
             <a:off x="0" y="4867560"/>
-            <a:ext cx="307080" cy="274320"/>
+            <a:ext cx="306720" cy="273960"/>
           </a:xfrm>
           <a:prstGeom prst="rect">
             <a:avLst/>
@@ -13618,7 +13617,7 @@
                 <a:tab algn="l" pos="0"/>
               </a:tabLst>
             </a:pPr>
-            <a:fld id="{80894960-4FCA-4AAA-BCE7-E21ED56CCC65}" type="slidenum">
+            <a:fld id="{B0D1D259-F3F2-45A8-9DB3-1570B3DA4277}" type="slidenum">
               <a:rPr b="0" lang="en" sz="800" spc="-1" strike="noStrike">
                 <a:solidFill>
                   <a:srgbClr val="3d3c3b"/>
@@ -13650,7 +13649,7 @@
         <p:spPr>
           <a:xfrm>
             <a:off x="7843320" y="4663080"/>
-            <a:ext cx="1009080" cy="306000"/>
+            <a:ext cx="1008720" cy="305640"/>
           </a:xfrm>
           <a:prstGeom prst="rect">
             <a:avLst/>
@@ -13675,7 +13674,7 @@
         <p:spPr>
           <a:xfrm>
             <a:off x="3378600" y="2347200"/>
-            <a:ext cx="5763600" cy="2794680"/>
+            <a:ext cx="5763240" cy="2794320"/>
           </a:xfrm>
           <a:prstGeom prst="rect">
             <a:avLst/>
@@ -13694,7 +13693,7 @@
         <p:spPr>
           <a:xfrm>
             <a:off x="0" y="4810320"/>
-            <a:ext cx="9142200" cy="213480"/>
+            <a:ext cx="9141840" cy="213480"/>
           </a:xfrm>
           <a:prstGeom prst="rect">
             <a:avLst/>
@@ -13784,7 +13783,7 @@
         <p:spPr>
           <a:xfrm>
             <a:off x="0" y="4867560"/>
-            <a:ext cx="307080" cy="274320"/>
+            <a:ext cx="306720" cy="273960"/>
           </a:xfrm>
           <a:prstGeom prst="rect">
             <a:avLst/>
@@ -13813,7 +13812,7 @@
                 <a:tab algn="l" pos="0"/>
               </a:tabLst>
             </a:pPr>
-            <a:fld id="{BEF410EA-F8F9-487F-97AA-25E0266118B8}" type="slidenum">
+            <a:fld id="{C205D070-E4A8-4101-9A56-64CD8E3EDB13}" type="slidenum">
               <a:rPr b="0" lang="en" sz="800" spc="-1" strike="noStrike">
                 <a:solidFill>
                   <a:srgbClr val="3d3c3b"/>
@@ -13845,7 +13844,7 @@
         <p:spPr>
           <a:xfrm>
             <a:off x="7843320" y="4663080"/>
-            <a:ext cx="1009080" cy="306000"/>
+            <a:ext cx="1008720" cy="305640"/>
           </a:xfrm>
           <a:prstGeom prst="rect">
             <a:avLst/>
@@ -13870,7 +13869,7 @@
         <p:spPr>
           <a:xfrm>
             <a:off x="3378600" y="2347200"/>
-            <a:ext cx="5763600" cy="2794680"/>
+            <a:ext cx="5763240" cy="2794320"/>
           </a:xfrm>
           <a:prstGeom prst="rect">
             <a:avLst/>
@@ -13889,7 +13888,7 @@
         <p:spPr>
           <a:xfrm>
             <a:off x="0" y="4810320"/>
-            <a:ext cx="9142200" cy="213480"/>
+            <a:ext cx="9141840" cy="213480"/>
           </a:xfrm>
           <a:prstGeom prst="rect">
             <a:avLst/>
@@ -14253,7 +14252,7 @@
         <p:spPr>
           <a:xfrm>
             <a:off x="0" y="4867560"/>
-            <a:ext cx="307080" cy="274320"/>
+            <a:ext cx="306720" cy="273960"/>
           </a:xfrm>
           <a:prstGeom prst="rect">
             <a:avLst/>
@@ -14282,7 +14281,7 @@
                 <a:tab algn="l" pos="0"/>
               </a:tabLst>
             </a:pPr>
-            <a:fld id="{6CE158E0-464A-4DE6-8475-C3DBB4DE3943}" type="slidenum">
+            <a:fld id="{431D07D3-EFD7-4E52-AE0E-DEA134523100}" type="slidenum">
               <a:rPr b="0" lang="en" sz="800" spc="-1" strike="noStrike">
                 <a:solidFill>
                   <a:srgbClr val="3d3c3b"/>
@@ -14314,7 +14313,7 @@
         <p:spPr>
           <a:xfrm>
             <a:off x="7843320" y="4663080"/>
-            <a:ext cx="1009080" cy="306000"/>
+            <a:ext cx="1008720" cy="305640"/>
           </a:xfrm>
           <a:prstGeom prst="rect">
             <a:avLst/>
@@ -14339,7 +14338,7 @@
         <p:spPr>
           <a:xfrm>
             <a:off x="3378600" y="2347200"/>
-            <a:ext cx="5763600" cy="2794680"/>
+            <a:ext cx="5763240" cy="2794320"/>
           </a:xfrm>
           <a:prstGeom prst="rect">
             <a:avLst/>
@@ -14358,7 +14357,7 @@
         <p:spPr>
           <a:xfrm>
             <a:off x="0" y="4810320"/>
-            <a:ext cx="9142200" cy="213480"/>
+            <a:ext cx="9141840" cy="213480"/>
           </a:xfrm>
           <a:prstGeom prst="rect">
             <a:avLst/>
@@ -15675,7 +15674,7 @@
         <p:spPr>
           <a:xfrm>
             <a:off x="8472600" y="4663080"/>
-            <a:ext cx="546840" cy="391680"/>
+            <a:ext cx="546480" cy="391320"/>
           </a:xfrm>
           <a:prstGeom prst="rect">
             <a:avLst/>
@@ -15717,7 +15716,7 @@
                 <a:tab algn="l" pos="0"/>
               </a:tabLst>
             </a:pPr>
-            <a:fld id="{B4D9205E-FB6D-49F2-A9A0-FA68C9A64D7A}" type="slidenum">
+            <a:fld id="{ECCCDD63-7DDA-47D5-8EB1-CBE35E400945}" type="slidenum">
               <a:rPr b="0" lang="en" sz="1000" spc="-1" strike="noStrike">
                 <a:solidFill>
                   <a:srgbClr val="595959"/>
@@ -15782,7 +15781,7 @@
         <p:spPr>
           <a:xfrm>
             <a:off x="8472600" y="4663080"/>
-            <a:ext cx="546840" cy="391680"/>
+            <a:ext cx="546480" cy="391320"/>
           </a:xfrm>
           <a:prstGeom prst="rect">
             <a:avLst/>
@@ -15824,7 +15823,7 @@
                 <a:tab algn="l" pos="0"/>
               </a:tabLst>
             </a:pPr>
-            <a:fld id="{B7E11C7E-039E-434D-82BD-7CC5DAC1D3A8}" type="slidenum">
+            <a:fld id="{32C84D6A-2A1A-4093-A402-C087CDE83E27}" type="slidenum">
               <a:rPr b="0" lang="en" sz="1000" spc="-1" strike="noStrike">
                 <a:solidFill>
                   <a:srgbClr val="595959"/>
@@ -15889,7 +15888,7 @@
         <p:spPr>
           <a:xfrm>
             <a:off x="8472600" y="4663080"/>
-            <a:ext cx="546840" cy="391680"/>
+            <a:ext cx="546480" cy="391320"/>
           </a:xfrm>
           <a:prstGeom prst="rect">
             <a:avLst/>
@@ -15931,7 +15930,7 @@
                 <a:tab algn="l" pos="0"/>
               </a:tabLst>
             </a:pPr>
-            <a:fld id="{9C258C39-FA22-4E3C-9ACF-426FE6477A16}" type="slidenum">
+            <a:fld id="{A5D37272-413F-4C2C-B7F6-9514FE903C31}" type="slidenum">
               <a:rPr b="0" lang="en" sz="1000" spc="-1" strike="noStrike">
                 <a:solidFill>
                   <a:srgbClr val="595959"/>
@@ -16544,7 +16543,7 @@
         <p:spPr>
           <a:xfrm>
             <a:off x="8472600" y="4663080"/>
-            <a:ext cx="546840" cy="391680"/>
+            <a:ext cx="546480" cy="391320"/>
           </a:xfrm>
           <a:prstGeom prst="rect">
             <a:avLst/>
@@ -16586,7 +16585,7 @@
                 <a:tab algn="l" pos="0"/>
               </a:tabLst>
             </a:pPr>
-            <a:fld id="{FCC85C9E-06F9-410A-A84A-0EB542B82852}" type="slidenum">
+            <a:fld id="{0F552B95-F3D3-433E-A9B9-DDA80CDF4BA1}" type="slidenum">
               <a:rPr b="0" lang="en" sz="1000" spc="-1" strike="noStrike">
                 <a:solidFill>
                   <a:srgbClr val="595959"/>
@@ -16925,7 +16924,7 @@
         <p:spPr>
           <a:xfrm>
             <a:off x="8472600" y="4663080"/>
-            <a:ext cx="546840" cy="391680"/>
+            <a:ext cx="546480" cy="391320"/>
           </a:xfrm>
           <a:prstGeom prst="rect">
             <a:avLst/>
@@ -16967,7 +16966,7 @@
                 <a:tab algn="l" pos="0"/>
               </a:tabLst>
             </a:pPr>
-            <a:fld id="{A27EFFA2-44D7-4E5B-ABC0-4B7E8B12C830}" type="slidenum">
+            <a:fld id="{4F09F753-EFD2-459F-A7FB-21FFCE86AF1D}" type="slidenum">
               <a:rPr b="0" lang="en" sz="1000" spc="-1" strike="noStrike">
                 <a:solidFill>
                   <a:srgbClr val="595959"/>
@@ -17531,7 +17530,7 @@
         <p:spPr>
           <a:xfrm>
             <a:off x="8472600" y="4663080"/>
-            <a:ext cx="546840" cy="391680"/>
+            <a:ext cx="546480" cy="391320"/>
           </a:xfrm>
           <a:prstGeom prst="rect">
             <a:avLst/>
@@ -17573,7 +17572,7 @@
                 <a:tab algn="l" pos="0"/>
               </a:tabLst>
             </a:pPr>
-            <a:fld id="{A61F603A-E522-4037-BABE-4620DEEB7C13}" type="slidenum">
+            <a:fld id="{A0952ED4-D067-49CD-8E62-BE0FB92502C4}" type="slidenum">
               <a:rPr b="0" lang="en" sz="1000" spc="-1" strike="noStrike">
                 <a:solidFill>
                   <a:srgbClr val="595959"/>
@@ -17687,7 +17686,7 @@
         <p:spPr>
           <a:xfrm>
             <a:off x="8472600" y="4663080"/>
-            <a:ext cx="546840" cy="391680"/>
+            <a:ext cx="546480" cy="391320"/>
           </a:xfrm>
           <a:prstGeom prst="rect">
             <a:avLst/>
@@ -17729,7 +17728,7 @@
                 <a:tab algn="l" pos="0"/>
               </a:tabLst>
             </a:pPr>
-            <a:fld id="{DC476807-43E9-4F05-94B5-7B4246355C31}" type="slidenum">
+            <a:fld id="{8AFD7D4C-1794-4AEB-9DB6-F1C5AA765FBB}" type="slidenum">
               <a:rPr b="0" lang="en" sz="1000" spc="-1" strike="noStrike">
                 <a:solidFill>
                   <a:srgbClr val="595959"/>
@@ -17787,7 +17786,7 @@
         <p:spPr>
           <a:xfrm>
             <a:off x="0" y="0"/>
-            <a:ext cx="9142200" cy="5141880"/>
+            <a:ext cx="9141840" cy="5141520"/>
           </a:xfrm>
           <a:prstGeom prst="rect">
             <a:avLst/>
@@ -17806,9 +17805,9 @@
         <p:grpSpPr>
           <a:xfrm>
             <a:off x="0" y="4044960"/>
-            <a:ext cx="9142200" cy="978840"/>
+            <a:ext cx="9141840" cy="978840"/>
             <a:chOff x="0" y="4044960"/>
-            <a:chExt cx="9142200" cy="978840"/>
+            <a:chExt cx="9141840" cy="978840"/>
           </a:xfrm>
         </p:grpSpPr>
         <p:pic>
@@ -17824,7 +17823,7 @@
           <p:spPr>
             <a:xfrm>
               <a:off x="268560" y="4044960"/>
-              <a:ext cx="1632240" cy="566280"/>
+              <a:ext cx="1631880" cy="565920"/>
             </a:xfrm>
             <a:prstGeom prst="rect">
               <a:avLst/>
@@ -17843,7 +17842,7 @@
           <p:spPr>
             <a:xfrm>
               <a:off x="0" y="4810320"/>
-              <a:ext cx="9142200" cy="213480"/>
+              <a:ext cx="9141840" cy="213480"/>
             </a:xfrm>
             <a:prstGeom prst="rect">
               <a:avLst/>
@@ -17901,7 +17900,7 @@
         <p:spPr>
           <a:xfrm>
             <a:off x="1924200" y="1148760"/>
-            <a:ext cx="7611120" cy="2031840"/>
+            <a:ext cx="7610760" cy="2031480"/>
           </a:xfrm>
           <a:prstGeom prst="rect">
             <a:avLst/>
@@ -17981,7 +17980,7 @@
       </p:grpSpPr>
       <p:pic>
         <p:nvPicPr>
-          <p:cNvPr id="228" name="Google Shape;183;p37" descr=""/>
+          <p:cNvPr id="228" name="Google Shape;190;p38" descr=""/>
           <p:cNvPicPr/>
           <p:nvPr/>
         </p:nvPicPr>
@@ -17991,8 +17990,8 @@
         </p:blipFill>
         <p:spPr>
           <a:xfrm flipH="1">
-            <a:off x="1800" y="159480"/>
-            <a:ext cx="1260360" cy="610200"/>
+            <a:off x="2160" y="159480"/>
+            <a:ext cx="1260000" cy="609840"/>
           </a:xfrm>
           <a:prstGeom prst="rect">
             <a:avLst/>
@@ -18015,7 +18014,7 @@
         <p:spPr>
           <a:xfrm>
             <a:off x="1262160" y="281880"/>
-            <a:ext cx="6782040" cy="487800"/>
+            <a:ext cx="6781680" cy="487440"/>
           </a:xfrm>
           <a:prstGeom prst="rect">
             <a:avLst/>
@@ -18047,7 +18046,7 @@
                 <a:latin typeface="Arial"/>
                 <a:ea typeface="Arial"/>
               </a:rPr>
-              <a:t>The Market &amp; The Competition</a:t>
+              <a:t>Business Model * Plan &amp; Funds</a:t>
             </a:r>
             <a:endParaRPr b="0" lang="pt-PT" sz="3000" spc="-1" strike="noStrike">
               <a:solidFill>
@@ -18060,14 +18059,14 @@
       </p:sp>
       <p:sp>
         <p:nvSpPr>
-          <p:cNvPr id="230" name="Google Shape;185;p37"/>
+          <p:cNvPr id="230" name="Google Shape;192;p38"/>
           <p:cNvSpPr/>
           <p:nvPr/>
         </p:nvSpPr>
         <p:spPr>
           <a:xfrm>
             <a:off x="657720" y="1132560"/>
-            <a:ext cx="7685280" cy="3198600"/>
+            <a:ext cx="7684920" cy="3198240"/>
           </a:xfrm>
           <a:prstGeom prst="rect">
             <a:avLst/>
@@ -18104,33 +18103,7 @@
                 <a:latin typeface="Roboto"/>
                 <a:ea typeface="Roboto"/>
               </a:rPr>
-              <a:t>Every one enjoys to set a speed, knowingly that it will arrive in a certain time frame, but many avoid it as it consumes more than their own speed control.</a:t>
-            </a:r>
-            <a:br>
-              <a:rPr sz="1800"/>
-            </a:br>
-            <a:br>
-              <a:rPr sz="1800"/>
-            </a:br>
-            <a:r>
-              <a:rPr b="0" lang="en" sz="1800" spc="-1" strike="noStrike">
-                <a:solidFill>
-                  <a:srgbClr val="000000"/>
-                </a:solidFill>
-                <a:latin typeface="Arial"/>
-                <a:ea typeface="DejaVu Sans"/>
-              </a:rPr>
-              <a:t>T</a:t>
-            </a:r>
-            <a:r>
-              <a:rPr b="0" i="1" lang="en" sz="1800" spc="-1" strike="noStrike">
-                <a:solidFill>
-                  <a:srgbClr val="000000"/>
-                </a:solidFill>
-                <a:latin typeface="Roboto"/>
-                <a:ea typeface="Roboto"/>
-              </a:rPr>
-              <a:t>he closest competitor is the adaptative cruise control who lowers the speed if a car is circulating slower in front of him. But none considers lowering the consumption...</a:t>
+              <a:t>As true SDVs are still in progress and there aren’t many brands selling them, offering it as a downloadable app is still not feasible. </a:t>
             </a:r>
             <a:endParaRPr b="0" lang="pt-PT" sz="1800" spc="-1" strike="noStrike">
               <a:solidFill>
@@ -18149,6 +18122,122 @@
               </a:tabLst>
             </a:pPr>
             <a:endParaRPr b="0" lang="pt-PT" sz="1800" spc="-1" strike="noStrike">
+              <a:solidFill>
+                <a:srgbClr val="000000"/>
+              </a:solidFill>
+              <a:latin typeface="Arial"/>
+            </a:endParaRPr>
+          </a:p>
+          <a:p>
+            <a:pPr marL="12600">
+              <a:lnSpc>
+                <a:spcPct val="100000"/>
+              </a:lnSpc>
+              <a:tabLst>
+                <a:tab algn="l" pos="0"/>
+              </a:tabLst>
+            </a:pPr>
+            <a:r>
+              <a:rPr b="0" i="1" lang="en" sz="1800" spc="-1" strike="noStrike">
+                <a:solidFill>
+                  <a:srgbClr val="000000"/>
+                </a:solidFill>
+                <a:latin typeface="Roboto"/>
+                <a:ea typeface="Roboto"/>
+              </a:rPr>
+              <a:t>However, the algorythm can be prepared and improved with the scope of offering the solution as an add on/concept for the main manufacturers</a:t>
+            </a:r>
+            <a:endParaRPr b="0" lang="pt-PT" sz="1800" spc="-1" strike="noStrike">
+              <a:solidFill>
+                <a:srgbClr val="000000"/>
+              </a:solidFill>
+              <a:latin typeface="Arial"/>
+            </a:endParaRPr>
+          </a:p>
+          <a:p>
+            <a:pPr marL="12600">
+              <a:lnSpc>
+                <a:spcPct val="100000"/>
+              </a:lnSpc>
+              <a:tabLst>
+                <a:tab algn="l" pos="0"/>
+              </a:tabLst>
+            </a:pPr>
+            <a:endParaRPr b="0" lang="pt-PT" sz="1800" spc="-1" strike="noStrike">
+              <a:solidFill>
+                <a:srgbClr val="000000"/>
+              </a:solidFill>
+              <a:latin typeface="Arial"/>
+            </a:endParaRPr>
+          </a:p>
+          <a:p>
+            <a:pPr marL="12600">
+              <a:lnSpc>
+                <a:spcPct val="100000"/>
+              </a:lnSpc>
+              <a:tabLst>
+                <a:tab algn="l" pos="0"/>
+              </a:tabLst>
+            </a:pPr>
+            <a:r>
+              <a:rPr b="0" i="1" lang="en" sz="1800" spc="-1" strike="noStrike">
+                <a:solidFill>
+                  <a:srgbClr val="000000"/>
+                </a:solidFill>
+                <a:latin typeface="Roboto"/>
+                <a:ea typeface="Roboto"/>
+              </a:rPr>
+              <a:t>Funds would be used to further develop and improve the app, as well as creating awareness, its own place on the market, and offer the algorythm as a library/feature to be implemented on each brand own vehicle.</a:t>
+            </a:r>
+            <a:endParaRPr b="0" lang="pt-PT" sz="1800" spc="-1" strike="noStrike">
+              <a:solidFill>
+                <a:srgbClr val="000000"/>
+              </a:solidFill>
+              <a:latin typeface="Arial"/>
+            </a:endParaRPr>
+          </a:p>
+          <a:p>
+            <a:pPr marL="12600">
+              <a:lnSpc>
+                <a:spcPct val="100000"/>
+              </a:lnSpc>
+              <a:tabLst>
+                <a:tab algn="l" pos="0"/>
+              </a:tabLst>
+            </a:pPr>
+            <a:endParaRPr b="0" lang="pt-PT" sz="1800" spc="-1" strike="noStrike">
+              <a:solidFill>
+                <a:srgbClr val="000000"/>
+              </a:solidFill>
+              <a:latin typeface="Arial"/>
+            </a:endParaRPr>
+          </a:p>
+          <a:p>
+            <a:pPr marL="12600">
+              <a:lnSpc>
+                <a:spcPct val="100000"/>
+              </a:lnSpc>
+              <a:tabLst>
+                <a:tab algn="l" pos="0"/>
+              </a:tabLst>
+            </a:pPr>
+            <a:endParaRPr b="0" lang="pt-PT" sz="1800" spc="-1" strike="noStrike">
+              <a:solidFill>
+                <a:srgbClr val="000000"/>
+              </a:solidFill>
+              <a:latin typeface="Arial"/>
+            </a:endParaRPr>
+          </a:p>
+          <a:p>
+            <a:pPr marL="12600">
+              <a:lnSpc>
+                <a:spcPct val="100000"/>
+              </a:lnSpc>
+              <a:tabLst>
+                <a:tab algn="l" pos="0"/>
+              </a:tabLst>
+            </a:pPr>
+            <a:endParaRPr b="0" lang="pt-PT" sz="1200" spc="-1" strike="noStrike">
               <a:solidFill>
                 <a:srgbClr val="000000"/>
               </a:solidFill>
@@ -18170,7 +18259,7 @@
         <p:spPr>
           <a:xfrm>
             <a:off x="280800" y="4486680"/>
-            <a:ext cx="1242360" cy="555480"/>
+            <a:ext cx="1242000" cy="555120"/>
           </a:xfrm>
           <a:prstGeom prst="rect">
             <a:avLst/>
@@ -18212,7 +18301,7 @@
       </p:grpSpPr>
       <p:pic>
         <p:nvPicPr>
-          <p:cNvPr id="232" name="Google Shape;190;p38" descr=""/>
+          <p:cNvPr id="232" name="Google Shape;197;p39" descr=""/>
           <p:cNvPicPr/>
           <p:nvPr/>
         </p:nvPicPr>
@@ -18222,8 +18311,8 @@
         </p:blipFill>
         <p:spPr>
           <a:xfrm flipH="1">
-            <a:off x="1800" y="159480"/>
-            <a:ext cx="1260360" cy="610200"/>
+            <a:off x="2160" y="159480"/>
+            <a:ext cx="1260000" cy="609840"/>
           </a:xfrm>
           <a:prstGeom prst="rect">
             <a:avLst/>
@@ -18246,7 +18335,7 @@
         <p:spPr>
           <a:xfrm>
             <a:off x="1262160" y="281880"/>
-            <a:ext cx="6782040" cy="487800"/>
+            <a:ext cx="6781680" cy="487440"/>
           </a:xfrm>
           <a:prstGeom prst="rect">
             <a:avLst/>
@@ -18278,7 +18367,7 @@
                 <a:latin typeface="Arial"/>
                 <a:ea typeface="Arial"/>
               </a:rPr>
-              <a:t>Business Model * Plan &amp; Funds</a:t>
+              <a:t>Contact</a:t>
             </a:r>
             <a:endParaRPr b="0" lang="pt-PT" sz="3000" spc="-1" strike="noStrike">
               <a:solidFill>
@@ -18291,14 +18380,14 @@
       </p:sp>
       <p:sp>
         <p:nvSpPr>
-          <p:cNvPr id="234" name="Google Shape;192;p38"/>
+          <p:cNvPr id="234" name="Google Shape;199;p39"/>
           <p:cNvSpPr/>
           <p:nvPr/>
         </p:nvSpPr>
         <p:spPr>
           <a:xfrm>
             <a:off x="657720" y="1132560"/>
-            <a:ext cx="7685280" cy="3198600"/>
+            <a:ext cx="7684920" cy="3198240"/>
           </a:xfrm>
           <a:prstGeom prst="rect">
             <a:avLst/>
@@ -18335,7 +18424,7 @@
                 <a:latin typeface="Roboto"/>
                 <a:ea typeface="Roboto"/>
               </a:rPr>
-              <a:t>As true SDVs are still in progress and there aren’t many brands selling them, offering it as a downloadable app is still not feasible. </a:t>
+              <a:t>Ana Dias – ana.dias@criticalsoftware.com</a:t>
             </a:r>
             <a:endParaRPr b="0" lang="pt-PT" sz="1800" spc="-1" strike="noStrike">
               <a:solidFill>
@@ -18353,6 +18442,16 @@
                 <a:tab algn="l" pos="0"/>
               </a:tabLst>
             </a:pPr>
+            <a:r>
+              <a:rPr b="0" i="1" lang="en" sz="1800" spc="-1" strike="noStrike">
+                <a:solidFill>
+                  <a:srgbClr val="000000"/>
+                </a:solidFill>
+                <a:latin typeface="Roboto"/>
+                <a:ea typeface="Roboto"/>
+              </a:rPr>
+              <a:t>André Novo – andre.novo@criticalsoftware.com</a:t>
+            </a:r>
             <a:endParaRPr b="0" lang="pt-PT" sz="1800" spc="-1" strike="noStrike">
               <a:solidFill>
                 <a:srgbClr val="000000"/>
@@ -18377,7 +18476,17 @@
                 <a:latin typeface="Roboto"/>
                 <a:ea typeface="Roboto"/>
               </a:rPr>
-              <a:t>However, the algorythm can be prepared and improved with the scope of offering the solution as an add on/concept for the main manufacturers</a:t>
+              <a:t>Danilo Margarido – danilo.margarido@criticalsoftware.com</a:t>
+            </a:r>
+            <a:r>
+              <a:rPr b="0" i="1" lang="en" sz="1800" spc="-1" strike="noStrike">
+                <a:solidFill>
+                  <a:srgbClr val="000000"/>
+                </a:solidFill>
+                <a:latin typeface="Roboto"/>
+                <a:ea typeface="Roboto"/>
+              </a:rPr>
+              <a:t>	</a:t>
             </a:r>
             <a:endParaRPr b="0" lang="pt-PT" sz="1800" spc="-1" strike="noStrike">
               <a:solidFill>
@@ -18395,6 +18504,16 @@
                 <a:tab algn="l" pos="0"/>
               </a:tabLst>
             </a:pPr>
+            <a:r>
+              <a:rPr b="0" i="1" lang="en" sz="1800" spc="-1" strike="noStrike">
+                <a:solidFill>
+                  <a:srgbClr val="000000"/>
+                </a:solidFill>
+                <a:latin typeface="Roboto"/>
+                <a:ea typeface="Roboto"/>
+              </a:rPr>
+              <a:t>João Ferreira – joao.c.ferreira@criticalsoftware.com </a:t>
+            </a:r>
             <a:endParaRPr b="0" lang="pt-PT" sz="1800" spc="-1" strike="noStrike">
               <a:solidFill>
                 <a:srgbClr val="000000"/>
@@ -18419,7 +18538,7 @@
                 <a:latin typeface="Roboto"/>
                 <a:ea typeface="Roboto"/>
               </a:rPr>
-              <a:t>Funds would be used to further develop and improve the app, as well as creating awareness, its own place on the market, and offer the algorythm as a library/feature to be implemented on each brand own vehicle.</a:t>
+              <a:t>Jorge Nunes – jorge.nunes@criticalsoftware.com</a:t>
             </a:r>
             <a:endParaRPr b="0" lang="pt-PT" sz="1800" spc="-1" strike="noStrike">
               <a:solidFill>
@@ -18491,7 +18610,7 @@
         <p:spPr>
           <a:xfrm>
             <a:off x="280800" y="4486680"/>
-            <a:ext cx="1242360" cy="555480"/>
+            <a:ext cx="1242000" cy="555120"/>
           </a:xfrm>
           <a:prstGeom prst="rect">
             <a:avLst/>
@@ -18533,358 +18652,7 @@
       </p:grpSpPr>
       <p:pic>
         <p:nvPicPr>
-          <p:cNvPr id="236" name="Google Shape;197;p39" descr=""/>
-          <p:cNvPicPr/>
-          <p:nvPr/>
-        </p:nvPicPr>
-        <p:blipFill>
-          <a:blip r:embed="rId1"/>
-          <a:stretch/>
-        </p:blipFill>
-        <p:spPr>
-          <a:xfrm flipH="1">
-            <a:off x="1800" y="159480"/>
-            <a:ext cx="1260360" cy="610200"/>
-          </a:xfrm>
-          <a:prstGeom prst="rect">
-            <a:avLst/>
-          </a:prstGeom>
-          <a:ln w="0">
-            <a:noFill/>
-          </a:ln>
-        </p:spPr>
-      </p:pic>
-      <p:sp>
-        <p:nvSpPr>
-          <p:cNvPr id="237" name="PlaceHolder 1"/>
-          <p:cNvSpPr>
-            <a:spLocks noGrp="1"/>
-          </p:cNvSpPr>
-          <p:nvPr>
-            <p:ph type="title"/>
-          </p:nvPr>
-        </p:nvSpPr>
-        <p:spPr>
-          <a:xfrm>
-            <a:off x="1262160" y="281880"/>
-            <a:ext cx="6782040" cy="487800"/>
-          </a:xfrm>
-          <a:prstGeom prst="rect">
-            <a:avLst/>
-          </a:prstGeom>
-          <a:noFill/>
-          <a:ln w="0">
-            <a:noFill/>
-          </a:ln>
-        </p:spPr>
-        <p:txBody>
-          <a:bodyPr lIns="90000" rIns="90000" tIns="90000" bIns="90000" anchor="t">
-            <a:noAutofit/>
-          </a:bodyPr>
-          <a:p>
-            <a:pPr indent="0">
-              <a:lnSpc>
-                <a:spcPct val="100000"/>
-              </a:lnSpc>
-              <a:buNone/>
-              <a:tabLst>
-                <a:tab algn="l" pos="0"/>
-              </a:tabLst>
-            </a:pPr>
-            <a:r>
-              <a:rPr b="0" lang="en" sz="3000" spc="-1" strike="noStrike">
-                <a:solidFill>
-                  <a:srgbClr val="000000"/>
-                </a:solidFill>
-                <a:latin typeface="Arial"/>
-                <a:ea typeface="Arial"/>
-              </a:rPr>
-              <a:t>Contact</a:t>
-            </a:r>
-            <a:endParaRPr b="0" lang="pt-PT" sz="3000" spc="-1" strike="noStrike">
-              <a:solidFill>
-                <a:srgbClr val="000000"/>
-              </a:solidFill>
-              <a:latin typeface="Arial"/>
-            </a:endParaRPr>
-          </a:p>
-        </p:txBody>
-      </p:sp>
-      <p:sp>
-        <p:nvSpPr>
-          <p:cNvPr id="238" name="Google Shape;199;p39"/>
-          <p:cNvSpPr/>
-          <p:nvPr/>
-        </p:nvSpPr>
-        <p:spPr>
-          <a:xfrm>
-            <a:off x="657720" y="1132560"/>
-            <a:ext cx="7685280" cy="3198600"/>
-          </a:xfrm>
-          <a:prstGeom prst="rect">
-            <a:avLst/>
-          </a:prstGeom>
-          <a:noFill/>
-          <a:ln w="0">
-            <a:noFill/>
-          </a:ln>
-        </p:spPr>
-        <p:style>
-          <a:lnRef idx="0"/>
-          <a:fillRef idx="0"/>
-          <a:effectRef idx="0"/>
-          <a:fontRef idx="minor"/>
-        </p:style>
-        <p:txBody>
-          <a:bodyPr lIns="90000" rIns="90000" tIns="91440" bIns="91440" anchor="t">
-            <a:noAutofit/>
-          </a:bodyPr>
-          <a:p>
-            <a:pPr marL="12600">
-              <a:lnSpc>
-                <a:spcPct val="100000"/>
-              </a:lnSpc>
-              <a:tabLst>
-                <a:tab algn="l" pos="0"/>
-              </a:tabLst>
-            </a:pPr>
-            <a:r>
-              <a:rPr b="0" i="1" lang="en" sz="1800" spc="-1" strike="noStrike">
-                <a:solidFill>
-                  <a:srgbClr val="000000"/>
-                </a:solidFill>
-                <a:latin typeface="Roboto"/>
-                <a:ea typeface="Roboto"/>
-              </a:rPr>
-              <a:t>Ana Dias – ana.dias@criticalsoftware.com</a:t>
-            </a:r>
-            <a:endParaRPr b="0" lang="pt-PT" sz="1800" spc="-1" strike="noStrike">
-              <a:solidFill>
-                <a:srgbClr val="000000"/>
-              </a:solidFill>
-              <a:latin typeface="Arial"/>
-            </a:endParaRPr>
-          </a:p>
-          <a:p>
-            <a:pPr marL="12600">
-              <a:lnSpc>
-                <a:spcPct val="100000"/>
-              </a:lnSpc>
-              <a:tabLst>
-                <a:tab algn="l" pos="0"/>
-              </a:tabLst>
-            </a:pPr>
-            <a:r>
-              <a:rPr b="0" i="1" lang="en" sz="1800" spc="-1" strike="noStrike">
-                <a:solidFill>
-                  <a:srgbClr val="000000"/>
-                </a:solidFill>
-                <a:latin typeface="Roboto"/>
-                <a:ea typeface="Roboto"/>
-              </a:rPr>
-              <a:t>André Novo – andre.novo@criticalsoftware.com</a:t>
-            </a:r>
-            <a:endParaRPr b="0" lang="pt-PT" sz="1800" spc="-1" strike="noStrike">
-              <a:solidFill>
-                <a:srgbClr val="000000"/>
-              </a:solidFill>
-              <a:latin typeface="Arial"/>
-            </a:endParaRPr>
-          </a:p>
-          <a:p>
-            <a:pPr marL="12600">
-              <a:lnSpc>
-                <a:spcPct val="100000"/>
-              </a:lnSpc>
-              <a:tabLst>
-                <a:tab algn="l" pos="0"/>
-              </a:tabLst>
-            </a:pPr>
-            <a:r>
-              <a:rPr b="0" i="1" lang="en" sz="1800" spc="-1" strike="noStrike">
-                <a:solidFill>
-                  <a:srgbClr val="000000"/>
-                </a:solidFill>
-                <a:latin typeface="Roboto"/>
-                <a:ea typeface="Roboto"/>
-              </a:rPr>
-              <a:t>Danilo Margarido – danilo.margarido@criticalsoftware.com</a:t>
-            </a:r>
-            <a:r>
-              <a:rPr b="0" i="1" lang="en" sz="1800" spc="-1" strike="noStrike">
-                <a:solidFill>
-                  <a:srgbClr val="000000"/>
-                </a:solidFill>
-                <a:latin typeface="Roboto"/>
-                <a:ea typeface="Roboto"/>
-              </a:rPr>
-              <a:t>	</a:t>
-            </a:r>
-            <a:endParaRPr b="0" lang="pt-PT" sz="1800" spc="-1" strike="noStrike">
-              <a:solidFill>
-                <a:srgbClr val="000000"/>
-              </a:solidFill>
-              <a:latin typeface="Arial"/>
-            </a:endParaRPr>
-          </a:p>
-          <a:p>
-            <a:pPr marL="12600">
-              <a:lnSpc>
-                <a:spcPct val="100000"/>
-              </a:lnSpc>
-              <a:tabLst>
-                <a:tab algn="l" pos="0"/>
-              </a:tabLst>
-            </a:pPr>
-            <a:r>
-              <a:rPr b="0" i="1" lang="en" sz="1800" spc="-1" strike="noStrike">
-                <a:solidFill>
-                  <a:srgbClr val="000000"/>
-                </a:solidFill>
-                <a:latin typeface="Roboto"/>
-                <a:ea typeface="Roboto"/>
-              </a:rPr>
-              <a:t>João Ferreira – joao.c.ferreira@criticalsoftware.com </a:t>
-            </a:r>
-            <a:endParaRPr b="0" lang="pt-PT" sz="1800" spc="-1" strike="noStrike">
-              <a:solidFill>
-                <a:srgbClr val="000000"/>
-              </a:solidFill>
-              <a:latin typeface="Arial"/>
-            </a:endParaRPr>
-          </a:p>
-          <a:p>
-            <a:pPr marL="12600">
-              <a:lnSpc>
-                <a:spcPct val="100000"/>
-              </a:lnSpc>
-              <a:tabLst>
-                <a:tab algn="l" pos="0"/>
-              </a:tabLst>
-            </a:pPr>
-            <a:r>
-              <a:rPr b="0" i="1" lang="en" sz="1800" spc="-1" strike="noStrike">
-                <a:solidFill>
-                  <a:srgbClr val="000000"/>
-                </a:solidFill>
-                <a:latin typeface="Roboto"/>
-                <a:ea typeface="Roboto"/>
-              </a:rPr>
-              <a:t>Jorge Nunes – jorge.nunes@criticalsoftware.com</a:t>
-            </a:r>
-            <a:endParaRPr b="0" lang="pt-PT" sz="1800" spc="-1" strike="noStrike">
-              <a:solidFill>
-                <a:srgbClr val="000000"/>
-              </a:solidFill>
-              <a:latin typeface="Arial"/>
-            </a:endParaRPr>
-          </a:p>
-          <a:p>
-            <a:pPr marL="12600">
-              <a:lnSpc>
-                <a:spcPct val="100000"/>
-              </a:lnSpc>
-              <a:tabLst>
-                <a:tab algn="l" pos="0"/>
-              </a:tabLst>
-            </a:pPr>
-            <a:endParaRPr b="0" lang="pt-PT" sz="1800" spc="-1" strike="noStrike">
-              <a:solidFill>
-                <a:srgbClr val="000000"/>
-              </a:solidFill>
-              <a:latin typeface="Arial"/>
-            </a:endParaRPr>
-          </a:p>
-          <a:p>
-            <a:pPr marL="12600">
-              <a:lnSpc>
-                <a:spcPct val="100000"/>
-              </a:lnSpc>
-              <a:tabLst>
-                <a:tab algn="l" pos="0"/>
-              </a:tabLst>
-            </a:pPr>
-            <a:endParaRPr b="0" lang="pt-PT" sz="1800" spc="-1" strike="noStrike">
-              <a:solidFill>
-                <a:srgbClr val="000000"/>
-              </a:solidFill>
-              <a:latin typeface="Arial"/>
-            </a:endParaRPr>
-          </a:p>
-          <a:p>
-            <a:pPr marL="12600">
-              <a:lnSpc>
-                <a:spcPct val="100000"/>
-              </a:lnSpc>
-              <a:tabLst>
-                <a:tab algn="l" pos="0"/>
-              </a:tabLst>
-            </a:pPr>
-            <a:endParaRPr b="0" lang="pt-PT" sz="1200" spc="-1" strike="noStrike">
-              <a:solidFill>
-                <a:srgbClr val="000000"/>
-              </a:solidFill>
-              <a:latin typeface="Arial"/>
-            </a:endParaRPr>
-          </a:p>
-        </p:txBody>
-      </p:sp>
-      <p:pic>
-        <p:nvPicPr>
-          <p:cNvPr id="239" name="" descr=""/>
-          <p:cNvPicPr/>
-          <p:nvPr/>
-        </p:nvPicPr>
-        <p:blipFill>
-          <a:blip r:embed="rId2"/>
-          <a:stretch/>
-        </p:blipFill>
-        <p:spPr>
-          <a:xfrm>
-            <a:off x="280800" y="4486680"/>
-            <a:ext cx="1242360" cy="555480"/>
-          </a:xfrm>
-          <a:prstGeom prst="rect">
-            <a:avLst/>
-          </a:prstGeom>
-          <a:ln w="0">
-            <a:noFill/>
-          </a:ln>
-        </p:spPr>
-      </p:pic>
-    </p:spTree>
-  </p:cSld>
-  <mc:AlternateContent>
-    <mc:Choice Requires="p14">
-      <p:transition spd="slow" p14:dur="2000"/>
-    </mc:Choice>
-    <mc:Fallback>
-      <p:transition spd="slow"/>
-    </mc:Fallback>
-  </mc:AlternateContent>
-</p:sld>
-</file>
-
-<file path=ppt/slides/slide13.xml><?xml version="1.0" encoding="utf-8"?>
-<p:sld xmlns:a="http://schemas.openxmlformats.org/drawingml/2006/main" xmlns:p="http://schemas.openxmlformats.org/presentationml/2006/main" xmlns:r="http://schemas.openxmlformats.org/officeDocument/2006/relationships" xmlns:p14="http://schemas.microsoft.com/office/powerpoint/2010/main" xmlns:p15="http://schemas.microsoft.com/office/powerpoint/2012/main" xmlns:mc="http://schemas.openxmlformats.org/markup-compatibility/2006">
-  <p:cSld>
-    <p:spTree>
-      <p:nvGrpSpPr>
-        <p:cNvPr id="1" name=""/>
-        <p:cNvGrpSpPr/>
-        <p:nvPr/>
-      </p:nvGrpSpPr>
-      <p:grpSpPr>
-        <a:xfrm>
-          <a:off x="0" y="0"/>
-          <a:ext cx="0" cy="0"/>
-          <a:chOff x="0" y="0"/>
-          <a:chExt cx="0" cy="0"/>
-        </a:xfrm>
-      </p:grpSpPr>
-      <p:pic>
-        <p:nvPicPr>
-          <p:cNvPr id="240" name="Google Shape;204;p40" descr=""/>
+          <p:cNvPr id="236" name="Google Shape;204;p40" descr=""/>
           <p:cNvPicPr/>
           <p:nvPr/>
         </p:nvPicPr>
@@ -18895,7 +18663,7 @@
         <p:spPr>
           <a:xfrm>
             <a:off x="0" y="0"/>
-            <a:ext cx="9142200" cy="5141880"/>
+            <a:ext cx="9141840" cy="5141520"/>
           </a:xfrm>
           <a:prstGeom prst="rect">
             <a:avLst/>
@@ -18907,21 +18675,21 @@
       </p:pic>
       <p:grpSp>
         <p:nvGrpSpPr>
-          <p:cNvPr id="241" name="Google Shape;205;p40"/>
+          <p:cNvPr id="237" name="Google Shape;205;p40"/>
           <p:cNvGrpSpPr/>
           <p:nvPr/>
         </p:nvGrpSpPr>
         <p:grpSpPr>
           <a:xfrm>
             <a:off x="0" y="4044960"/>
-            <a:ext cx="9142200" cy="978840"/>
+            <a:ext cx="9141840" cy="978840"/>
             <a:chOff x="0" y="4044960"/>
-            <a:chExt cx="9142200" cy="978840"/>
+            <a:chExt cx="9141840" cy="978840"/>
           </a:xfrm>
         </p:grpSpPr>
         <p:pic>
           <p:nvPicPr>
-            <p:cNvPr id="242" name="Google Shape;206;p40" descr=""/>
+            <p:cNvPr id="238" name="Google Shape;206;p40" descr=""/>
             <p:cNvPicPr/>
             <p:nvPr/>
           </p:nvPicPr>
@@ -18932,7 +18700,7 @@
           <p:spPr>
             <a:xfrm>
               <a:off x="268560" y="4044960"/>
-              <a:ext cx="1632240" cy="566280"/>
+              <a:ext cx="1631880" cy="565920"/>
             </a:xfrm>
             <a:prstGeom prst="rect">
               <a:avLst/>
@@ -18944,14 +18712,14 @@
         </p:pic>
         <p:sp>
           <p:nvSpPr>
-            <p:cNvPr id="243" name="Google Shape;207;p40"/>
+            <p:cNvPr id="239" name="Google Shape;207;p40"/>
             <p:cNvSpPr/>
             <p:nvPr/>
           </p:nvSpPr>
           <p:spPr>
             <a:xfrm>
               <a:off x="0" y="4810320"/>
-              <a:ext cx="9142200" cy="213480"/>
+              <a:ext cx="9141840" cy="213480"/>
             </a:xfrm>
             <a:prstGeom prst="rect">
               <a:avLst/>
@@ -19002,14 +18770,14 @@
       </p:grpSp>
       <p:sp>
         <p:nvSpPr>
-          <p:cNvPr id="244" name="Google Shape;208;p40"/>
+          <p:cNvPr id="240" name="Google Shape;208;p40"/>
           <p:cNvSpPr/>
           <p:nvPr/>
         </p:nvSpPr>
         <p:spPr>
           <a:xfrm>
             <a:off x="0" y="2073240"/>
-            <a:ext cx="9142200" cy="2031840"/>
+            <a:ext cx="9141840" cy="2031480"/>
           </a:xfrm>
           <a:prstGeom prst="rect">
             <a:avLst/>
@@ -19152,7 +18920,7 @@
         <p:spPr>
           <a:xfrm>
             <a:off x="0" y="0"/>
-            <a:ext cx="9142200" cy="5141880"/>
+            <a:ext cx="9141840" cy="5141520"/>
           </a:xfrm>
           <a:prstGeom prst="rect">
             <a:avLst/>
@@ -19171,9 +18939,9 @@
         <p:grpSpPr>
           <a:xfrm>
             <a:off x="0" y="4044960"/>
-            <a:ext cx="9142200" cy="978840"/>
+            <a:ext cx="9141840" cy="978840"/>
             <a:chOff x="0" y="4044960"/>
-            <a:chExt cx="9142200" cy="978840"/>
+            <a:chExt cx="9141840" cy="978840"/>
           </a:xfrm>
         </p:grpSpPr>
         <p:pic>
@@ -19189,7 +18957,7 @@
           <p:spPr>
             <a:xfrm>
               <a:off x="268560" y="4044960"/>
-              <a:ext cx="1632240" cy="566280"/>
+              <a:ext cx="1631880" cy="565920"/>
             </a:xfrm>
             <a:prstGeom prst="rect">
               <a:avLst/>
@@ -19208,7 +18976,7 @@
           <p:spPr>
             <a:xfrm>
               <a:off x="0" y="4810320"/>
-              <a:ext cx="9142200" cy="213480"/>
+              <a:ext cx="9141840" cy="213480"/>
             </a:xfrm>
             <a:prstGeom prst="rect">
               <a:avLst/>
@@ -19266,7 +19034,7 @@
         <p:spPr>
           <a:xfrm>
             <a:off x="0" y="2225880"/>
-            <a:ext cx="9142200" cy="2031840"/>
+            <a:ext cx="9141840" cy="2031480"/>
           </a:xfrm>
           <a:prstGeom prst="rect">
             <a:avLst/>
@@ -19369,8 +19137,8 @@
         </p:blipFill>
         <p:spPr>
           <a:xfrm flipH="1">
-            <a:off x="1800" y="159480"/>
-            <a:ext cx="1260360" cy="610200"/>
+            <a:off x="2160" y="159480"/>
+            <a:ext cx="1260000" cy="609840"/>
           </a:xfrm>
           <a:prstGeom prst="rect">
             <a:avLst/>
@@ -19393,7 +19161,7 @@
         <p:spPr>
           <a:xfrm>
             <a:off x="1262160" y="281880"/>
-            <a:ext cx="6782040" cy="487800"/>
+            <a:ext cx="6781680" cy="487440"/>
           </a:xfrm>
           <a:prstGeom prst="rect">
             <a:avLst/>
@@ -19445,7 +19213,7 @@
         <p:spPr>
           <a:xfrm>
             <a:off x="657720" y="1132560"/>
-            <a:ext cx="7685280" cy="3198600"/>
+            <a:ext cx="7684920" cy="3198240"/>
           </a:xfrm>
           <a:prstGeom prst="rect">
             <a:avLst/>
@@ -19632,7 +19400,7 @@
         <p:spPr>
           <a:xfrm>
             <a:off x="280800" y="4486680"/>
-            <a:ext cx="1242360" cy="555480"/>
+            <a:ext cx="1242000" cy="555120"/>
           </a:xfrm>
           <a:prstGeom prst="rect">
             <a:avLst/>
@@ -19684,8 +19452,8 @@
         </p:blipFill>
         <p:spPr>
           <a:xfrm flipH="1">
-            <a:off x="1800" y="159480"/>
-            <a:ext cx="1260360" cy="610200"/>
+            <a:off x="2160" y="159480"/>
+            <a:ext cx="1260000" cy="609840"/>
           </a:xfrm>
           <a:prstGeom prst="rect">
             <a:avLst/>
@@ -19708,7 +19476,7 @@
         <p:spPr>
           <a:xfrm>
             <a:off x="1262160" y="281880"/>
-            <a:ext cx="6782040" cy="487800"/>
+            <a:ext cx="6781680" cy="487440"/>
           </a:xfrm>
           <a:prstGeom prst="rect">
             <a:avLst/>
@@ -19760,7 +19528,7 @@
         <p:spPr>
           <a:xfrm>
             <a:off x="657720" y="1132560"/>
-            <a:ext cx="7685280" cy="3198600"/>
+            <a:ext cx="7684920" cy="3198240"/>
           </a:xfrm>
           <a:prstGeom prst="rect">
             <a:avLst/>
@@ -19979,7 +19747,7 @@
         <p:spPr>
           <a:xfrm>
             <a:off x="280800" y="4486680"/>
-            <a:ext cx="1242360" cy="555480"/>
+            <a:ext cx="1242000" cy="555120"/>
           </a:xfrm>
           <a:prstGeom prst="rect">
             <a:avLst/>
@@ -20031,8 +19799,8 @@
         </p:blipFill>
         <p:spPr>
           <a:xfrm flipH="1">
-            <a:off x="1800" y="159480"/>
-            <a:ext cx="1260360" cy="610200"/>
+            <a:off x="2160" y="159480"/>
+            <a:ext cx="1260000" cy="609840"/>
           </a:xfrm>
           <a:prstGeom prst="rect">
             <a:avLst/>
@@ -20055,7 +19823,7 @@
         <p:spPr>
           <a:xfrm>
             <a:off x="1262160" y="281880"/>
-            <a:ext cx="6782040" cy="487800"/>
+            <a:ext cx="6781680" cy="487440"/>
           </a:xfrm>
           <a:prstGeom prst="rect">
             <a:avLst/>
@@ -20107,7 +19875,7 @@
         <p:spPr>
           <a:xfrm>
             <a:off x="657720" y="1132560"/>
-            <a:ext cx="7685280" cy="3198600"/>
+            <a:ext cx="7684920" cy="3198240"/>
           </a:xfrm>
           <a:prstGeom prst="rect">
             <a:avLst/>
@@ -20390,7 +20158,7 @@
         <p:spPr>
           <a:xfrm>
             <a:off x="280800" y="4486680"/>
-            <a:ext cx="1242360" cy="555480"/>
+            <a:ext cx="1242000" cy="555120"/>
           </a:xfrm>
           <a:prstGeom prst="rect">
             <a:avLst/>
@@ -20442,8 +20210,8 @@
         </p:blipFill>
         <p:spPr>
           <a:xfrm flipH="1">
-            <a:off x="1800" y="159480"/>
-            <a:ext cx="1260360" cy="610200"/>
+            <a:off x="2160" y="159480"/>
+            <a:ext cx="1260000" cy="609840"/>
           </a:xfrm>
           <a:prstGeom prst="rect">
             <a:avLst/>
@@ -20466,7 +20234,7 @@
         <p:spPr>
           <a:xfrm>
             <a:off x="1262160" y="281880"/>
-            <a:ext cx="6782040" cy="487800"/>
+            <a:ext cx="6781680" cy="487440"/>
           </a:xfrm>
           <a:prstGeom prst="rect">
             <a:avLst/>
@@ -20518,7 +20286,7 @@
         <p:spPr>
           <a:xfrm>
             <a:off x="657720" y="1132560"/>
-            <a:ext cx="7685280" cy="3198600"/>
+            <a:ext cx="7684920" cy="3198240"/>
           </a:xfrm>
           <a:prstGeom prst="rect">
             <a:avLst/>
@@ -20595,7 +20363,7 @@
         <p:spPr>
           <a:xfrm>
             <a:off x="280800" y="4486680"/>
-            <a:ext cx="1242360" cy="555480"/>
+            <a:ext cx="1242000" cy="555120"/>
           </a:xfrm>
           <a:prstGeom prst="rect">
             <a:avLst/>
@@ -20618,7 +20386,7 @@
         <p:spPr>
           <a:xfrm>
             <a:off x="1644840" y="941040"/>
-            <a:ext cx="5724000" cy="3383280"/>
+            <a:ext cx="5723640" cy="3382920"/>
           </a:xfrm>
           <a:prstGeom prst="rect">
             <a:avLst/>
@@ -20670,8 +20438,8 @@
         </p:blipFill>
         <p:spPr>
           <a:xfrm flipH="1">
-            <a:off x="1800" y="159480"/>
-            <a:ext cx="1260360" cy="610200"/>
+            <a:off x="2160" y="159480"/>
+            <a:ext cx="1260000" cy="609840"/>
           </a:xfrm>
           <a:prstGeom prst="rect">
             <a:avLst/>
@@ -20694,7 +20462,7 @@
         <p:spPr>
           <a:xfrm>
             <a:off x="1262160" y="281880"/>
-            <a:ext cx="6782040" cy="487800"/>
+            <a:ext cx="6781680" cy="487440"/>
           </a:xfrm>
           <a:prstGeom prst="rect">
             <a:avLst/>
@@ -20746,7 +20514,7 @@
         <p:spPr>
           <a:xfrm>
             <a:off x="657720" y="1132560"/>
-            <a:ext cx="7685280" cy="3198600"/>
+            <a:ext cx="7684920" cy="3198240"/>
           </a:xfrm>
           <a:prstGeom prst="rect">
             <a:avLst/>
@@ -20823,7 +20591,7 @@
         <p:spPr>
           <a:xfrm>
             <a:off x="280800" y="4486680"/>
-            <a:ext cx="1242360" cy="555480"/>
+            <a:ext cx="1242000" cy="555120"/>
           </a:xfrm>
           <a:prstGeom prst="rect">
             <a:avLst/>
@@ -20846,7 +20614,7 @@
         <p:spPr>
           <a:xfrm>
             <a:off x="1684080" y="1132560"/>
-            <a:ext cx="5584680" cy="3400560"/>
+            <a:ext cx="5584320" cy="3400200"/>
           </a:xfrm>
           <a:prstGeom prst="rect">
             <a:avLst/>
@@ -20888,7 +20656,7 @@
       </p:grpSpPr>
       <p:pic>
         <p:nvPicPr>
-          <p:cNvPr id="220" name="Google Shape;169;p 2" descr=""/>
+          <p:cNvPr id="220" name="Google Shape;176;p36" descr=""/>
           <p:cNvPicPr/>
           <p:nvPr/>
         </p:nvPicPr>
@@ -20898,8 +20666,8 @@
         </p:blipFill>
         <p:spPr>
           <a:xfrm flipH="1">
-            <a:off x="1800" y="159480"/>
-            <a:ext cx="1260360" cy="610200"/>
+            <a:off x="2160" y="159480"/>
+            <a:ext cx="1260000" cy="609840"/>
           </a:xfrm>
           <a:prstGeom prst="rect">
             <a:avLst/>
@@ -20922,7 +20690,7 @@
         <p:spPr>
           <a:xfrm>
             <a:off x="1262160" y="281880"/>
-            <a:ext cx="6782040" cy="487800"/>
+            <a:ext cx="6781680" cy="487440"/>
           </a:xfrm>
           <a:prstGeom prst="rect">
             <a:avLst/>
@@ -20954,7 +20722,7 @@
                 <a:latin typeface="Arial"/>
                 <a:ea typeface="Arial"/>
               </a:rPr>
-              <a:t>The Product / Service</a:t>
+              <a:t>The Added Value</a:t>
             </a:r>
             <a:endParaRPr b="0" lang="pt-PT" sz="3000" spc="-1" strike="noStrike">
               <a:solidFill>
@@ -20967,14 +20735,14 @@
       </p:sp>
       <p:sp>
         <p:nvSpPr>
-          <p:cNvPr id="222" name="Google Shape;171;p 3"/>
+          <p:cNvPr id="222" name="Google Shape;178;p36"/>
           <p:cNvSpPr/>
           <p:nvPr/>
         </p:nvSpPr>
         <p:spPr>
           <a:xfrm>
             <a:off x="657720" y="1132560"/>
-            <a:ext cx="7685280" cy="3198600"/>
+            <a:ext cx="7684920" cy="3198240"/>
           </a:xfrm>
           <a:prstGeom prst="rect">
             <a:avLst/>
@@ -21011,7 +20779,7 @@
                 <a:latin typeface="Roboto"/>
                 <a:ea typeface="Roboto"/>
               </a:rPr>
-              <a:t>JACCUS – Just Another Cruise Control Usefull System.</a:t>
+              <a:t>The added value is to increase the authonomy of vehicles without compromising the total travel time.</a:t>
             </a:r>
             <a:endParaRPr b="0" lang="pt-PT" sz="1800" spc="-1" strike="noStrike">
               <a:solidFill>
@@ -21053,7 +20821,7 @@
                 <a:latin typeface="Roboto"/>
                 <a:ea typeface="Roboto"/>
               </a:rPr>
-              <a:t>A cruise control that keeps an average speed:</a:t>
+              <a:t>Independent of the engine: electric or ICU.</a:t>
             </a:r>
             <a:endParaRPr b="0" lang="pt-PT" sz="1800" spc="-1" strike="noStrike">
               <a:solidFill>
@@ -21071,36 +20839,6 @@
                 <a:tab algn="l" pos="0"/>
               </a:tabLst>
             </a:pPr>
-            <a:r>
-              <a:rPr b="0" i="1" lang="en" sz="1800" spc="-1" strike="noStrike">
-                <a:solidFill>
-                  <a:srgbClr val="000000"/>
-                </a:solidFill>
-                <a:latin typeface="Roboto"/>
-                <a:ea typeface="Roboto"/>
-              </a:rPr>
-              <a:t>	</a:t>
-            </a:r>
-            <a:r>
-              <a:rPr b="0" i="1" lang="en" sz="1800" spc="-1" strike="noStrike">
-                <a:solidFill>
-                  <a:srgbClr val="000000"/>
-                </a:solidFill>
-                <a:latin typeface="Roboto"/>
-                <a:ea typeface="Roboto"/>
-              </a:rPr>
-              <a:t>-</a:t>
-            </a:r>
-            <a:r>
-              <a:rPr b="1" i="1" lang="en" sz="1800" spc="-1" strike="noStrike">
-                <a:solidFill>
-                  <a:srgbClr val="000000"/>
-                </a:solidFill>
-                <a:latin typeface="Roboto"/>
-                <a:ea typeface="Roboto"/>
-              </a:rPr>
-              <a:t>increased energy saving =&gt; bigger authonomy</a:t>
-            </a:r>
             <a:endParaRPr b="0" lang="pt-PT" sz="1800" spc="-1" strike="noStrike">
               <a:solidFill>
                 <a:srgbClr val="000000"/>
@@ -21117,26 +20855,6 @@
                 <a:tab algn="l" pos="0"/>
               </a:tabLst>
             </a:pPr>
-            <a:r>
-              <a:rPr b="0" i="1" lang="en" sz="1800" spc="-1" strike="noStrike">
-                <a:solidFill>
-                  <a:srgbClr val="000000"/>
-                </a:solidFill>
-                <a:latin typeface="Roboto"/>
-                <a:ea typeface="Roboto"/>
-              </a:rPr>
-              <a:t>	</a:t>
-            </a:r>
-            <a:r>
-              <a:rPr b="0" i="1" lang="en" sz="1800" spc="-1" strike="noStrike">
-                <a:solidFill>
-                  <a:srgbClr val="000000"/>
-                </a:solidFill>
-                <a:latin typeface="Roboto"/>
-                <a:ea typeface="Roboto"/>
-              </a:rPr>
-              <a:t>-bigger delta in max/min speed</a:t>
-            </a:r>
             <a:endParaRPr b="0" lang="pt-PT" sz="1800" spc="-1" strike="noStrike">
               <a:solidFill>
                 <a:srgbClr val="000000"/>
@@ -21154,24 +20872,14 @@
               </a:tabLst>
             </a:pPr>
             <a:r>
-              <a:rPr b="0" i="1" lang="en" sz="1800" spc="-1" strike="noStrike">
+              <a:rPr b="1" i="1" lang="en" sz="1800" spc="-1" strike="noStrike">
                 <a:solidFill>
                   <a:srgbClr val="000000"/>
                 </a:solidFill>
                 <a:latin typeface="Roboto"/>
                 <a:ea typeface="Roboto"/>
               </a:rPr>
-              <a:t>	</a:t>
-            </a:r>
-            <a:r>
-              <a:rPr b="0" i="1" lang="en" sz="1800" spc="-1" strike="noStrike">
-                <a:solidFill>
-                  <a:srgbClr val="000000"/>
-                </a:solidFill>
-                <a:latin typeface="Roboto"/>
-                <a:ea typeface="Roboto"/>
-              </a:rPr>
-              <a:t>-smoother speed change</a:t>
+              <a:t>In the best of our knowledge, no Cruise Control System considers this hypothesis. </a:t>
             </a:r>
             <a:endParaRPr b="0" lang="pt-PT" sz="1800" spc="-1" strike="noStrike">
               <a:solidFill>
@@ -21189,53 +20897,7 @@
                 <a:tab algn="l" pos="0"/>
               </a:tabLst>
             </a:pPr>
-            <a:r>
-              <a:rPr b="0" i="1" lang="en" sz="1800" spc="-1" strike="noStrike">
-                <a:solidFill>
-                  <a:srgbClr val="000000"/>
-                </a:solidFill>
-                <a:latin typeface="Roboto"/>
-                <a:ea typeface="Roboto"/>
-              </a:rPr>
-              <a:t>	</a:t>
-            </a:r>
-            <a:r>
-              <a:rPr b="0" i="1" lang="en" sz="1800" spc="-1" strike="noStrike">
-                <a:solidFill>
-                  <a:srgbClr val="000000"/>
-                </a:solidFill>
-                <a:latin typeface="Roboto"/>
-                <a:ea typeface="Roboto"/>
-              </a:rPr>
-              <a:t>-increased confort</a:t>
-            </a:r>
-            <a:endParaRPr b="0" lang="pt-PT" sz="1800" spc="-1" strike="noStrike">
-              <a:solidFill>
-                <a:srgbClr val="000000"/>
-              </a:solidFill>
-              <a:latin typeface="Arial"/>
-            </a:endParaRPr>
-          </a:p>
-          <a:p>
-            <a:pPr marL="12600">
-              <a:lnSpc>
-                <a:spcPct val="100000"/>
-              </a:lnSpc>
-              <a:tabLst>
-                <a:tab algn="l" pos="0"/>
-              </a:tabLst>
-            </a:pPr>
-            <a:r>
-              <a:rPr b="0" i="1" lang="en" sz="1800" spc="-1" strike="noStrike">
-                <a:solidFill>
-                  <a:srgbClr val="000000"/>
-                </a:solidFill>
-                <a:latin typeface="Roboto"/>
-                <a:ea typeface="Roboto"/>
-              </a:rPr>
-              <a:t>	</a:t>
-            </a:r>
-            <a:endParaRPr b="0" lang="pt-PT" sz="1800" spc="-1" strike="noStrike">
+            <a:endParaRPr b="0" lang="pt-PT" sz="1200" spc="-1" strike="noStrike">
               <a:solidFill>
                 <a:srgbClr val="000000"/>
               </a:solidFill>
@@ -21257,7 +20919,7 @@
         <p:spPr>
           <a:xfrm>
             <a:off x="280800" y="4486680"/>
-            <a:ext cx="1242360" cy="555480"/>
+            <a:ext cx="1242000" cy="555120"/>
           </a:xfrm>
           <a:prstGeom prst="rect">
             <a:avLst/>
@@ -21299,7 +20961,7 @@
       </p:grpSpPr>
       <p:pic>
         <p:nvPicPr>
-          <p:cNvPr id="224" name="Google Shape;176;p36" descr=""/>
+          <p:cNvPr id="224" name="Google Shape;183;p37" descr=""/>
           <p:cNvPicPr/>
           <p:nvPr/>
         </p:nvPicPr>
@@ -21309,8 +20971,8 @@
         </p:blipFill>
         <p:spPr>
           <a:xfrm flipH="1">
-            <a:off x="1800" y="159480"/>
-            <a:ext cx="1260360" cy="610200"/>
+            <a:off x="2160" y="159480"/>
+            <a:ext cx="1260000" cy="609840"/>
           </a:xfrm>
           <a:prstGeom prst="rect">
             <a:avLst/>
@@ -21333,7 +20995,7 @@
         <p:spPr>
           <a:xfrm>
             <a:off x="1262160" y="281880"/>
-            <a:ext cx="6782040" cy="487800"/>
+            <a:ext cx="6781680" cy="487440"/>
           </a:xfrm>
           <a:prstGeom prst="rect">
             <a:avLst/>
@@ -21365,7 +21027,7 @@
                 <a:latin typeface="Arial"/>
                 <a:ea typeface="Arial"/>
               </a:rPr>
-              <a:t>The Added Value</a:t>
+              <a:t>The Market &amp; The Competition</a:t>
             </a:r>
             <a:endParaRPr b="0" lang="pt-PT" sz="3000" spc="-1" strike="noStrike">
               <a:solidFill>
@@ -21378,14 +21040,14 @@
       </p:sp>
       <p:sp>
         <p:nvSpPr>
-          <p:cNvPr id="226" name="Google Shape;178;p36"/>
+          <p:cNvPr id="226" name="Google Shape;185;p37"/>
           <p:cNvSpPr/>
           <p:nvPr/>
         </p:nvSpPr>
         <p:spPr>
           <a:xfrm>
             <a:off x="657720" y="1132560"/>
-            <a:ext cx="7685280" cy="3198600"/>
+            <a:ext cx="7684920" cy="3198240"/>
           </a:xfrm>
           <a:prstGeom prst="rect">
             <a:avLst/>
@@ -21422,7 +21084,33 @@
                 <a:latin typeface="Roboto"/>
                 <a:ea typeface="Roboto"/>
               </a:rPr>
-              <a:t>The added value is to increase the authonomy of vehicles without compromising the total travel time.</a:t>
+              <a:t>Every one enjoys to set a speed, knowingly that it will arrive in a certain time frame, but many avoid it as it consumes more than their own speed control.</a:t>
+            </a:r>
+            <a:br>
+              <a:rPr sz="1800"/>
+            </a:br>
+            <a:br>
+              <a:rPr sz="1800"/>
+            </a:br>
+            <a:r>
+              <a:rPr b="0" lang="en" sz="1800" spc="-1" strike="noStrike">
+                <a:solidFill>
+                  <a:srgbClr val="000000"/>
+                </a:solidFill>
+                <a:latin typeface="Arial"/>
+                <a:ea typeface="DejaVu Sans"/>
+              </a:rPr>
+              <a:t>T</a:t>
+            </a:r>
+            <a:r>
+              <a:rPr b="0" i="1" lang="en" sz="1800" spc="-1" strike="noStrike">
+                <a:solidFill>
+                  <a:srgbClr val="000000"/>
+                </a:solidFill>
+                <a:latin typeface="Roboto"/>
+                <a:ea typeface="Roboto"/>
+              </a:rPr>
+              <a:t>he closest competitor is the adaptative cruise control who lowers the speed if a car is circulating slower in front of him. But none considers lowering the consumption...</a:t>
             </a:r>
             <a:endParaRPr b="0" lang="pt-PT" sz="1800" spc="-1" strike="noStrike">
               <a:solidFill>
@@ -21441,106 +21129,6 @@
               </a:tabLst>
             </a:pPr>
             <a:endParaRPr b="0" lang="pt-PT" sz="1800" spc="-1" strike="noStrike">
-              <a:solidFill>
-                <a:srgbClr val="000000"/>
-              </a:solidFill>
-              <a:latin typeface="Arial"/>
-            </a:endParaRPr>
-          </a:p>
-          <a:p>
-            <a:pPr marL="12600">
-              <a:lnSpc>
-                <a:spcPct val="100000"/>
-              </a:lnSpc>
-              <a:tabLst>
-                <a:tab algn="l" pos="0"/>
-              </a:tabLst>
-            </a:pPr>
-            <a:r>
-              <a:rPr b="0" i="1" lang="en" sz="1800" spc="-1" strike="noStrike">
-                <a:solidFill>
-                  <a:srgbClr val="000000"/>
-                </a:solidFill>
-                <a:latin typeface="Roboto"/>
-                <a:ea typeface="Roboto"/>
-              </a:rPr>
-              <a:t>Independent of the engine: electric or ICU.</a:t>
-            </a:r>
-            <a:endParaRPr b="0" lang="pt-PT" sz="1800" spc="-1" strike="noStrike">
-              <a:solidFill>
-                <a:srgbClr val="000000"/>
-              </a:solidFill>
-              <a:latin typeface="Arial"/>
-            </a:endParaRPr>
-          </a:p>
-          <a:p>
-            <a:pPr marL="12600">
-              <a:lnSpc>
-                <a:spcPct val="100000"/>
-              </a:lnSpc>
-              <a:tabLst>
-                <a:tab algn="l" pos="0"/>
-              </a:tabLst>
-            </a:pPr>
-            <a:endParaRPr b="0" lang="pt-PT" sz="1800" spc="-1" strike="noStrike">
-              <a:solidFill>
-                <a:srgbClr val="000000"/>
-              </a:solidFill>
-              <a:latin typeface="Arial"/>
-            </a:endParaRPr>
-          </a:p>
-          <a:p>
-            <a:pPr marL="12600">
-              <a:lnSpc>
-                <a:spcPct val="100000"/>
-              </a:lnSpc>
-              <a:tabLst>
-                <a:tab algn="l" pos="0"/>
-              </a:tabLst>
-            </a:pPr>
-            <a:endParaRPr b="0" lang="pt-PT" sz="1800" spc="-1" strike="noStrike">
-              <a:solidFill>
-                <a:srgbClr val="000000"/>
-              </a:solidFill>
-              <a:latin typeface="Arial"/>
-            </a:endParaRPr>
-          </a:p>
-          <a:p>
-            <a:pPr marL="12600">
-              <a:lnSpc>
-                <a:spcPct val="100000"/>
-              </a:lnSpc>
-              <a:tabLst>
-                <a:tab algn="l" pos="0"/>
-              </a:tabLst>
-            </a:pPr>
-            <a:r>
-              <a:rPr b="1" i="1" lang="en" sz="1800" spc="-1" strike="noStrike">
-                <a:solidFill>
-                  <a:srgbClr val="000000"/>
-                </a:solidFill>
-                <a:latin typeface="Roboto"/>
-                <a:ea typeface="Roboto"/>
-              </a:rPr>
-              <a:t>In the best of our knowledge, no Cruise Control System considers this hypothesis. </a:t>
-            </a:r>
-            <a:endParaRPr b="0" lang="pt-PT" sz="1800" spc="-1" strike="noStrike">
-              <a:solidFill>
-                <a:srgbClr val="000000"/>
-              </a:solidFill>
-              <a:latin typeface="Arial"/>
-            </a:endParaRPr>
-          </a:p>
-          <a:p>
-            <a:pPr marL="12600">
-              <a:lnSpc>
-                <a:spcPct val="100000"/>
-              </a:lnSpc>
-              <a:tabLst>
-                <a:tab algn="l" pos="0"/>
-              </a:tabLst>
-            </a:pPr>
-            <a:endParaRPr b="0" lang="pt-PT" sz="1200" spc="-1" strike="noStrike">
               <a:solidFill>
                 <a:srgbClr val="000000"/>
               </a:solidFill>
@@ -21562,7 +21150,7 @@
         <p:spPr>
           <a:xfrm>
             <a:off x="280800" y="4486680"/>
-            <a:ext cx="1242360" cy="555480"/>
+            <a:ext cx="1242000" cy="555120"/>
           </a:xfrm>
           <a:prstGeom prst="rect">
             <a:avLst/>
